--- a/FSharpXamarin_Slides.pptx
+++ b/FSharpXamarin_Slides.pptx
@@ -118,6 +118,11 @@
       </a:defRPr>
     </a:lvl9pPr>
   </p:defaultTextStyle>
+  <p:extLst>
+    <p:ext uri="{EFAFB233-063F-42B5-8137-9DF3F51BA10A}">
+      <p15:sldGuideLst xmlns:p15="http://schemas.microsoft.com/office/powerpoint/2012/main"/>
+    </p:ext>
+  </p:extLst>
 </p:presentation>
 </file>
 
@@ -2508,6 +2513,13 @@
   <p:clrMapOvr>
     <a:masterClrMapping/>
   </p:clrMapOvr>
+  <p:timing>
+    <p:tnLst>
+      <p:par>
+        <p:cTn id="1" dur="indefinite" restart="never" nodeType="tmRoot"/>
+      </p:par>
+    </p:tnLst>
+  </p:timing>
 </p:sld>
 </file>
 
@@ -2598,8 +2610,13 @@
             <a:pPr lvl="1"/>
             <a:r>
               <a:rPr lang="en-US" dirty="0" smtClean="0"/>
-              <a:t>C# Windows 8.1 Universal</a:t>
-            </a:r>
+              <a:t>C# Windows </a:t>
+            </a:r>
+            <a:r>
+              <a:rPr lang="en-US" smtClean="0"/>
+              <a:t>8.1 Universal (UAP)</a:t>
+            </a:r>
+            <a:endParaRPr lang="en-US" dirty="0" smtClean="0"/>
           </a:p>
           <a:p>
             <a:pPr lvl="2"/>
@@ -2612,7 +2629,7 @@
             <a:pPr lvl="1"/>
             <a:r>
               <a:rPr lang="en-US" dirty="0" smtClean="0"/>
-              <a:t>C# Windows UAP (Win10)</a:t>
+              <a:t>C# Windows UWP (Win10)</a:t>
             </a:r>
           </a:p>
           <a:p>
@@ -2663,6 +2680,13 @@
   <p:clrMapOvr>
     <a:masterClrMapping/>
   </p:clrMapOvr>
+  <p:timing>
+    <p:tnLst>
+      <p:par>
+        <p:cTn id="1" dur="indefinite" restart="never" nodeType="tmRoot"/>
+      </p:par>
+    </p:tnLst>
+  </p:timing>
 </p:sld>
 </file>
 
@@ -2752,6 +2776,13 @@
   <p:clrMapOvr>
     <a:masterClrMapping/>
   </p:clrMapOvr>
+  <p:timing>
+    <p:tnLst>
+      <p:par>
+        <p:cTn id="1" dur="indefinite" restart="never" nodeType="tmRoot"/>
+      </p:par>
+    </p:tnLst>
+  </p:timing>
 </p:sld>
 </file>
 
@@ -2935,6 +2966,13 @@
   <p:clrMapOvr>
     <a:masterClrMapping/>
   </p:clrMapOvr>
+  <p:timing>
+    <p:tnLst>
+      <p:par>
+        <p:cTn id="1" dur="indefinite" restart="never" nodeType="tmRoot"/>
+      </p:par>
+    </p:tnLst>
+  </p:timing>
 </p:sld>
 </file>
 
@@ -3072,6 +3110,13 @@
   <p:clrMapOvr>
     <a:masterClrMapping/>
   </p:clrMapOvr>
+  <p:timing>
+    <p:tnLst>
+      <p:par>
+        <p:cTn id="1" dur="indefinite" restart="never" nodeType="tmRoot"/>
+      </p:par>
+    </p:tnLst>
+  </p:timing>
 </p:sld>
 </file>
 
@@ -3128,7 +3173,7 @@
         <p:spPr/>
         <p:txBody>
           <a:bodyPr>
-            <a:normAutofit fontScale="85000" lnSpcReduction="20000"/>
+            <a:normAutofit fontScale="70000" lnSpcReduction="20000"/>
           </a:bodyPr>
           <a:lstStyle/>
           <a:p>
@@ -3281,8 +3326,40 @@
               </a:rPr>
               <a:t>gist.github.com/dannydwarren/cefb9d33a67b689bddf8</a:t>
             </a:r>
-            <a:r>
-              <a:rPr lang="en-US" dirty="0" smtClean="0"/>
+            <a:endParaRPr lang="en-US" dirty="0" smtClean="0"/>
+          </a:p>
+          <a:p>
+            <a:r>
+              <a:rPr lang="en-US" dirty="0" smtClean="0"/>
+              <a:t>Pipe |&gt; vs</a:t>
+            </a:r>
+            <a:r>
+              <a:rPr lang="en-US" dirty="0" smtClean="0"/>
+              <a:t> Function Composition &gt;&gt;</a:t>
+            </a:r>
+          </a:p>
+          <a:p>
+            <a:pPr lvl="1"/>
+            <a:r>
+              <a:rPr lang="en-US">
+                <a:hlinkClick r:id="rId8"/>
+              </a:rPr>
+              <a:t>http://</a:t>
+            </a:r>
+            <a:r>
+              <a:rPr lang="en-US">
+                <a:hlinkClick r:id="rId8"/>
+              </a:rPr>
+              <a:t>fsharpforfunandprofit.com/posts/function-composition</a:t>
+            </a:r>
+            <a:r>
+              <a:rPr lang="en-US" smtClean="0">
+                <a:hlinkClick r:id="rId8"/>
+              </a:rPr>
+              <a:t>/</a:t>
+            </a:r>
+            <a:r>
+              <a:rPr lang="en-US" smtClean="0"/>
               <a:t> </a:t>
             </a:r>
             <a:endParaRPr lang="en-US" dirty="0"/>
@@ -3302,6 +3379,13 @@
   <p:clrMapOvr>
     <a:masterClrMapping/>
   </p:clrMapOvr>
+  <p:timing>
+    <p:tnLst>
+      <p:par>
+        <p:cTn id="1" dur="indefinite" restart="never" nodeType="tmRoot"/>
+      </p:par>
+    </p:tnLst>
+  </p:timing>
 </p:sld>
 </file>
 
@@ -3428,7 +3512,6 @@
               <a:rPr lang="en-US" dirty="0" smtClean="0"/>
               <a:t> </a:t>
             </a:r>
-            <a:endParaRPr lang="en-US" dirty="0" smtClean="0"/>
           </a:p>
         </p:txBody>
       </p:sp>
@@ -3660,7 +3743,6 @@
               <a:rPr lang="en-US" dirty="0" smtClean="0"/>
               <a:t>Reach Out!</a:t>
             </a:r>
-            <a:endParaRPr lang="en-US" dirty="0" smtClean="0"/>
           </a:p>
           <a:p>
             <a:pPr marL="0" indent="0" algn="ctr">
@@ -3676,7 +3758,6 @@
               <a:rPr lang="en-US" dirty="0" smtClean="0"/>
               <a:t> </a:t>
             </a:r>
-            <a:endParaRPr lang="en-US" dirty="0" smtClean="0"/>
           </a:p>
           <a:p>
             <a:pPr marL="0" indent="0" algn="ctr">
@@ -3686,7 +3767,6 @@
               <a:rPr lang="en-US" dirty="0" smtClean="0"/>
               <a:t>Mention: SoCal Code Camp</a:t>
             </a:r>
-            <a:endParaRPr lang="en-US" dirty="0" smtClean="0"/>
           </a:p>
           <a:p>
             <a:pPr marL="0" indent="0" algn="ctr">
@@ -3722,6 +3802,13 @@
   <p:clrMapOvr>
     <a:masterClrMapping/>
   </p:clrMapOvr>
+  <p:timing>
+    <p:tnLst>
+      <p:par>
+        <p:cTn id="1" dur="indefinite" restart="never" nodeType="tmRoot"/>
+      </p:par>
+    </p:tnLst>
+  </p:timing>
 </p:sld>
 </file>
 
@@ -3907,6 +3994,13 @@
   <p:clrMapOvr>
     <a:masterClrMapping/>
   </p:clrMapOvr>
+  <p:timing>
+    <p:tnLst>
+      <p:par>
+        <p:cTn id="1" dur="indefinite" restart="never" nodeType="tmRoot"/>
+      </p:par>
+    </p:tnLst>
+  </p:timing>
 </p:sld>
 </file>
 
@@ -4012,6 +4106,13 @@
   <p:clrMapOvr>
     <a:masterClrMapping/>
   </p:clrMapOvr>
+  <p:timing>
+    <p:tnLst>
+      <p:par>
+        <p:cTn id="1" dur="indefinite" restart="never" nodeType="tmRoot"/>
+      </p:par>
+    </p:tnLst>
+  </p:timing>
 </p:sld>
 </file>
 
@@ -4128,6 +4229,13 @@
   <p:clrMapOvr>
     <a:masterClrMapping/>
   </p:clrMapOvr>
+  <p:timing>
+    <p:tnLst>
+      <p:par>
+        <p:cTn id="1" dur="indefinite" restart="never" nodeType="tmRoot"/>
+      </p:par>
+    </p:tnLst>
+  </p:timing>
 </p:sld>
 </file>
 
@@ -4361,6 +4469,13 @@
   <p:clrMapOvr>
     <a:masterClrMapping/>
   </p:clrMapOvr>
+  <p:timing>
+    <p:tnLst>
+      <p:par>
+        <p:cTn id="1" dur="indefinite" restart="never" nodeType="tmRoot"/>
+      </p:par>
+    </p:tnLst>
+  </p:timing>
 </p:sld>
 </file>
 
@@ -4589,6 +4704,13 @@
   <p:clrMapOvr>
     <a:masterClrMapping/>
   </p:clrMapOvr>
+  <p:timing>
+    <p:tnLst>
+      <p:par>
+        <p:cTn id="1" dur="indefinite" restart="never" nodeType="tmRoot"/>
+      </p:par>
+    </p:tnLst>
+  </p:timing>
 </p:sld>
 </file>
 
@@ -4824,6 +4946,13 @@
   <p:clrMapOvr>
     <a:masterClrMapping/>
   </p:clrMapOvr>
+  <p:timing>
+    <p:tnLst>
+      <p:par>
+        <p:cTn id="1" dur="indefinite" restart="never" nodeType="tmRoot"/>
+      </p:par>
+    </p:tnLst>
+  </p:timing>
 </p:sld>
 </file>
 
@@ -4963,6 +5092,13 @@
   <p:clrMapOvr>
     <a:masterClrMapping/>
   </p:clrMapOvr>
+  <p:timing>
+    <p:tnLst>
+      <p:par>
+        <p:cTn id="1" dur="indefinite" restart="never" nodeType="tmRoot"/>
+      </p:par>
+    </p:tnLst>
+  </p:timing>
 </p:sld>
 </file>
 
@@ -5017,6 +5153,13 @@
   <p:clrMapOvr>
     <a:masterClrMapping/>
   </p:clrMapOvr>
+  <p:timing>
+    <p:tnLst>
+      <p:par>
+        <p:cTn id="1" dur="indefinite" restart="never" nodeType="tmRoot"/>
+      </p:par>
+    </p:tnLst>
+  </p:timing>
 </p:sld>
 </file>
 

--- a/FSharpXamarin_Slides.pptx
+++ b/FSharpXamarin_Slides.pptx
@@ -7,18 +7,18 @@
   <p:sldIdLst>
     <p:sldId id="256" r:id="rId2"/>
     <p:sldId id="264" r:id="rId3"/>
-    <p:sldId id="257" r:id="rId4"/>
-    <p:sldId id="258" r:id="rId5"/>
-    <p:sldId id="259" r:id="rId6"/>
-    <p:sldId id="260" r:id="rId7"/>
-    <p:sldId id="261" r:id="rId8"/>
-    <p:sldId id="269" r:id="rId9"/>
-    <p:sldId id="270" r:id="rId10"/>
-    <p:sldId id="262" r:id="rId11"/>
-    <p:sldId id="268" r:id="rId12"/>
-    <p:sldId id="263" r:id="rId13"/>
-    <p:sldId id="271" r:id="rId14"/>
-    <p:sldId id="267" r:id="rId15"/>
+    <p:sldId id="267" r:id="rId4"/>
+    <p:sldId id="257" r:id="rId5"/>
+    <p:sldId id="258" r:id="rId6"/>
+    <p:sldId id="259" r:id="rId7"/>
+    <p:sldId id="260" r:id="rId8"/>
+    <p:sldId id="261" r:id="rId9"/>
+    <p:sldId id="269" r:id="rId10"/>
+    <p:sldId id="270" r:id="rId11"/>
+    <p:sldId id="262" r:id="rId12"/>
+    <p:sldId id="268" r:id="rId13"/>
+    <p:sldId id="263" r:id="rId14"/>
+    <p:sldId id="271" r:id="rId15"/>
     <p:sldId id="266" r:id="rId16"/>
   </p:sldIdLst>
   <p:sldSz cx="12192000" cy="6858000"/>
@@ -2540,140 +2540,34 @@
           <a:chExt cx="0" cy="0"/>
         </a:xfrm>
       </p:grpSpPr>
-      <p:sp>
-        <p:nvSpPr>
-          <p:cNvPr id="2" name="Title 1"/>
-          <p:cNvSpPr>
-            <a:spLocks noGrp="1"/>
-          </p:cNvSpPr>
-          <p:nvPr>
-            <p:ph type="title"/>
-          </p:nvPr>
-        </p:nvSpPr>
-        <p:spPr/>
-        <p:txBody>
-          <a:bodyPr/>
-          <a:lstStyle/>
-          <a:p>
-            <a:r>
-              <a:rPr lang="en-US" dirty="0" smtClean="0"/>
-              <a:t>CODE! CODE! CODE!</a:t>
-            </a:r>
-            <a:endParaRPr lang="en-US" dirty="0"/>
-          </a:p>
-        </p:txBody>
-      </p:sp>
-      <p:sp>
-        <p:nvSpPr>
-          <p:cNvPr id="3" name="Content Placeholder 2"/>
-          <p:cNvSpPr>
-            <a:spLocks noGrp="1"/>
-          </p:cNvSpPr>
-          <p:nvPr>
-            <p:ph idx="1"/>
-          </p:nvPr>
-        </p:nvSpPr>
-        <p:spPr/>
-        <p:txBody>
-          <a:bodyPr>
-            <a:normAutofit fontScale="92500" lnSpcReduction="20000"/>
-          </a:bodyPr>
-          <a:lstStyle/>
-          <a:p>
-            <a:r>
-              <a:rPr lang="en-US" dirty="0" smtClean="0"/>
-              <a:t>Solution</a:t>
-            </a:r>
-          </a:p>
-          <a:p>
-            <a:pPr lvl="1"/>
-            <a:r>
-              <a:rPr lang="en-US" dirty="0" smtClean="0"/>
-              <a:t>F# Android</a:t>
-            </a:r>
-          </a:p>
-          <a:p>
-            <a:pPr lvl="1"/>
-            <a:r>
-              <a:rPr lang="en-US" dirty="0" smtClean="0"/>
-              <a:t>F# iOS</a:t>
-            </a:r>
-          </a:p>
-          <a:p>
-            <a:pPr lvl="1"/>
-            <a:r>
-              <a:rPr lang="en-US" dirty="0" smtClean="0"/>
-              <a:t>C# Android</a:t>
-            </a:r>
-          </a:p>
-          <a:p>
-            <a:pPr lvl="1"/>
-            <a:r>
-              <a:rPr lang="en-US" dirty="0" smtClean="0"/>
-              <a:t>C# Windows </a:t>
-            </a:r>
-            <a:r>
-              <a:rPr lang="en-US" smtClean="0"/>
-              <a:t>8.1 Universal (UAP)</a:t>
-            </a:r>
-            <a:endParaRPr lang="en-US" dirty="0" smtClean="0"/>
-          </a:p>
-          <a:p>
-            <a:pPr lvl="2"/>
-            <a:r>
-              <a:rPr lang="en-US" dirty="0" smtClean="0"/>
-              <a:t>Windows + Phone</a:t>
-            </a:r>
-          </a:p>
-          <a:p>
-            <a:pPr lvl="1"/>
-            <a:r>
-              <a:rPr lang="en-US" dirty="0" smtClean="0"/>
-              <a:t>C# Windows UWP (Win10)</a:t>
-            </a:r>
-          </a:p>
-          <a:p>
-            <a:pPr lvl="2"/>
-            <a:r>
-              <a:rPr lang="en-US" dirty="0" smtClean="0"/>
-              <a:t>Not Really Supported… </a:t>
-            </a:r>
-            <a:r>
-              <a:rPr lang="en-US" dirty="0" smtClean="0">
-                <a:sym typeface="Wingdings" panose="05000000000000000000" pitchFamily="2" charset="2"/>
-              </a:rPr>
-              <a:t></a:t>
-            </a:r>
-            <a:endParaRPr lang="en-US" dirty="0" smtClean="0"/>
-          </a:p>
-          <a:p>
-            <a:pPr lvl="1"/>
-            <a:r>
-              <a:rPr lang="en-US" dirty="0" smtClean="0"/>
-              <a:t>F# Library</a:t>
-            </a:r>
-          </a:p>
-          <a:p>
-            <a:pPr lvl="2"/>
-            <a:r>
-              <a:rPr lang="en-US" dirty="0" smtClean="0"/>
-              <a:t>ALL Apps use this library!</a:t>
-            </a:r>
-          </a:p>
-          <a:p>
-            <a:pPr lvl="1"/>
-            <a:r>
-              <a:rPr lang="en-US" dirty="0" smtClean="0"/>
-              <a:t>F# Tutorial Project (Template Provided With VS)</a:t>
-            </a:r>
-            <a:endParaRPr lang="en-US" dirty="0"/>
-          </a:p>
-        </p:txBody>
-      </p:sp>
+      <p:pic>
+        <p:nvPicPr>
+          <p:cNvPr id="3" name="Picture 2"/>
+          <p:cNvPicPr>
+            <a:picLocks noChangeAspect="1"/>
+          </p:cNvPicPr>
+          <p:nvPr/>
+        </p:nvPicPr>
+        <p:blipFill>
+          <a:blip r:embed="rId2"/>
+          <a:stretch>
+            <a:fillRect/>
+          </a:stretch>
+        </p:blipFill>
+        <p:spPr>
+          <a:xfrm>
+            <a:off x="1614487" y="338137"/>
+            <a:ext cx="8963025" cy="6181725"/>
+          </a:xfrm>
+          <a:prstGeom prst="rect">
+            <a:avLst/>
+          </a:prstGeom>
+        </p:spPr>
+      </p:pic>
     </p:spTree>
     <p:extLst>
       <p:ext uri="{BB962C8B-B14F-4D97-AF65-F5344CB8AC3E}">
-        <p14:creationId xmlns:p14="http://schemas.microsoft.com/office/powerpoint/2010/main" val="4164913745"/>
+        <p14:creationId xmlns:p14="http://schemas.microsoft.com/office/powerpoint/2010/main" val="1965307027"/>
       </p:ext>
     </p:extLst>
   </p:cSld>
@@ -2724,7 +2618,7 @@
           <a:p>
             <a:r>
               <a:rPr lang="en-US" dirty="0" smtClean="0"/>
-              <a:t>Platform Limitations</a:t>
+              <a:t>CODE! CODE! CODE!</a:t>
             </a:r>
             <a:endParaRPr lang="en-US" dirty="0"/>
           </a:p>
@@ -2742,26 +2636,97 @@
         </p:nvSpPr>
         <p:spPr/>
         <p:txBody>
-          <a:bodyPr/>
+          <a:bodyPr>
+            <a:normAutofit fontScale="92500" lnSpcReduction="20000"/>
+          </a:bodyPr>
           <a:lstStyle/>
           <a:p>
             <a:r>
               <a:rPr lang="en-US" dirty="0" smtClean="0"/>
-              <a:t>.NET Native for UWP does not Support F#... Yet…</a:t>
-            </a:r>
-          </a:p>
-          <a:p>
-            <a:pPr lvl="1"/>
-            <a:r>
-              <a:rPr lang="en-US" dirty="0">
-                <a:hlinkClick r:id="rId2"/>
+              <a:t>Solution</a:t>
+            </a:r>
+          </a:p>
+          <a:p>
+            <a:pPr lvl="1"/>
+            <a:r>
+              <a:rPr lang="en-US" dirty="0" smtClean="0"/>
+              <a:t>F# Android</a:t>
+            </a:r>
+          </a:p>
+          <a:p>
+            <a:pPr lvl="1"/>
+            <a:r>
+              <a:rPr lang="en-US" dirty="0" smtClean="0"/>
+              <a:t>F# iOS</a:t>
+            </a:r>
+          </a:p>
+          <a:p>
+            <a:pPr lvl="1"/>
+            <a:r>
+              <a:rPr lang="en-US" dirty="0" smtClean="0"/>
+              <a:t>C# Android</a:t>
+            </a:r>
+          </a:p>
+          <a:p>
+            <a:pPr lvl="1"/>
+            <a:r>
+              <a:rPr lang="en-US" dirty="0" smtClean="0"/>
+              <a:t>C# Windows </a:t>
+            </a:r>
+            <a:r>
+              <a:rPr lang="en-US" smtClean="0"/>
+              <a:t>8.1 Universal (UAP)</a:t>
+            </a:r>
+            <a:endParaRPr lang="en-US" dirty="0" smtClean="0"/>
+          </a:p>
+          <a:p>
+            <a:pPr lvl="2"/>
+            <a:r>
+              <a:rPr lang="en-US" dirty="0" smtClean="0"/>
+              <a:t>Windows + Phone</a:t>
+            </a:r>
+          </a:p>
+          <a:p>
+            <a:pPr lvl="1"/>
+            <a:r>
+              <a:rPr lang="en-US" dirty="0" smtClean="0"/>
+              <a:t>C# Windows UWP (Win10)</a:t>
+            </a:r>
+          </a:p>
+          <a:p>
+            <a:pPr lvl="2"/>
+            <a:r>
+              <a:rPr lang="en-US" dirty="0" smtClean="0"/>
+              <a:t>Not Really Supported… </a:t>
+            </a:r>
+            <a:r>
+              <a:rPr lang="en-US" dirty="0" smtClean="0">
+                <a:sym typeface="Wingdings" panose="05000000000000000000" pitchFamily="2" charset="2"/>
               </a:rPr>
-              <a:t>https://wpdev.uservoice.com/forums/110705-universal-windows-platform/suggestions/9110134-f-support-in-net-native-for-uwp</a:t>
-            </a:r>
-            <a:endParaRPr lang="en-US" dirty="0"/>
-          </a:p>
-          <a:p>
-            <a:pPr lvl="1"/>
+              <a:t></a:t>
+            </a:r>
+            <a:endParaRPr lang="en-US" dirty="0" smtClean="0"/>
+          </a:p>
+          <a:p>
+            <a:pPr lvl="1"/>
+            <a:r>
+              <a:rPr lang="en-US" dirty="0" smtClean="0"/>
+              <a:t>F# Library</a:t>
+            </a:r>
+          </a:p>
+          <a:p>
+            <a:pPr lvl="2"/>
+            <a:r>
+              <a:rPr lang="en-US" dirty="0" smtClean="0"/>
+              <a:t>ALL Apps use this library!</a:t>
+            </a:r>
+          </a:p>
+          <a:p>
+            <a:pPr lvl="1"/>
+            <a:r>
+              <a:rPr lang="en-US" dirty="0" smtClean="0"/>
+              <a:t>F# Tutorial Project (Template Provided With VS)</a:t>
+            </a:r>
             <a:endParaRPr lang="en-US" dirty="0"/>
           </a:p>
         </p:txBody>
@@ -2769,7 +2734,7 @@
     </p:spTree>
     <p:extLst>
       <p:ext uri="{BB962C8B-B14F-4D97-AF65-F5344CB8AC3E}">
-        <p14:creationId xmlns:p14="http://schemas.microsoft.com/office/powerpoint/2010/main" val="3182772435"/>
+        <p14:creationId xmlns:p14="http://schemas.microsoft.com/office/powerpoint/2010/main" val="4164913745"/>
       </p:ext>
     </p:extLst>
   </p:cSld>
@@ -2820,11 +2785,7 @@
           <a:p>
             <a:r>
               <a:rPr lang="en-US" dirty="0" smtClean="0"/>
-              <a:t>open </a:t>
-            </a:r>
-            <a:r>
-              <a:rPr lang="en-US" dirty="0" err="1" smtClean="0"/>
-              <a:t>FSharpMakesYouABetterDev</a:t>
+              <a:t>Platform Limitations</a:t>
             </a:r>
             <a:endParaRPr lang="en-US" dirty="0"/>
           </a:p>
@@ -2840,118 +2801,28 @@
             <p:ph idx="1"/>
           </p:nvPr>
         </p:nvSpPr>
-        <p:spPr>
-          <a:xfrm>
-            <a:off x="609599" y="1600201"/>
-            <a:ext cx="11452167" cy="4525963"/>
-          </a:xfrm>
-        </p:spPr>
-        <p:txBody>
-          <a:bodyPr>
-            <a:normAutofit fontScale="77500" lnSpcReduction="20000"/>
-          </a:bodyPr>
+        <p:spPr/>
+        <p:txBody>
+          <a:bodyPr/>
           <a:lstStyle/>
           <a:p>
             <a:r>
               <a:rPr lang="en-US" dirty="0" smtClean="0"/>
-              <a:t>F# thinks in mathematical terms</a:t>
-            </a:r>
-          </a:p>
-          <a:p>
-            <a:pPr lvl="1"/>
-            <a:r>
-              <a:rPr lang="en-US" dirty="0" smtClean="0"/>
-              <a:t>Understanding how to “think” is probably the BEST benefit F# provides a developer IMHO!</a:t>
-            </a:r>
-          </a:p>
-          <a:p>
-            <a:pPr lvl="1"/>
-            <a:r>
-              <a:rPr lang="en-US" dirty="0" smtClean="0"/>
-              <a:t>Example:</a:t>
-            </a:r>
-          </a:p>
-          <a:p>
-            <a:pPr lvl="2"/>
-            <a:r>
-              <a:rPr lang="en-US" dirty="0" smtClean="0"/>
-              <a:t>Monoid: </a:t>
-            </a:r>
-            <a:r>
-              <a:rPr lang="en-US" dirty="0" smtClean="0">
-                <a:hlinkClick r:id="rId2"/>
-              </a:rPr>
-              <a:t>http</a:t>
-            </a:r>
+              <a:t>.NET Native for UWP does not Support F#... Yet…</a:t>
+            </a:r>
+          </a:p>
+          <a:p>
+            <a:pPr lvl="1"/>
             <a:r>
               <a:rPr lang="en-US" dirty="0">
                 <a:hlinkClick r:id="rId2"/>
               </a:rPr>
-              <a:t>://</a:t>
-            </a:r>
-            <a:r>
-              <a:rPr lang="en-US" dirty="0" smtClean="0">
-                <a:hlinkClick r:id="rId2"/>
-              </a:rPr>
-              <a:t>fsharpforfunandprofit.com/posts/monoids-without-tears/</a:t>
-            </a:r>
-            <a:r>
-              <a:rPr lang="en-US" dirty="0" smtClean="0"/>
-              <a:t> </a:t>
-            </a:r>
-          </a:p>
-          <a:p>
-            <a:r>
-              <a:rPr lang="en-US" dirty="0" smtClean="0"/>
-              <a:t>F#’s Nature forces you to question everything you know about and do in C#!</a:t>
-            </a:r>
-          </a:p>
-          <a:p>
-            <a:pPr lvl="1"/>
-            <a:r>
-              <a:rPr lang="en-US" dirty="0" smtClean="0"/>
-              <a:t>Don’t be an C# militant, do your research! Open your mind!</a:t>
-            </a:r>
-          </a:p>
-          <a:p>
-            <a:r>
-              <a:rPr lang="en-US" dirty="0" smtClean="0"/>
-              <a:t>Functional Thinking and Immutability</a:t>
-            </a:r>
-          </a:p>
-          <a:p>
-            <a:pPr lvl="1"/>
-            <a:r>
-              <a:rPr lang="en-US" dirty="0" smtClean="0"/>
-              <a:t>These 2 concepts alone have helped me immensely in C#!</a:t>
-            </a:r>
-          </a:p>
-          <a:p>
-            <a:r>
-              <a:rPr lang="en-US" dirty="0" smtClean="0"/>
-              <a:t>Amazing Community</a:t>
-            </a:r>
-          </a:p>
-          <a:p>
-            <a:pPr lvl="1"/>
-            <a:r>
-              <a:rPr lang="en-US" dirty="0" smtClean="0"/>
-              <a:t>We are all who we are in large part because of who we know.</a:t>
-            </a:r>
-          </a:p>
-          <a:p>
-            <a:pPr lvl="1"/>
-            <a:r>
-              <a:rPr lang="en-US" dirty="0" smtClean="0"/>
-              <a:t>The F# community is full of some of the most talented and amazing developers. </a:t>
-            </a:r>
-          </a:p>
-          <a:p>
-            <a:pPr lvl="1"/>
-            <a:r>
-              <a:rPr lang="en-US" dirty="0" smtClean="0"/>
-              <a:t>ALL of them want to help you!</a:t>
-            </a:r>
+              <a:t>https://wpdev.uservoice.com/forums/110705-universal-windows-platform/suggestions/9110134-f-support-in-net-native-for-uwp</a:t>
+            </a:r>
+            <a:endParaRPr lang="en-US" dirty="0"/>
+          </a:p>
+          <a:p>
+            <a:pPr lvl="1"/>
             <a:endParaRPr lang="en-US" dirty="0"/>
           </a:p>
         </p:txBody>
@@ -2959,7 +2830,7 @@
     </p:spTree>
     <p:extLst>
       <p:ext uri="{BB962C8B-B14F-4D97-AF65-F5344CB8AC3E}">
-        <p14:creationId xmlns:p14="http://schemas.microsoft.com/office/powerpoint/2010/main" val="1484039256"/>
+        <p14:creationId xmlns:p14="http://schemas.microsoft.com/office/powerpoint/2010/main" val="3182772435"/>
       </p:ext>
     </p:extLst>
   </p:cSld>
@@ -3005,54 +2876,73 @@
         </p:nvSpPr>
         <p:spPr/>
         <p:txBody>
+          <a:bodyPr/>
+          <a:lstStyle/>
+          <a:p>
+            <a:r>
+              <a:rPr lang="en-US" dirty="0" smtClean="0"/>
+              <a:t>open </a:t>
+            </a:r>
+            <a:r>
+              <a:rPr lang="en-US" dirty="0" err="1" smtClean="0"/>
+              <a:t>FSharpMakesYouABetterDev</a:t>
+            </a:r>
+            <a:endParaRPr lang="en-US" dirty="0"/>
+          </a:p>
+        </p:txBody>
+      </p:sp>
+      <p:sp>
+        <p:nvSpPr>
+          <p:cNvPr id="3" name="Content Placeholder 2"/>
+          <p:cNvSpPr>
+            <a:spLocks noGrp="1"/>
+          </p:cNvSpPr>
+          <p:nvPr>
+            <p:ph idx="1"/>
+          </p:nvPr>
+        </p:nvSpPr>
+        <p:spPr>
+          <a:xfrm>
+            <a:off x="609599" y="1600201"/>
+            <a:ext cx="11452167" cy="4525963"/>
+          </a:xfrm>
+        </p:spPr>
+        <p:txBody>
           <a:bodyPr>
-            <a:normAutofit/>
+            <a:normAutofit fontScale="77500" lnSpcReduction="20000"/>
           </a:bodyPr>
           <a:lstStyle/>
           <a:p>
             <a:r>
               <a:rPr lang="en-US" dirty="0" smtClean="0"/>
-              <a:t>OK, I’m Convinced! Sign Me Up!</a:t>
-            </a:r>
-            <a:endParaRPr lang="en-US" dirty="0"/>
-          </a:p>
-        </p:txBody>
-      </p:sp>
-      <p:sp>
-        <p:nvSpPr>
-          <p:cNvPr id="3" name="Content Placeholder 2"/>
-          <p:cNvSpPr>
-            <a:spLocks noGrp="1"/>
-          </p:cNvSpPr>
-          <p:nvPr>
-            <p:ph idx="1"/>
-          </p:nvPr>
-        </p:nvSpPr>
-        <p:spPr/>
-        <p:txBody>
-          <a:bodyPr/>
-          <a:lstStyle/>
-          <a:p>
-            <a:r>
-              <a:rPr lang="en-US" dirty="0"/>
-              <a:t>Trial by </a:t>
-            </a:r>
-            <a:r>
-              <a:rPr lang="en-US" dirty="0" smtClean="0"/>
-              <a:t>Fire</a:t>
-            </a:r>
-          </a:p>
-          <a:p>
-            <a:pPr lvl="1"/>
-            <a:r>
-              <a:rPr lang="en-US" dirty="0" smtClean="0"/>
-              <a:t>Learn by doing: </a:t>
+              <a:t>F# thinks in mathematical terms</a:t>
+            </a:r>
+          </a:p>
+          <a:p>
+            <a:pPr lvl="1"/>
+            <a:r>
+              <a:rPr lang="en-US" dirty="0" smtClean="0"/>
+              <a:t>Understanding how to “think” is probably the BEST benefit F# provides a developer IMHO!</a:t>
+            </a:r>
+          </a:p>
+          <a:p>
+            <a:pPr lvl="1"/>
+            <a:r>
+              <a:rPr lang="en-US" dirty="0" smtClean="0"/>
+              <a:t>Example:</a:t>
+            </a:r>
+          </a:p>
+          <a:p>
+            <a:pPr lvl="2"/>
+            <a:r>
+              <a:rPr lang="en-US" dirty="0" smtClean="0"/>
+              <a:t>Monoid: </a:t>
             </a:r>
             <a:r>
               <a:rPr lang="en-US" dirty="0" smtClean="0">
                 <a:hlinkClick r:id="rId2"/>
               </a:rPr>
-              <a:t>https</a:t>
+              <a:t>http</a:t>
             </a:r>
             <a:r>
               <a:rPr lang="en-US" dirty="0">
@@ -3064,38 +2954,65 @@
               <a:rPr lang="en-US" dirty="0" smtClean="0">
                 <a:hlinkClick r:id="rId2"/>
               </a:rPr>
-              <a:t>github.com/jorgef/fsharpworkshop</a:t>
-            </a:r>
-            <a:endParaRPr lang="en-US" dirty="0" smtClean="0"/>
-          </a:p>
-          <a:p>
-            <a:pPr lvl="1"/>
-            <a:r>
-              <a:rPr lang="en-US" dirty="0" smtClean="0"/>
-              <a:t>Practice, Practice, Practice: </a:t>
-            </a:r>
-            <a:r>
-              <a:rPr lang="en-US" dirty="0" smtClean="0">
-                <a:hlinkClick r:id="rId3"/>
-              </a:rPr>
-              <a:t>https</a:t>
-            </a:r>
-            <a:r>
-              <a:rPr lang="en-US" dirty="0">
-                <a:hlinkClick r:id="rId3"/>
-              </a:rPr>
-              <a:t>://projecteuler.net</a:t>
-            </a:r>
-            <a:r>
-              <a:rPr lang="en-US" dirty="0" smtClean="0">
-                <a:hlinkClick r:id="rId3"/>
-              </a:rPr>
-              <a:t>/</a:t>
-            </a:r>
-            <a:endParaRPr lang="en-US" dirty="0" smtClean="0"/>
-          </a:p>
-          <a:p>
-            <a:pPr lvl="2"/>
+              <a:t>fsharpforfunandprofit.com/posts/monoids-without-tears/</a:t>
+            </a:r>
+            <a:r>
+              <a:rPr lang="en-US" dirty="0" smtClean="0"/>
+              <a:t> </a:t>
+            </a:r>
+          </a:p>
+          <a:p>
+            <a:r>
+              <a:rPr lang="en-US" dirty="0" smtClean="0"/>
+              <a:t>F#’s Nature forces you to question everything you know about and do in C#!</a:t>
+            </a:r>
+          </a:p>
+          <a:p>
+            <a:pPr lvl="1"/>
+            <a:r>
+              <a:rPr lang="en-US" dirty="0" smtClean="0"/>
+              <a:t>Don’t be an C# militant, do your research! Open your mind!</a:t>
+            </a:r>
+          </a:p>
+          <a:p>
+            <a:r>
+              <a:rPr lang="en-US" dirty="0" smtClean="0"/>
+              <a:t>Functional Thinking and Immutability</a:t>
+            </a:r>
+          </a:p>
+          <a:p>
+            <a:pPr lvl="1"/>
+            <a:r>
+              <a:rPr lang="en-US" dirty="0" smtClean="0"/>
+              <a:t>These 2 concepts alone have helped me immensely in C#!</a:t>
+            </a:r>
+          </a:p>
+          <a:p>
+            <a:r>
+              <a:rPr lang="en-US" dirty="0" smtClean="0"/>
+              <a:t>Amazing Community</a:t>
+            </a:r>
+          </a:p>
+          <a:p>
+            <a:pPr lvl="1"/>
+            <a:r>
+              <a:rPr lang="en-US" dirty="0" smtClean="0"/>
+              <a:t>We are all who we are in large part because of who we know.</a:t>
+            </a:r>
+          </a:p>
+          <a:p>
+            <a:pPr lvl="1"/>
+            <a:r>
+              <a:rPr lang="en-US" dirty="0" smtClean="0"/>
+              <a:t>The F# community is full of some of the most talented and amazing developers. </a:t>
+            </a:r>
+          </a:p>
+          <a:p>
+            <a:pPr lvl="1"/>
+            <a:r>
+              <a:rPr lang="en-US" dirty="0" smtClean="0"/>
+              <a:t>ALL of them want to help you!</a:t>
+            </a:r>
             <a:endParaRPr lang="en-US" dirty="0"/>
           </a:p>
         </p:txBody>
@@ -3103,7 +3020,7 @@
     </p:spTree>
     <p:extLst>
       <p:ext uri="{BB962C8B-B14F-4D97-AF65-F5344CB8AC3E}">
-        <p14:creationId xmlns:p14="http://schemas.microsoft.com/office/powerpoint/2010/main" val="4207912210"/>
+        <p14:creationId xmlns:p14="http://schemas.microsoft.com/office/powerpoint/2010/main" val="1484039256"/>
       </p:ext>
     </p:extLst>
   </p:cSld>
@@ -3149,222 +3066,97 @@
         </p:nvSpPr>
         <p:spPr/>
         <p:txBody>
+          <a:bodyPr>
+            <a:normAutofit/>
+          </a:bodyPr>
+          <a:lstStyle/>
+          <a:p>
+            <a:r>
+              <a:rPr lang="en-US" dirty="0" smtClean="0"/>
+              <a:t>OK, I’m Convinced! Sign Me Up!</a:t>
+            </a:r>
+            <a:endParaRPr lang="en-US" dirty="0"/>
+          </a:p>
+        </p:txBody>
+      </p:sp>
+      <p:sp>
+        <p:nvSpPr>
+          <p:cNvPr id="3" name="Content Placeholder 2"/>
+          <p:cNvSpPr>
+            <a:spLocks noGrp="1"/>
+          </p:cNvSpPr>
+          <p:nvPr>
+            <p:ph idx="1"/>
+          </p:nvPr>
+        </p:nvSpPr>
+        <p:spPr/>
+        <p:txBody>
           <a:bodyPr/>
           <a:lstStyle/>
           <a:p>
             <a:r>
-              <a:rPr lang="en-US" dirty="0" smtClean="0"/>
-              <a:t>Materials</a:t>
-            </a:r>
-            <a:endParaRPr lang="en-US" dirty="0"/>
-          </a:p>
-        </p:txBody>
-      </p:sp>
-      <p:sp>
-        <p:nvSpPr>
-          <p:cNvPr id="3" name="Content Placeholder 2"/>
-          <p:cNvSpPr>
-            <a:spLocks noGrp="1"/>
-          </p:cNvSpPr>
-          <p:nvPr>
-            <p:ph idx="1"/>
-          </p:nvPr>
-        </p:nvSpPr>
-        <p:spPr/>
-        <p:txBody>
-          <a:bodyPr>
-            <a:normAutofit fontScale="70000" lnSpcReduction="20000"/>
-          </a:bodyPr>
-          <a:lstStyle/>
-          <a:p>
-            <a:r>
               <a:rPr lang="en-US" dirty="0"/>
-              <a:t>Xamarin Support Overview</a:t>
-            </a:r>
-          </a:p>
-          <a:p>
-            <a:pPr lvl="1"/>
+              <a:t>Trial by </a:t>
+            </a:r>
+            <a:r>
+              <a:rPr lang="en-US" dirty="0" smtClean="0"/>
+              <a:t>Fire</a:t>
+            </a:r>
+          </a:p>
+          <a:p>
+            <a:pPr lvl="1"/>
+            <a:r>
+              <a:rPr lang="en-US" dirty="0" smtClean="0"/>
+              <a:t>Learn by doing: </a:t>
+            </a:r>
+            <a:r>
+              <a:rPr lang="en-US" dirty="0" smtClean="0">
+                <a:hlinkClick r:id="rId2"/>
+              </a:rPr>
+              <a:t>https</a:t>
+            </a:r>
             <a:r>
               <a:rPr lang="en-US" dirty="0">
                 <a:hlinkClick r:id="rId2"/>
               </a:rPr>
-              <a:t>http://developer.xamarin.com/guides/cross-platform/fsharp/fsharp_support_overview/</a:t>
-            </a:r>
-            <a:endParaRPr lang="en-US" dirty="0"/>
-          </a:p>
-          <a:p>
-            <a:r>
-              <a:rPr lang="en-US" dirty="0"/>
-              <a:t>F# </a:t>
-            </a:r>
-            <a:r>
-              <a:rPr lang="en-US" dirty="0" err="1"/>
-              <a:t>Async</a:t>
-            </a:r>
-            <a:r>
-              <a:rPr lang="en-US" dirty="0"/>
-              <a:t> is a bit different than C# </a:t>
-            </a:r>
-            <a:r>
-              <a:rPr lang="en-US" dirty="0" err="1"/>
-              <a:t>Async</a:t>
-            </a:r>
-            <a:endParaRPr lang="en-US" dirty="0"/>
-          </a:p>
-          <a:p>
-            <a:pPr lvl="1"/>
+              <a:t>://</a:t>
+            </a:r>
+            <a:r>
+              <a:rPr lang="en-US" dirty="0" smtClean="0">
+                <a:hlinkClick r:id="rId2"/>
+              </a:rPr>
+              <a:t>github.com/jorgef/fsharpworkshop</a:t>
+            </a:r>
+            <a:endParaRPr lang="en-US" dirty="0" smtClean="0"/>
+          </a:p>
+          <a:p>
+            <a:pPr lvl="1"/>
+            <a:r>
+              <a:rPr lang="en-US" dirty="0" smtClean="0"/>
+              <a:t>Practice, Practice, Practice: </a:t>
+            </a:r>
+            <a:r>
+              <a:rPr lang="en-US" dirty="0" smtClean="0">
+                <a:hlinkClick r:id="rId3"/>
+              </a:rPr>
+              <a:t>https</a:t>
+            </a:r>
             <a:r>
               <a:rPr lang="en-US" dirty="0">
                 <a:hlinkClick r:id="rId3"/>
               </a:rPr>
-              <a:t>http://stackoverflow.com/questions/13063792/windows-store-apps-and-f</a:t>
-            </a:r>
-            <a:endParaRPr lang="en-US" dirty="0"/>
-          </a:p>
-          <a:p>
-            <a:pPr lvl="1"/>
-            <a:r>
-              <a:rPr lang="en-US" dirty="0">
-                <a:hlinkClick r:id="rId4"/>
-              </a:rPr>
-              <a:t>http://</a:t>
+              <a:t>://projecteuler.net</a:t>
             </a:r>
             <a:r>
               <a:rPr lang="en-US" dirty="0" smtClean="0">
-                <a:hlinkClick r:id="rId4"/>
-              </a:rPr>
-              <a:t>stackoverflow.com/questions/6811072/referencing-asynchronous-f-datatype-from-c-sharp</a:t>
-            </a:r>
-            <a:endParaRPr lang="en-US" dirty="0"/>
-          </a:p>
-          <a:p>
-            <a:r>
-              <a:rPr lang="en-US" dirty="0" smtClean="0"/>
-              <a:t>Always </a:t>
-            </a:r>
-            <a:r>
-              <a:rPr lang="en-US" dirty="0"/>
-              <a:t>5 Equation</a:t>
-            </a:r>
-          </a:p>
-          <a:p>
-            <a:pPr lvl="1"/>
-            <a:r>
-              <a:rPr lang="en-US" dirty="0">
-                <a:hlinkClick r:id="rId5"/>
-              </a:rPr>
-              <a:t>http://</a:t>
-            </a:r>
-            <a:r>
-              <a:rPr lang="en-US" dirty="0" smtClean="0">
-                <a:hlinkClick r:id="rId5"/>
-              </a:rPr>
-              <a:t>www.pedagonet.com/maths/always.htm</a:t>
-            </a:r>
-            <a:endParaRPr lang="en-US" dirty="0"/>
-          </a:p>
-          <a:p>
-            <a:r>
-              <a:rPr lang="en-US" dirty="0" smtClean="0"/>
-              <a:t>The Book of F#, By </a:t>
-            </a:r>
-            <a:r>
-              <a:rPr lang="en-US" dirty="0"/>
-              <a:t>Dave Fancher </a:t>
-            </a:r>
-            <a:r>
-              <a:rPr lang="en-US" dirty="0" smtClean="0"/>
-              <a:t>(</a:t>
-            </a:r>
-            <a:r>
-              <a:rPr lang="en-US" dirty="0" smtClean="0">
-                <a:hlinkClick r:id="rId6"/>
-              </a:rPr>
-              <a:t>https</a:t>
-            </a:r>
-            <a:r>
-              <a:rPr lang="en-US" dirty="0">
-                <a:hlinkClick r:id="rId6"/>
-              </a:rPr>
-              <a:t>://</a:t>
-            </a:r>
-            <a:r>
-              <a:rPr lang="en-US" dirty="0" smtClean="0">
-                <a:hlinkClick r:id="rId6"/>
-              </a:rPr>
-              <a:t>twitter.com/davefancher</a:t>
-            </a:r>
-            <a:r>
-              <a:rPr lang="en-US" dirty="0" smtClean="0"/>
-              <a:t>)</a:t>
-            </a:r>
-            <a:endParaRPr lang="en-US" dirty="0"/>
-          </a:p>
-          <a:p>
-            <a:r>
-              <a:rPr lang="en-US" dirty="0" smtClean="0"/>
-              <a:t>Gist about Discriminated Union</a:t>
-            </a:r>
-          </a:p>
-          <a:p>
-            <a:pPr lvl="1"/>
-            <a:r>
-              <a:rPr lang="en-US" dirty="0" smtClean="0">
-                <a:hlinkClick r:id="rId7"/>
-              </a:rPr>
-              <a:t>https</a:t>
-            </a:r>
-            <a:r>
-              <a:rPr lang="en-US" dirty="0">
-                <a:hlinkClick r:id="rId7"/>
-              </a:rPr>
-              <a:t>://</a:t>
-            </a:r>
-            <a:r>
-              <a:rPr lang="en-US" dirty="0" smtClean="0">
-                <a:hlinkClick r:id="rId7"/>
-              </a:rPr>
-              <a:t>gist.github.com/dannydwarren/cefb9d33a67b689bddf8</a:t>
-            </a:r>
-            <a:endParaRPr lang="en-US" dirty="0" smtClean="0"/>
-          </a:p>
-          <a:p>
-            <a:r>
-              <a:rPr lang="en-US" dirty="0" smtClean="0"/>
-              <a:t>Pipe |&gt; vs</a:t>
-            </a:r>
-            <a:r>
-              <a:rPr lang="en-US" dirty="0" smtClean="0"/>
-              <a:t> Function Composition &gt;&gt;</a:t>
-            </a:r>
-          </a:p>
-          <a:p>
-            <a:pPr lvl="1"/>
-            <a:r>
-              <a:rPr lang="en-US">
-                <a:hlinkClick r:id="rId8"/>
-              </a:rPr>
-              <a:t>http://</a:t>
-            </a:r>
-            <a:r>
-              <a:rPr lang="en-US">
-                <a:hlinkClick r:id="rId8"/>
-              </a:rPr>
-              <a:t>fsharpforfunandprofit.com/posts/function-composition</a:t>
-            </a:r>
-            <a:r>
-              <a:rPr lang="en-US" smtClean="0">
-                <a:hlinkClick r:id="rId8"/>
+                <a:hlinkClick r:id="rId3"/>
               </a:rPr>
               <a:t>/</a:t>
             </a:r>
-            <a:r>
-              <a:rPr lang="en-US" smtClean="0"/>
-              <a:t> </a:t>
-            </a:r>
-            <a:endParaRPr lang="en-US" dirty="0"/>
-          </a:p>
-          <a:p>
+            <a:endParaRPr lang="en-US" dirty="0" smtClean="0"/>
+          </a:p>
+          <a:p>
+            <a:pPr lvl="2"/>
             <a:endParaRPr lang="en-US" dirty="0"/>
           </a:p>
         </p:txBody>
@@ -3372,7 +3164,7 @@
     </p:spTree>
     <p:extLst>
       <p:ext uri="{BB962C8B-B14F-4D97-AF65-F5344CB8AC3E}">
-        <p14:creationId xmlns:p14="http://schemas.microsoft.com/office/powerpoint/2010/main" val="1803903495"/>
+        <p14:creationId xmlns:p14="http://schemas.microsoft.com/office/powerpoint/2010/main" val="4207912210"/>
       </p:ext>
     </p:extLst>
   </p:cSld>
@@ -4038,7 +3830,7 @@
           <a:p>
             <a:r>
               <a:rPr lang="en-US" dirty="0" smtClean="0"/>
-              <a:t>Agenda</a:t>
+              <a:t>Materials</a:t>
             </a:r>
             <a:endParaRPr lang="en-US" dirty="0"/>
           </a:p>
@@ -4056,50 +3848,197 @@
         </p:nvSpPr>
         <p:spPr/>
         <p:txBody>
-          <a:bodyPr/>
+          <a:bodyPr>
+            <a:normAutofit fontScale="70000" lnSpcReduction="20000"/>
+          </a:bodyPr>
           <a:lstStyle/>
           <a:p>
             <a:r>
-              <a:rPr lang="en-US" dirty="0" smtClean="0"/>
-              <a:t>What is F#</a:t>
-            </a:r>
-          </a:p>
-          <a:p>
-            <a:r>
-              <a:rPr lang="en-US" dirty="0" smtClean="0"/>
-              <a:t>Nature of C# vs F#</a:t>
-            </a:r>
-          </a:p>
-          <a:p>
-            <a:r>
-              <a:rPr lang="en-US" dirty="0" smtClean="0"/>
-              <a:t>What do you mean: “Classes of Bugs Don’t Exist”</a:t>
-            </a:r>
-          </a:p>
-          <a:p>
-            <a:r>
-              <a:rPr lang="en-US" dirty="0" smtClean="0"/>
-              <a:t>Language and Tooling Intro</a:t>
-            </a:r>
-          </a:p>
-          <a:p>
-            <a:r>
-              <a:rPr lang="en-US" dirty="0" smtClean="0"/>
-              <a:t>F# in Mobile (Using Xamarin)</a:t>
-            </a:r>
-          </a:p>
-          <a:p>
-            <a:r>
-              <a:rPr lang="en-US" dirty="0" smtClean="0"/>
-              <a:t>I can’t use F#, but how will it make me a better developer?</a:t>
-            </a:r>
+              <a:rPr lang="en-US" dirty="0"/>
+              <a:t>Xamarin Support Overview</a:t>
+            </a:r>
+          </a:p>
+          <a:p>
+            <a:pPr lvl="1"/>
+            <a:r>
+              <a:rPr lang="en-US" dirty="0">
+                <a:hlinkClick r:id="rId2"/>
+              </a:rPr>
+              <a:t>http://developer.xamarin.com/guides/cross-platform/fsharp/fsharp_support_overview/</a:t>
+            </a:r>
+            <a:endParaRPr lang="en-US" dirty="0"/>
+          </a:p>
+          <a:p>
+            <a:r>
+              <a:rPr lang="en-US" dirty="0"/>
+              <a:t>F# </a:t>
+            </a:r>
+            <a:r>
+              <a:rPr lang="en-US" dirty="0" err="1"/>
+              <a:t>Async</a:t>
+            </a:r>
+            <a:r>
+              <a:rPr lang="en-US" dirty="0"/>
+              <a:t> is a bit different than C# </a:t>
+            </a:r>
+            <a:r>
+              <a:rPr lang="en-US" dirty="0" err="1"/>
+              <a:t>Async</a:t>
+            </a:r>
+            <a:endParaRPr lang="en-US" dirty="0"/>
+          </a:p>
+          <a:p>
+            <a:pPr lvl="1"/>
+            <a:r>
+              <a:rPr lang="en-US" dirty="0">
+                <a:hlinkClick r:id="rId3"/>
+              </a:rPr>
+              <a:t>http://stackoverflow.com/questions/13063792/windows-store-apps-and-f</a:t>
+            </a:r>
+            <a:endParaRPr lang="en-US" dirty="0"/>
+          </a:p>
+          <a:p>
+            <a:pPr lvl="1"/>
+            <a:r>
+              <a:rPr lang="en-US" dirty="0">
+                <a:hlinkClick r:id="rId4"/>
+              </a:rPr>
+              <a:t>http://</a:t>
+            </a:r>
+            <a:r>
+              <a:rPr lang="en-US" dirty="0" smtClean="0">
+                <a:hlinkClick r:id="rId4"/>
+              </a:rPr>
+              <a:t>stackoverflow.com/questions/6811072/referencing-asynchronous-f-datatype-from-c-sharp</a:t>
+            </a:r>
+            <a:endParaRPr lang="en-US" dirty="0"/>
+          </a:p>
+          <a:p>
+            <a:r>
+              <a:rPr lang="en-US" dirty="0" smtClean="0"/>
+              <a:t>Always </a:t>
+            </a:r>
+            <a:r>
+              <a:rPr lang="en-US" dirty="0"/>
+              <a:t>5 Equation</a:t>
+            </a:r>
+          </a:p>
+          <a:p>
+            <a:pPr lvl="1"/>
+            <a:r>
+              <a:rPr lang="en-US" dirty="0">
+                <a:hlinkClick r:id="rId5"/>
+              </a:rPr>
+              <a:t>http://</a:t>
+            </a:r>
+            <a:r>
+              <a:rPr lang="en-US" dirty="0" smtClean="0">
+                <a:hlinkClick r:id="rId5"/>
+              </a:rPr>
+              <a:t>www.pedagonet.com/maths/always.htm</a:t>
+            </a:r>
+            <a:endParaRPr lang="en-US" dirty="0"/>
+          </a:p>
+          <a:p>
+            <a:r>
+              <a:rPr lang="en-US" dirty="0" smtClean="0"/>
+              <a:t>The Book of F#, By </a:t>
+            </a:r>
+            <a:r>
+              <a:rPr lang="en-US" dirty="0"/>
+              <a:t>Dave Fancher </a:t>
+            </a:r>
+            <a:r>
+              <a:rPr lang="en-US" dirty="0" smtClean="0"/>
+              <a:t>(</a:t>
+            </a:r>
+            <a:r>
+              <a:rPr lang="en-US" dirty="0" smtClean="0">
+                <a:hlinkClick r:id="rId6"/>
+              </a:rPr>
+              <a:t>https</a:t>
+            </a:r>
+            <a:r>
+              <a:rPr lang="en-US" dirty="0">
+                <a:hlinkClick r:id="rId6"/>
+              </a:rPr>
+              <a:t>://</a:t>
+            </a:r>
+            <a:r>
+              <a:rPr lang="en-US" dirty="0" smtClean="0">
+                <a:hlinkClick r:id="rId6"/>
+              </a:rPr>
+              <a:t>twitter.com/davefancher</a:t>
+            </a:r>
+            <a:r>
+              <a:rPr lang="en-US" dirty="0" smtClean="0"/>
+              <a:t>)</a:t>
+            </a:r>
+            <a:endParaRPr lang="en-US" dirty="0"/>
+          </a:p>
+          <a:p>
+            <a:r>
+              <a:rPr lang="en-US" dirty="0" smtClean="0"/>
+              <a:t>Gist about Discriminated Union</a:t>
+            </a:r>
+          </a:p>
+          <a:p>
+            <a:pPr lvl="1"/>
+            <a:r>
+              <a:rPr lang="en-US" dirty="0" smtClean="0">
+                <a:hlinkClick r:id="rId7"/>
+              </a:rPr>
+              <a:t>https</a:t>
+            </a:r>
+            <a:r>
+              <a:rPr lang="en-US" dirty="0">
+                <a:hlinkClick r:id="rId7"/>
+              </a:rPr>
+              <a:t>://</a:t>
+            </a:r>
+            <a:r>
+              <a:rPr lang="en-US" dirty="0" smtClean="0">
+                <a:hlinkClick r:id="rId7"/>
+              </a:rPr>
+              <a:t>gist.github.com/dannydwarren/cefb9d33a67b689bddf8</a:t>
+            </a:r>
+            <a:endParaRPr lang="en-US" dirty="0" smtClean="0"/>
+          </a:p>
+          <a:p>
+            <a:r>
+              <a:rPr lang="en-US" dirty="0" smtClean="0"/>
+              <a:t>Pipe |&gt; vs Function Composition &gt;&gt;</a:t>
+            </a:r>
+          </a:p>
+          <a:p>
+            <a:pPr lvl="1"/>
+            <a:r>
+              <a:rPr lang="en-US">
+                <a:hlinkClick r:id="rId8"/>
+              </a:rPr>
+              <a:t>http://fsharpforfunandprofit.com/posts/function-composition</a:t>
+            </a:r>
+            <a:r>
+              <a:rPr lang="en-US" smtClean="0">
+                <a:hlinkClick r:id="rId8"/>
+              </a:rPr>
+              <a:t>/</a:t>
+            </a:r>
+            <a:r>
+              <a:rPr lang="en-US" smtClean="0"/>
+              <a:t> </a:t>
+            </a:r>
+            <a:endParaRPr lang="en-US" dirty="0"/>
+          </a:p>
+          <a:p>
+            <a:endParaRPr lang="en-US" dirty="0"/>
           </a:p>
         </p:txBody>
       </p:sp>
     </p:spTree>
     <p:extLst>
       <p:ext uri="{BB962C8B-B14F-4D97-AF65-F5344CB8AC3E}">
-        <p14:creationId xmlns:p14="http://schemas.microsoft.com/office/powerpoint/2010/main" val="1653991550"/>
+        <p14:creationId xmlns:p14="http://schemas.microsoft.com/office/powerpoint/2010/main" val="1803903495"/>
       </p:ext>
     </p:extLst>
   </p:cSld>
@@ -4150,7 +4089,7 @@
           <a:p>
             <a:r>
               <a:rPr lang="en-US" dirty="0" smtClean="0"/>
-              <a:t>What is F#</a:t>
+              <a:t>Agenda</a:t>
             </a:r>
             <a:endParaRPr lang="en-US" dirty="0"/>
           </a:p>
@@ -4173,56 +4112,45 @@
           <a:p>
             <a:r>
               <a:rPr lang="en-US" dirty="0" smtClean="0"/>
-              <a:t>F# is the 3</a:t>
-            </a:r>
-            <a:r>
-              <a:rPr lang="en-US" baseline="30000" dirty="0" smtClean="0"/>
-              <a:t>rd</a:t>
-            </a:r>
-            <a:r>
-              <a:rPr lang="en-US" dirty="0" smtClean="0"/>
-              <a:t> major .NET Language </a:t>
-            </a:r>
-          </a:p>
-          <a:p>
-            <a:pPr lvl="1"/>
-            <a:r>
-              <a:rPr lang="en-US" dirty="0" smtClean="0"/>
-              <a:t>Thanks CLI (Common Language Interface)</a:t>
-            </a:r>
-          </a:p>
-          <a:p>
-            <a:r>
-              <a:rPr lang="en-US" dirty="0" smtClean="0"/>
-              <a:t>Functional First, but is Multi-paradigm </a:t>
-            </a:r>
-          </a:p>
-          <a:p>
-            <a:pPr lvl="1"/>
-            <a:r>
-              <a:rPr lang="en-US" dirty="0" smtClean="0"/>
-              <a:t>Can also do OO</a:t>
-            </a:r>
-          </a:p>
-          <a:p>
-            <a:r>
-              <a:rPr lang="en-US" dirty="0" smtClean="0"/>
-              <a:t>NOT An Academic Language!</a:t>
-            </a:r>
-          </a:p>
-          <a:p>
-            <a:r>
-              <a:rPr lang="en-US" dirty="0" smtClean="0"/>
-              <a:t>Mature, but still FUN!</a:t>
-            </a:r>
-            <a:endParaRPr lang="en-US" dirty="0"/>
+              <a:t>What is F#</a:t>
+            </a:r>
+          </a:p>
+          <a:p>
+            <a:r>
+              <a:rPr lang="en-US" dirty="0" smtClean="0"/>
+              <a:t>Nature of C# vs F#</a:t>
+            </a:r>
+          </a:p>
+          <a:p>
+            <a:r>
+              <a:rPr lang="en-US" dirty="0" smtClean="0"/>
+              <a:t>What do you mean: “Classes of Bugs Don’t Exist”</a:t>
+            </a:r>
+          </a:p>
+          <a:p>
+            <a:r>
+              <a:rPr lang="en-US" dirty="0" smtClean="0"/>
+              <a:t>Language and Tooling Intro</a:t>
+            </a:r>
+          </a:p>
+          <a:p>
+            <a:r>
+              <a:rPr lang="en-US" dirty="0" smtClean="0"/>
+              <a:t>F# in Mobile (Using Xamarin)</a:t>
+            </a:r>
+          </a:p>
+          <a:p>
+            <a:r>
+              <a:rPr lang="en-US" dirty="0" smtClean="0"/>
+              <a:t>I can’t use F#, but how will it make me a better developer?</a:t>
+            </a:r>
           </a:p>
         </p:txBody>
       </p:sp>
     </p:spTree>
     <p:extLst>
       <p:ext uri="{BB962C8B-B14F-4D97-AF65-F5344CB8AC3E}">
-        <p14:creationId xmlns:p14="http://schemas.microsoft.com/office/powerpoint/2010/main" val="2973290758"/>
+        <p14:creationId xmlns:p14="http://schemas.microsoft.com/office/powerpoint/2010/main" val="1653991550"/>
       </p:ext>
     </p:extLst>
   </p:cSld>
@@ -4273,7 +4201,7 @@
           <a:p>
             <a:r>
               <a:rPr lang="en-US" dirty="0" smtClean="0"/>
-              <a:t>Nature vs Nurture</a:t>
+              <a:t>What is F#</a:t>
             </a:r>
             <a:endParaRPr lang="en-US" dirty="0"/>
           </a:p>
@@ -4281,12 +4209,12 @@
       </p:sp>
       <p:sp>
         <p:nvSpPr>
-          <p:cNvPr id="6" name="Text Placeholder 5"/>
-          <p:cNvSpPr>
-            <a:spLocks noGrp="1"/>
-          </p:cNvSpPr>
-          <p:nvPr>
-            <p:ph type="body" idx="1"/>
+          <p:cNvPr id="3" name="Content Placeholder 2"/>
+          <p:cNvSpPr>
+            <a:spLocks noGrp="1"/>
+          </p:cNvSpPr>
+          <p:nvPr>
+            <p:ph idx="1"/>
           </p:nvPr>
         </p:nvSpPr>
         <p:spPr/>
@@ -4296,164 +4224,47 @@
           <a:p>
             <a:r>
               <a:rPr lang="en-US" dirty="0" smtClean="0"/>
-              <a:t>C#</a:t>
-            </a:r>
-            <a:endParaRPr lang="en-US" dirty="0"/>
-          </a:p>
-        </p:txBody>
-      </p:sp>
-      <p:sp>
-        <p:nvSpPr>
-          <p:cNvPr id="7" name="Content Placeholder 6"/>
-          <p:cNvSpPr>
-            <a:spLocks noGrp="1"/>
-          </p:cNvSpPr>
-          <p:nvPr>
-            <p:ph sz="half" idx="2"/>
-          </p:nvPr>
-        </p:nvSpPr>
-        <p:spPr/>
-        <p:txBody>
-          <a:bodyPr/>
-          <a:lstStyle/>
-          <a:p>
-            <a:r>
-              <a:rPr lang="en-US" dirty="0" smtClean="0"/>
-              <a:t>OO</a:t>
-            </a:r>
-          </a:p>
-          <a:p>
-            <a:r>
-              <a:rPr lang="en-US" dirty="0" smtClean="0"/>
-              <a:t>Mutable</a:t>
-            </a:r>
-          </a:p>
-          <a:p>
-            <a:r>
-              <a:rPr lang="en-US" dirty="0" smtClean="0"/>
-              <a:t>Rigid Type System</a:t>
-            </a:r>
-          </a:p>
-          <a:p>
-            <a:r>
-              <a:rPr lang="en-US" dirty="0" smtClean="0"/>
-              <a:t>Insignificant Whitespace</a:t>
-            </a:r>
-          </a:p>
-          <a:p>
-            <a:pPr lvl="1"/>
-            <a:r>
-              <a:rPr lang="en-US" dirty="0" smtClean="0"/>
-              <a:t>Explicit Blocks of Code</a:t>
-            </a:r>
-          </a:p>
-          <a:p>
-            <a:r>
-              <a:rPr lang="en-US" dirty="0" smtClean="0"/>
-              <a:t>NULL is Significant</a:t>
-            </a:r>
-          </a:p>
-          <a:p>
-            <a:r>
-              <a:rPr lang="en-US" dirty="0" smtClean="0"/>
-              <a:t>Functions not First Class</a:t>
-            </a:r>
-          </a:p>
-          <a:p>
-            <a:pPr lvl="1"/>
-            <a:r>
-              <a:rPr lang="en-US" dirty="0" smtClean="0"/>
-              <a:t>Can use Delegate</a:t>
-            </a:r>
-            <a:endParaRPr lang="en-US" dirty="0"/>
-          </a:p>
-        </p:txBody>
-      </p:sp>
-      <p:sp>
-        <p:nvSpPr>
-          <p:cNvPr id="8" name="Text Placeholder 7"/>
-          <p:cNvSpPr>
-            <a:spLocks noGrp="1"/>
-          </p:cNvSpPr>
-          <p:nvPr>
-            <p:ph type="body" sz="quarter" idx="3"/>
-          </p:nvPr>
-        </p:nvSpPr>
-        <p:spPr/>
-        <p:txBody>
-          <a:bodyPr/>
-          <a:lstStyle/>
-          <a:p>
-            <a:r>
-              <a:rPr lang="en-US" dirty="0" smtClean="0"/>
-              <a:t>F#</a:t>
-            </a:r>
-            <a:endParaRPr lang="en-US" dirty="0"/>
-          </a:p>
-        </p:txBody>
-      </p:sp>
-      <p:sp>
-        <p:nvSpPr>
-          <p:cNvPr id="9" name="Content Placeholder 8"/>
-          <p:cNvSpPr>
-            <a:spLocks noGrp="1"/>
-          </p:cNvSpPr>
-          <p:nvPr>
-            <p:ph sz="quarter" idx="4"/>
-          </p:nvPr>
-        </p:nvSpPr>
-        <p:spPr/>
-        <p:txBody>
-          <a:bodyPr/>
-          <a:lstStyle/>
-          <a:p>
-            <a:r>
-              <a:rPr lang="en-US" dirty="0" smtClean="0"/>
-              <a:t>Functional</a:t>
-            </a:r>
-          </a:p>
-          <a:p>
-            <a:r>
-              <a:rPr lang="en-US" dirty="0" smtClean="0"/>
-              <a:t>Immutable</a:t>
-            </a:r>
-          </a:p>
-          <a:p>
-            <a:r>
-              <a:rPr lang="en-US" dirty="0" smtClean="0"/>
-              <a:t>Flexible Type System (Major Benefit)</a:t>
-            </a:r>
-          </a:p>
-          <a:p>
-            <a:r>
-              <a:rPr lang="en-US" dirty="0" smtClean="0"/>
-              <a:t>Significant Whitespace</a:t>
-            </a:r>
-          </a:p>
-          <a:p>
-            <a:pPr lvl="1"/>
-            <a:r>
-              <a:rPr lang="en-US" dirty="0" smtClean="0"/>
-              <a:t>Implicit Blocks of Code</a:t>
-            </a:r>
-          </a:p>
-          <a:p>
-            <a:r>
-              <a:rPr lang="en-US" dirty="0" smtClean="0"/>
-              <a:t>NULL is Avoided, but still exists</a:t>
-            </a:r>
-          </a:p>
-          <a:p>
-            <a:r>
-              <a:rPr lang="en-US" dirty="0" smtClean="0"/>
-              <a:t>Function is First Class</a:t>
-            </a:r>
-          </a:p>
-          <a:p>
-            <a:pPr lvl="1"/>
-            <a:r>
-              <a:rPr lang="en-US" dirty="0" smtClean="0"/>
-              <a:t>Can be treated as an object</a:t>
+              <a:t>F# is the 3</a:t>
+            </a:r>
+            <a:r>
+              <a:rPr lang="en-US" baseline="30000" dirty="0" smtClean="0"/>
+              <a:t>rd</a:t>
+            </a:r>
+            <a:r>
+              <a:rPr lang="en-US" dirty="0" smtClean="0"/>
+              <a:t> major .NET Language </a:t>
+            </a:r>
+          </a:p>
+          <a:p>
+            <a:pPr lvl="1"/>
+            <a:r>
+              <a:rPr lang="en-US" dirty="0" smtClean="0"/>
+              <a:t>Thanks CLI (Common Language Interface)</a:t>
+            </a:r>
+          </a:p>
+          <a:p>
+            <a:r>
+              <a:rPr lang="en-US" dirty="0" smtClean="0"/>
+              <a:t>Functional First, but is Multi-paradigm </a:t>
+            </a:r>
+          </a:p>
+          <a:p>
+            <a:pPr lvl="1"/>
+            <a:r>
+              <a:rPr lang="en-US" dirty="0" smtClean="0"/>
+              <a:t>Can also do OO</a:t>
+            </a:r>
+          </a:p>
+          <a:p>
+            <a:r>
+              <a:rPr lang="en-US" dirty="0" smtClean="0"/>
+              <a:t>NOT An Academic Language!</a:t>
+            </a:r>
+          </a:p>
+          <a:p>
+            <a:r>
+              <a:rPr lang="en-US" dirty="0" smtClean="0"/>
+              <a:t>Mature, but still FUN!</a:t>
             </a:r>
             <a:endParaRPr lang="en-US" dirty="0"/>
           </a:p>
@@ -4462,7 +4273,7 @@
     </p:spTree>
     <p:extLst>
       <p:ext uri="{BB962C8B-B14F-4D97-AF65-F5344CB8AC3E}">
-        <p14:creationId xmlns:p14="http://schemas.microsoft.com/office/powerpoint/2010/main" val="4072921631"/>
+        <p14:creationId xmlns:p14="http://schemas.microsoft.com/office/powerpoint/2010/main" val="2973290758"/>
       </p:ext>
     </p:extLst>
   </p:cSld>
@@ -4513,7 +4324,7 @@
           <a:p>
             <a:r>
               <a:rPr lang="en-US" dirty="0" smtClean="0"/>
-              <a:t>That Bug CAN’T Exist Here!</a:t>
+              <a:t>Nature vs Nurture</a:t>
             </a:r>
             <a:endParaRPr lang="en-US" dirty="0"/>
           </a:p>
@@ -4521,174 +4332,179 @@
       </p:sp>
       <p:sp>
         <p:nvSpPr>
-          <p:cNvPr id="3" name="Content Placeholder 2"/>
-          <p:cNvSpPr>
-            <a:spLocks noGrp="1"/>
-          </p:cNvSpPr>
-          <p:nvPr>
-            <p:ph idx="1"/>
+          <p:cNvPr id="6" name="Text Placeholder 5"/>
+          <p:cNvSpPr>
+            <a:spLocks noGrp="1"/>
+          </p:cNvSpPr>
+          <p:nvPr>
+            <p:ph type="body" idx="1"/>
           </p:nvPr>
         </p:nvSpPr>
         <p:spPr/>
         <p:txBody>
-          <a:bodyPr>
-            <a:normAutofit fontScale="70000" lnSpcReduction="20000"/>
-          </a:bodyPr>
+          <a:bodyPr/>
           <a:lstStyle/>
           <a:p>
             <a:r>
               <a:rPr lang="en-US" dirty="0" smtClean="0"/>
-              <a:t>Immutability by default</a:t>
-            </a:r>
-          </a:p>
-          <a:p>
-            <a:pPr lvl="1"/>
-            <a:r>
-              <a:rPr lang="en-US" dirty="0" smtClean="0"/>
-              <a:t>Forces us away from </a:t>
-            </a:r>
-            <a:r>
-              <a:rPr lang="en-US" dirty="0" err="1" smtClean="0"/>
-              <a:t>stateful</a:t>
-            </a:r>
-            <a:r>
-              <a:rPr lang="en-US" dirty="0" smtClean="0"/>
-              <a:t> bugs</a:t>
-            </a:r>
-          </a:p>
-          <a:p>
-            <a:pPr lvl="1"/>
-            <a:r>
-              <a:rPr lang="en-US" dirty="0" smtClean="0"/>
-              <a:t>In order to make something mutable you must be explicit</a:t>
-            </a:r>
-          </a:p>
-          <a:p>
-            <a:pPr lvl="2"/>
-            <a:r>
-              <a:rPr lang="en-US" dirty="0" smtClean="0"/>
-              <a:t>So in theory the developer thought this through… Yeah right! ;-)</a:t>
-            </a:r>
-          </a:p>
-          <a:p>
-            <a:pPr lvl="1"/>
-            <a:r>
-              <a:rPr lang="en-US" dirty="0"/>
-              <a:t>Online Sample: </a:t>
-            </a:r>
-            <a:r>
-              <a:rPr lang="en-US" dirty="0">
-                <a:hlinkClick r:id="rId2"/>
-              </a:rPr>
-              <a:t>http://fsharpforfunandprofit.com/posts/correctness-immutability</a:t>
-            </a:r>
-            <a:r>
-              <a:rPr lang="en-US" dirty="0" smtClean="0">
-                <a:hlinkClick r:id="rId2"/>
-              </a:rPr>
-              <a:t>/</a:t>
-            </a:r>
-            <a:r>
-              <a:rPr lang="en-US" dirty="0" smtClean="0"/>
-              <a:t> </a:t>
-            </a:r>
-          </a:p>
-          <a:p>
-            <a:r>
-              <a:rPr lang="en-US" dirty="0" smtClean="0"/>
-              <a:t>Flexible Type System</a:t>
-            </a:r>
-          </a:p>
-          <a:p>
-            <a:pPr lvl="1"/>
-            <a:r>
-              <a:rPr lang="en-US" dirty="0" smtClean="0"/>
-              <a:t>Can force compile time validation.</a:t>
-            </a:r>
-          </a:p>
-          <a:p>
-            <a:pPr lvl="1"/>
-            <a:r>
-              <a:rPr lang="en-US" dirty="0"/>
-              <a:t>Online Sample: </a:t>
-            </a:r>
-            <a:r>
-              <a:rPr lang="en-US" dirty="0">
-                <a:hlinkClick r:id="rId3"/>
-              </a:rPr>
-              <a:t>http://fsharpforfunandprofit.com/posts/designing-for-correctness</a:t>
-            </a:r>
-            <a:r>
-              <a:rPr lang="en-US" dirty="0" smtClean="0">
-                <a:hlinkClick r:id="rId3"/>
-              </a:rPr>
-              <a:t>/</a:t>
-            </a:r>
-            <a:r>
-              <a:rPr lang="en-US" dirty="0" smtClean="0"/>
-              <a:t> </a:t>
-            </a:r>
-          </a:p>
-          <a:p>
-            <a:pPr lvl="1"/>
-            <a:r>
-              <a:rPr lang="en-US" dirty="0" smtClean="0"/>
-              <a:t>Example in Demo Code</a:t>
-            </a:r>
-          </a:p>
-          <a:p>
-            <a:r>
-              <a:rPr lang="en-US" dirty="0" smtClean="0"/>
-              <a:t>NULL avoided</a:t>
-            </a:r>
-          </a:p>
-          <a:p>
-            <a:pPr lvl="1"/>
-            <a:r>
-              <a:rPr lang="en-US" dirty="0" smtClean="0"/>
-              <a:t>Forces developers to think through all code paths</a:t>
-            </a:r>
-          </a:p>
-          <a:p>
-            <a:pPr lvl="2"/>
-            <a:r>
-              <a:rPr lang="en-US" dirty="0" smtClean="0"/>
-              <a:t>Avoids many unnecessary </a:t>
-            </a:r>
-            <a:r>
-              <a:rPr lang="en-US" dirty="0" err="1" smtClean="0"/>
-              <a:t>NullReferenceExceptions</a:t>
-            </a:r>
-            <a:r>
-              <a:rPr lang="en-US" dirty="0" smtClean="0"/>
-              <a:t>!</a:t>
-            </a:r>
-          </a:p>
-          <a:p>
-            <a:pPr lvl="1"/>
-            <a:r>
-              <a:rPr lang="en-US" dirty="0" smtClean="0"/>
-              <a:t>Online Sample</a:t>
-            </a:r>
-            <a:r>
-              <a:rPr lang="en-US" dirty="0"/>
-              <a:t>: </a:t>
-            </a:r>
-            <a:r>
-              <a:rPr lang="en-US" dirty="0">
-                <a:hlinkClick r:id="rId4"/>
-              </a:rPr>
-              <a:t>http://fsharpforfunandprofit.com/posts/the-option-type/#</a:t>
-            </a:r>
-            <a:r>
-              <a:rPr lang="en-US" dirty="0" smtClean="0">
-                <a:hlinkClick r:id="rId4"/>
-              </a:rPr>
-              <a:t>option-is-not-null</a:t>
-            </a:r>
-            <a:r>
-              <a:rPr lang="en-US" dirty="0" smtClean="0"/>
-              <a:t> </a:t>
+              <a:t>C#</a:t>
+            </a:r>
+            <a:endParaRPr lang="en-US" dirty="0"/>
+          </a:p>
+        </p:txBody>
+      </p:sp>
+      <p:sp>
+        <p:nvSpPr>
+          <p:cNvPr id="7" name="Content Placeholder 6"/>
+          <p:cNvSpPr>
+            <a:spLocks noGrp="1"/>
+          </p:cNvSpPr>
+          <p:nvPr>
+            <p:ph sz="half" idx="2"/>
+          </p:nvPr>
+        </p:nvSpPr>
+        <p:spPr/>
+        <p:txBody>
+          <a:bodyPr/>
+          <a:lstStyle/>
+          <a:p>
+            <a:r>
+              <a:rPr lang="en-US" dirty="0" smtClean="0"/>
+              <a:t>OO</a:t>
+            </a:r>
+          </a:p>
+          <a:p>
+            <a:r>
+              <a:rPr lang="en-US" dirty="0" smtClean="0"/>
+              <a:t>Mutable</a:t>
+            </a:r>
+          </a:p>
+          <a:p>
+            <a:r>
+              <a:rPr lang="en-US" dirty="0" smtClean="0"/>
+              <a:t>Rigid Type System</a:t>
+            </a:r>
+          </a:p>
+          <a:p>
+            <a:r>
+              <a:rPr lang="en-US" dirty="0" smtClean="0"/>
+              <a:t>Insignificant Whitespace</a:t>
+            </a:r>
+          </a:p>
+          <a:p>
+            <a:pPr lvl="1"/>
+            <a:r>
+              <a:rPr lang="en-US" dirty="0" smtClean="0"/>
+              <a:t>Explicit Blocks of Code</a:t>
+            </a:r>
+          </a:p>
+          <a:p>
+            <a:r>
+              <a:rPr lang="en-US" dirty="0" smtClean="0"/>
+              <a:t>NULL is Significant</a:t>
+            </a:r>
+          </a:p>
+          <a:p>
+            <a:r>
+              <a:rPr lang="en-US" dirty="0" smtClean="0"/>
+              <a:t>Functions not First Class</a:t>
+            </a:r>
+          </a:p>
+          <a:p>
+            <a:pPr lvl="1"/>
+            <a:r>
+              <a:rPr lang="en-US" dirty="0" smtClean="0"/>
+              <a:t>Can use Delegate</a:t>
+            </a:r>
+            <a:endParaRPr lang="en-US" dirty="0"/>
+          </a:p>
+        </p:txBody>
+      </p:sp>
+      <p:sp>
+        <p:nvSpPr>
+          <p:cNvPr id="8" name="Text Placeholder 7"/>
+          <p:cNvSpPr>
+            <a:spLocks noGrp="1"/>
+          </p:cNvSpPr>
+          <p:nvPr>
+            <p:ph type="body" sz="quarter" idx="3"/>
+          </p:nvPr>
+        </p:nvSpPr>
+        <p:spPr/>
+        <p:txBody>
+          <a:bodyPr/>
+          <a:lstStyle/>
+          <a:p>
+            <a:r>
+              <a:rPr lang="en-US" dirty="0" smtClean="0"/>
+              <a:t>F#</a:t>
+            </a:r>
+            <a:endParaRPr lang="en-US" dirty="0"/>
+          </a:p>
+        </p:txBody>
+      </p:sp>
+      <p:sp>
+        <p:nvSpPr>
+          <p:cNvPr id="9" name="Content Placeholder 8"/>
+          <p:cNvSpPr>
+            <a:spLocks noGrp="1"/>
+          </p:cNvSpPr>
+          <p:nvPr>
+            <p:ph sz="quarter" idx="4"/>
+          </p:nvPr>
+        </p:nvSpPr>
+        <p:spPr/>
+        <p:txBody>
+          <a:bodyPr/>
+          <a:lstStyle/>
+          <a:p>
+            <a:r>
+              <a:rPr lang="en-US" dirty="0" smtClean="0"/>
+              <a:t>Functional</a:t>
+            </a:r>
+          </a:p>
+          <a:p>
+            <a:r>
+              <a:rPr lang="en-US" dirty="0" smtClean="0"/>
+              <a:t>Immutable</a:t>
+            </a:r>
+          </a:p>
+          <a:p>
+            <a:r>
+              <a:rPr lang="en-US" dirty="0" smtClean="0"/>
+              <a:t>Flexible Type System (Major Benefit)</a:t>
+            </a:r>
+          </a:p>
+          <a:p>
+            <a:r>
+              <a:rPr lang="en-US" dirty="0" smtClean="0"/>
+              <a:t>Significant Whitespace</a:t>
+            </a:r>
+          </a:p>
+          <a:p>
+            <a:pPr lvl="1"/>
+            <a:r>
+              <a:rPr lang="en-US" dirty="0" smtClean="0"/>
+              <a:t>Implicit Blocks of Code</a:t>
+            </a:r>
+          </a:p>
+          <a:p>
+            <a:r>
+              <a:rPr lang="en-US" dirty="0" smtClean="0"/>
+              <a:t>NULL is Avoided, but still exists</a:t>
+            </a:r>
+          </a:p>
+          <a:p>
+            <a:r>
+              <a:rPr lang="en-US" dirty="0" smtClean="0"/>
+              <a:t>Function is First Class</a:t>
+            </a:r>
+          </a:p>
+          <a:p>
+            <a:pPr lvl="1"/>
+            <a:r>
+              <a:rPr lang="en-US" dirty="0" smtClean="0"/>
+              <a:t>Can be treated as an object</a:t>
             </a:r>
             <a:endParaRPr lang="en-US" dirty="0"/>
           </a:p>
@@ -4697,7 +4513,7 @@
     </p:spTree>
     <p:extLst>
       <p:ext uri="{BB962C8B-B14F-4D97-AF65-F5344CB8AC3E}">
-        <p14:creationId xmlns:p14="http://schemas.microsoft.com/office/powerpoint/2010/main" val="2148005894"/>
+        <p14:creationId xmlns:p14="http://schemas.microsoft.com/office/powerpoint/2010/main" val="4072921631"/>
       </p:ext>
     </p:extLst>
   </p:cSld>
@@ -4743,195 +4559,188 @@
         </p:nvSpPr>
         <p:spPr/>
         <p:txBody>
+          <a:bodyPr/>
+          <a:lstStyle/>
+          <a:p>
+            <a:r>
+              <a:rPr lang="en-US" dirty="0" smtClean="0"/>
+              <a:t>That Bug CAN’T Exist Here!</a:t>
+            </a:r>
+            <a:endParaRPr lang="en-US" dirty="0"/>
+          </a:p>
+        </p:txBody>
+      </p:sp>
+      <p:sp>
+        <p:nvSpPr>
+          <p:cNvPr id="3" name="Content Placeholder 2"/>
+          <p:cNvSpPr>
+            <a:spLocks noGrp="1"/>
+          </p:cNvSpPr>
+          <p:nvPr>
+            <p:ph idx="1"/>
+          </p:nvPr>
+        </p:nvSpPr>
+        <p:spPr/>
+        <p:txBody>
           <a:bodyPr>
-            <a:normAutofit/>
+            <a:normAutofit fontScale="70000" lnSpcReduction="20000"/>
           </a:bodyPr>
           <a:lstStyle/>
           <a:p>
             <a:r>
               <a:rPr lang="en-US" dirty="0" smtClean="0"/>
-              <a:t>Hai! I’m F#! And dis </a:t>
+              <a:t>Immutability by default</a:t>
+            </a:r>
+          </a:p>
+          <a:p>
+            <a:pPr lvl="1"/>
+            <a:r>
+              <a:rPr lang="en-US" dirty="0" smtClean="0"/>
+              <a:t>Forces us away from </a:t>
             </a:r>
             <a:r>
               <a:rPr lang="en-US" dirty="0" err="1" smtClean="0"/>
-              <a:t>mai</a:t>
-            </a:r>
-            <a:r>
-              <a:rPr lang="en-US" dirty="0" smtClean="0"/>
-              <a:t> friend REPL…</a:t>
-            </a:r>
-            <a:endParaRPr lang="en-US" dirty="0"/>
-          </a:p>
-        </p:txBody>
-      </p:sp>
-      <p:sp>
-        <p:nvSpPr>
-          <p:cNvPr id="3" name="Content Placeholder 2"/>
-          <p:cNvSpPr>
-            <a:spLocks noGrp="1"/>
-          </p:cNvSpPr>
-          <p:nvPr>
-            <p:ph idx="1"/>
-          </p:nvPr>
-        </p:nvSpPr>
-        <p:spPr/>
-        <p:txBody>
-          <a:bodyPr>
-            <a:normAutofit fontScale="85000" lnSpcReduction="20000"/>
-          </a:bodyPr>
-          <a:lstStyle/>
-          <a:p>
-            <a:r>
-              <a:rPr lang="en-US" dirty="0" smtClean="0"/>
-              <a:t>Language Intro: </a:t>
-            </a:r>
-          </a:p>
-          <a:p>
-            <a:pPr lvl="1"/>
-            <a:r>
-              <a:rPr lang="en-US" dirty="0" smtClean="0"/>
-              <a:t>Start Here: </a:t>
+              <a:t>stateful</a:t>
+            </a:r>
+            <a:r>
+              <a:rPr lang="en-US" dirty="0" smtClean="0"/>
+              <a:t> bugs</a:t>
+            </a:r>
+          </a:p>
+          <a:p>
+            <a:pPr lvl="1"/>
+            <a:r>
+              <a:rPr lang="en-US" dirty="0" smtClean="0"/>
+              <a:t>In order to make something mutable you must be explicit</a:t>
+            </a:r>
+          </a:p>
+          <a:p>
+            <a:pPr lvl="2"/>
+            <a:r>
+              <a:rPr lang="en-US" dirty="0" smtClean="0"/>
+              <a:t>So in theory the developer thought this through… Yeah right! ;-)</a:t>
+            </a:r>
+          </a:p>
+          <a:p>
+            <a:pPr lvl="1"/>
+            <a:r>
+              <a:rPr lang="en-US" dirty="0"/>
+              <a:t>Online Sample: </a:t>
+            </a:r>
+            <a:r>
+              <a:rPr lang="en-US" dirty="0">
+                <a:hlinkClick r:id="rId2"/>
+              </a:rPr>
+              <a:t>http://fsharpforfunandprofit.com/posts/correctness-immutability</a:t>
             </a:r>
             <a:r>
               <a:rPr lang="en-US" dirty="0" smtClean="0">
                 <a:hlinkClick r:id="rId2"/>
               </a:rPr>
-              <a:t>http</a:t>
+              <a:t>/</a:t>
+            </a:r>
+            <a:r>
+              <a:rPr lang="en-US" dirty="0" smtClean="0"/>
+              <a:t> </a:t>
+            </a:r>
+          </a:p>
+          <a:p>
+            <a:r>
+              <a:rPr lang="en-US" dirty="0" smtClean="0"/>
+              <a:t>Flexible Type System</a:t>
+            </a:r>
+          </a:p>
+          <a:p>
+            <a:pPr lvl="1"/>
+            <a:r>
+              <a:rPr lang="en-US" dirty="0" smtClean="0"/>
+              <a:t>Can force compile time validation.</a:t>
+            </a:r>
+          </a:p>
+          <a:p>
+            <a:pPr lvl="1"/>
+            <a:r>
+              <a:rPr lang="en-US" dirty="0"/>
+              <a:t>Online Sample: </a:t>
             </a:r>
             <a:r>
               <a:rPr lang="en-US" dirty="0">
-                <a:hlinkClick r:id="rId2"/>
+                <a:hlinkClick r:id="rId3"/>
               </a:rPr>
-              <a:t>://fsharp.org/about/learning.html</a:t>
-            </a:r>
-            <a:endParaRPr lang="en-US" dirty="0"/>
-          </a:p>
-          <a:p>
-            <a:pPr lvl="1"/>
-            <a:r>
-              <a:rPr lang="en-US" dirty="0" smtClean="0"/>
-              <a:t>Syntax Guide: </a:t>
+              <a:t>http://fsharpforfunandprofit.com/posts/designing-for-correctness</a:t>
             </a:r>
             <a:r>
               <a:rPr lang="en-US" dirty="0" smtClean="0">
                 <a:hlinkClick r:id="rId3"/>
               </a:rPr>
-              <a:t>http</a:t>
+              <a:t>/</a:t>
+            </a:r>
+            <a:r>
+              <a:rPr lang="en-US" dirty="0" smtClean="0"/>
+              <a:t> </a:t>
+            </a:r>
+          </a:p>
+          <a:p>
+            <a:pPr lvl="1"/>
+            <a:r>
+              <a:rPr lang="en-US" dirty="0" smtClean="0"/>
+              <a:t>Example in Demo Code</a:t>
+            </a:r>
+          </a:p>
+          <a:p>
+            <a:r>
+              <a:rPr lang="en-US" dirty="0" smtClean="0"/>
+              <a:t>NULL avoided</a:t>
+            </a:r>
+          </a:p>
+          <a:p>
+            <a:pPr lvl="1"/>
+            <a:r>
+              <a:rPr lang="en-US" dirty="0" smtClean="0"/>
+              <a:t>Forces developers to think through all code paths</a:t>
+            </a:r>
+          </a:p>
+          <a:p>
+            <a:pPr lvl="2"/>
+            <a:r>
+              <a:rPr lang="en-US" dirty="0" smtClean="0"/>
+              <a:t>Avoids many unnecessary </a:t>
+            </a:r>
+            <a:r>
+              <a:rPr lang="en-US" dirty="0" err="1" smtClean="0"/>
+              <a:t>NullReferenceExceptions</a:t>
+            </a:r>
+            <a:r>
+              <a:rPr lang="en-US" dirty="0" smtClean="0"/>
+              <a:t>!</a:t>
+            </a:r>
+          </a:p>
+          <a:p>
+            <a:pPr lvl="1"/>
+            <a:r>
+              <a:rPr lang="en-US" dirty="0" smtClean="0"/>
+              <a:t>Online Sample</a:t>
+            </a:r>
+            <a:r>
+              <a:rPr lang="en-US" dirty="0"/>
+              <a:t>: </a:t>
             </a:r>
             <a:r>
               <a:rPr lang="en-US" dirty="0">
-                <a:hlinkClick r:id="rId3"/>
+                <a:hlinkClick r:id="rId4"/>
               </a:rPr>
-              <a:t>://dungpa.github.io/fsharp-cheatsheet/</a:t>
-            </a:r>
-            <a:endParaRPr lang="en-US" dirty="0"/>
-          </a:p>
-          <a:p>
-            <a:pPr lvl="1"/>
-            <a:r>
-              <a:rPr lang="en-US" dirty="0" smtClean="0"/>
-              <a:t>Why? Here’s Why!: </a:t>
+              <a:t>http://fsharpforfunandprofit.com/posts/the-option-type/#</a:t>
             </a:r>
             <a:r>
               <a:rPr lang="en-US" dirty="0" smtClean="0">
                 <a:hlinkClick r:id="rId4"/>
               </a:rPr>
-              <a:t>http</a:t>
-            </a:r>
-            <a:r>
-              <a:rPr lang="en-US" dirty="0">
-                <a:hlinkClick r:id="rId4"/>
-              </a:rPr>
-              <a:t>://fsharpforfunandprofit.com/why-use-fsharp/</a:t>
-            </a:r>
-            <a:endParaRPr lang="en-US" dirty="0"/>
-          </a:p>
-          <a:p>
-            <a:pPr lvl="1"/>
-            <a:r>
-              <a:rPr lang="en-US" dirty="0" smtClean="0"/>
-              <a:t>My personal favorite intro session: </a:t>
-            </a:r>
-            <a:r>
-              <a:rPr lang="en-US" dirty="0" smtClean="0">
-                <a:hlinkClick r:id="rId5"/>
-              </a:rPr>
-              <a:t>https</a:t>
-            </a:r>
-            <a:r>
-              <a:rPr lang="en-US" dirty="0">
-                <a:hlinkClick r:id="rId5"/>
-              </a:rPr>
-              <a:t>://skillsmatter.com/skillscasts/4971-domain-driven-design-with-scott-wlaschin</a:t>
-            </a:r>
-            <a:endParaRPr lang="en-US" dirty="0"/>
-          </a:p>
-          <a:p>
-            <a:pPr lvl="1"/>
-            <a:r>
-              <a:rPr lang="en-US" dirty="0" err="1" smtClean="0"/>
-              <a:t>FSharpForFunAndProfit</a:t>
-            </a:r>
-            <a:r>
-              <a:rPr lang="en-US" dirty="0" smtClean="0"/>
-              <a:t>: </a:t>
-            </a:r>
-            <a:r>
-              <a:rPr lang="en-US" dirty="0" smtClean="0">
-                <a:hlinkClick r:id="rId6"/>
-              </a:rPr>
-              <a:t>http</a:t>
-            </a:r>
-            <a:r>
-              <a:rPr lang="en-US" dirty="0">
-                <a:hlinkClick r:id="rId6"/>
-              </a:rPr>
-              <a:t>://fsharpforfunandprofit.com/site-contents/</a:t>
-            </a:r>
-            <a:endParaRPr lang="en-US" dirty="0"/>
-          </a:p>
-          <a:p>
-            <a:pPr lvl="1"/>
-            <a:r>
-              <a:rPr lang="en-US" dirty="0" smtClean="0"/>
-              <a:t>More Why!: </a:t>
-            </a:r>
-            <a:r>
-              <a:rPr lang="en-US" dirty="0" smtClean="0">
-                <a:hlinkClick r:id="rId7"/>
-              </a:rPr>
-              <a:t>http</a:t>
-            </a:r>
-            <a:r>
-              <a:rPr lang="en-US" dirty="0">
-                <a:hlinkClick r:id="rId7"/>
-              </a:rPr>
-              <a:t>://fsharpforfunandprofit.com/series/why-use-fsharp.html</a:t>
-            </a:r>
-            <a:endParaRPr lang="en-US" dirty="0"/>
-          </a:p>
-          <a:p>
-            <a:r>
-              <a:rPr lang="en-US" dirty="0" smtClean="0"/>
-              <a:t>Tooling Intro:</a:t>
-            </a:r>
-          </a:p>
-          <a:p>
-            <a:pPr lvl="1"/>
-            <a:r>
-              <a:rPr lang="en-US" dirty="0" smtClean="0"/>
-              <a:t>F# Interactive (REPL)</a:t>
-            </a:r>
-          </a:p>
-          <a:p>
-            <a:pPr lvl="1"/>
-            <a:r>
-              <a:rPr lang="en-US" dirty="0" smtClean="0"/>
-              <a:t>VS Debugging works just like it does in C#</a:t>
-            </a:r>
-          </a:p>
-          <a:p>
-            <a:pPr lvl="1"/>
+              <a:t>option-is-not-null</a:t>
+            </a:r>
+            <a:r>
+              <a:rPr lang="en-US" dirty="0" smtClean="0"/>
+              <a:t> </a:t>
+            </a:r>
             <a:endParaRPr lang="en-US" dirty="0"/>
           </a:p>
         </p:txBody>
@@ -4939,7 +4748,7 @@
     </p:spTree>
     <p:extLst>
       <p:ext uri="{BB962C8B-B14F-4D97-AF65-F5344CB8AC3E}">
-        <p14:creationId xmlns:p14="http://schemas.microsoft.com/office/powerpoint/2010/main" val="3932882741"/>
+        <p14:creationId xmlns:p14="http://schemas.microsoft.com/office/powerpoint/2010/main" val="2148005894"/>
       </p:ext>
     </p:extLst>
   </p:cSld>
@@ -4985,99 +4794,195 @@
         </p:nvSpPr>
         <p:spPr/>
         <p:txBody>
-          <a:bodyPr/>
-          <a:lstStyle/>
-          <a:p>
-            <a:r>
-              <a:rPr lang="en-US" dirty="0" smtClean="0"/>
-              <a:t>How to Get it Installed?</a:t>
-            </a:r>
-            <a:endParaRPr lang="en-US" dirty="0"/>
-          </a:p>
-        </p:txBody>
-      </p:sp>
-      <p:sp>
-        <p:nvSpPr>
-          <p:cNvPr id="3" name="Content Placeholder 2"/>
-          <p:cNvSpPr>
-            <a:spLocks noGrp="1"/>
-          </p:cNvSpPr>
-          <p:nvPr>
-            <p:ph idx="1"/>
-          </p:nvPr>
-        </p:nvSpPr>
-        <p:spPr/>
-        <p:txBody>
           <a:bodyPr>
-            <a:normAutofit fontScale="85000" lnSpcReduction="10000"/>
+            <a:normAutofit/>
           </a:bodyPr>
           <a:lstStyle/>
           <a:p>
             <a:r>
               <a:rPr lang="en-US" dirty="0" smtClean="0"/>
-              <a:t>Can Develop using VS2015 Community Edition or higher</a:t>
-            </a:r>
-          </a:p>
-          <a:p>
-            <a:pPr lvl="1"/>
-            <a:r>
-              <a:rPr lang="en-US" dirty="0" smtClean="0"/>
-              <a:t>Must install F# 3.1.2 standalone package</a:t>
-            </a:r>
-          </a:p>
-          <a:p>
-            <a:pPr lvl="2"/>
+              <a:t>Hai! I’m F#! And dis </a:t>
+            </a:r>
+            <a:r>
+              <a:rPr lang="en-US" dirty="0" err="1" smtClean="0"/>
+              <a:t>mai</a:t>
+            </a:r>
+            <a:r>
+              <a:rPr lang="en-US" dirty="0" smtClean="0"/>
+              <a:t> friend REPL…</a:t>
+            </a:r>
+            <a:endParaRPr lang="en-US" dirty="0"/>
+          </a:p>
+        </p:txBody>
+      </p:sp>
+      <p:sp>
+        <p:nvSpPr>
+          <p:cNvPr id="3" name="Content Placeholder 2"/>
+          <p:cNvSpPr>
+            <a:spLocks noGrp="1"/>
+          </p:cNvSpPr>
+          <p:nvPr>
+            <p:ph idx="1"/>
+          </p:nvPr>
+        </p:nvSpPr>
+        <p:spPr/>
+        <p:txBody>
+          <a:bodyPr>
+            <a:normAutofit fontScale="85000" lnSpcReduction="20000"/>
+          </a:bodyPr>
+          <a:lstStyle/>
+          <a:p>
+            <a:r>
+              <a:rPr lang="en-US" dirty="0" smtClean="0"/>
+              <a:t>Language Intro: </a:t>
+            </a:r>
+          </a:p>
+          <a:p>
+            <a:pPr lvl="1"/>
+            <a:r>
+              <a:rPr lang="en-US" dirty="0" smtClean="0"/>
+              <a:t>Start Here: </a:t>
+            </a:r>
+            <a:r>
+              <a:rPr lang="en-US" dirty="0" smtClean="0">
+                <a:hlinkClick r:id="rId2"/>
+              </a:rPr>
+              <a:t>http</a:t>
+            </a:r>
             <a:r>
               <a:rPr lang="en-US" dirty="0">
                 <a:hlinkClick r:id="rId2"/>
               </a:rPr>
-              <a:t>http://www.microsoft.com/en-us/download/details.aspx?id=44011</a:t>
-            </a:r>
-            <a:endParaRPr lang="en-US" dirty="0" smtClean="0"/>
-          </a:p>
-          <a:p>
-            <a:r>
-              <a:rPr lang="en-US" dirty="0" smtClean="0"/>
-              <a:t>The Catch!</a:t>
-            </a:r>
-          </a:p>
-          <a:p>
-            <a:pPr lvl="1"/>
-            <a:r>
-              <a:rPr lang="en-US" dirty="0" smtClean="0"/>
-              <a:t>IF you want to create C# Android or iOS Xamarin Project and use an F# Library</a:t>
-            </a:r>
-          </a:p>
-          <a:p>
-            <a:pPr lvl="1"/>
-            <a:r>
-              <a:rPr lang="en-US" dirty="0" smtClean="0"/>
-              <a:t>THEN you must install VS2013 Community Edition or higher</a:t>
-            </a:r>
-          </a:p>
-          <a:p>
-            <a:pPr lvl="2"/>
-            <a:r>
-              <a:rPr lang="en-US" dirty="0" smtClean="0"/>
-              <a:t>This installs F# 3.1 for you. Just apply the F# update ready to go when after installing.</a:t>
-            </a:r>
-          </a:p>
-          <a:p>
-            <a:pPr lvl="1"/>
-            <a:r>
-              <a:rPr lang="en-US" dirty="0" smtClean="0"/>
-              <a:t>The F# Library must be created using the Visual F# Portable Library (Legacy) template in VS2013</a:t>
-            </a:r>
-          </a:p>
-          <a:p>
-            <a:pPr lvl="2"/>
-            <a:r>
-              <a:rPr lang="en-US" dirty="0" smtClean="0"/>
-              <a:t>Copy this library to any solution and you’re good to go! You can use VS2015 or VS2013 to edit the library after it has been created.</a:t>
-            </a:r>
-          </a:p>
-          <a:p>
-            <a:pPr lvl="2"/>
+              <a:t>://fsharp.org/about/learning.html</a:t>
+            </a:r>
+            <a:endParaRPr lang="en-US" dirty="0"/>
+          </a:p>
+          <a:p>
+            <a:pPr lvl="1"/>
+            <a:r>
+              <a:rPr lang="en-US" dirty="0" smtClean="0"/>
+              <a:t>Syntax Guide: </a:t>
+            </a:r>
+            <a:r>
+              <a:rPr lang="en-US" dirty="0" smtClean="0">
+                <a:hlinkClick r:id="rId3"/>
+              </a:rPr>
+              <a:t>http</a:t>
+            </a:r>
+            <a:r>
+              <a:rPr lang="en-US" dirty="0">
+                <a:hlinkClick r:id="rId3"/>
+              </a:rPr>
+              <a:t>://dungpa.github.io/fsharp-cheatsheet/</a:t>
+            </a:r>
+            <a:endParaRPr lang="en-US" dirty="0"/>
+          </a:p>
+          <a:p>
+            <a:pPr lvl="1"/>
+            <a:r>
+              <a:rPr lang="en-US" dirty="0" smtClean="0"/>
+              <a:t>Why? Here’s Why!: </a:t>
+            </a:r>
+            <a:r>
+              <a:rPr lang="en-US" dirty="0" smtClean="0">
+                <a:hlinkClick r:id="rId4"/>
+              </a:rPr>
+              <a:t>http</a:t>
+            </a:r>
+            <a:r>
+              <a:rPr lang="en-US" dirty="0">
+                <a:hlinkClick r:id="rId4"/>
+              </a:rPr>
+              <a:t>://fsharpforfunandprofit.com/why-use-fsharp/</a:t>
+            </a:r>
+            <a:endParaRPr lang="en-US" dirty="0"/>
+          </a:p>
+          <a:p>
+            <a:pPr lvl="1"/>
+            <a:r>
+              <a:rPr lang="en-US" dirty="0" smtClean="0"/>
+              <a:t>My personal favorite intro session: </a:t>
+            </a:r>
+            <a:r>
+              <a:rPr lang="en-US" dirty="0" smtClean="0">
+                <a:hlinkClick r:id="rId5"/>
+              </a:rPr>
+              <a:t>https</a:t>
+            </a:r>
+            <a:r>
+              <a:rPr lang="en-US" dirty="0">
+                <a:hlinkClick r:id="rId5"/>
+              </a:rPr>
+              <a:t>://skillsmatter.com/skillscasts/4971-domain-driven-design-with-scott-wlaschin</a:t>
+            </a:r>
+            <a:endParaRPr lang="en-US" dirty="0"/>
+          </a:p>
+          <a:p>
+            <a:pPr lvl="1"/>
+            <a:r>
+              <a:rPr lang="en-US" dirty="0" err="1" smtClean="0"/>
+              <a:t>FSharpForFunAndProfit</a:t>
+            </a:r>
+            <a:r>
+              <a:rPr lang="en-US" dirty="0" smtClean="0"/>
+              <a:t>: </a:t>
+            </a:r>
+            <a:r>
+              <a:rPr lang="en-US" dirty="0" smtClean="0">
+                <a:hlinkClick r:id="rId6"/>
+              </a:rPr>
+              <a:t>http</a:t>
+            </a:r>
+            <a:r>
+              <a:rPr lang="en-US" dirty="0">
+                <a:hlinkClick r:id="rId6"/>
+              </a:rPr>
+              <a:t>://fsharpforfunandprofit.com/site-contents/</a:t>
+            </a:r>
+            <a:endParaRPr lang="en-US" dirty="0"/>
+          </a:p>
+          <a:p>
+            <a:pPr lvl="1"/>
+            <a:r>
+              <a:rPr lang="en-US" dirty="0" smtClean="0"/>
+              <a:t>More Why!: </a:t>
+            </a:r>
+            <a:r>
+              <a:rPr lang="en-US" dirty="0" smtClean="0">
+                <a:hlinkClick r:id="rId7"/>
+              </a:rPr>
+              <a:t>http</a:t>
+            </a:r>
+            <a:r>
+              <a:rPr lang="en-US" dirty="0">
+                <a:hlinkClick r:id="rId7"/>
+              </a:rPr>
+              <a:t>://fsharpforfunandprofit.com/series/why-use-fsharp.html</a:t>
+            </a:r>
+            <a:endParaRPr lang="en-US" dirty="0"/>
+          </a:p>
+          <a:p>
+            <a:r>
+              <a:rPr lang="en-US" dirty="0" smtClean="0"/>
+              <a:t>Tooling Intro:</a:t>
+            </a:r>
+          </a:p>
+          <a:p>
+            <a:pPr lvl="1"/>
+            <a:r>
+              <a:rPr lang="en-US" dirty="0" smtClean="0"/>
+              <a:t>F# Interactive (REPL)</a:t>
+            </a:r>
+          </a:p>
+          <a:p>
+            <a:pPr lvl="1"/>
+            <a:r>
+              <a:rPr lang="en-US" dirty="0" smtClean="0"/>
+              <a:t>VS Debugging works just like it does in C#</a:t>
+            </a:r>
+          </a:p>
+          <a:p>
+            <a:pPr lvl="1"/>
             <a:endParaRPr lang="en-US" dirty="0"/>
           </a:p>
         </p:txBody>
@@ -5085,7 +4990,7 @@
     </p:spTree>
     <p:extLst>
       <p:ext uri="{BB962C8B-B14F-4D97-AF65-F5344CB8AC3E}">
-        <p14:creationId xmlns:p14="http://schemas.microsoft.com/office/powerpoint/2010/main" val="188446312"/>
+        <p14:creationId xmlns:p14="http://schemas.microsoft.com/office/powerpoint/2010/main" val="3932882741"/>
       </p:ext>
     </p:extLst>
   </p:cSld>
@@ -5119,34 +5024,119 @@
           <a:chExt cx="0" cy="0"/>
         </a:xfrm>
       </p:grpSpPr>
-      <p:pic>
-        <p:nvPicPr>
-          <p:cNvPr id="3" name="Picture 2"/>
-          <p:cNvPicPr>
-            <a:picLocks noChangeAspect="1"/>
-          </p:cNvPicPr>
-          <p:nvPr/>
-        </p:nvPicPr>
-        <p:blipFill>
-          <a:blip r:embed="rId2"/>
-          <a:stretch>
-            <a:fillRect/>
-          </a:stretch>
-        </p:blipFill>
-        <p:spPr>
-          <a:xfrm>
-            <a:off x="1614487" y="338137"/>
-            <a:ext cx="8963025" cy="6181725"/>
-          </a:xfrm>
-          <a:prstGeom prst="rect">
-            <a:avLst/>
-          </a:prstGeom>
-        </p:spPr>
-      </p:pic>
+      <p:sp>
+        <p:nvSpPr>
+          <p:cNvPr id="2" name="Title 1"/>
+          <p:cNvSpPr>
+            <a:spLocks noGrp="1"/>
+          </p:cNvSpPr>
+          <p:nvPr>
+            <p:ph type="title"/>
+          </p:nvPr>
+        </p:nvSpPr>
+        <p:spPr/>
+        <p:txBody>
+          <a:bodyPr/>
+          <a:lstStyle/>
+          <a:p>
+            <a:r>
+              <a:rPr lang="en-US" dirty="0" smtClean="0"/>
+              <a:t>How to Get it Installed?</a:t>
+            </a:r>
+            <a:endParaRPr lang="en-US" dirty="0"/>
+          </a:p>
+        </p:txBody>
+      </p:sp>
+      <p:sp>
+        <p:nvSpPr>
+          <p:cNvPr id="3" name="Content Placeholder 2"/>
+          <p:cNvSpPr>
+            <a:spLocks noGrp="1"/>
+          </p:cNvSpPr>
+          <p:nvPr>
+            <p:ph idx="1"/>
+          </p:nvPr>
+        </p:nvSpPr>
+        <p:spPr/>
+        <p:txBody>
+          <a:bodyPr>
+            <a:normAutofit fontScale="85000" lnSpcReduction="10000"/>
+          </a:bodyPr>
+          <a:lstStyle/>
+          <a:p>
+            <a:r>
+              <a:rPr lang="en-US" dirty="0" smtClean="0"/>
+              <a:t>Can Develop using VS2015 Community Edition or higher</a:t>
+            </a:r>
+          </a:p>
+          <a:p>
+            <a:pPr lvl="1"/>
+            <a:r>
+              <a:rPr lang="en-US" dirty="0" smtClean="0"/>
+              <a:t>Must install F# 3.1.2 standalone package</a:t>
+            </a:r>
+          </a:p>
+          <a:p>
+            <a:pPr lvl="2"/>
+            <a:r>
+              <a:rPr lang="en-US" dirty="0">
+                <a:hlinkClick r:id="rId2"/>
+              </a:rPr>
+              <a:t>http://www.microsoft.com/en-us/download/details.aspx?id=44011</a:t>
+            </a:r>
+            <a:endParaRPr lang="en-US" dirty="0" smtClean="0"/>
+          </a:p>
+          <a:p>
+            <a:r>
+              <a:rPr lang="en-US" dirty="0" smtClean="0"/>
+              <a:t>The Catch!</a:t>
+            </a:r>
+          </a:p>
+          <a:p>
+            <a:pPr lvl="1"/>
+            <a:r>
+              <a:rPr lang="en-US" dirty="0" smtClean="0"/>
+              <a:t>IF you want to create C# Android or iOS Xamarin Project and use an F# Library</a:t>
+            </a:r>
+          </a:p>
+          <a:p>
+            <a:pPr lvl="1"/>
+            <a:r>
+              <a:rPr lang="en-US" dirty="0" smtClean="0"/>
+              <a:t>THEN you must install VS2013 Community Edition or higher</a:t>
+            </a:r>
+          </a:p>
+          <a:p>
+            <a:pPr lvl="2"/>
+            <a:r>
+              <a:rPr lang="en-US" dirty="0" smtClean="0"/>
+              <a:t>This installs F# 3.1 for you. Just apply the F# update ready to go when after installing.</a:t>
+            </a:r>
+          </a:p>
+          <a:p>
+            <a:pPr lvl="1"/>
+            <a:r>
+              <a:rPr lang="en-US" dirty="0" smtClean="0"/>
+              <a:t>The F# Library must be created using the Visual F# Portable Library (Legacy) template in VS2013</a:t>
+            </a:r>
+          </a:p>
+          <a:p>
+            <a:pPr lvl="2"/>
+            <a:r>
+              <a:rPr lang="en-US" dirty="0" smtClean="0"/>
+              <a:t>Copy this library to any solution and you’re good to go! You can use VS2015 or VS2013 to edit the library after it has been created.</a:t>
+            </a:r>
+          </a:p>
+          <a:p>
+            <a:pPr lvl="2"/>
+            <a:endParaRPr lang="en-US" dirty="0"/>
+          </a:p>
+        </p:txBody>
+      </p:sp>
     </p:spTree>
     <p:extLst>
       <p:ext uri="{BB962C8B-B14F-4D97-AF65-F5344CB8AC3E}">
-        <p14:creationId xmlns:p14="http://schemas.microsoft.com/office/powerpoint/2010/main" val="1965307027"/>
+        <p14:creationId xmlns:p14="http://schemas.microsoft.com/office/powerpoint/2010/main" val="188446312"/>
       </p:ext>
     </p:extLst>
   </p:cSld>

--- a/FSharpXamarin_Slides.pptx
+++ b/FSharpXamarin_Slides.pptx
@@ -7,19 +7,24 @@
   <p:sldIdLst>
     <p:sldId id="256" r:id="rId2"/>
     <p:sldId id="264" r:id="rId3"/>
-    <p:sldId id="267" r:id="rId4"/>
-    <p:sldId id="257" r:id="rId5"/>
-    <p:sldId id="258" r:id="rId6"/>
-    <p:sldId id="259" r:id="rId7"/>
-    <p:sldId id="260" r:id="rId8"/>
-    <p:sldId id="261" r:id="rId9"/>
-    <p:sldId id="269" r:id="rId10"/>
-    <p:sldId id="270" r:id="rId11"/>
-    <p:sldId id="262" r:id="rId12"/>
-    <p:sldId id="268" r:id="rId13"/>
-    <p:sldId id="263" r:id="rId14"/>
-    <p:sldId id="271" r:id="rId15"/>
-    <p:sldId id="266" r:id="rId16"/>
+    <p:sldId id="257" r:id="rId4"/>
+    <p:sldId id="258" r:id="rId5"/>
+    <p:sldId id="259" r:id="rId6"/>
+    <p:sldId id="260" r:id="rId7"/>
+    <p:sldId id="261" r:id="rId8"/>
+    <p:sldId id="269" r:id="rId9"/>
+    <p:sldId id="278" r:id="rId10"/>
+    <p:sldId id="275" r:id="rId11"/>
+    <p:sldId id="277" r:id="rId12"/>
+    <p:sldId id="276" r:id="rId13"/>
+    <p:sldId id="279" r:id="rId14"/>
+    <p:sldId id="274" r:id="rId15"/>
+    <p:sldId id="262" r:id="rId16"/>
+    <p:sldId id="268" r:id="rId17"/>
+    <p:sldId id="263" r:id="rId18"/>
+    <p:sldId id="271" r:id="rId19"/>
+    <p:sldId id="267" r:id="rId20"/>
+    <p:sldId id="266" r:id="rId21"/>
   </p:sldIdLst>
   <p:sldSz cx="12192000" cy="6858000"/>
   <p:notesSz cx="6858000" cy="9144000"/>
@@ -2540,6 +2545,29 @@
           <a:chExt cx="0" cy="0"/>
         </a:xfrm>
       </p:grpSpPr>
+      <p:sp>
+        <p:nvSpPr>
+          <p:cNvPr id="2" name="Title 1"/>
+          <p:cNvSpPr>
+            <a:spLocks noGrp="1"/>
+          </p:cNvSpPr>
+          <p:nvPr>
+            <p:ph type="title"/>
+          </p:nvPr>
+        </p:nvSpPr>
+        <p:spPr/>
+        <p:txBody>
+          <a:bodyPr/>
+          <a:lstStyle/>
+          <a:p>
+            <a:r>
+              <a:rPr lang="en-US" dirty="0" smtClean="0"/>
+              <a:t>Change Target Version of F#</a:t>
+            </a:r>
+            <a:endParaRPr lang="en-US" dirty="0"/>
+          </a:p>
+        </p:txBody>
+      </p:sp>
       <p:pic>
         <p:nvPicPr>
           <p:cNvPr id="3" name="Picture 2"/>
@@ -2556,8 +2584,8 @@
         </p:blipFill>
         <p:spPr>
           <a:xfrm>
-            <a:off x="1614487" y="338137"/>
-            <a:ext cx="8963025" cy="6181725"/>
+            <a:off x="375293" y="2071776"/>
+            <a:ext cx="11441414" cy="3098116"/>
           </a:xfrm>
           <a:prstGeom prst="rect">
             <a:avLst/>
@@ -2567,20 +2595,13 @@
     </p:spTree>
     <p:extLst>
       <p:ext uri="{BB962C8B-B14F-4D97-AF65-F5344CB8AC3E}">
-        <p14:creationId xmlns:p14="http://schemas.microsoft.com/office/powerpoint/2010/main" val="1965307027"/>
+        <p14:creationId xmlns:p14="http://schemas.microsoft.com/office/powerpoint/2010/main" val="2397700932"/>
       </p:ext>
     </p:extLst>
   </p:cSld>
   <p:clrMapOvr>
     <a:masterClrMapping/>
   </p:clrMapOvr>
-  <p:timing>
-    <p:tnLst>
-      <p:par>
-        <p:cTn id="1" dur="indefinite" restart="never" nodeType="tmRoot"/>
-      </p:par>
-    </p:tnLst>
-  </p:timing>
 </p:sld>
 </file>
 
@@ -2613,6 +2634,664 @@
         </p:nvSpPr>
         <p:spPr/>
         <p:txBody>
+          <a:bodyPr>
+            <a:normAutofit fontScale="90000"/>
+          </a:bodyPr>
+          <a:lstStyle/>
+          <a:p>
+            <a:r>
+              <a:rPr lang="en-US" dirty="0" smtClean="0"/>
+              <a:t>Change Minimum Android to target: </a:t>
+            </a:r>
+            <a:br>
+              <a:rPr lang="en-US" dirty="0" smtClean="0"/>
+            </a:br>
+            <a:r>
+              <a:rPr lang="en-US" dirty="0" smtClean="0"/>
+              <a:t>Use Compile using SDK version</a:t>
+            </a:r>
+            <a:endParaRPr lang="en-US" dirty="0"/>
+          </a:p>
+        </p:txBody>
+      </p:sp>
+      <p:pic>
+        <p:nvPicPr>
+          <p:cNvPr id="3" name="Picture 2"/>
+          <p:cNvPicPr>
+            <a:picLocks noChangeAspect="1"/>
+          </p:cNvPicPr>
+          <p:nvPr/>
+        </p:nvPicPr>
+        <p:blipFill>
+          <a:blip r:embed="rId2"/>
+          <a:stretch>
+            <a:fillRect/>
+          </a:stretch>
+        </p:blipFill>
+        <p:spPr>
+          <a:xfrm>
+            <a:off x="246398" y="1814730"/>
+            <a:ext cx="11699204" cy="4448269"/>
+          </a:xfrm>
+          <a:prstGeom prst="rect">
+            <a:avLst/>
+          </a:prstGeom>
+        </p:spPr>
+      </p:pic>
+    </p:spTree>
+    <p:extLst>
+      <p:ext uri="{BB962C8B-B14F-4D97-AF65-F5344CB8AC3E}">
+        <p14:creationId xmlns:p14="http://schemas.microsoft.com/office/powerpoint/2010/main" val="2252782423"/>
+      </p:ext>
+    </p:extLst>
+  </p:cSld>
+  <p:clrMapOvr>
+    <a:masterClrMapping/>
+  </p:clrMapOvr>
+</p:sld>
+</file>
+
+<file path=ppt/slides/slide12.xml><?xml version="1.0" encoding="utf-8"?>
+<p:sld xmlns:a="http://schemas.openxmlformats.org/drawingml/2006/main" xmlns:r="http://schemas.openxmlformats.org/officeDocument/2006/relationships" xmlns:p="http://schemas.openxmlformats.org/presentationml/2006/main">
+  <p:cSld>
+    <p:spTree>
+      <p:nvGrpSpPr>
+        <p:cNvPr id="1" name=""/>
+        <p:cNvGrpSpPr/>
+        <p:nvPr/>
+      </p:nvGrpSpPr>
+      <p:grpSpPr>
+        <a:xfrm>
+          <a:off x="0" y="0"/>
+          <a:ext cx="0" cy="0"/>
+          <a:chOff x="0" y="0"/>
+          <a:chExt cx="0" cy="0"/>
+        </a:xfrm>
+      </p:grpSpPr>
+      <p:pic>
+        <p:nvPicPr>
+          <p:cNvPr id="4" name="Picture 3"/>
+          <p:cNvPicPr>
+            <a:picLocks noChangeAspect="1"/>
+          </p:cNvPicPr>
+          <p:nvPr/>
+        </p:nvPicPr>
+        <p:blipFill>
+          <a:blip r:embed="rId2"/>
+          <a:stretch>
+            <a:fillRect/>
+          </a:stretch>
+        </p:blipFill>
+        <p:spPr>
+          <a:xfrm>
+            <a:off x="583284" y="1417638"/>
+            <a:ext cx="11025432" cy="4539884"/>
+          </a:xfrm>
+          <a:prstGeom prst="rect">
+            <a:avLst/>
+          </a:prstGeom>
+        </p:spPr>
+      </p:pic>
+      <p:sp>
+        <p:nvSpPr>
+          <p:cNvPr id="5" name="Title 4"/>
+          <p:cNvSpPr>
+            <a:spLocks noGrp="1"/>
+          </p:cNvSpPr>
+          <p:nvPr>
+            <p:ph type="title"/>
+          </p:nvPr>
+        </p:nvSpPr>
+        <p:spPr/>
+        <p:txBody>
+          <a:bodyPr/>
+          <a:lstStyle/>
+          <a:p>
+            <a:r>
+              <a:rPr lang="en-US" dirty="0" smtClean="0"/>
+              <a:t>Change Package name &amp; Application Icon</a:t>
+            </a:r>
+            <a:endParaRPr lang="en-US" dirty="0"/>
+          </a:p>
+        </p:txBody>
+      </p:sp>
+    </p:spTree>
+    <p:extLst>
+      <p:ext uri="{BB962C8B-B14F-4D97-AF65-F5344CB8AC3E}">
+        <p14:creationId xmlns:p14="http://schemas.microsoft.com/office/powerpoint/2010/main" val="230997310"/>
+      </p:ext>
+    </p:extLst>
+  </p:cSld>
+  <p:clrMapOvr>
+    <a:masterClrMapping/>
+  </p:clrMapOvr>
+</p:sld>
+</file>
+
+<file path=ppt/slides/slide13.xml><?xml version="1.0" encoding="utf-8"?>
+<p:sld xmlns:a="http://schemas.openxmlformats.org/drawingml/2006/main" xmlns:r="http://schemas.openxmlformats.org/officeDocument/2006/relationships" xmlns:p="http://schemas.openxmlformats.org/presentationml/2006/main">
+  <p:cSld>
+    <p:spTree>
+      <p:nvGrpSpPr>
+        <p:cNvPr id="1" name=""/>
+        <p:cNvGrpSpPr/>
+        <p:nvPr/>
+      </p:nvGrpSpPr>
+      <p:grpSpPr>
+        <a:xfrm>
+          <a:off x="0" y="0"/>
+          <a:ext cx="0" cy="0"/>
+          <a:chOff x="0" y="0"/>
+          <a:chExt cx="0" cy="0"/>
+        </a:xfrm>
+      </p:grpSpPr>
+      <p:sp>
+        <p:nvSpPr>
+          <p:cNvPr id="2" name="Title 1"/>
+          <p:cNvSpPr>
+            <a:spLocks noGrp="1"/>
+          </p:cNvSpPr>
+          <p:nvPr>
+            <p:ph type="title"/>
+          </p:nvPr>
+        </p:nvSpPr>
+        <p:spPr/>
+        <p:txBody>
+          <a:bodyPr>
+            <a:normAutofit fontScale="90000"/>
+          </a:bodyPr>
+          <a:lstStyle/>
+          <a:p>
+            <a:r>
+              <a:rPr lang="en-US" dirty="0" smtClean="0"/>
+              <a:t>Create F# PCL to be used in C# or F# Projects</a:t>
+            </a:r>
+            <a:endParaRPr lang="en-US" dirty="0"/>
+          </a:p>
+        </p:txBody>
+      </p:sp>
+    </p:spTree>
+    <p:extLst>
+      <p:ext uri="{BB962C8B-B14F-4D97-AF65-F5344CB8AC3E}">
+        <p14:creationId xmlns:p14="http://schemas.microsoft.com/office/powerpoint/2010/main" val="4196540997"/>
+      </p:ext>
+    </p:extLst>
+  </p:cSld>
+  <p:clrMapOvr>
+    <a:masterClrMapping/>
+  </p:clrMapOvr>
+</p:sld>
+</file>
+
+<file path=ppt/slides/slide14.xml><?xml version="1.0" encoding="utf-8"?>
+<p:sld xmlns:a="http://schemas.openxmlformats.org/drawingml/2006/main" xmlns:r="http://schemas.openxmlformats.org/officeDocument/2006/relationships" xmlns:p="http://schemas.openxmlformats.org/presentationml/2006/main">
+  <p:cSld>
+    <p:spTree>
+      <p:nvGrpSpPr>
+        <p:cNvPr id="1" name=""/>
+        <p:cNvGrpSpPr/>
+        <p:nvPr/>
+      </p:nvGrpSpPr>
+      <p:grpSpPr>
+        <a:xfrm>
+          <a:off x="0" y="0"/>
+          <a:ext cx="0" cy="0"/>
+          <a:chOff x="0" y="0"/>
+          <a:chExt cx="0" cy="0"/>
+        </a:xfrm>
+      </p:grpSpPr>
+      <p:pic>
+        <p:nvPicPr>
+          <p:cNvPr id="3" name="Picture 2"/>
+          <p:cNvPicPr>
+            <a:picLocks noChangeAspect="1"/>
+          </p:cNvPicPr>
+          <p:nvPr/>
+        </p:nvPicPr>
+        <p:blipFill>
+          <a:blip r:embed="rId2"/>
+          <a:stretch>
+            <a:fillRect/>
+          </a:stretch>
+        </p:blipFill>
+        <p:spPr>
+          <a:xfrm>
+            <a:off x="1609725" y="314325"/>
+            <a:ext cx="8972550" cy="6229350"/>
+          </a:xfrm>
+          <a:prstGeom prst="rect">
+            <a:avLst/>
+          </a:prstGeom>
+        </p:spPr>
+      </p:pic>
+      <p:sp>
+        <p:nvSpPr>
+          <p:cNvPr id="4" name="Rectangle 3"/>
+          <p:cNvSpPr/>
+          <p:nvPr/>
+        </p:nvSpPr>
+        <p:spPr>
+          <a:xfrm>
+            <a:off x="3716324" y="595618"/>
+            <a:ext cx="1543574" cy="327171"/>
+          </a:xfrm>
+          <a:prstGeom prst="rect">
+            <a:avLst/>
+          </a:prstGeom>
+          <a:noFill/>
+          <a:ln>
+            <a:solidFill>
+              <a:srgbClr val="FF0000"/>
+            </a:solidFill>
+          </a:ln>
+        </p:spPr>
+        <p:style>
+          <a:lnRef idx="2">
+            <a:schemeClr val="accent1">
+              <a:shade val="50000"/>
+            </a:schemeClr>
+          </a:lnRef>
+          <a:fillRef idx="1">
+            <a:schemeClr val="accent1"/>
+          </a:fillRef>
+          <a:effectRef idx="0">
+            <a:schemeClr val="accent1"/>
+          </a:effectRef>
+          <a:fontRef idx="minor">
+            <a:schemeClr val="lt1"/>
+          </a:fontRef>
+        </p:style>
+        <p:txBody>
+          <a:bodyPr rtlCol="0" anchor="ctr"/>
+          <a:lstStyle/>
+          <a:p>
+            <a:pPr algn="ctr"/>
+            <a:endParaRPr lang="en-US"/>
+          </a:p>
+        </p:txBody>
+      </p:sp>
+      <p:sp>
+        <p:nvSpPr>
+          <p:cNvPr id="6" name="Rectangle 5"/>
+          <p:cNvSpPr/>
+          <p:nvPr/>
+        </p:nvSpPr>
+        <p:spPr>
+          <a:xfrm>
+            <a:off x="1863755" y="3013046"/>
+            <a:ext cx="1022058" cy="1466675"/>
+          </a:xfrm>
+          <a:prstGeom prst="rect">
+            <a:avLst/>
+          </a:prstGeom>
+          <a:noFill/>
+          <a:ln>
+            <a:solidFill>
+              <a:srgbClr val="FF0000"/>
+            </a:solidFill>
+          </a:ln>
+        </p:spPr>
+        <p:style>
+          <a:lnRef idx="2">
+            <a:schemeClr val="accent1">
+              <a:shade val="50000"/>
+            </a:schemeClr>
+          </a:lnRef>
+          <a:fillRef idx="1">
+            <a:schemeClr val="accent1"/>
+          </a:fillRef>
+          <a:effectRef idx="0">
+            <a:schemeClr val="accent1"/>
+          </a:effectRef>
+          <a:fontRef idx="minor">
+            <a:schemeClr val="lt1"/>
+          </a:fontRef>
+        </p:style>
+        <p:txBody>
+          <a:bodyPr rtlCol="0" anchor="ctr"/>
+          <a:lstStyle/>
+          <a:p>
+            <a:pPr algn="ctr"/>
+            <a:endParaRPr lang="en-US"/>
+          </a:p>
+        </p:txBody>
+      </p:sp>
+      <p:sp>
+        <p:nvSpPr>
+          <p:cNvPr id="7" name="Rectangle 6"/>
+          <p:cNvSpPr/>
+          <p:nvPr/>
+        </p:nvSpPr>
+        <p:spPr>
+          <a:xfrm>
+            <a:off x="3825381" y="1686187"/>
+            <a:ext cx="5519955" cy="293615"/>
+          </a:xfrm>
+          <a:prstGeom prst="rect">
+            <a:avLst/>
+          </a:prstGeom>
+          <a:noFill/>
+          <a:ln>
+            <a:solidFill>
+              <a:srgbClr val="FF0000"/>
+            </a:solidFill>
+          </a:ln>
+        </p:spPr>
+        <p:style>
+          <a:lnRef idx="2">
+            <a:schemeClr val="accent1">
+              <a:shade val="50000"/>
+            </a:schemeClr>
+          </a:lnRef>
+          <a:fillRef idx="1">
+            <a:schemeClr val="accent1"/>
+          </a:fillRef>
+          <a:effectRef idx="0">
+            <a:schemeClr val="accent1"/>
+          </a:effectRef>
+          <a:fontRef idx="minor">
+            <a:schemeClr val="lt1"/>
+          </a:fontRef>
+        </p:style>
+        <p:txBody>
+          <a:bodyPr rtlCol="0" anchor="ctr"/>
+          <a:lstStyle/>
+          <a:p>
+            <a:pPr algn="ctr"/>
+            <a:endParaRPr lang="en-US"/>
+          </a:p>
+        </p:txBody>
+      </p:sp>
+      <p:sp>
+        <p:nvSpPr>
+          <p:cNvPr id="8" name="Rectangle 7"/>
+          <p:cNvSpPr/>
+          <p:nvPr/>
+        </p:nvSpPr>
+        <p:spPr>
+          <a:xfrm>
+            <a:off x="3003259" y="-106016"/>
+            <a:ext cx="6402202" cy="830997"/>
+          </a:xfrm>
+          <a:prstGeom prst="rect">
+            <a:avLst/>
+          </a:prstGeom>
+          <a:noFill/>
+        </p:spPr>
+        <p:txBody>
+          <a:bodyPr wrap="none" lIns="91440" tIns="45720" rIns="91440" bIns="45720">
+            <a:spAutoFit/>
+          </a:bodyPr>
+          <a:lstStyle/>
+          <a:p>
+            <a:pPr algn="ctr"/>
+            <a:r>
+              <a:rPr lang="en-US" sz="4800" b="0" cap="none" spc="0" dirty="0" smtClean="0">
+                <a:ln w="0"/>
+                <a:solidFill>
+                  <a:schemeClr val="tx1"/>
+                </a:solidFill>
+                <a:effectLst>
+                  <a:outerShdw blurRad="38100" dist="19050" dir="2700000" algn="tl" rotWithShape="0">
+                    <a:schemeClr val="dk1">
+                      <a:alpha val="40000"/>
+                    </a:schemeClr>
+                  </a:outerShdw>
+                </a:effectLst>
+              </a:rPr>
+              <a:t>Select .NET Framework 4</a:t>
+            </a:r>
+            <a:endParaRPr lang="en-US" sz="4800" b="0" cap="none" spc="0" dirty="0">
+              <a:ln w="0"/>
+              <a:solidFill>
+                <a:schemeClr val="tx1"/>
+              </a:solidFill>
+              <a:effectLst>
+                <a:outerShdw blurRad="38100" dist="19050" dir="2700000" algn="tl" rotWithShape="0">
+                  <a:schemeClr val="dk1">
+                    <a:alpha val="40000"/>
+                  </a:schemeClr>
+                </a:outerShdw>
+              </a:effectLst>
+            </a:endParaRPr>
+          </a:p>
+        </p:txBody>
+      </p:sp>
+      <p:sp>
+        <p:nvSpPr>
+          <p:cNvPr id="9" name="Rectangle 8"/>
+          <p:cNvSpPr/>
+          <p:nvPr/>
+        </p:nvSpPr>
+        <p:spPr>
+          <a:xfrm>
+            <a:off x="4084407" y="2035400"/>
+            <a:ext cx="6497868" cy="1754326"/>
+          </a:xfrm>
+          <a:prstGeom prst="rect">
+            <a:avLst/>
+          </a:prstGeom>
+          <a:noFill/>
+        </p:spPr>
+        <p:txBody>
+          <a:bodyPr wrap="none" lIns="91440" tIns="45720" rIns="91440" bIns="45720">
+            <a:spAutoFit/>
+          </a:bodyPr>
+          <a:lstStyle/>
+          <a:p>
+            <a:pPr algn="ctr"/>
+            <a:r>
+              <a:rPr lang="en-US" sz="5400" b="0" cap="none" spc="0" dirty="0" smtClean="0">
+                <a:ln w="0"/>
+                <a:solidFill>
+                  <a:schemeClr val="tx1"/>
+                </a:solidFill>
+                <a:effectLst>
+                  <a:outerShdw blurRad="38100" dist="19050" dir="2700000" algn="tl" rotWithShape="0">
+                    <a:schemeClr val="dk1">
+                      <a:alpha val="40000"/>
+                    </a:schemeClr>
+                  </a:outerShdw>
+                </a:effectLst>
+              </a:rPr>
+              <a:t>Select Portable Library</a:t>
+            </a:r>
+          </a:p>
+          <a:p>
+            <a:pPr algn="ctr"/>
+            <a:r>
+              <a:rPr lang="en-US" sz="5400" dirty="0" smtClean="0">
+                <a:ln w="0"/>
+                <a:effectLst>
+                  <a:outerShdw blurRad="38100" dist="19050" dir="2700000" algn="tl" rotWithShape="0">
+                    <a:schemeClr val="dk1">
+                      <a:alpha val="40000"/>
+                    </a:schemeClr>
+                  </a:outerShdw>
+                </a:effectLst>
+              </a:rPr>
+              <a:t>With Profile 47</a:t>
+            </a:r>
+            <a:endParaRPr lang="en-US" sz="5400" b="0" cap="none" spc="0" dirty="0">
+              <a:ln w="0"/>
+              <a:solidFill>
+                <a:schemeClr val="tx1"/>
+              </a:solidFill>
+              <a:effectLst>
+                <a:outerShdw blurRad="38100" dist="19050" dir="2700000" algn="tl" rotWithShape="0">
+                  <a:schemeClr val="dk1">
+                    <a:alpha val="40000"/>
+                  </a:schemeClr>
+                </a:outerShdw>
+              </a:effectLst>
+            </a:endParaRPr>
+          </a:p>
+        </p:txBody>
+      </p:sp>
+      <p:sp>
+        <p:nvSpPr>
+          <p:cNvPr id="12" name="Rectangle 11"/>
+          <p:cNvSpPr/>
+          <p:nvPr/>
+        </p:nvSpPr>
+        <p:spPr>
+          <a:xfrm>
+            <a:off x="0" y="1585519"/>
+            <a:ext cx="3003259" cy="1402360"/>
+          </a:xfrm>
+          <a:prstGeom prst="rect">
+            <a:avLst/>
+          </a:prstGeom>
+          <a:solidFill>
+            <a:schemeClr val="bg1"/>
+          </a:solidFill>
+          <a:ln>
+            <a:solidFill>
+              <a:schemeClr val="bg1"/>
+            </a:solidFill>
+          </a:ln>
+        </p:spPr>
+        <p:style>
+          <a:lnRef idx="2">
+            <a:schemeClr val="accent1">
+              <a:shade val="50000"/>
+            </a:schemeClr>
+          </a:lnRef>
+          <a:fillRef idx="1">
+            <a:schemeClr val="accent1"/>
+          </a:fillRef>
+          <a:effectRef idx="0">
+            <a:schemeClr val="accent1"/>
+          </a:effectRef>
+          <a:fontRef idx="minor">
+            <a:schemeClr val="lt1"/>
+          </a:fontRef>
+        </p:style>
+        <p:txBody>
+          <a:bodyPr rtlCol="0" anchor="ctr"/>
+          <a:lstStyle/>
+          <a:p>
+            <a:pPr algn="ctr"/>
+            <a:endParaRPr lang="en-US"/>
+          </a:p>
+        </p:txBody>
+      </p:sp>
+      <p:sp>
+        <p:nvSpPr>
+          <p:cNvPr id="10" name="Rectangle 9"/>
+          <p:cNvSpPr/>
+          <p:nvPr/>
+        </p:nvSpPr>
+        <p:spPr>
+          <a:xfrm>
+            <a:off x="0" y="1362529"/>
+            <a:ext cx="3077316" cy="1754326"/>
+          </a:xfrm>
+          <a:prstGeom prst="rect">
+            <a:avLst/>
+          </a:prstGeom>
+          <a:noFill/>
+        </p:spPr>
+        <p:txBody>
+          <a:bodyPr wrap="none" lIns="91440" tIns="45720" rIns="91440" bIns="45720">
+            <a:spAutoFit/>
+          </a:bodyPr>
+          <a:lstStyle/>
+          <a:p>
+            <a:pPr algn="ctr"/>
+            <a:r>
+              <a:rPr lang="en-US" sz="5400" b="0" cap="none" spc="0" dirty="0" smtClean="0">
+                <a:ln w="0"/>
+                <a:solidFill>
+                  <a:schemeClr val="tx1"/>
+                </a:solidFill>
+                <a:effectLst>
+                  <a:outerShdw blurRad="38100" dist="19050" dir="2700000" algn="tl" rotWithShape="0">
+                    <a:schemeClr val="dk1">
+                      <a:alpha val="40000"/>
+                    </a:schemeClr>
+                  </a:outerShdw>
+                </a:effectLst>
+              </a:rPr>
+              <a:t>Visual F#</a:t>
+            </a:r>
+          </a:p>
+          <a:p>
+            <a:pPr algn="ctr"/>
+            <a:r>
+              <a:rPr lang="en-US" sz="5400" b="0" cap="none" spc="0" dirty="0" smtClean="0">
+                <a:ln w="0"/>
+                <a:solidFill>
+                  <a:schemeClr val="tx1"/>
+                </a:solidFill>
+                <a:effectLst>
+                  <a:outerShdw blurRad="38100" dist="19050" dir="2700000" algn="tl" rotWithShape="0">
+                    <a:schemeClr val="dk1">
+                      <a:alpha val="40000"/>
+                    </a:schemeClr>
+                  </a:outerShdw>
+                </a:effectLst>
+              </a:rPr>
+              <a:t>/Windows</a:t>
+            </a:r>
+            <a:endParaRPr lang="en-US" sz="5400" b="0" cap="none" spc="0" dirty="0">
+              <a:ln w="0"/>
+              <a:solidFill>
+                <a:schemeClr val="tx1"/>
+              </a:solidFill>
+              <a:effectLst>
+                <a:outerShdw blurRad="38100" dist="19050" dir="2700000" algn="tl" rotWithShape="0">
+                  <a:schemeClr val="dk1">
+                    <a:alpha val="40000"/>
+                  </a:schemeClr>
+                </a:outerShdw>
+              </a:effectLst>
+            </a:endParaRPr>
+          </a:p>
+        </p:txBody>
+      </p:sp>
+    </p:spTree>
+    <p:extLst>
+      <p:ext uri="{BB962C8B-B14F-4D97-AF65-F5344CB8AC3E}">
+        <p14:creationId xmlns:p14="http://schemas.microsoft.com/office/powerpoint/2010/main" val="2525050295"/>
+      </p:ext>
+    </p:extLst>
+  </p:cSld>
+  <p:clrMapOvr>
+    <a:masterClrMapping/>
+  </p:clrMapOvr>
+</p:sld>
+</file>
+
+<file path=ppt/slides/slide15.xml><?xml version="1.0" encoding="utf-8"?>
+<p:sld xmlns:a="http://schemas.openxmlformats.org/drawingml/2006/main" xmlns:r="http://schemas.openxmlformats.org/officeDocument/2006/relationships" xmlns:p="http://schemas.openxmlformats.org/presentationml/2006/main">
+  <p:cSld>
+    <p:spTree>
+      <p:nvGrpSpPr>
+        <p:cNvPr id="1" name=""/>
+        <p:cNvGrpSpPr/>
+        <p:nvPr/>
+      </p:nvGrpSpPr>
+      <p:grpSpPr>
+        <a:xfrm>
+          <a:off x="0" y="0"/>
+          <a:ext cx="0" cy="0"/>
+          <a:chOff x="0" y="0"/>
+          <a:chExt cx="0" cy="0"/>
+        </a:xfrm>
+      </p:grpSpPr>
+      <p:sp>
+        <p:nvSpPr>
+          <p:cNvPr id="2" name="Title 1"/>
+          <p:cNvSpPr>
+            <a:spLocks noGrp="1"/>
+          </p:cNvSpPr>
+          <p:nvPr>
+            <p:ph type="title"/>
+          </p:nvPr>
+        </p:nvSpPr>
+        <p:spPr/>
+        <p:txBody>
           <a:bodyPr/>
           <a:lstStyle/>
           <a:p>
@@ -2751,7 +3430,7 @@
 </p:sld>
 </file>
 
-<file path=ppt/slides/slide12.xml><?xml version="1.0" encoding="utf-8"?>
+<file path=ppt/slides/slide16.xml><?xml version="1.0" encoding="utf-8"?>
 <p:sld xmlns:a="http://schemas.openxmlformats.org/drawingml/2006/main" xmlns:r="http://schemas.openxmlformats.org/officeDocument/2006/relationships" xmlns:p="http://schemas.openxmlformats.org/presentationml/2006/main">
   <p:cSld>
     <p:spTree>
@@ -2847,7 +3526,7 @@
 </p:sld>
 </file>
 
-<file path=ppt/slides/slide13.xml><?xml version="1.0" encoding="utf-8"?>
+<file path=ppt/slides/slide17.xml><?xml version="1.0" encoding="utf-8"?>
 <p:sld xmlns:a="http://schemas.openxmlformats.org/drawingml/2006/main" xmlns:r="http://schemas.openxmlformats.org/officeDocument/2006/relationships" xmlns:p="http://schemas.openxmlformats.org/presentationml/2006/main">
   <p:cSld>
     <p:spTree>
@@ -2971,7 +3650,7 @@
             <a:pPr lvl="1"/>
             <a:r>
               <a:rPr lang="en-US" dirty="0" smtClean="0"/>
-              <a:t>Don’t be an C# militant, do your research! Open your mind!</a:t>
+              <a:t>Don’t be a C# militant, do your research! Open your mind!</a:t>
             </a:r>
           </a:p>
           <a:p>
@@ -3037,7 +3716,7 @@
 </p:sld>
 </file>
 
-<file path=ppt/slides/slide14.xml><?xml version="1.0" encoding="utf-8"?>
+<file path=ppt/slides/slide18.xml><?xml version="1.0" encoding="utf-8"?>
 <p:sld xmlns:a="http://schemas.openxmlformats.org/drawingml/2006/main" xmlns:r="http://schemas.openxmlformats.org/officeDocument/2006/relationships" xmlns:p="http://schemas.openxmlformats.org/presentationml/2006/main">
   <p:cSld>
     <p:spTree>
@@ -3181,7 +3860,487 @@
 </p:sld>
 </file>
 
-<file path=ppt/slides/slide15.xml><?xml version="1.0" encoding="utf-8"?>
+<file path=ppt/slides/slide19.xml><?xml version="1.0" encoding="utf-8"?>
+<p:sld xmlns:a="http://schemas.openxmlformats.org/drawingml/2006/main" xmlns:r="http://schemas.openxmlformats.org/officeDocument/2006/relationships" xmlns:p="http://schemas.openxmlformats.org/presentationml/2006/main">
+  <p:cSld>
+    <p:spTree>
+      <p:nvGrpSpPr>
+        <p:cNvPr id="1" name=""/>
+        <p:cNvGrpSpPr/>
+        <p:nvPr/>
+      </p:nvGrpSpPr>
+      <p:grpSpPr>
+        <a:xfrm>
+          <a:off x="0" y="0"/>
+          <a:ext cx="0" cy="0"/>
+          <a:chOff x="0" y="0"/>
+          <a:chExt cx="0" cy="0"/>
+        </a:xfrm>
+      </p:grpSpPr>
+      <p:sp>
+        <p:nvSpPr>
+          <p:cNvPr id="2" name="Title 1"/>
+          <p:cNvSpPr>
+            <a:spLocks noGrp="1"/>
+          </p:cNvSpPr>
+          <p:nvPr>
+            <p:ph type="title"/>
+          </p:nvPr>
+        </p:nvSpPr>
+        <p:spPr/>
+        <p:txBody>
+          <a:bodyPr/>
+          <a:lstStyle/>
+          <a:p>
+            <a:r>
+              <a:rPr lang="en-US" dirty="0" smtClean="0"/>
+              <a:t>Materials</a:t>
+            </a:r>
+            <a:endParaRPr lang="en-US" dirty="0"/>
+          </a:p>
+        </p:txBody>
+      </p:sp>
+      <p:sp>
+        <p:nvSpPr>
+          <p:cNvPr id="3" name="Content Placeholder 2"/>
+          <p:cNvSpPr>
+            <a:spLocks noGrp="1"/>
+          </p:cNvSpPr>
+          <p:nvPr>
+            <p:ph idx="1"/>
+          </p:nvPr>
+        </p:nvSpPr>
+        <p:spPr/>
+        <p:txBody>
+          <a:bodyPr>
+            <a:normAutofit fontScale="62500" lnSpcReduction="20000"/>
+          </a:bodyPr>
+          <a:lstStyle/>
+          <a:p>
+            <a:r>
+              <a:rPr lang="en-US" dirty="0"/>
+              <a:t>Xamarin Support Overview</a:t>
+            </a:r>
+          </a:p>
+          <a:p>
+            <a:pPr lvl="1"/>
+            <a:r>
+              <a:rPr lang="en-US" dirty="0">
+                <a:hlinkClick r:id="rId2"/>
+              </a:rPr>
+              <a:t>http://developer.xamarin.com/guides/cross-platform/fsharp/fsharp_support_overview/</a:t>
+            </a:r>
+            <a:endParaRPr lang="en-US" dirty="0"/>
+          </a:p>
+          <a:p>
+            <a:r>
+              <a:rPr lang="en-US" dirty="0"/>
+              <a:t>F# </a:t>
+            </a:r>
+            <a:r>
+              <a:rPr lang="en-US" dirty="0" err="1"/>
+              <a:t>Async</a:t>
+            </a:r>
+            <a:r>
+              <a:rPr lang="en-US" dirty="0"/>
+              <a:t> is a bit different than C# </a:t>
+            </a:r>
+            <a:r>
+              <a:rPr lang="en-US" dirty="0" err="1"/>
+              <a:t>Async</a:t>
+            </a:r>
+            <a:endParaRPr lang="en-US" dirty="0"/>
+          </a:p>
+          <a:p>
+            <a:pPr lvl="1"/>
+            <a:r>
+              <a:rPr lang="en-US" dirty="0">
+                <a:hlinkClick r:id="rId3"/>
+              </a:rPr>
+              <a:t>http://stackoverflow.com/questions/13063792/windows-store-apps-and-f</a:t>
+            </a:r>
+            <a:endParaRPr lang="en-US" dirty="0"/>
+          </a:p>
+          <a:p>
+            <a:pPr lvl="1"/>
+            <a:r>
+              <a:rPr lang="en-US" dirty="0">
+                <a:hlinkClick r:id="rId4"/>
+              </a:rPr>
+              <a:t>http://</a:t>
+            </a:r>
+            <a:r>
+              <a:rPr lang="en-US" dirty="0" smtClean="0">
+                <a:hlinkClick r:id="rId4"/>
+              </a:rPr>
+              <a:t>stackoverflow.com/questions/6811072/referencing-asynchronous-f-datatype-from-c-sharp</a:t>
+            </a:r>
+            <a:endParaRPr lang="en-US" dirty="0"/>
+          </a:p>
+          <a:p>
+            <a:r>
+              <a:rPr lang="en-US" dirty="0" smtClean="0"/>
+              <a:t>Always </a:t>
+            </a:r>
+            <a:r>
+              <a:rPr lang="en-US" dirty="0"/>
+              <a:t>5 Equation</a:t>
+            </a:r>
+          </a:p>
+          <a:p>
+            <a:pPr lvl="1"/>
+            <a:r>
+              <a:rPr lang="en-US" dirty="0">
+                <a:hlinkClick r:id="rId5"/>
+              </a:rPr>
+              <a:t>http://</a:t>
+            </a:r>
+            <a:r>
+              <a:rPr lang="en-US" dirty="0" smtClean="0">
+                <a:hlinkClick r:id="rId5"/>
+              </a:rPr>
+              <a:t>www.pedagonet.com/maths/always.htm</a:t>
+            </a:r>
+            <a:endParaRPr lang="en-US" dirty="0"/>
+          </a:p>
+          <a:p>
+            <a:r>
+              <a:rPr lang="en-US" dirty="0" smtClean="0"/>
+              <a:t>The Book of F#, By </a:t>
+            </a:r>
+            <a:r>
+              <a:rPr lang="en-US" dirty="0"/>
+              <a:t>Dave Fancher </a:t>
+            </a:r>
+            <a:r>
+              <a:rPr lang="en-US" dirty="0" smtClean="0"/>
+              <a:t>(</a:t>
+            </a:r>
+            <a:r>
+              <a:rPr lang="en-US" dirty="0" smtClean="0">
+                <a:hlinkClick r:id="rId6"/>
+              </a:rPr>
+              <a:t>https</a:t>
+            </a:r>
+            <a:r>
+              <a:rPr lang="en-US" dirty="0">
+                <a:hlinkClick r:id="rId6"/>
+              </a:rPr>
+              <a:t>://</a:t>
+            </a:r>
+            <a:r>
+              <a:rPr lang="en-US" dirty="0" smtClean="0">
+                <a:hlinkClick r:id="rId6"/>
+              </a:rPr>
+              <a:t>twitter.com/davefancher</a:t>
+            </a:r>
+            <a:r>
+              <a:rPr lang="en-US" dirty="0" smtClean="0"/>
+              <a:t>)</a:t>
+            </a:r>
+            <a:endParaRPr lang="en-US" dirty="0"/>
+          </a:p>
+          <a:p>
+            <a:r>
+              <a:rPr lang="en-US" dirty="0" smtClean="0"/>
+              <a:t>Gist about Discriminated Union</a:t>
+            </a:r>
+          </a:p>
+          <a:p>
+            <a:pPr lvl="1"/>
+            <a:r>
+              <a:rPr lang="en-US" dirty="0" smtClean="0">
+                <a:hlinkClick r:id="rId7"/>
+              </a:rPr>
+              <a:t>https</a:t>
+            </a:r>
+            <a:r>
+              <a:rPr lang="en-US" dirty="0">
+                <a:hlinkClick r:id="rId7"/>
+              </a:rPr>
+              <a:t>://</a:t>
+            </a:r>
+            <a:r>
+              <a:rPr lang="en-US" dirty="0" smtClean="0">
+                <a:hlinkClick r:id="rId7"/>
+              </a:rPr>
+              <a:t>gist.github.com/dannydwarren/cefb9d33a67b689bddf8</a:t>
+            </a:r>
+            <a:endParaRPr lang="en-US" dirty="0" smtClean="0"/>
+          </a:p>
+          <a:p>
+            <a:r>
+              <a:rPr lang="en-US" dirty="0" smtClean="0"/>
+              <a:t>Pipe |&gt; vs Function Composition &gt;&gt;</a:t>
+            </a:r>
+          </a:p>
+          <a:p>
+            <a:pPr lvl="1"/>
+            <a:r>
+              <a:rPr lang="en-US" dirty="0">
+                <a:hlinkClick r:id="rId8"/>
+              </a:rPr>
+              <a:t>http://fsharpforfunandprofit.com/posts/function-composition</a:t>
+            </a:r>
+            <a:r>
+              <a:rPr lang="en-US" dirty="0" smtClean="0">
+                <a:hlinkClick r:id="rId8"/>
+              </a:rPr>
+              <a:t>/</a:t>
+            </a:r>
+            <a:r>
+              <a:rPr lang="en-US" dirty="0" smtClean="0"/>
+              <a:t> </a:t>
+            </a:r>
+          </a:p>
+          <a:p>
+            <a:r>
+              <a:rPr lang="en-US" dirty="0" smtClean="0"/>
+              <a:t>Visual Studio Emulator for Android </a:t>
+            </a:r>
+          </a:p>
+          <a:p>
+            <a:pPr lvl="1"/>
+            <a:r>
+              <a:rPr lang="en-US" dirty="0">
+                <a:hlinkClick r:id="rId9"/>
+              </a:rPr>
+              <a:t>https://blogs.msdn.microsoft.com/visualstudioalm/2014/11/12/introducing-visual-studios-emulator-for-android</a:t>
+            </a:r>
+            <a:r>
+              <a:rPr lang="en-US" dirty="0" smtClean="0">
+                <a:hlinkClick r:id="rId9"/>
+              </a:rPr>
+              <a:t>/</a:t>
+            </a:r>
+            <a:r>
+              <a:rPr lang="en-US" dirty="0" smtClean="0"/>
+              <a:t> </a:t>
+            </a:r>
+            <a:endParaRPr lang="en-US" dirty="0"/>
+          </a:p>
+          <a:p>
+            <a:endParaRPr lang="en-US" dirty="0"/>
+          </a:p>
+        </p:txBody>
+      </p:sp>
+    </p:spTree>
+    <p:extLst>
+      <p:ext uri="{BB962C8B-B14F-4D97-AF65-F5344CB8AC3E}">
+        <p14:creationId xmlns:p14="http://schemas.microsoft.com/office/powerpoint/2010/main" val="1803903495"/>
+      </p:ext>
+    </p:extLst>
+  </p:cSld>
+  <p:clrMapOvr>
+    <a:masterClrMapping/>
+  </p:clrMapOvr>
+  <p:timing>
+    <p:tnLst>
+      <p:par>
+        <p:cTn id="1" dur="indefinite" restart="never" nodeType="tmRoot"/>
+      </p:par>
+    </p:tnLst>
+  </p:timing>
+</p:sld>
+</file>
+
+<file path=ppt/slides/slide2.xml><?xml version="1.0" encoding="utf-8"?>
+<p:sld xmlns:a="http://schemas.openxmlformats.org/drawingml/2006/main" xmlns:r="http://schemas.openxmlformats.org/officeDocument/2006/relationships" xmlns:p="http://schemas.openxmlformats.org/presentationml/2006/main">
+  <p:cSld>
+    <p:spTree>
+      <p:nvGrpSpPr>
+        <p:cNvPr id="1" name=""/>
+        <p:cNvGrpSpPr/>
+        <p:nvPr/>
+      </p:nvGrpSpPr>
+      <p:grpSpPr>
+        <a:xfrm>
+          <a:off x="0" y="0"/>
+          <a:ext cx="0" cy="0"/>
+          <a:chOff x="0" y="0"/>
+          <a:chExt cx="0" cy="0"/>
+        </a:xfrm>
+      </p:grpSpPr>
+      <p:sp>
+        <p:nvSpPr>
+          <p:cNvPr id="2" name="Title 1"/>
+          <p:cNvSpPr>
+            <a:spLocks noGrp="1"/>
+          </p:cNvSpPr>
+          <p:nvPr>
+            <p:ph type="title"/>
+          </p:nvPr>
+        </p:nvSpPr>
+        <p:spPr/>
+        <p:txBody>
+          <a:bodyPr/>
+          <a:lstStyle/>
+          <a:p>
+            <a:r>
+              <a:rPr lang="en-US" dirty="0"/>
+              <a:t>About Danny &amp; InterKnowlogy</a:t>
+            </a:r>
+          </a:p>
+        </p:txBody>
+      </p:sp>
+      <p:sp>
+        <p:nvSpPr>
+          <p:cNvPr id="3" name="Content Placeholder 2"/>
+          <p:cNvSpPr>
+            <a:spLocks noGrp="1"/>
+          </p:cNvSpPr>
+          <p:nvPr>
+            <p:ph idx="1"/>
+          </p:nvPr>
+        </p:nvSpPr>
+        <p:spPr/>
+        <p:txBody>
+          <a:bodyPr>
+            <a:normAutofit fontScale="77500" lnSpcReduction="20000"/>
+          </a:bodyPr>
+          <a:lstStyle/>
+          <a:p>
+            <a:r>
+              <a:rPr lang="en-US" dirty="0"/>
+              <a:t>InterKnowlogy (</a:t>
+            </a:r>
+            <a:r>
+              <a:rPr lang="en-US" dirty="0">
+                <a:hlinkClick r:id="rId2"/>
+              </a:rPr>
+              <a:t>www.interknowlogy.com</a:t>
+            </a:r>
+            <a:r>
+              <a:rPr lang="en-US" dirty="0"/>
+              <a:t>)</a:t>
+            </a:r>
+          </a:p>
+          <a:p>
+            <a:pPr lvl="1"/>
+            <a:r>
+              <a:rPr lang="en-US" dirty="0"/>
+              <a:t>15 year old services firm – Custom Application Development</a:t>
+            </a:r>
+          </a:p>
+          <a:p>
+            <a:pPr lvl="1"/>
+            <a:r>
+              <a:rPr lang="en-US" dirty="0"/>
+              <a:t>Focused on building NUI solutions</a:t>
+            </a:r>
+          </a:p>
+          <a:p>
+            <a:pPr lvl="2"/>
+            <a:r>
+              <a:rPr lang="en-US" dirty="0"/>
+              <a:t>Universal Windows Platform </a:t>
+            </a:r>
+            <a:r>
+              <a:rPr lang="en-US" dirty="0" smtClean="0"/>
+              <a:t>(Desktop, Tablet, Phone), </a:t>
+            </a:r>
+            <a:r>
+              <a:rPr lang="en-US" dirty="0"/>
+              <a:t>Xamarin, WPF, Kinect, Azure</a:t>
+            </a:r>
+          </a:p>
+          <a:p>
+            <a:pPr lvl="2"/>
+            <a:r>
+              <a:rPr lang="en-US" dirty="0" smtClean="0"/>
+              <a:t>Touch, Gestures (Touchless), &amp; Mouse and Keyboard</a:t>
+            </a:r>
+          </a:p>
+          <a:p>
+            <a:pPr lvl="1"/>
+            <a:r>
+              <a:rPr lang="en-US" dirty="0" smtClean="0"/>
+              <a:t>Formal R&amp;D program: RECESS</a:t>
+            </a:r>
+          </a:p>
+          <a:p>
+            <a:pPr lvl="2"/>
+            <a:r>
+              <a:rPr lang="en-US" dirty="0" smtClean="0"/>
+              <a:t>Self </a:t>
+            </a:r>
+            <a:r>
+              <a:rPr lang="en-US" dirty="0"/>
+              <a:t>guided learning/My time to prepare this presentation</a:t>
+            </a:r>
+          </a:p>
+          <a:p>
+            <a:r>
+              <a:rPr lang="en-US" dirty="0"/>
+              <a:t>Danny Warren, Sr. Software Engineer</a:t>
+            </a:r>
+          </a:p>
+          <a:p>
+            <a:pPr lvl="1"/>
+            <a:r>
+              <a:rPr lang="en-US" dirty="0"/>
+              <a:t>Graduate Neumont University 2009, B.S. C.S. </a:t>
+            </a:r>
+          </a:p>
+          <a:p>
+            <a:pPr lvl="1"/>
+            <a:r>
+              <a:rPr lang="en-US" dirty="0" smtClean="0"/>
+              <a:t>Alumnus Microsoft </a:t>
+            </a:r>
+            <a:r>
+              <a:rPr lang="en-US" dirty="0"/>
+              <a:t>MVP in Windows Platform Development</a:t>
+            </a:r>
+          </a:p>
+          <a:p>
+            <a:pPr lvl="2"/>
+            <a:r>
+              <a:rPr lang="en-US" dirty="0" smtClean="0"/>
+              <a:t>Oct 2013 – Oct 2015</a:t>
+            </a:r>
+            <a:endParaRPr lang="en-US" dirty="0"/>
+          </a:p>
+          <a:p>
+            <a:pPr lvl="1"/>
+            <a:r>
+              <a:rPr lang="en-US" dirty="0"/>
+              <a:t>Former Nokia Champion</a:t>
+            </a:r>
+          </a:p>
+          <a:p>
+            <a:pPr lvl="1"/>
+            <a:r>
+              <a:rPr lang="en-US" dirty="0"/>
+              <a:t>Avid Mt. Biker and aspiring Rock Climber</a:t>
+            </a:r>
+          </a:p>
+          <a:p>
+            <a:endParaRPr lang="en-US" dirty="0"/>
+          </a:p>
+        </p:txBody>
+      </p:sp>
+    </p:spTree>
+    <p:extLst>
+      <p:ext uri="{BB962C8B-B14F-4D97-AF65-F5344CB8AC3E}">
+        <p14:creationId xmlns:p14="http://schemas.microsoft.com/office/powerpoint/2010/main" val="2540700765"/>
+      </p:ext>
+    </p:extLst>
+  </p:cSld>
+  <p:clrMapOvr>
+    <a:masterClrMapping/>
+  </p:clrMapOvr>
+  <p:timing>
+    <p:tnLst>
+      <p:par>
+        <p:cTn id="1" dur="indefinite" restart="never" nodeType="tmRoot"/>
+      </p:par>
+    </p:tnLst>
+  </p:timing>
+</p:sld>
+</file>
+
+<file path=ppt/slides/slide20.xml><?xml version="1.0" encoding="utf-8"?>
 <p:sld xmlns:a="http://schemas.openxmlformats.org/drawingml/2006/main" xmlns:r="http://schemas.openxmlformats.org/officeDocument/2006/relationships" xmlns:p="http://schemas.openxmlformats.org/presentationml/2006/main">
   <p:cSld>
     <p:spTree>
@@ -3557,7 +4716,7 @@
             </a:pPr>
             <a:r>
               <a:rPr lang="en-US" dirty="0" smtClean="0"/>
-              <a:t>Mention: SoCal Code Camp</a:t>
+              <a:t>Mention: Nerds Like You Meetup</a:t>
             </a:r>
           </a:p>
           <a:p>
@@ -3588,198 +4747,6 @@
     <p:extLst>
       <p:ext uri="{BB962C8B-B14F-4D97-AF65-F5344CB8AC3E}">
         <p14:creationId xmlns:p14="http://schemas.microsoft.com/office/powerpoint/2010/main" val="3205535264"/>
-      </p:ext>
-    </p:extLst>
-  </p:cSld>
-  <p:clrMapOvr>
-    <a:masterClrMapping/>
-  </p:clrMapOvr>
-  <p:timing>
-    <p:tnLst>
-      <p:par>
-        <p:cTn id="1" dur="indefinite" restart="never" nodeType="tmRoot"/>
-      </p:par>
-    </p:tnLst>
-  </p:timing>
-</p:sld>
-</file>
-
-<file path=ppt/slides/slide2.xml><?xml version="1.0" encoding="utf-8"?>
-<p:sld xmlns:a="http://schemas.openxmlformats.org/drawingml/2006/main" xmlns:r="http://schemas.openxmlformats.org/officeDocument/2006/relationships" xmlns:p="http://schemas.openxmlformats.org/presentationml/2006/main">
-  <p:cSld>
-    <p:spTree>
-      <p:nvGrpSpPr>
-        <p:cNvPr id="1" name=""/>
-        <p:cNvGrpSpPr/>
-        <p:nvPr/>
-      </p:nvGrpSpPr>
-      <p:grpSpPr>
-        <a:xfrm>
-          <a:off x="0" y="0"/>
-          <a:ext cx="0" cy="0"/>
-          <a:chOff x="0" y="0"/>
-          <a:chExt cx="0" cy="0"/>
-        </a:xfrm>
-      </p:grpSpPr>
-      <p:sp>
-        <p:nvSpPr>
-          <p:cNvPr id="2" name="Title 1"/>
-          <p:cNvSpPr>
-            <a:spLocks noGrp="1"/>
-          </p:cNvSpPr>
-          <p:nvPr>
-            <p:ph type="title"/>
-          </p:nvPr>
-        </p:nvSpPr>
-        <p:spPr/>
-        <p:txBody>
-          <a:bodyPr/>
-          <a:lstStyle/>
-          <a:p>
-            <a:r>
-              <a:rPr lang="en-US" dirty="0"/>
-              <a:t>About Danny &amp; InterKnowlogy</a:t>
-            </a:r>
-          </a:p>
-        </p:txBody>
-      </p:sp>
-      <p:sp>
-        <p:nvSpPr>
-          <p:cNvPr id="3" name="Content Placeholder 2"/>
-          <p:cNvSpPr>
-            <a:spLocks noGrp="1"/>
-          </p:cNvSpPr>
-          <p:nvPr>
-            <p:ph idx="1"/>
-          </p:nvPr>
-        </p:nvSpPr>
-        <p:spPr/>
-        <p:txBody>
-          <a:bodyPr>
-            <a:normAutofit fontScale="77500" lnSpcReduction="20000"/>
-          </a:bodyPr>
-          <a:lstStyle/>
-          <a:p>
-            <a:r>
-              <a:rPr lang="en-US" dirty="0"/>
-              <a:t>InterKnowlogy (</a:t>
-            </a:r>
-            <a:r>
-              <a:rPr lang="en-US" dirty="0">
-                <a:hlinkClick r:id="rId2"/>
-              </a:rPr>
-              <a:t>www.interknowlogy.com</a:t>
-            </a:r>
-            <a:r>
-              <a:rPr lang="en-US" dirty="0"/>
-              <a:t>)</a:t>
-            </a:r>
-          </a:p>
-          <a:p>
-            <a:pPr lvl="1"/>
-            <a:r>
-              <a:rPr lang="en-US" dirty="0"/>
-              <a:t>15 year old services firm – Custom Application Development</a:t>
-            </a:r>
-          </a:p>
-          <a:p>
-            <a:pPr lvl="1"/>
-            <a:r>
-              <a:rPr lang="en-US" dirty="0"/>
-              <a:t>Focused on building NUI solutions</a:t>
-            </a:r>
-          </a:p>
-          <a:p>
-            <a:pPr lvl="2"/>
-            <a:r>
-              <a:rPr lang="en-US" dirty="0"/>
-              <a:t>Universal Windows Platform </a:t>
-            </a:r>
-            <a:r>
-              <a:rPr lang="en-US" dirty="0" smtClean="0"/>
-              <a:t>(Desktop, Tablet, Phone), </a:t>
-            </a:r>
-            <a:r>
-              <a:rPr lang="en-US" dirty="0"/>
-              <a:t>Xamarin, WPF, Kinect, Azure</a:t>
-            </a:r>
-          </a:p>
-          <a:p>
-            <a:pPr lvl="2"/>
-            <a:r>
-              <a:rPr lang="en-US" dirty="0" smtClean="0"/>
-              <a:t>Touch, Gestures (Touchless), &amp; Mouse and Keyboard</a:t>
-            </a:r>
-          </a:p>
-          <a:p>
-            <a:pPr lvl="1"/>
-            <a:r>
-              <a:rPr lang="en-US" dirty="0" smtClean="0"/>
-              <a:t>Formal R&amp;D program: RECESS</a:t>
-            </a:r>
-          </a:p>
-          <a:p>
-            <a:pPr lvl="2"/>
-            <a:r>
-              <a:rPr lang="en-US" dirty="0" smtClean="0"/>
-              <a:t>Self </a:t>
-            </a:r>
-            <a:r>
-              <a:rPr lang="en-US" dirty="0"/>
-              <a:t>guided learning/My time to prepare this presentation</a:t>
-            </a:r>
-          </a:p>
-          <a:p>
-            <a:r>
-              <a:rPr lang="en-US" dirty="0"/>
-              <a:t>Danny Warren, Sr. Software Engineer</a:t>
-            </a:r>
-          </a:p>
-          <a:p>
-            <a:pPr lvl="1"/>
-            <a:r>
-              <a:rPr lang="en-US" dirty="0"/>
-              <a:t>Graduate Neumont University 2009, B.S. C.S. </a:t>
-            </a:r>
-          </a:p>
-          <a:p>
-            <a:pPr lvl="1"/>
-            <a:r>
-              <a:rPr lang="en-US" dirty="0"/>
-              <a:t>Microsoft MVP in Windows Platform Development</a:t>
-            </a:r>
-          </a:p>
-          <a:p>
-            <a:pPr lvl="2"/>
-            <a:r>
-              <a:rPr lang="en-US" dirty="0" smtClean="0"/>
-              <a:t>Oct 2013 – Oct 2015</a:t>
-            </a:r>
-            <a:endParaRPr lang="en-US" dirty="0"/>
-          </a:p>
-          <a:p>
-            <a:pPr lvl="1"/>
-            <a:r>
-              <a:rPr lang="en-US" dirty="0"/>
-              <a:t>Former Nokia Champion</a:t>
-            </a:r>
-          </a:p>
-          <a:p>
-            <a:pPr lvl="1"/>
-            <a:r>
-              <a:rPr lang="en-US" dirty="0"/>
-              <a:t>Avid Mt. Biker and aspiring Rock Climber</a:t>
-            </a:r>
-          </a:p>
-          <a:p>
-            <a:endParaRPr lang="en-US" dirty="0"/>
-          </a:p>
-        </p:txBody>
-      </p:sp>
-    </p:spTree>
-    <p:extLst>
-      <p:ext uri="{BB962C8B-B14F-4D97-AF65-F5344CB8AC3E}">
-        <p14:creationId xmlns:p14="http://schemas.microsoft.com/office/powerpoint/2010/main" val="2540700765"/>
       </p:ext>
     </p:extLst>
   </p:cSld>
@@ -3830,7 +4797,7 @@
           <a:p>
             <a:r>
               <a:rPr lang="en-US" dirty="0" smtClean="0"/>
-              <a:t>Materials</a:t>
+              <a:t>Agenda</a:t>
             </a:r>
             <a:endParaRPr lang="en-US" dirty="0"/>
           </a:p>
@@ -3848,197 +4815,50 @@
         </p:nvSpPr>
         <p:spPr/>
         <p:txBody>
-          <a:bodyPr>
-            <a:normAutofit fontScale="70000" lnSpcReduction="20000"/>
-          </a:bodyPr>
+          <a:bodyPr/>
           <a:lstStyle/>
           <a:p>
             <a:r>
-              <a:rPr lang="en-US" dirty="0"/>
-              <a:t>Xamarin Support Overview</a:t>
-            </a:r>
-          </a:p>
-          <a:p>
-            <a:pPr lvl="1"/>
-            <a:r>
-              <a:rPr lang="en-US" dirty="0">
-                <a:hlinkClick r:id="rId2"/>
-              </a:rPr>
-              <a:t>http://developer.xamarin.com/guides/cross-platform/fsharp/fsharp_support_overview/</a:t>
-            </a:r>
-            <a:endParaRPr lang="en-US" dirty="0"/>
-          </a:p>
-          <a:p>
-            <a:r>
-              <a:rPr lang="en-US" dirty="0"/>
-              <a:t>F# </a:t>
-            </a:r>
-            <a:r>
-              <a:rPr lang="en-US" dirty="0" err="1"/>
-              <a:t>Async</a:t>
-            </a:r>
-            <a:r>
-              <a:rPr lang="en-US" dirty="0"/>
-              <a:t> is a bit different than C# </a:t>
-            </a:r>
-            <a:r>
-              <a:rPr lang="en-US" dirty="0" err="1"/>
-              <a:t>Async</a:t>
-            </a:r>
-            <a:endParaRPr lang="en-US" dirty="0"/>
-          </a:p>
-          <a:p>
-            <a:pPr lvl="1"/>
-            <a:r>
-              <a:rPr lang="en-US" dirty="0">
-                <a:hlinkClick r:id="rId3"/>
-              </a:rPr>
-              <a:t>http://stackoverflow.com/questions/13063792/windows-store-apps-and-f</a:t>
-            </a:r>
-            <a:endParaRPr lang="en-US" dirty="0"/>
-          </a:p>
-          <a:p>
-            <a:pPr lvl="1"/>
-            <a:r>
-              <a:rPr lang="en-US" dirty="0">
-                <a:hlinkClick r:id="rId4"/>
-              </a:rPr>
-              <a:t>http://</a:t>
-            </a:r>
-            <a:r>
-              <a:rPr lang="en-US" dirty="0" smtClean="0">
-                <a:hlinkClick r:id="rId4"/>
-              </a:rPr>
-              <a:t>stackoverflow.com/questions/6811072/referencing-asynchronous-f-datatype-from-c-sharp</a:t>
-            </a:r>
-            <a:endParaRPr lang="en-US" dirty="0"/>
-          </a:p>
-          <a:p>
-            <a:r>
-              <a:rPr lang="en-US" dirty="0" smtClean="0"/>
-              <a:t>Always </a:t>
-            </a:r>
-            <a:r>
-              <a:rPr lang="en-US" dirty="0"/>
-              <a:t>5 Equation</a:t>
-            </a:r>
-          </a:p>
-          <a:p>
-            <a:pPr lvl="1"/>
-            <a:r>
-              <a:rPr lang="en-US" dirty="0">
-                <a:hlinkClick r:id="rId5"/>
-              </a:rPr>
-              <a:t>http://</a:t>
-            </a:r>
-            <a:r>
-              <a:rPr lang="en-US" dirty="0" smtClean="0">
-                <a:hlinkClick r:id="rId5"/>
-              </a:rPr>
-              <a:t>www.pedagonet.com/maths/always.htm</a:t>
-            </a:r>
-            <a:endParaRPr lang="en-US" dirty="0"/>
-          </a:p>
-          <a:p>
-            <a:r>
-              <a:rPr lang="en-US" dirty="0" smtClean="0"/>
-              <a:t>The Book of F#, By </a:t>
-            </a:r>
-            <a:r>
-              <a:rPr lang="en-US" dirty="0"/>
-              <a:t>Dave Fancher </a:t>
-            </a:r>
-            <a:r>
-              <a:rPr lang="en-US" dirty="0" smtClean="0"/>
-              <a:t>(</a:t>
-            </a:r>
-            <a:r>
-              <a:rPr lang="en-US" dirty="0" smtClean="0">
-                <a:hlinkClick r:id="rId6"/>
-              </a:rPr>
-              <a:t>https</a:t>
-            </a:r>
-            <a:r>
-              <a:rPr lang="en-US" dirty="0">
-                <a:hlinkClick r:id="rId6"/>
-              </a:rPr>
-              <a:t>://</a:t>
-            </a:r>
-            <a:r>
-              <a:rPr lang="en-US" dirty="0" smtClean="0">
-                <a:hlinkClick r:id="rId6"/>
-              </a:rPr>
-              <a:t>twitter.com/davefancher</a:t>
-            </a:r>
-            <a:r>
-              <a:rPr lang="en-US" dirty="0" smtClean="0"/>
-              <a:t>)</a:t>
-            </a:r>
-            <a:endParaRPr lang="en-US" dirty="0"/>
-          </a:p>
-          <a:p>
-            <a:r>
-              <a:rPr lang="en-US" dirty="0" smtClean="0"/>
-              <a:t>Gist about Discriminated Union</a:t>
-            </a:r>
-          </a:p>
-          <a:p>
-            <a:pPr lvl="1"/>
-            <a:r>
-              <a:rPr lang="en-US" dirty="0" smtClean="0">
-                <a:hlinkClick r:id="rId7"/>
-              </a:rPr>
-              <a:t>https</a:t>
-            </a:r>
-            <a:r>
-              <a:rPr lang="en-US" dirty="0">
-                <a:hlinkClick r:id="rId7"/>
-              </a:rPr>
-              <a:t>://</a:t>
-            </a:r>
-            <a:r>
-              <a:rPr lang="en-US" dirty="0" smtClean="0">
-                <a:hlinkClick r:id="rId7"/>
-              </a:rPr>
-              <a:t>gist.github.com/dannydwarren/cefb9d33a67b689bddf8</a:t>
-            </a:r>
-            <a:endParaRPr lang="en-US" dirty="0" smtClean="0"/>
-          </a:p>
-          <a:p>
-            <a:r>
-              <a:rPr lang="en-US" dirty="0" smtClean="0"/>
-              <a:t>Pipe |&gt; vs Function Composition &gt;&gt;</a:t>
-            </a:r>
-          </a:p>
-          <a:p>
-            <a:pPr lvl="1"/>
-            <a:r>
-              <a:rPr lang="en-US">
-                <a:hlinkClick r:id="rId8"/>
-              </a:rPr>
-              <a:t>http://fsharpforfunandprofit.com/posts/function-composition</a:t>
-            </a:r>
-            <a:r>
-              <a:rPr lang="en-US" smtClean="0">
-                <a:hlinkClick r:id="rId8"/>
-              </a:rPr>
-              <a:t>/</a:t>
-            </a:r>
-            <a:r>
-              <a:rPr lang="en-US" smtClean="0"/>
-              <a:t> </a:t>
-            </a:r>
-            <a:endParaRPr lang="en-US" dirty="0"/>
-          </a:p>
-          <a:p>
-            <a:endParaRPr lang="en-US" dirty="0"/>
+              <a:rPr lang="en-US" dirty="0" smtClean="0"/>
+              <a:t>What is F#</a:t>
+            </a:r>
+          </a:p>
+          <a:p>
+            <a:r>
+              <a:rPr lang="en-US" dirty="0" smtClean="0"/>
+              <a:t>Nature of C# vs F#</a:t>
+            </a:r>
+          </a:p>
+          <a:p>
+            <a:r>
+              <a:rPr lang="en-US" dirty="0" smtClean="0"/>
+              <a:t>What do you mean: “Classes of Bugs Don’t Exist”</a:t>
+            </a:r>
+          </a:p>
+          <a:p>
+            <a:r>
+              <a:rPr lang="en-US" dirty="0" smtClean="0"/>
+              <a:t>Language and Tooling Intro</a:t>
+            </a:r>
+          </a:p>
+          <a:p>
+            <a:r>
+              <a:rPr lang="en-US" dirty="0" smtClean="0"/>
+              <a:t>F# in Mobile (Using Xamarin)</a:t>
+            </a:r>
+          </a:p>
+          <a:p>
+            <a:r>
+              <a:rPr lang="en-US" dirty="0" smtClean="0"/>
+              <a:t>I can’t use F#, but how will it make me a better developer?</a:t>
+            </a:r>
           </a:p>
         </p:txBody>
       </p:sp>
     </p:spTree>
     <p:extLst>
       <p:ext uri="{BB962C8B-B14F-4D97-AF65-F5344CB8AC3E}">
-        <p14:creationId xmlns:p14="http://schemas.microsoft.com/office/powerpoint/2010/main" val="1803903495"/>
+        <p14:creationId xmlns:p14="http://schemas.microsoft.com/office/powerpoint/2010/main" val="1653991550"/>
       </p:ext>
     </p:extLst>
   </p:cSld>
@@ -4089,7 +4909,7 @@
           <a:p>
             <a:r>
               <a:rPr lang="en-US" dirty="0" smtClean="0"/>
-              <a:t>Agenda</a:t>
+              <a:t>What is F#</a:t>
             </a:r>
             <a:endParaRPr lang="en-US" dirty="0"/>
           </a:p>
@@ -4112,45 +4932,56 @@
           <a:p>
             <a:r>
               <a:rPr lang="en-US" dirty="0" smtClean="0"/>
-              <a:t>What is F#</a:t>
-            </a:r>
-          </a:p>
-          <a:p>
-            <a:r>
-              <a:rPr lang="en-US" dirty="0" smtClean="0"/>
-              <a:t>Nature of C# vs F#</a:t>
-            </a:r>
-          </a:p>
-          <a:p>
-            <a:r>
-              <a:rPr lang="en-US" dirty="0" smtClean="0"/>
-              <a:t>What do you mean: “Classes of Bugs Don’t Exist”</a:t>
-            </a:r>
-          </a:p>
-          <a:p>
-            <a:r>
-              <a:rPr lang="en-US" dirty="0" smtClean="0"/>
-              <a:t>Language and Tooling Intro</a:t>
-            </a:r>
-          </a:p>
-          <a:p>
-            <a:r>
-              <a:rPr lang="en-US" dirty="0" smtClean="0"/>
-              <a:t>F# in Mobile (Using Xamarin)</a:t>
-            </a:r>
-          </a:p>
-          <a:p>
-            <a:r>
-              <a:rPr lang="en-US" dirty="0" smtClean="0"/>
-              <a:t>I can’t use F#, but how will it make me a better developer?</a:t>
-            </a:r>
+              <a:t>F# is the 3</a:t>
+            </a:r>
+            <a:r>
+              <a:rPr lang="en-US" baseline="30000" dirty="0" smtClean="0"/>
+              <a:t>rd</a:t>
+            </a:r>
+            <a:r>
+              <a:rPr lang="en-US" dirty="0" smtClean="0"/>
+              <a:t> major .NET Language </a:t>
+            </a:r>
+          </a:p>
+          <a:p>
+            <a:pPr lvl="1"/>
+            <a:r>
+              <a:rPr lang="en-US" dirty="0" smtClean="0"/>
+              <a:t>Thanks CLI (Common Language Interface)</a:t>
+            </a:r>
+          </a:p>
+          <a:p>
+            <a:r>
+              <a:rPr lang="en-US" dirty="0" smtClean="0"/>
+              <a:t>Functional First, but is Multi-paradigm </a:t>
+            </a:r>
+          </a:p>
+          <a:p>
+            <a:pPr lvl="1"/>
+            <a:r>
+              <a:rPr lang="en-US" dirty="0" smtClean="0"/>
+              <a:t>Can also do OO</a:t>
+            </a:r>
+          </a:p>
+          <a:p>
+            <a:r>
+              <a:rPr lang="en-US" dirty="0" smtClean="0"/>
+              <a:t>NOT An Academic Language!</a:t>
+            </a:r>
+          </a:p>
+          <a:p>
+            <a:r>
+              <a:rPr lang="en-US" dirty="0" smtClean="0"/>
+              <a:t>Mature, but still FUN!</a:t>
+            </a:r>
+            <a:endParaRPr lang="en-US" dirty="0"/>
           </a:p>
         </p:txBody>
       </p:sp>
     </p:spTree>
     <p:extLst>
       <p:ext uri="{BB962C8B-B14F-4D97-AF65-F5344CB8AC3E}">
-        <p14:creationId xmlns:p14="http://schemas.microsoft.com/office/powerpoint/2010/main" val="1653991550"/>
+        <p14:creationId xmlns:p14="http://schemas.microsoft.com/office/powerpoint/2010/main" val="2973290758"/>
       </p:ext>
     </p:extLst>
   </p:cSld>
@@ -4201,7 +5032,7 @@
           <a:p>
             <a:r>
               <a:rPr lang="en-US" dirty="0" smtClean="0"/>
-              <a:t>What is F#</a:t>
+              <a:t>Nature vs Nurture</a:t>
             </a:r>
             <a:endParaRPr lang="en-US" dirty="0"/>
           </a:p>
@@ -4209,12 +5040,12 @@
       </p:sp>
       <p:sp>
         <p:nvSpPr>
-          <p:cNvPr id="3" name="Content Placeholder 2"/>
+          <p:cNvPr id="6" name="Text Placeholder 5"/>
           <p:cNvSpPr>
             <a:spLocks noGrp="1"/>
           </p:cNvSpPr>
           <p:nvPr>
-            <p:ph idx="1"/>
+            <p:ph type="body" idx="1"/>
           </p:nvPr>
         </p:nvSpPr>
         <p:spPr/>
@@ -4224,47 +5055,164 @@
           <a:p>
             <a:r>
               <a:rPr lang="en-US" dirty="0" smtClean="0"/>
-              <a:t>F# is the 3</a:t>
-            </a:r>
-            <a:r>
-              <a:rPr lang="en-US" baseline="30000" dirty="0" smtClean="0"/>
-              <a:t>rd</a:t>
-            </a:r>
-            <a:r>
-              <a:rPr lang="en-US" dirty="0" smtClean="0"/>
-              <a:t> major .NET Language </a:t>
-            </a:r>
-          </a:p>
-          <a:p>
-            <a:pPr lvl="1"/>
-            <a:r>
-              <a:rPr lang="en-US" dirty="0" smtClean="0"/>
-              <a:t>Thanks CLI (Common Language Interface)</a:t>
-            </a:r>
-          </a:p>
-          <a:p>
-            <a:r>
-              <a:rPr lang="en-US" dirty="0" smtClean="0"/>
-              <a:t>Functional First, but is Multi-paradigm </a:t>
-            </a:r>
-          </a:p>
-          <a:p>
-            <a:pPr lvl="1"/>
-            <a:r>
-              <a:rPr lang="en-US" dirty="0" smtClean="0"/>
-              <a:t>Can also do OO</a:t>
-            </a:r>
-          </a:p>
-          <a:p>
-            <a:r>
-              <a:rPr lang="en-US" dirty="0" smtClean="0"/>
-              <a:t>NOT An Academic Language!</a:t>
-            </a:r>
-          </a:p>
-          <a:p>
-            <a:r>
-              <a:rPr lang="en-US" dirty="0" smtClean="0"/>
-              <a:t>Mature, but still FUN!</a:t>
+              <a:t>C#</a:t>
+            </a:r>
+            <a:endParaRPr lang="en-US" dirty="0"/>
+          </a:p>
+        </p:txBody>
+      </p:sp>
+      <p:sp>
+        <p:nvSpPr>
+          <p:cNvPr id="7" name="Content Placeholder 6"/>
+          <p:cNvSpPr>
+            <a:spLocks noGrp="1"/>
+          </p:cNvSpPr>
+          <p:nvPr>
+            <p:ph sz="half" idx="2"/>
+          </p:nvPr>
+        </p:nvSpPr>
+        <p:spPr/>
+        <p:txBody>
+          <a:bodyPr/>
+          <a:lstStyle/>
+          <a:p>
+            <a:r>
+              <a:rPr lang="en-US" dirty="0" smtClean="0"/>
+              <a:t>OO</a:t>
+            </a:r>
+          </a:p>
+          <a:p>
+            <a:r>
+              <a:rPr lang="en-US" dirty="0" smtClean="0"/>
+              <a:t>Mutable</a:t>
+            </a:r>
+          </a:p>
+          <a:p>
+            <a:r>
+              <a:rPr lang="en-US" dirty="0" smtClean="0"/>
+              <a:t>Rigid Type System</a:t>
+            </a:r>
+          </a:p>
+          <a:p>
+            <a:r>
+              <a:rPr lang="en-US" dirty="0" smtClean="0"/>
+              <a:t>Insignificant Whitespace</a:t>
+            </a:r>
+          </a:p>
+          <a:p>
+            <a:pPr lvl="1"/>
+            <a:r>
+              <a:rPr lang="en-US" dirty="0" smtClean="0"/>
+              <a:t>Explicit Blocks of Code</a:t>
+            </a:r>
+          </a:p>
+          <a:p>
+            <a:r>
+              <a:rPr lang="en-US" dirty="0" smtClean="0"/>
+              <a:t>NULL is Significant</a:t>
+            </a:r>
+          </a:p>
+          <a:p>
+            <a:r>
+              <a:rPr lang="en-US" dirty="0" smtClean="0"/>
+              <a:t>Functions not First Class</a:t>
+            </a:r>
+          </a:p>
+          <a:p>
+            <a:pPr lvl="1"/>
+            <a:r>
+              <a:rPr lang="en-US" dirty="0" smtClean="0"/>
+              <a:t>Can use Delegate</a:t>
+            </a:r>
+            <a:endParaRPr lang="en-US" dirty="0"/>
+          </a:p>
+        </p:txBody>
+      </p:sp>
+      <p:sp>
+        <p:nvSpPr>
+          <p:cNvPr id="8" name="Text Placeholder 7"/>
+          <p:cNvSpPr>
+            <a:spLocks noGrp="1"/>
+          </p:cNvSpPr>
+          <p:nvPr>
+            <p:ph type="body" sz="quarter" idx="3"/>
+          </p:nvPr>
+        </p:nvSpPr>
+        <p:spPr/>
+        <p:txBody>
+          <a:bodyPr/>
+          <a:lstStyle/>
+          <a:p>
+            <a:r>
+              <a:rPr lang="en-US" dirty="0" smtClean="0"/>
+              <a:t>F#</a:t>
+            </a:r>
+            <a:endParaRPr lang="en-US" dirty="0"/>
+          </a:p>
+        </p:txBody>
+      </p:sp>
+      <p:sp>
+        <p:nvSpPr>
+          <p:cNvPr id="9" name="Content Placeholder 8"/>
+          <p:cNvSpPr>
+            <a:spLocks noGrp="1"/>
+          </p:cNvSpPr>
+          <p:nvPr>
+            <p:ph sz="quarter" idx="4"/>
+          </p:nvPr>
+        </p:nvSpPr>
+        <p:spPr/>
+        <p:txBody>
+          <a:bodyPr/>
+          <a:lstStyle/>
+          <a:p>
+            <a:r>
+              <a:rPr lang="en-US" dirty="0" smtClean="0"/>
+              <a:t>Functional</a:t>
+            </a:r>
+          </a:p>
+          <a:p>
+            <a:r>
+              <a:rPr lang="en-US" dirty="0" smtClean="0"/>
+              <a:t>Immutable</a:t>
+            </a:r>
+          </a:p>
+          <a:p>
+            <a:r>
+              <a:rPr lang="en-US" dirty="0" smtClean="0"/>
+              <a:t>Flexible Type System (Major Benefit)</a:t>
+            </a:r>
+          </a:p>
+          <a:p>
+            <a:r>
+              <a:rPr lang="en-US" dirty="0" smtClean="0"/>
+              <a:t>Significant Whitespace</a:t>
+            </a:r>
+          </a:p>
+          <a:p>
+            <a:pPr lvl="1"/>
+            <a:r>
+              <a:rPr lang="en-US" dirty="0" smtClean="0"/>
+              <a:t>Implicit Blocks of Code</a:t>
+            </a:r>
+          </a:p>
+          <a:p>
+            <a:r>
+              <a:rPr lang="en-US" dirty="0" smtClean="0"/>
+              <a:t>NULL is Avoided, but still exists</a:t>
+            </a:r>
+          </a:p>
+          <a:p>
+            <a:r>
+              <a:rPr lang="en-US" dirty="0" smtClean="0"/>
+              <a:t>Function is First Class</a:t>
+            </a:r>
+          </a:p>
+          <a:p>
+            <a:pPr lvl="1"/>
+            <a:r>
+              <a:rPr lang="en-US" dirty="0" smtClean="0"/>
+              <a:t>Can be treated as an object</a:t>
             </a:r>
             <a:endParaRPr lang="en-US" dirty="0"/>
           </a:p>
@@ -4273,7 +5221,7 @@
     </p:spTree>
     <p:extLst>
       <p:ext uri="{BB962C8B-B14F-4D97-AF65-F5344CB8AC3E}">
-        <p14:creationId xmlns:p14="http://schemas.microsoft.com/office/powerpoint/2010/main" val="2973290758"/>
+        <p14:creationId xmlns:p14="http://schemas.microsoft.com/office/powerpoint/2010/main" val="4072921631"/>
       </p:ext>
     </p:extLst>
   </p:cSld>
@@ -4324,7 +5272,7 @@
           <a:p>
             <a:r>
               <a:rPr lang="en-US" dirty="0" smtClean="0"/>
-              <a:t>Nature vs Nurture</a:t>
+              <a:t>That Bug CAN’T Exist Here!</a:t>
             </a:r>
             <a:endParaRPr lang="en-US" dirty="0"/>
           </a:p>
@@ -4332,179 +5280,174 @@
       </p:sp>
       <p:sp>
         <p:nvSpPr>
-          <p:cNvPr id="6" name="Text Placeholder 5"/>
+          <p:cNvPr id="3" name="Content Placeholder 2"/>
           <p:cNvSpPr>
             <a:spLocks noGrp="1"/>
           </p:cNvSpPr>
           <p:nvPr>
-            <p:ph type="body" idx="1"/>
+            <p:ph idx="1"/>
           </p:nvPr>
         </p:nvSpPr>
         <p:spPr/>
         <p:txBody>
-          <a:bodyPr/>
+          <a:bodyPr>
+            <a:normAutofit fontScale="70000" lnSpcReduction="20000"/>
+          </a:bodyPr>
           <a:lstStyle/>
           <a:p>
             <a:r>
               <a:rPr lang="en-US" dirty="0" smtClean="0"/>
-              <a:t>C#</a:t>
-            </a:r>
-            <a:endParaRPr lang="en-US" dirty="0"/>
-          </a:p>
-        </p:txBody>
-      </p:sp>
-      <p:sp>
-        <p:nvSpPr>
-          <p:cNvPr id="7" name="Content Placeholder 6"/>
-          <p:cNvSpPr>
-            <a:spLocks noGrp="1"/>
-          </p:cNvSpPr>
-          <p:nvPr>
-            <p:ph sz="half" idx="2"/>
-          </p:nvPr>
-        </p:nvSpPr>
-        <p:spPr/>
-        <p:txBody>
-          <a:bodyPr/>
-          <a:lstStyle/>
-          <a:p>
-            <a:r>
-              <a:rPr lang="en-US" dirty="0" smtClean="0"/>
-              <a:t>OO</a:t>
-            </a:r>
-          </a:p>
-          <a:p>
-            <a:r>
-              <a:rPr lang="en-US" dirty="0" smtClean="0"/>
-              <a:t>Mutable</a:t>
-            </a:r>
-          </a:p>
-          <a:p>
-            <a:r>
-              <a:rPr lang="en-US" dirty="0" smtClean="0"/>
-              <a:t>Rigid Type System</a:t>
-            </a:r>
-          </a:p>
-          <a:p>
-            <a:r>
-              <a:rPr lang="en-US" dirty="0" smtClean="0"/>
-              <a:t>Insignificant Whitespace</a:t>
-            </a:r>
-          </a:p>
-          <a:p>
-            <a:pPr lvl="1"/>
-            <a:r>
-              <a:rPr lang="en-US" dirty="0" smtClean="0"/>
-              <a:t>Explicit Blocks of Code</a:t>
-            </a:r>
-          </a:p>
-          <a:p>
-            <a:r>
-              <a:rPr lang="en-US" dirty="0" smtClean="0"/>
-              <a:t>NULL is Significant</a:t>
-            </a:r>
-          </a:p>
-          <a:p>
-            <a:r>
-              <a:rPr lang="en-US" dirty="0" smtClean="0"/>
-              <a:t>Functions not First Class</a:t>
-            </a:r>
-          </a:p>
-          <a:p>
-            <a:pPr lvl="1"/>
-            <a:r>
-              <a:rPr lang="en-US" dirty="0" smtClean="0"/>
-              <a:t>Can use Delegate</a:t>
-            </a:r>
-            <a:endParaRPr lang="en-US" dirty="0"/>
-          </a:p>
-        </p:txBody>
-      </p:sp>
-      <p:sp>
-        <p:nvSpPr>
-          <p:cNvPr id="8" name="Text Placeholder 7"/>
-          <p:cNvSpPr>
-            <a:spLocks noGrp="1"/>
-          </p:cNvSpPr>
-          <p:nvPr>
-            <p:ph type="body" sz="quarter" idx="3"/>
-          </p:nvPr>
-        </p:nvSpPr>
-        <p:spPr/>
-        <p:txBody>
-          <a:bodyPr/>
-          <a:lstStyle/>
-          <a:p>
-            <a:r>
-              <a:rPr lang="en-US" dirty="0" smtClean="0"/>
-              <a:t>F#</a:t>
-            </a:r>
-            <a:endParaRPr lang="en-US" dirty="0"/>
-          </a:p>
-        </p:txBody>
-      </p:sp>
-      <p:sp>
-        <p:nvSpPr>
-          <p:cNvPr id="9" name="Content Placeholder 8"/>
-          <p:cNvSpPr>
-            <a:spLocks noGrp="1"/>
-          </p:cNvSpPr>
-          <p:nvPr>
-            <p:ph sz="quarter" idx="4"/>
-          </p:nvPr>
-        </p:nvSpPr>
-        <p:spPr/>
-        <p:txBody>
-          <a:bodyPr/>
-          <a:lstStyle/>
-          <a:p>
-            <a:r>
-              <a:rPr lang="en-US" dirty="0" smtClean="0"/>
-              <a:t>Functional</a:t>
-            </a:r>
-          </a:p>
-          <a:p>
-            <a:r>
-              <a:rPr lang="en-US" dirty="0" smtClean="0"/>
-              <a:t>Immutable</a:t>
-            </a:r>
-          </a:p>
-          <a:p>
-            <a:r>
-              <a:rPr lang="en-US" dirty="0" smtClean="0"/>
-              <a:t>Flexible Type System (Major Benefit)</a:t>
-            </a:r>
-          </a:p>
-          <a:p>
-            <a:r>
-              <a:rPr lang="en-US" dirty="0" smtClean="0"/>
-              <a:t>Significant Whitespace</a:t>
-            </a:r>
-          </a:p>
-          <a:p>
-            <a:pPr lvl="1"/>
-            <a:r>
-              <a:rPr lang="en-US" dirty="0" smtClean="0"/>
-              <a:t>Implicit Blocks of Code</a:t>
-            </a:r>
-          </a:p>
-          <a:p>
-            <a:r>
-              <a:rPr lang="en-US" dirty="0" smtClean="0"/>
-              <a:t>NULL is Avoided, but still exists</a:t>
-            </a:r>
-          </a:p>
-          <a:p>
-            <a:r>
-              <a:rPr lang="en-US" dirty="0" smtClean="0"/>
-              <a:t>Function is First Class</a:t>
-            </a:r>
-          </a:p>
-          <a:p>
-            <a:pPr lvl="1"/>
-            <a:r>
-              <a:rPr lang="en-US" dirty="0" smtClean="0"/>
-              <a:t>Can be treated as an object</a:t>
+              <a:t>Immutability by default</a:t>
+            </a:r>
+          </a:p>
+          <a:p>
+            <a:pPr lvl="1"/>
+            <a:r>
+              <a:rPr lang="en-US" dirty="0" smtClean="0"/>
+              <a:t>Forces us away from </a:t>
+            </a:r>
+            <a:r>
+              <a:rPr lang="en-US" dirty="0" err="1" smtClean="0"/>
+              <a:t>stateful</a:t>
+            </a:r>
+            <a:r>
+              <a:rPr lang="en-US" dirty="0" smtClean="0"/>
+              <a:t> bugs</a:t>
+            </a:r>
+          </a:p>
+          <a:p>
+            <a:pPr lvl="1"/>
+            <a:r>
+              <a:rPr lang="en-US" dirty="0" smtClean="0"/>
+              <a:t>In order to make something mutable you must be explicit</a:t>
+            </a:r>
+          </a:p>
+          <a:p>
+            <a:pPr lvl="2"/>
+            <a:r>
+              <a:rPr lang="en-US" dirty="0" smtClean="0"/>
+              <a:t>So in theory the developer thought this through… Yeah right! ;-)</a:t>
+            </a:r>
+          </a:p>
+          <a:p>
+            <a:pPr lvl="1"/>
+            <a:r>
+              <a:rPr lang="en-US" dirty="0"/>
+              <a:t>Online Sample: </a:t>
+            </a:r>
+            <a:r>
+              <a:rPr lang="en-US" dirty="0">
+                <a:hlinkClick r:id="rId2"/>
+              </a:rPr>
+              <a:t>http://fsharpforfunandprofit.com/posts/correctness-immutability</a:t>
+            </a:r>
+            <a:r>
+              <a:rPr lang="en-US" dirty="0" smtClean="0">
+                <a:hlinkClick r:id="rId2"/>
+              </a:rPr>
+              <a:t>/</a:t>
+            </a:r>
+            <a:r>
+              <a:rPr lang="en-US" dirty="0" smtClean="0"/>
+              <a:t> </a:t>
+            </a:r>
+          </a:p>
+          <a:p>
+            <a:r>
+              <a:rPr lang="en-US" dirty="0" smtClean="0"/>
+              <a:t>Flexible Type System</a:t>
+            </a:r>
+          </a:p>
+          <a:p>
+            <a:pPr lvl="1"/>
+            <a:r>
+              <a:rPr lang="en-US" dirty="0" smtClean="0"/>
+              <a:t>Can force compile time validation.</a:t>
+            </a:r>
+          </a:p>
+          <a:p>
+            <a:pPr lvl="1"/>
+            <a:r>
+              <a:rPr lang="en-US" dirty="0"/>
+              <a:t>Online Sample: </a:t>
+            </a:r>
+            <a:r>
+              <a:rPr lang="en-US" dirty="0">
+                <a:hlinkClick r:id="rId3"/>
+              </a:rPr>
+              <a:t>http://fsharpforfunandprofit.com/posts/designing-for-correctness</a:t>
+            </a:r>
+            <a:r>
+              <a:rPr lang="en-US" dirty="0" smtClean="0">
+                <a:hlinkClick r:id="rId3"/>
+              </a:rPr>
+              <a:t>/</a:t>
+            </a:r>
+            <a:r>
+              <a:rPr lang="en-US" dirty="0" smtClean="0"/>
+              <a:t> </a:t>
+            </a:r>
+          </a:p>
+          <a:p>
+            <a:pPr lvl="1"/>
+            <a:r>
+              <a:rPr lang="en-US" dirty="0" smtClean="0"/>
+              <a:t>Example in Demo Code</a:t>
+            </a:r>
+          </a:p>
+          <a:p>
+            <a:r>
+              <a:rPr lang="en-US" dirty="0" smtClean="0"/>
+              <a:t>NULL avoided</a:t>
+            </a:r>
+          </a:p>
+          <a:p>
+            <a:pPr lvl="1"/>
+            <a:r>
+              <a:rPr lang="en-US" dirty="0" smtClean="0"/>
+              <a:t>Forces developers to think through all code paths</a:t>
+            </a:r>
+          </a:p>
+          <a:p>
+            <a:pPr lvl="2"/>
+            <a:r>
+              <a:rPr lang="en-US" dirty="0" smtClean="0"/>
+              <a:t>Avoids many unnecessary </a:t>
+            </a:r>
+            <a:r>
+              <a:rPr lang="en-US" dirty="0" err="1" smtClean="0"/>
+              <a:t>NullReferenceExceptions</a:t>
+            </a:r>
+            <a:r>
+              <a:rPr lang="en-US" dirty="0" smtClean="0"/>
+              <a:t>!</a:t>
+            </a:r>
+          </a:p>
+          <a:p>
+            <a:pPr lvl="1"/>
+            <a:r>
+              <a:rPr lang="en-US" dirty="0" smtClean="0"/>
+              <a:t>Online Sample</a:t>
+            </a:r>
+            <a:r>
+              <a:rPr lang="en-US" dirty="0"/>
+              <a:t>: </a:t>
+            </a:r>
+            <a:r>
+              <a:rPr lang="en-US" dirty="0">
+                <a:hlinkClick r:id="rId4"/>
+              </a:rPr>
+              <a:t>http://fsharpforfunandprofit.com/posts/the-option-type/#</a:t>
+            </a:r>
+            <a:r>
+              <a:rPr lang="en-US" dirty="0" smtClean="0">
+                <a:hlinkClick r:id="rId4"/>
+              </a:rPr>
+              <a:t>option-is-not-null</a:t>
+            </a:r>
+            <a:r>
+              <a:rPr lang="en-US" dirty="0" smtClean="0"/>
+              <a:t> </a:t>
             </a:r>
             <a:endParaRPr lang="en-US" dirty="0"/>
           </a:p>
@@ -4513,7 +5456,7 @@
     </p:spTree>
     <p:extLst>
       <p:ext uri="{BB962C8B-B14F-4D97-AF65-F5344CB8AC3E}">
-        <p14:creationId xmlns:p14="http://schemas.microsoft.com/office/powerpoint/2010/main" val="4072921631"/>
+        <p14:creationId xmlns:p14="http://schemas.microsoft.com/office/powerpoint/2010/main" val="2148005894"/>
       </p:ext>
     </p:extLst>
   </p:cSld>
@@ -4559,12 +5502,22 @@
         </p:nvSpPr>
         <p:spPr/>
         <p:txBody>
-          <a:bodyPr/>
+          <a:bodyPr>
+            <a:normAutofit/>
+          </a:bodyPr>
           <a:lstStyle/>
           <a:p>
             <a:r>
               <a:rPr lang="en-US" dirty="0" smtClean="0"/>
-              <a:t>That Bug CAN’T Exist Here!</a:t>
+              <a:t>Hai! I’m F#! And dis </a:t>
+            </a:r>
+            <a:r>
+              <a:rPr lang="en-US" dirty="0" err="1" smtClean="0"/>
+              <a:t>mai</a:t>
+            </a:r>
+            <a:r>
+              <a:rPr lang="en-US" dirty="0" smtClean="0"/>
+              <a:t> friend REPL…</a:t>
             </a:r>
             <a:endParaRPr lang="en-US" dirty="0"/>
           </a:p>
@@ -4583,164 +5536,161 @@
         <p:spPr/>
         <p:txBody>
           <a:bodyPr>
-            <a:normAutofit fontScale="70000" lnSpcReduction="20000"/>
+            <a:normAutofit fontScale="85000" lnSpcReduction="20000"/>
           </a:bodyPr>
           <a:lstStyle/>
           <a:p>
             <a:r>
               <a:rPr lang="en-US" dirty="0" smtClean="0"/>
-              <a:t>Immutability by default</a:t>
-            </a:r>
-          </a:p>
-          <a:p>
-            <a:pPr lvl="1"/>
-            <a:r>
-              <a:rPr lang="en-US" dirty="0" smtClean="0"/>
-              <a:t>Forces us away from </a:t>
-            </a:r>
-            <a:r>
-              <a:rPr lang="en-US" dirty="0" err="1" smtClean="0"/>
-              <a:t>stateful</a:t>
-            </a:r>
-            <a:r>
-              <a:rPr lang="en-US" dirty="0" smtClean="0"/>
-              <a:t> bugs</a:t>
-            </a:r>
-          </a:p>
-          <a:p>
-            <a:pPr lvl="1"/>
-            <a:r>
-              <a:rPr lang="en-US" dirty="0" smtClean="0"/>
-              <a:t>In order to make something mutable you must be explicit</a:t>
-            </a:r>
-          </a:p>
-          <a:p>
-            <a:pPr lvl="2"/>
-            <a:r>
-              <a:rPr lang="en-US" dirty="0" smtClean="0"/>
-              <a:t>So in theory the developer thought this through… Yeah right! ;-)</a:t>
-            </a:r>
-          </a:p>
-          <a:p>
-            <a:pPr lvl="1"/>
-            <a:r>
-              <a:rPr lang="en-US" dirty="0"/>
-              <a:t>Online Sample: </a:t>
+              <a:t>Language Intro: </a:t>
+            </a:r>
+          </a:p>
+          <a:p>
+            <a:pPr lvl="1"/>
+            <a:r>
+              <a:rPr lang="en-US" dirty="0" smtClean="0"/>
+              <a:t>Start Here: </a:t>
+            </a:r>
+            <a:r>
+              <a:rPr lang="en-US" dirty="0" smtClean="0">
+                <a:hlinkClick r:id="rId2"/>
+              </a:rPr>
+              <a:t>http</a:t>
             </a:r>
             <a:r>
               <a:rPr lang="en-US" dirty="0">
                 <a:hlinkClick r:id="rId2"/>
               </a:rPr>
-              <a:t>http://fsharpforfunandprofit.com/posts/correctness-immutability</a:t>
+              <a:t>://fsharp.org/about/learning.html</a:t>
+            </a:r>
+            <a:endParaRPr lang="en-US" dirty="0"/>
+          </a:p>
+          <a:p>
+            <a:pPr lvl="1"/>
+            <a:r>
+              <a:rPr lang="en-US" dirty="0" smtClean="0"/>
+              <a:t>Syntax Guide: </a:t>
             </a:r>
             <a:r>
               <a:rPr lang="en-US" dirty="0" smtClean="0">
-                <a:hlinkClick r:id="rId2"/>
+                <a:hlinkClick r:id="rId3"/>
               </a:rPr>
-              <a:t>/</a:t>
-            </a:r>
-            <a:r>
-              <a:rPr lang="en-US" dirty="0" smtClean="0"/>
-              <a:t> </a:t>
-            </a:r>
-          </a:p>
-          <a:p>
-            <a:r>
-              <a:rPr lang="en-US" dirty="0" smtClean="0"/>
-              <a:t>Flexible Type System</a:t>
-            </a:r>
-          </a:p>
-          <a:p>
-            <a:pPr lvl="1"/>
-            <a:r>
-              <a:rPr lang="en-US" dirty="0" smtClean="0"/>
-              <a:t>Can force compile time validation.</a:t>
-            </a:r>
-          </a:p>
-          <a:p>
-            <a:pPr lvl="1"/>
-            <a:r>
-              <a:rPr lang="en-US" dirty="0"/>
-              <a:t>Online Sample: </a:t>
+              <a:t>http</a:t>
             </a:r>
             <a:r>
               <a:rPr lang="en-US" dirty="0">
                 <a:hlinkClick r:id="rId3"/>
               </a:rPr>
-              <a:t>http://fsharpforfunandprofit.com/posts/designing-for-correctness</a:t>
+              <a:t>://dungpa.github.io/fsharp-cheatsheet/</a:t>
+            </a:r>
+            <a:endParaRPr lang="en-US" dirty="0"/>
+          </a:p>
+          <a:p>
+            <a:pPr lvl="1"/>
+            <a:r>
+              <a:rPr lang="en-US" dirty="0" smtClean="0"/>
+              <a:t>Why? Here’s Why!: </a:t>
             </a:r>
             <a:r>
               <a:rPr lang="en-US" dirty="0" smtClean="0">
-                <a:hlinkClick r:id="rId3"/>
+                <a:hlinkClick r:id="rId4"/>
               </a:rPr>
-              <a:t>/</a:t>
-            </a:r>
-            <a:r>
-              <a:rPr lang="en-US" dirty="0" smtClean="0"/>
-              <a:t> </a:t>
-            </a:r>
-          </a:p>
-          <a:p>
-            <a:pPr lvl="1"/>
-            <a:r>
-              <a:rPr lang="en-US" dirty="0" smtClean="0"/>
-              <a:t>Example in Demo Code</a:t>
-            </a:r>
-          </a:p>
-          <a:p>
-            <a:r>
-              <a:rPr lang="en-US" dirty="0" smtClean="0"/>
-              <a:t>NULL avoided</a:t>
-            </a:r>
-          </a:p>
-          <a:p>
-            <a:pPr lvl="1"/>
-            <a:r>
-              <a:rPr lang="en-US" dirty="0" smtClean="0"/>
-              <a:t>Forces developers to think through all code paths</a:t>
-            </a:r>
-          </a:p>
-          <a:p>
-            <a:pPr lvl="2"/>
-            <a:r>
-              <a:rPr lang="en-US" dirty="0" smtClean="0"/>
-              <a:t>Avoids many unnecessary </a:t>
-            </a:r>
-            <a:r>
-              <a:rPr lang="en-US" dirty="0" err="1" smtClean="0"/>
-              <a:t>NullReferenceExceptions</a:t>
-            </a:r>
-            <a:r>
-              <a:rPr lang="en-US" dirty="0" smtClean="0"/>
-              <a:t>!</a:t>
-            </a:r>
-          </a:p>
-          <a:p>
-            <a:pPr lvl="1"/>
-            <a:r>
-              <a:rPr lang="en-US" dirty="0" smtClean="0"/>
-              <a:t>Online Sample</a:t>
-            </a:r>
-            <a:r>
-              <a:rPr lang="en-US" dirty="0"/>
-              <a:t>: </a:t>
+              <a:t>http</a:t>
             </a:r>
             <a:r>
               <a:rPr lang="en-US" dirty="0">
                 <a:hlinkClick r:id="rId4"/>
               </a:rPr>
-              <a:t>http://fsharpforfunandprofit.com/posts/the-option-type/#</a:t>
+              <a:t>://fsharpforfunandprofit.com/why-use-fsharp/</a:t>
+            </a:r>
+            <a:endParaRPr lang="en-US" dirty="0"/>
+          </a:p>
+          <a:p>
+            <a:pPr lvl="1"/>
+            <a:r>
+              <a:rPr lang="en-US" dirty="0" smtClean="0"/>
+              <a:t>My personal favorite intro session: </a:t>
             </a:r>
             <a:r>
               <a:rPr lang="en-US" dirty="0" smtClean="0">
-                <a:hlinkClick r:id="rId4"/>
+                <a:hlinkClick r:id="rId5"/>
               </a:rPr>
-              <a:t>option-is-not-null</a:t>
-            </a:r>
-            <a:r>
-              <a:rPr lang="en-US" dirty="0" smtClean="0"/>
-              <a:t> </a:t>
-            </a:r>
+              <a:t>https</a:t>
+            </a:r>
+            <a:r>
+              <a:rPr lang="en-US" dirty="0">
+                <a:hlinkClick r:id="rId5"/>
+              </a:rPr>
+              <a:t>://skillsmatter.com/skillscasts/4971-domain-driven-design-with-scott-wlaschin</a:t>
+            </a:r>
+            <a:endParaRPr lang="en-US" dirty="0"/>
+          </a:p>
+          <a:p>
+            <a:pPr lvl="1"/>
+            <a:r>
+              <a:rPr lang="en-US" dirty="0" err="1" smtClean="0"/>
+              <a:t>FSharpForFunAndProfit</a:t>
+            </a:r>
+            <a:r>
+              <a:rPr lang="en-US" dirty="0" smtClean="0"/>
+              <a:t>: </a:t>
+            </a:r>
+            <a:r>
+              <a:rPr lang="en-US" dirty="0" smtClean="0">
+                <a:hlinkClick r:id="rId6"/>
+              </a:rPr>
+              <a:t>http</a:t>
+            </a:r>
+            <a:r>
+              <a:rPr lang="en-US" dirty="0">
+                <a:hlinkClick r:id="rId6"/>
+              </a:rPr>
+              <a:t>://fsharpforfunandprofit.com/site-contents/</a:t>
+            </a:r>
+            <a:endParaRPr lang="en-US" dirty="0"/>
+          </a:p>
+          <a:p>
+            <a:pPr lvl="1"/>
+            <a:r>
+              <a:rPr lang="en-US" dirty="0" smtClean="0"/>
+              <a:t>More Why!: </a:t>
+            </a:r>
+            <a:r>
+              <a:rPr lang="en-US" dirty="0" smtClean="0">
+                <a:hlinkClick r:id="rId7"/>
+              </a:rPr>
+              <a:t>http</a:t>
+            </a:r>
+            <a:r>
+              <a:rPr lang="en-US" dirty="0">
+                <a:hlinkClick r:id="rId7"/>
+              </a:rPr>
+              <a:t>://fsharpforfunandprofit.com/series/why-use-fsharp.html</a:t>
+            </a:r>
+            <a:endParaRPr lang="en-US" dirty="0"/>
+          </a:p>
+          <a:p>
+            <a:r>
+              <a:rPr lang="en-US" dirty="0" smtClean="0"/>
+              <a:t>Tooling Intro:</a:t>
+            </a:r>
+          </a:p>
+          <a:p>
+            <a:pPr lvl="1"/>
+            <a:r>
+              <a:rPr lang="en-US" dirty="0" smtClean="0"/>
+              <a:t>F# Interactive (REPL)</a:t>
+            </a:r>
+          </a:p>
+          <a:p>
+            <a:pPr lvl="1"/>
+            <a:r>
+              <a:rPr lang="en-US" dirty="0" smtClean="0"/>
+              <a:t>VS Debugging works just like it does in C#</a:t>
+            </a:r>
+          </a:p>
+          <a:p>
+            <a:pPr lvl="1"/>
             <a:endParaRPr lang="en-US" dirty="0"/>
           </a:p>
         </p:txBody>
@@ -4748,7 +5698,7 @@
     </p:spTree>
     <p:extLst>
       <p:ext uri="{BB962C8B-B14F-4D97-AF65-F5344CB8AC3E}">
-        <p14:creationId xmlns:p14="http://schemas.microsoft.com/office/powerpoint/2010/main" val="2148005894"/>
+        <p14:creationId xmlns:p14="http://schemas.microsoft.com/office/powerpoint/2010/main" val="3932882741"/>
       </p:ext>
     </p:extLst>
   </p:cSld>
@@ -4794,22 +5744,12 @@
         </p:nvSpPr>
         <p:spPr/>
         <p:txBody>
-          <a:bodyPr>
-            <a:normAutofit/>
-          </a:bodyPr>
+          <a:bodyPr/>
           <a:lstStyle/>
           <a:p>
             <a:r>
               <a:rPr lang="en-US" dirty="0" smtClean="0"/>
-              <a:t>Hai! I’m F#! And dis </a:t>
-            </a:r>
-            <a:r>
-              <a:rPr lang="en-US" dirty="0" err="1" smtClean="0"/>
-              <a:t>mai</a:t>
-            </a:r>
-            <a:r>
-              <a:rPr lang="en-US" dirty="0" smtClean="0"/>
-              <a:t> friend REPL…</a:t>
+              <a:t>How to Get it Installed?</a:t>
             </a:r>
             <a:endParaRPr lang="en-US" dirty="0"/>
           </a:p>
@@ -4828,161 +5768,124 @@
         <p:spPr/>
         <p:txBody>
           <a:bodyPr>
-            <a:normAutofit fontScale="85000" lnSpcReduction="20000"/>
+            <a:normAutofit fontScale="77500" lnSpcReduction="20000"/>
           </a:bodyPr>
           <a:lstStyle/>
           <a:p>
             <a:r>
               <a:rPr lang="en-US" dirty="0" smtClean="0"/>
-              <a:t>Language Intro: </a:t>
-            </a:r>
-          </a:p>
-          <a:p>
-            <a:pPr lvl="1"/>
-            <a:r>
-              <a:rPr lang="en-US" dirty="0" smtClean="0"/>
-              <a:t>Start Here: </a:t>
+              <a:t>Can Develop using VS2015 Community Edition or higher</a:t>
+            </a:r>
+          </a:p>
+          <a:p>
+            <a:pPr lvl="1"/>
+            <a:r>
+              <a:rPr lang="en-US" dirty="0" smtClean="0"/>
+              <a:t>Must install F# 3.1.2 standalone package</a:t>
+            </a:r>
+          </a:p>
+          <a:p>
+            <a:pPr lvl="2"/>
+            <a:r>
+              <a:rPr lang="en-US" dirty="0">
+                <a:hlinkClick r:id="rId2"/>
+              </a:rPr>
+              <a:t>http://</a:t>
             </a:r>
             <a:r>
               <a:rPr lang="en-US" dirty="0" smtClean="0">
                 <a:hlinkClick r:id="rId2"/>
               </a:rPr>
-              <a:t>http</a:t>
-            </a:r>
-            <a:r>
-              <a:rPr lang="en-US" dirty="0">
-                <a:hlinkClick r:id="rId2"/>
-              </a:rPr>
-              <a:t>://fsharp.org/about/learning.html</a:t>
-            </a:r>
-            <a:endParaRPr lang="en-US" dirty="0"/>
-          </a:p>
-          <a:p>
-            <a:pPr lvl="1"/>
-            <a:r>
-              <a:rPr lang="en-US" dirty="0" smtClean="0"/>
-              <a:t>Syntax Guide: </a:t>
-            </a:r>
-            <a:r>
-              <a:rPr lang="en-US" dirty="0" smtClean="0">
-                <a:hlinkClick r:id="rId3"/>
-              </a:rPr>
-              <a:t>http</a:t>
-            </a:r>
-            <a:r>
-              <a:rPr lang="en-US" dirty="0">
-                <a:hlinkClick r:id="rId3"/>
-              </a:rPr>
-              <a:t>://dungpa.github.io/fsharp-cheatsheet/</a:t>
-            </a:r>
-            <a:endParaRPr lang="en-US" dirty="0"/>
-          </a:p>
-          <a:p>
-            <a:pPr lvl="1"/>
-            <a:r>
-              <a:rPr lang="en-US" dirty="0" smtClean="0"/>
-              <a:t>Why? Here’s Why!: </a:t>
-            </a:r>
-            <a:r>
-              <a:rPr lang="en-US" dirty="0" smtClean="0">
-                <a:hlinkClick r:id="rId4"/>
-              </a:rPr>
-              <a:t>http</a:t>
-            </a:r>
-            <a:r>
-              <a:rPr lang="en-US" dirty="0">
-                <a:hlinkClick r:id="rId4"/>
-              </a:rPr>
-              <a:t>://fsharpforfunandprofit.com/why-use-fsharp/</a:t>
-            </a:r>
-            <a:endParaRPr lang="en-US" dirty="0"/>
-          </a:p>
-          <a:p>
-            <a:pPr lvl="1"/>
-            <a:r>
-              <a:rPr lang="en-US" dirty="0" smtClean="0"/>
-              <a:t>My personal favorite intro session: </a:t>
-            </a:r>
-            <a:r>
-              <a:rPr lang="en-US" dirty="0" smtClean="0">
-                <a:hlinkClick r:id="rId5"/>
-              </a:rPr>
-              <a:t>https</a:t>
-            </a:r>
-            <a:r>
-              <a:rPr lang="en-US" dirty="0">
-                <a:hlinkClick r:id="rId5"/>
-              </a:rPr>
-              <a:t>://skillsmatter.com/skillscasts/4971-domain-driven-design-with-scott-wlaschin</a:t>
-            </a:r>
-            <a:endParaRPr lang="en-US" dirty="0"/>
-          </a:p>
-          <a:p>
-            <a:pPr lvl="1"/>
+              <a:t>www.microsoft.com/en-us/download/details.aspx?id=44011</a:t>
+            </a:r>
+            <a:endParaRPr lang="en-US" dirty="0" smtClean="0"/>
+          </a:p>
+          <a:p>
+            <a:pPr lvl="1"/>
+            <a:r>
+              <a:rPr lang="en-US" dirty="0" smtClean="0"/>
+              <a:t>VS2015 Now Fully supports F# PCL </a:t>
+            </a:r>
             <a:r>
               <a:rPr lang="en-US" dirty="0" err="1" smtClean="0"/>
-              <a:t>FSharpForFunAndProfit</a:t>
-            </a:r>
-            <a:r>
-              <a:rPr lang="en-US" dirty="0" smtClean="0"/>
-              <a:t>: </a:t>
-            </a:r>
-            <a:r>
-              <a:rPr lang="en-US" dirty="0" smtClean="0">
-                <a:hlinkClick r:id="rId6"/>
-              </a:rPr>
-              <a:t>http</a:t>
-            </a:r>
-            <a:r>
-              <a:rPr lang="en-US" dirty="0">
-                <a:hlinkClick r:id="rId6"/>
-              </a:rPr>
-              <a:t>://fsharpforfunandprofit.com/site-contents/</a:t>
-            </a:r>
-            <a:endParaRPr lang="en-US" dirty="0"/>
-          </a:p>
-          <a:p>
-            <a:pPr lvl="1"/>
-            <a:r>
-              <a:rPr lang="en-US" dirty="0" smtClean="0"/>
-              <a:t>More Why!: </a:t>
-            </a:r>
-            <a:r>
-              <a:rPr lang="en-US" dirty="0" smtClean="0">
-                <a:hlinkClick r:id="rId7"/>
-              </a:rPr>
-              <a:t>http</a:t>
-            </a:r>
-            <a:r>
-              <a:rPr lang="en-US" dirty="0">
-                <a:hlinkClick r:id="rId7"/>
-              </a:rPr>
-              <a:t>://fsharpforfunandprofit.com/series/why-use-fsharp.html</a:t>
-            </a:r>
-            <a:endParaRPr lang="en-US" dirty="0"/>
-          </a:p>
-          <a:p>
-            <a:r>
-              <a:rPr lang="en-US" dirty="0" smtClean="0"/>
-              <a:t>Tooling Intro:</a:t>
-            </a:r>
-          </a:p>
-          <a:p>
-            <a:pPr lvl="1"/>
-            <a:r>
-              <a:rPr lang="en-US" dirty="0" smtClean="0"/>
-              <a:t>F# Interactive (REPL)</a:t>
-            </a:r>
-          </a:p>
-          <a:p>
-            <a:pPr lvl="1"/>
-            <a:r>
-              <a:rPr lang="en-US" dirty="0" smtClean="0"/>
-              <a:t>VS Debugging works just like it does in C#</a:t>
-            </a:r>
-          </a:p>
-          <a:p>
-            <a:pPr lvl="1"/>
+              <a:t>Creatation</a:t>
+            </a:r>
+            <a:r>
+              <a:rPr lang="en-US" dirty="0"/>
+              <a:t> </a:t>
+            </a:r>
+            <a:endParaRPr lang="en-US" dirty="0" smtClean="0"/>
+          </a:p>
+          <a:p>
+            <a:pPr lvl="1"/>
+            <a:r>
+              <a:rPr lang="en-US" dirty="0" smtClean="0"/>
+              <a:t>F# 4.0 Is NOW Supported by </a:t>
+            </a:r>
+            <a:r>
+              <a:rPr lang="en-US" dirty="0" err="1" smtClean="0"/>
+              <a:t>Xamarin</a:t>
+            </a:r>
+            <a:endParaRPr lang="en-US" dirty="0" smtClean="0"/>
+          </a:p>
+          <a:p>
+            <a:pPr lvl="2"/>
+            <a:r>
+              <a:rPr lang="en-US" dirty="0" smtClean="0"/>
+              <a:t>C# UI Projects do NOT yet support F# 4.0</a:t>
+            </a:r>
+          </a:p>
+          <a:p>
+            <a:r>
+              <a:rPr lang="en-US" strike="sngStrike" dirty="0" smtClean="0"/>
+              <a:t>The Catch!</a:t>
+            </a:r>
+          </a:p>
+          <a:p>
+            <a:pPr lvl="1"/>
+            <a:r>
+              <a:rPr lang="en-US" strike="sngStrike" dirty="0" smtClean="0"/>
+              <a:t>IF you want to create C# Android or iOS </a:t>
+            </a:r>
+            <a:r>
+              <a:rPr lang="en-US" strike="sngStrike" dirty="0" err="1" smtClean="0"/>
+              <a:t>Xamarin</a:t>
+            </a:r>
+            <a:r>
+              <a:rPr lang="en-US" strike="sngStrike" dirty="0" smtClean="0"/>
+              <a:t> Project and use an F# Library</a:t>
+            </a:r>
+          </a:p>
+          <a:p>
+            <a:pPr lvl="1"/>
+            <a:r>
+              <a:rPr lang="en-US" strike="sngStrike" dirty="0" smtClean="0"/>
+              <a:t>THEN you must install VS2013 Community Edition or higher</a:t>
+            </a:r>
+          </a:p>
+          <a:p>
+            <a:pPr lvl="2"/>
+            <a:r>
+              <a:rPr lang="en-US" strike="sngStrike" dirty="0" smtClean="0"/>
+              <a:t>This installs F# 3.1 for you. Just apply the F# update ready to go when after installing.</a:t>
+            </a:r>
+          </a:p>
+          <a:p>
+            <a:pPr lvl="1"/>
+            <a:r>
+              <a:rPr lang="en-US" strike="sngStrike" dirty="0" smtClean="0"/>
+              <a:t>The F# Library must be created using the Visual F# Portable Library (Legacy) template in VS2013</a:t>
+            </a:r>
+          </a:p>
+          <a:p>
+            <a:pPr lvl="2"/>
+            <a:r>
+              <a:rPr lang="en-US" strike="sngStrike" dirty="0" smtClean="0"/>
+              <a:t>Copy this library to any solution and you’re good to go! You can use VS2015 or VS2013 to edit the library after it has been created.</a:t>
+            </a:r>
+          </a:p>
+          <a:p>
+            <a:pPr lvl="2"/>
             <a:endParaRPr lang="en-US" dirty="0"/>
           </a:p>
         </p:txBody>
@@ -4990,7 +5893,7 @@
     </p:spTree>
     <p:extLst>
       <p:ext uri="{BB962C8B-B14F-4D97-AF65-F5344CB8AC3E}">
-        <p14:creationId xmlns:p14="http://schemas.microsoft.com/office/powerpoint/2010/main" val="3932882741"/>
+        <p14:creationId xmlns:p14="http://schemas.microsoft.com/office/powerpoint/2010/main" val="188446312"/>
       </p:ext>
     </p:extLst>
   </p:cSld>
@@ -5041,115 +5944,46 @@
           <a:p>
             <a:r>
               <a:rPr lang="en-US" dirty="0" smtClean="0"/>
-              <a:t>How to Get it Installed?</a:t>
+              <a:t>Create Android App with C# UI</a:t>
             </a:r>
             <a:endParaRPr lang="en-US" dirty="0"/>
           </a:p>
         </p:txBody>
       </p:sp>
-      <p:sp>
-        <p:nvSpPr>
-          <p:cNvPr id="3" name="Content Placeholder 2"/>
-          <p:cNvSpPr>
-            <a:spLocks noGrp="1"/>
-          </p:cNvSpPr>
-          <p:nvPr>
-            <p:ph idx="1"/>
-          </p:nvPr>
-        </p:nvSpPr>
-        <p:spPr/>
-        <p:txBody>
-          <a:bodyPr>
-            <a:normAutofit fontScale="85000" lnSpcReduction="10000"/>
-          </a:bodyPr>
-          <a:lstStyle/>
-          <a:p>
-            <a:r>
-              <a:rPr lang="en-US" dirty="0" smtClean="0"/>
-              <a:t>Can Develop using VS2015 Community Edition or higher</a:t>
-            </a:r>
-          </a:p>
-          <a:p>
-            <a:pPr lvl="1"/>
-            <a:r>
-              <a:rPr lang="en-US" dirty="0" smtClean="0"/>
-              <a:t>Must install F# 3.1.2 standalone package</a:t>
-            </a:r>
-          </a:p>
-          <a:p>
-            <a:pPr lvl="2"/>
-            <a:r>
-              <a:rPr lang="en-US" dirty="0">
-                <a:hlinkClick r:id="rId2"/>
-              </a:rPr>
-              <a:t>http://www.microsoft.com/en-us/download/details.aspx?id=44011</a:t>
-            </a:r>
-            <a:endParaRPr lang="en-US" dirty="0" smtClean="0"/>
-          </a:p>
-          <a:p>
-            <a:r>
-              <a:rPr lang="en-US" dirty="0" smtClean="0"/>
-              <a:t>The Catch!</a:t>
-            </a:r>
-          </a:p>
-          <a:p>
-            <a:pPr lvl="1"/>
-            <a:r>
-              <a:rPr lang="en-US" dirty="0" smtClean="0"/>
-              <a:t>IF you want to create C# Android or iOS Xamarin Project and use an F# Library</a:t>
-            </a:r>
-          </a:p>
-          <a:p>
-            <a:pPr lvl="1"/>
-            <a:r>
-              <a:rPr lang="en-US" dirty="0" smtClean="0"/>
-              <a:t>THEN you must install VS2013 Community Edition or higher</a:t>
-            </a:r>
-          </a:p>
-          <a:p>
-            <a:pPr lvl="2"/>
-            <a:r>
-              <a:rPr lang="en-US" dirty="0" smtClean="0"/>
-              <a:t>This installs F# 3.1 for you. Just apply the F# update ready to go when after installing.</a:t>
-            </a:r>
-          </a:p>
-          <a:p>
-            <a:pPr lvl="1"/>
-            <a:r>
-              <a:rPr lang="en-US" dirty="0" smtClean="0"/>
-              <a:t>The F# Library must be created using the Visual F# Portable Library (Legacy) template in VS2013</a:t>
-            </a:r>
-          </a:p>
-          <a:p>
-            <a:pPr lvl="2"/>
-            <a:r>
-              <a:rPr lang="en-US" dirty="0" smtClean="0"/>
-              <a:t>Copy this library to any solution and you’re good to go! You can use VS2015 or VS2013 to edit the library after it has been created.</a:t>
-            </a:r>
-          </a:p>
-          <a:p>
-            <a:pPr lvl="2"/>
-            <a:endParaRPr lang="en-US" dirty="0"/>
-          </a:p>
-        </p:txBody>
-      </p:sp>
+      <p:pic>
+        <p:nvPicPr>
+          <p:cNvPr id="3" name="Picture 2"/>
+          <p:cNvPicPr>
+            <a:picLocks noChangeAspect="1"/>
+          </p:cNvPicPr>
+          <p:nvPr/>
+        </p:nvPicPr>
+        <p:blipFill>
+          <a:blip r:embed="rId2"/>
+          <a:stretch>
+            <a:fillRect/>
+          </a:stretch>
+        </p:blipFill>
+        <p:spPr>
+          <a:xfrm>
+            <a:off x="2072097" y="1140903"/>
+            <a:ext cx="8047806" cy="5587330"/>
+          </a:xfrm>
+          <a:prstGeom prst="rect">
+            <a:avLst/>
+          </a:prstGeom>
+        </p:spPr>
+      </p:pic>
     </p:spTree>
     <p:extLst>
       <p:ext uri="{BB962C8B-B14F-4D97-AF65-F5344CB8AC3E}">
-        <p14:creationId xmlns:p14="http://schemas.microsoft.com/office/powerpoint/2010/main" val="188446312"/>
+        <p14:creationId xmlns:p14="http://schemas.microsoft.com/office/powerpoint/2010/main" val="1411996891"/>
       </p:ext>
     </p:extLst>
   </p:cSld>
   <p:clrMapOvr>
     <a:masterClrMapping/>
   </p:clrMapOvr>
-  <p:timing>
-    <p:tnLst>
-      <p:par>
-        <p:cTn id="1" dur="indefinite" restart="never" nodeType="tmRoot"/>
-      </p:par>
-    </p:tnLst>
-  </p:timing>
 </p:sld>
 </file>
 

--- a/FSharpXamarin_Slides.pptx
+++ b/FSharpXamarin_Slides.pptx
@@ -14,11 +14,11 @@
     <p:sldId id="261" r:id="rId8"/>
     <p:sldId id="269" r:id="rId9"/>
     <p:sldId id="278" r:id="rId10"/>
-    <p:sldId id="275" r:id="rId11"/>
-    <p:sldId id="277" r:id="rId12"/>
-    <p:sldId id="276" r:id="rId13"/>
-    <p:sldId id="279" r:id="rId14"/>
-    <p:sldId id="274" r:id="rId15"/>
+    <p:sldId id="277" r:id="rId11"/>
+    <p:sldId id="276" r:id="rId12"/>
+    <p:sldId id="279" r:id="rId13"/>
+    <p:sldId id="274" r:id="rId14"/>
+    <p:sldId id="275" r:id="rId15"/>
     <p:sldId id="262" r:id="rId16"/>
     <p:sldId id="268" r:id="rId17"/>
     <p:sldId id="263" r:id="rId18"/>
@@ -2557,83 +2557,6 @@
         </p:nvSpPr>
         <p:spPr/>
         <p:txBody>
-          <a:bodyPr/>
-          <a:lstStyle/>
-          <a:p>
-            <a:r>
-              <a:rPr lang="en-US" dirty="0" smtClean="0"/>
-              <a:t>Change Target Version of F#</a:t>
-            </a:r>
-            <a:endParaRPr lang="en-US" dirty="0"/>
-          </a:p>
-        </p:txBody>
-      </p:sp>
-      <p:pic>
-        <p:nvPicPr>
-          <p:cNvPr id="3" name="Picture 2"/>
-          <p:cNvPicPr>
-            <a:picLocks noChangeAspect="1"/>
-          </p:cNvPicPr>
-          <p:nvPr/>
-        </p:nvPicPr>
-        <p:blipFill>
-          <a:blip r:embed="rId2"/>
-          <a:stretch>
-            <a:fillRect/>
-          </a:stretch>
-        </p:blipFill>
-        <p:spPr>
-          <a:xfrm>
-            <a:off x="375293" y="2071776"/>
-            <a:ext cx="11441414" cy="3098116"/>
-          </a:xfrm>
-          <a:prstGeom prst="rect">
-            <a:avLst/>
-          </a:prstGeom>
-        </p:spPr>
-      </p:pic>
-    </p:spTree>
-    <p:extLst>
-      <p:ext uri="{BB962C8B-B14F-4D97-AF65-F5344CB8AC3E}">
-        <p14:creationId xmlns:p14="http://schemas.microsoft.com/office/powerpoint/2010/main" val="2397700932"/>
-      </p:ext>
-    </p:extLst>
-  </p:cSld>
-  <p:clrMapOvr>
-    <a:masterClrMapping/>
-  </p:clrMapOvr>
-</p:sld>
-</file>
-
-<file path=ppt/slides/slide11.xml><?xml version="1.0" encoding="utf-8"?>
-<p:sld xmlns:a="http://schemas.openxmlformats.org/drawingml/2006/main" xmlns:r="http://schemas.openxmlformats.org/officeDocument/2006/relationships" xmlns:p="http://schemas.openxmlformats.org/presentationml/2006/main">
-  <p:cSld>
-    <p:spTree>
-      <p:nvGrpSpPr>
-        <p:cNvPr id="1" name=""/>
-        <p:cNvGrpSpPr/>
-        <p:nvPr/>
-      </p:nvGrpSpPr>
-      <p:grpSpPr>
-        <a:xfrm>
-          <a:off x="0" y="0"/>
-          <a:ext cx="0" cy="0"/>
-          <a:chOff x="0" y="0"/>
-          <a:chExt cx="0" cy="0"/>
-        </a:xfrm>
-      </p:grpSpPr>
-      <p:sp>
-        <p:nvSpPr>
-          <p:cNvPr id="2" name="Title 1"/>
-          <p:cNvSpPr>
-            <a:spLocks noGrp="1"/>
-          </p:cNvSpPr>
-          <p:nvPr>
-            <p:ph type="title"/>
-          </p:nvPr>
-        </p:nvSpPr>
-        <p:spPr/>
-        <p:txBody>
           <a:bodyPr>
             <a:normAutofit fontScale="90000"/>
           </a:bodyPr>
@@ -2691,7 +2614,7 @@
 </p:sld>
 </file>
 
-<file path=ppt/slides/slide12.xml><?xml version="1.0" encoding="utf-8"?>
+<file path=ppt/slides/slide11.xml><?xml version="1.0" encoding="utf-8"?>
 <p:sld xmlns:a="http://schemas.openxmlformats.org/drawingml/2006/main" xmlns:r="http://schemas.openxmlformats.org/officeDocument/2006/relationships" xmlns:p="http://schemas.openxmlformats.org/presentationml/2006/main">
   <p:cSld>
     <p:spTree>
@@ -2768,7 +2691,7 @@
 </p:sld>
 </file>
 
-<file path=ppt/slides/slide13.xml><?xml version="1.0" encoding="utf-8"?>
+<file path=ppt/slides/slide12.xml><?xml version="1.0" encoding="utf-8"?>
 <p:sld xmlns:a="http://schemas.openxmlformats.org/drawingml/2006/main" xmlns:r="http://schemas.openxmlformats.org/officeDocument/2006/relationships" xmlns:p="http://schemas.openxmlformats.org/presentationml/2006/main">
   <p:cSld>
     <p:spTree>
@@ -2823,7 +2746,7 @@
 </p:sld>
 </file>
 
-<file path=ppt/slides/slide14.xml><?xml version="1.0" encoding="utf-8"?>
+<file path=ppt/slides/slide13.xml><?xml version="1.0" encoding="utf-8"?>
 <p:sld xmlns:a="http://schemas.openxmlformats.org/drawingml/2006/main" xmlns:r="http://schemas.openxmlformats.org/officeDocument/2006/relationships" xmlns:p="http://schemas.openxmlformats.org/presentationml/2006/main">
   <p:cSld>
     <p:spTree>
@@ -3263,6 +3186,83 @@
 </p:sld>
 </file>
 
+<file path=ppt/slides/slide14.xml><?xml version="1.0" encoding="utf-8"?>
+<p:sld xmlns:a="http://schemas.openxmlformats.org/drawingml/2006/main" xmlns:r="http://schemas.openxmlformats.org/officeDocument/2006/relationships" xmlns:p="http://schemas.openxmlformats.org/presentationml/2006/main">
+  <p:cSld>
+    <p:spTree>
+      <p:nvGrpSpPr>
+        <p:cNvPr id="1" name=""/>
+        <p:cNvGrpSpPr/>
+        <p:nvPr/>
+      </p:nvGrpSpPr>
+      <p:grpSpPr>
+        <a:xfrm>
+          <a:off x="0" y="0"/>
+          <a:ext cx="0" cy="0"/>
+          <a:chOff x="0" y="0"/>
+          <a:chExt cx="0" cy="0"/>
+        </a:xfrm>
+      </p:grpSpPr>
+      <p:sp>
+        <p:nvSpPr>
+          <p:cNvPr id="2" name="Title 1"/>
+          <p:cNvSpPr>
+            <a:spLocks noGrp="1"/>
+          </p:cNvSpPr>
+          <p:nvPr>
+            <p:ph type="title"/>
+          </p:nvPr>
+        </p:nvSpPr>
+        <p:spPr/>
+        <p:txBody>
+          <a:bodyPr/>
+          <a:lstStyle/>
+          <a:p>
+            <a:r>
+              <a:rPr lang="en-US" dirty="0" smtClean="0"/>
+              <a:t>Change Target Version of F#</a:t>
+            </a:r>
+            <a:endParaRPr lang="en-US" dirty="0"/>
+          </a:p>
+        </p:txBody>
+      </p:sp>
+      <p:pic>
+        <p:nvPicPr>
+          <p:cNvPr id="3" name="Picture 2"/>
+          <p:cNvPicPr>
+            <a:picLocks noChangeAspect="1"/>
+          </p:cNvPicPr>
+          <p:nvPr/>
+        </p:nvPicPr>
+        <p:blipFill>
+          <a:blip r:embed="rId2"/>
+          <a:stretch>
+            <a:fillRect/>
+          </a:stretch>
+        </p:blipFill>
+        <p:spPr>
+          <a:xfrm>
+            <a:off x="375293" y="2071776"/>
+            <a:ext cx="11441414" cy="3098116"/>
+          </a:xfrm>
+          <a:prstGeom prst="rect">
+            <a:avLst/>
+          </a:prstGeom>
+        </p:spPr>
+      </p:pic>
+    </p:spTree>
+    <p:extLst>
+      <p:ext uri="{BB962C8B-B14F-4D97-AF65-F5344CB8AC3E}">
+        <p14:creationId xmlns:p14="http://schemas.microsoft.com/office/powerpoint/2010/main" val="2397700932"/>
+      </p:ext>
+    </p:extLst>
+  </p:cSld>
+  <p:clrMapOvr>
+    <a:masterClrMapping/>
+  </p:clrMapOvr>
+</p:sld>
+</file>
+
 <file path=ppt/slides/slide15.xml><?xml version="1.0" encoding="utf-8"?>
 <p:sld xmlns:a="http://schemas.openxmlformats.org/drawingml/2006/main" xmlns:r="http://schemas.openxmlformats.org/officeDocument/2006/relationships" xmlns:p="http://schemas.openxmlformats.org/presentationml/2006/main">
   <p:cSld>
@@ -3496,7 +3496,21 @@
               <a:rPr lang="en-US" dirty="0">
                 <a:hlinkClick r:id="rId2"/>
               </a:rPr>
-              <a:t>https://wpdev.uservoice.com/forums/110705-universal-windows-platform/suggestions/9110134-f-support-in-net-native-for-uwp</a:t>
+              <a:t>https://</a:t>
+            </a:r>
+            <a:r>
+              <a:rPr lang="en-US" dirty="0" smtClean="0">
+                <a:hlinkClick r:id="rId2"/>
+              </a:rPr>
+              <a:t>wpdev.uservoice.com/forums/110705-universal-windows-platform/suggestions/9110134-f-support-in-net-native-for-uwp</a:t>
+            </a:r>
+            <a:endParaRPr lang="en-US" dirty="0" smtClean="0"/>
+          </a:p>
+          <a:p>
+            <a:pPr lvl="2"/>
+            <a:r>
+              <a:rPr lang="en-US" dirty="0" smtClean="0"/>
+              <a:t>However as of April 22 work is IN PROGRESS!!!</a:t>
             </a:r>
             <a:endParaRPr lang="en-US" dirty="0"/>
           </a:p>
@@ -3814,6 +3828,10 @@
               <a:rPr lang="en-US" dirty="0" smtClean="0"/>
               <a:t>Practice, Practice, Practice: </a:t>
             </a:r>
+            <a:endParaRPr lang="en-US" dirty="0" smtClean="0"/>
+          </a:p>
+          <a:p>
+            <a:pPr lvl="2"/>
             <a:r>
               <a:rPr lang="en-US" dirty="0" smtClean="0">
                 <a:hlinkClick r:id="rId3"/>
@@ -3836,6 +3854,22 @@
           </a:p>
           <a:p>
             <a:pPr lvl="2"/>
+            <a:r>
+              <a:rPr lang="en-US" dirty="0">
+                <a:hlinkClick r:id="rId4"/>
+              </a:rPr>
+              <a:t>http://</a:t>
+            </a:r>
+            <a:r>
+              <a:rPr lang="en-US" dirty="0" smtClean="0">
+                <a:hlinkClick r:id="rId4"/>
+              </a:rPr>
+              <a:t>exercism.io/languages/fsharp</a:t>
+            </a:r>
+            <a:r>
+              <a:rPr lang="en-US" dirty="0" smtClean="0"/>
+              <a:t> </a:t>
+            </a:r>
             <a:endParaRPr lang="en-US" dirty="0"/>
           </a:p>
         </p:txBody>
@@ -5832,8 +5866,13 @@
             <a:pPr lvl="2"/>
             <a:r>
               <a:rPr lang="en-US" dirty="0" smtClean="0"/>
-              <a:t>C# UI Projects do NOT yet support F# 4.0</a:t>
-            </a:r>
+              <a:t>C# UI Projects do NOT yet support F# </a:t>
+            </a:r>
+            <a:r>
+              <a:rPr lang="en-US" dirty="0" smtClean="0"/>
+              <a:t>4.0 (ONLY F# 3.0 &amp; 3.1)</a:t>
+            </a:r>
+            <a:endParaRPr lang="en-US" dirty="0" smtClean="0"/>
           </a:p>
           <a:p>
             <a:r>

--- a/FSharpXamarin_Slides.pptx
+++ b/FSharpXamarin_Slides.pptx
@@ -3350,13 +3350,8 @@
             <a:pPr lvl="1"/>
             <a:r>
               <a:rPr lang="en-US" dirty="0" smtClean="0"/>
-              <a:t>C# Windows </a:t>
-            </a:r>
-            <a:r>
-              <a:rPr lang="en-US" smtClean="0"/>
-              <a:t>8.1 Universal (UAP)</a:t>
-            </a:r>
-            <a:endParaRPr lang="en-US" dirty="0" smtClean="0"/>
+              <a:t>C# Windows 8.1 Universal (UAP)</a:t>
+            </a:r>
           </a:p>
           <a:p>
             <a:pPr lvl="2"/>
@@ -3382,7 +3377,7 @@
               <a:rPr lang="en-US" dirty="0" smtClean="0">
                 <a:sym typeface="Wingdings" panose="05000000000000000000" pitchFamily="2" charset="2"/>
               </a:rPr>
-              <a:t></a:t>
+              <a:t> …yet…</a:t>
             </a:r>
             <a:endParaRPr lang="en-US" dirty="0" smtClean="0"/>
           </a:p>
@@ -3510,7 +3505,19 @@
             <a:pPr lvl="2"/>
             <a:r>
               <a:rPr lang="en-US" dirty="0" smtClean="0"/>
-              <a:t>However as of April 22 work is IN PROGRESS!!!</a:t>
+              <a:t>However as of </a:t>
+            </a:r>
+            <a:r>
+              <a:rPr lang="en-US" dirty="0" smtClean="0"/>
+              <a:t>July 7 we know that it is a priority for Microsoft, but will not be </a:t>
+            </a:r>
+            <a:r>
+              <a:rPr lang="en-US" smtClean="0"/>
+              <a:t>available </a:t>
+            </a:r>
+            <a:r>
+              <a:rPr lang="en-US" smtClean="0"/>
+              <a:t>before 2017</a:t>
             </a:r>
             <a:endParaRPr lang="en-US" dirty="0"/>
           </a:p>
@@ -3828,7 +3835,6 @@
               <a:rPr lang="en-US" dirty="0" smtClean="0"/>
               <a:t>Practice, Practice, Practice: </a:t>
             </a:r>
-            <a:endParaRPr lang="en-US" dirty="0" smtClean="0"/>
           </a:p>
           <a:p>
             <a:pPr lvl="2"/>
@@ -4750,7 +4756,7 @@
             </a:pPr>
             <a:r>
               <a:rPr lang="en-US" dirty="0" smtClean="0"/>
-              <a:t>Mention: Nerds Like You Meetup</a:t>
+              <a:t>Mention: Code on the Beach</a:t>
             </a:r>
           </a:p>
           <a:p>
@@ -5575,6 +5581,26 @@
           <a:lstStyle/>
           <a:p>
             <a:r>
+              <a:rPr lang="en-US" dirty="0"/>
+              <a:t>Tooling Intro:</a:t>
+            </a:r>
+          </a:p>
+          <a:p>
+            <a:pPr lvl="1"/>
+            <a:r>
+              <a:rPr lang="en-US" dirty="0"/>
+              <a:t>F# Interactive (REPL)</a:t>
+            </a:r>
+          </a:p>
+          <a:p>
+            <a:pPr lvl="1"/>
+            <a:r>
+              <a:rPr lang="en-US" dirty="0"/>
+              <a:t>VS Debugging works just like it does in C#</a:t>
+            </a:r>
+          </a:p>
+          <a:p>
+            <a:r>
               <a:rPr lang="en-US" dirty="0" smtClean="0"/>
               <a:t>Language Intro: </a:t>
             </a:r>
@@ -5702,26 +5728,6 @@
               <a:t>://fsharpforfunandprofit.com/series/why-use-fsharp.html</a:t>
             </a:r>
             <a:endParaRPr lang="en-US" dirty="0"/>
-          </a:p>
-          <a:p>
-            <a:r>
-              <a:rPr lang="en-US" dirty="0" smtClean="0"/>
-              <a:t>Tooling Intro:</a:t>
-            </a:r>
-          </a:p>
-          <a:p>
-            <a:pPr lvl="1"/>
-            <a:r>
-              <a:rPr lang="en-US" dirty="0" smtClean="0"/>
-              <a:t>F# Interactive (REPL)</a:t>
-            </a:r>
-          </a:p>
-          <a:p>
-            <a:pPr lvl="1"/>
-            <a:r>
-              <a:rPr lang="en-US" dirty="0" smtClean="0"/>
-              <a:t>VS Debugging works just like it does in C#</a:t>
-            </a:r>
           </a:p>
           <a:p>
             <a:pPr lvl="1"/>
@@ -5802,7 +5808,7 @@
         <p:spPr/>
         <p:txBody>
           <a:bodyPr>
-            <a:normAutofit fontScale="77500" lnSpcReduction="20000"/>
+            <a:normAutofit fontScale="85000" lnSpcReduction="20000"/>
           </a:bodyPr>
           <a:lstStyle/>
           <a:p>
@@ -5838,39 +5844,27 @@
             <a:pPr lvl="1"/>
             <a:r>
               <a:rPr lang="en-US" dirty="0" smtClean="0"/>
-              <a:t>VS2015 Now Fully supports F# PCL </a:t>
-            </a:r>
-            <a:r>
-              <a:rPr lang="en-US" dirty="0" err="1" smtClean="0"/>
-              <a:t>Creatation</a:t>
+              <a:t>VS2015 Update 2+ now </a:t>
             </a:r>
             <a:r>
               <a:rPr lang="en-US" dirty="0"/>
+              <a:t>f</a:t>
+            </a:r>
+            <a:r>
+              <a:rPr lang="en-US" dirty="0" smtClean="0"/>
+              <a:t>ully supports </a:t>
+            </a:r>
+            <a:r>
+              <a:rPr lang="en-US" dirty="0" smtClean="0"/>
+              <a:t>F# PCL </a:t>
+            </a:r>
+            <a:r>
+              <a:rPr lang="en-US" dirty="0" smtClean="0"/>
+              <a:t>creation</a:t>
+            </a:r>
+            <a:r>
+              <a:rPr lang="en-US" dirty="0" smtClean="0"/>
               <a:t> </a:t>
-            </a:r>
-            <a:endParaRPr lang="en-US" dirty="0" smtClean="0"/>
-          </a:p>
-          <a:p>
-            <a:pPr lvl="1"/>
-            <a:r>
-              <a:rPr lang="en-US" dirty="0" smtClean="0"/>
-              <a:t>F# 4.0 Is NOW Supported by </a:t>
-            </a:r>
-            <a:r>
-              <a:rPr lang="en-US" dirty="0" err="1" smtClean="0"/>
-              <a:t>Xamarin</a:t>
-            </a:r>
-            <a:endParaRPr lang="en-US" dirty="0" smtClean="0"/>
-          </a:p>
-          <a:p>
-            <a:pPr lvl="2"/>
-            <a:r>
-              <a:rPr lang="en-US" dirty="0" smtClean="0"/>
-              <a:t>C# UI Projects do NOT yet support F# </a:t>
-            </a:r>
-            <a:r>
-              <a:rPr lang="en-US" dirty="0" smtClean="0"/>
-              <a:t>4.0 (ONLY F# 3.0 &amp; 3.1)</a:t>
             </a:r>
             <a:endParaRPr lang="en-US" dirty="0" smtClean="0"/>
           </a:p>

--- a/FSharpXamarin_Slides.pptx
+++ b/FSharpXamarin_Slides.pptx
@@ -3505,19 +3505,11 @@
             <a:pPr lvl="2"/>
             <a:r>
               <a:rPr lang="en-US" dirty="0" smtClean="0"/>
-              <a:t>However as of </a:t>
-            </a:r>
-            <a:r>
-              <a:rPr lang="en-US" dirty="0" smtClean="0"/>
-              <a:t>July 7 we know that it is a priority for Microsoft, but will not be </a:t>
+              <a:t>However as of July 7 we know that it is a priority for Microsoft, but will not be </a:t>
             </a:r>
             <a:r>
               <a:rPr lang="en-US" smtClean="0"/>
-              <a:t>available </a:t>
-            </a:r>
-            <a:r>
-              <a:rPr lang="en-US" smtClean="0"/>
-              <a:t>before 2017</a:t>
+              <a:t>available before 2017</a:t>
             </a:r>
             <a:endParaRPr lang="en-US" dirty="0"/>
           </a:p>
@@ -4233,7 +4225,12 @@
             <p:ph idx="1"/>
           </p:nvPr>
         </p:nvSpPr>
-        <p:spPr/>
+        <p:spPr>
+          <a:xfrm>
+            <a:off x="609600" y="1600201"/>
+            <a:ext cx="10972800" cy="4834155"/>
+          </a:xfrm>
+        </p:spPr>
         <p:txBody>
           <a:bodyPr>
             <a:normAutofit fontScale="77500" lnSpcReduction="20000"/>
@@ -4272,8 +4269,19 @@
           <a:p>
             <a:pPr lvl="2"/>
             <a:r>
+              <a:rPr lang="en-US" dirty="0" smtClean="0"/>
+              <a:t>HoloLens</a:t>
+            </a:r>
+          </a:p>
+          <a:p>
+            <a:pPr lvl="2"/>
+            <a:r>
+              <a:rPr lang="en-US" dirty="0" smtClean="0"/>
+              <a:t>Universal </a:t>
+            </a:r>
+            <a:r>
               <a:rPr lang="en-US" dirty="0"/>
-              <a:t>Universal Windows Platform </a:t>
+              <a:t>Windows Platform </a:t>
             </a:r>
             <a:r>
               <a:rPr lang="en-US" dirty="0" smtClean="0"/>
@@ -5852,21 +5860,8 @@
             </a:r>
             <a:r>
               <a:rPr lang="en-US" dirty="0" smtClean="0"/>
-              <a:t>ully supports </a:t>
-            </a:r>
-            <a:r>
-              <a:rPr lang="en-US" dirty="0" smtClean="0"/>
-              <a:t>F# PCL </a:t>
-            </a:r>
-            <a:r>
-              <a:rPr lang="en-US" dirty="0" smtClean="0"/>
-              <a:t>creation</a:t>
-            </a:r>
-            <a:r>
-              <a:rPr lang="en-US" dirty="0" smtClean="0"/>
-              <a:t> </a:t>
-            </a:r>
-            <a:endParaRPr lang="en-US" dirty="0" smtClean="0"/>
+              <a:t>ully supports F# PCL creation </a:t>
+            </a:r>
           </a:p>
           <a:p>
             <a:r>

--- a/FSharpXamarin_Slides.pptx
+++ b/FSharpXamarin_Slides.pptx
@@ -2,7 +2,7 @@
 <file path=ppt/presentation.xml><?xml version="1.0" encoding="utf-8"?>
 <p:presentation xmlns:a="http://schemas.openxmlformats.org/drawingml/2006/main" xmlns:r="http://schemas.openxmlformats.org/officeDocument/2006/relationships" xmlns:p="http://schemas.openxmlformats.org/presentationml/2006/main" saveSubsetFonts="1">
   <p:sldMasterIdLst>
-    <p:sldMasterId id="2147483673" r:id="rId1"/>
+    <p:sldMasterId id="2147483685" r:id="rId1"/>
   </p:sldMasterIdLst>
   <p:sldIdLst>
     <p:sldId id="256" r:id="rId2"/>
@@ -32,7 +32,7 @@
     <a:defPPr>
       <a:defRPr lang="en-US"/>
     </a:defPPr>
-    <a:lvl1pPr marL="0" algn="l" defTabSz="914400" rtl="0" eaLnBrk="1" latinLnBrk="0" hangingPunct="1">
+    <a:lvl1pPr marL="0" algn="l" defTabSz="457200" rtl="0" eaLnBrk="1" latinLnBrk="0" hangingPunct="1">
       <a:defRPr sz="1800" kern="1200">
         <a:solidFill>
           <a:schemeClr val="tx1"/>
@@ -42,7 +42,7 @@
         <a:cs typeface="+mn-cs"/>
       </a:defRPr>
     </a:lvl1pPr>
-    <a:lvl2pPr marL="457200" algn="l" defTabSz="914400" rtl="0" eaLnBrk="1" latinLnBrk="0" hangingPunct="1">
+    <a:lvl2pPr marL="457200" algn="l" defTabSz="457200" rtl="0" eaLnBrk="1" latinLnBrk="0" hangingPunct="1">
       <a:defRPr sz="1800" kern="1200">
         <a:solidFill>
           <a:schemeClr val="tx1"/>
@@ -52,7 +52,7 @@
         <a:cs typeface="+mn-cs"/>
       </a:defRPr>
     </a:lvl2pPr>
-    <a:lvl3pPr marL="914400" algn="l" defTabSz="914400" rtl="0" eaLnBrk="1" latinLnBrk="0" hangingPunct="1">
+    <a:lvl3pPr marL="914400" algn="l" defTabSz="457200" rtl="0" eaLnBrk="1" latinLnBrk="0" hangingPunct="1">
       <a:defRPr sz="1800" kern="1200">
         <a:solidFill>
           <a:schemeClr val="tx1"/>
@@ -62,7 +62,7 @@
         <a:cs typeface="+mn-cs"/>
       </a:defRPr>
     </a:lvl3pPr>
-    <a:lvl4pPr marL="1371600" algn="l" defTabSz="914400" rtl="0" eaLnBrk="1" latinLnBrk="0" hangingPunct="1">
+    <a:lvl4pPr marL="1371600" algn="l" defTabSz="457200" rtl="0" eaLnBrk="1" latinLnBrk="0" hangingPunct="1">
       <a:defRPr sz="1800" kern="1200">
         <a:solidFill>
           <a:schemeClr val="tx1"/>
@@ -72,7 +72,7 @@
         <a:cs typeface="+mn-cs"/>
       </a:defRPr>
     </a:lvl4pPr>
-    <a:lvl5pPr marL="1828800" algn="l" defTabSz="914400" rtl="0" eaLnBrk="1" latinLnBrk="0" hangingPunct="1">
+    <a:lvl5pPr marL="1828800" algn="l" defTabSz="457200" rtl="0" eaLnBrk="1" latinLnBrk="0" hangingPunct="1">
       <a:defRPr sz="1800" kern="1200">
         <a:solidFill>
           <a:schemeClr val="tx1"/>
@@ -82,7 +82,7 @@
         <a:cs typeface="+mn-cs"/>
       </a:defRPr>
     </a:lvl5pPr>
-    <a:lvl6pPr marL="2286000" algn="l" defTabSz="914400" rtl="0" eaLnBrk="1" latinLnBrk="0" hangingPunct="1">
+    <a:lvl6pPr marL="2286000" algn="l" defTabSz="457200" rtl="0" eaLnBrk="1" latinLnBrk="0" hangingPunct="1">
       <a:defRPr sz="1800" kern="1200">
         <a:solidFill>
           <a:schemeClr val="tx1"/>
@@ -92,7 +92,7 @@
         <a:cs typeface="+mn-cs"/>
       </a:defRPr>
     </a:lvl6pPr>
-    <a:lvl7pPr marL="2743200" algn="l" defTabSz="914400" rtl="0" eaLnBrk="1" latinLnBrk="0" hangingPunct="1">
+    <a:lvl7pPr marL="2743200" algn="l" defTabSz="457200" rtl="0" eaLnBrk="1" latinLnBrk="0" hangingPunct="1">
       <a:defRPr sz="1800" kern="1200">
         <a:solidFill>
           <a:schemeClr val="tx1"/>
@@ -102,7 +102,7 @@
         <a:cs typeface="+mn-cs"/>
       </a:defRPr>
     </a:lvl7pPr>
-    <a:lvl8pPr marL="3200400" algn="l" defTabSz="914400" rtl="0" eaLnBrk="1" latinLnBrk="0" hangingPunct="1">
+    <a:lvl8pPr marL="3200400" algn="l" defTabSz="457200" rtl="0" eaLnBrk="1" latinLnBrk="0" hangingPunct="1">
       <a:defRPr sz="1800" kern="1200">
         <a:solidFill>
           <a:schemeClr val="tx1"/>
@@ -112,7 +112,7 @@
         <a:cs typeface="+mn-cs"/>
       </a:defRPr>
     </a:lvl8pPr>
-    <a:lvl9pPr marL="3657600" algn="l" defTabSz="914400" rtl="0" eaLnBrk="1" latinLnBrk="0" hangingPunct="1">
+    <a:lvl9pPr marL="3657600" algn="l" defTabSz="457200" rtl="0" eaLnBrk="1" latinLnBrk="0" hangingPunct="1">
       <a:defRPr sz="1800" kern="1200">
         <a:solidFill>
           <a:schemeClr val="tx1"/>
@@ -132,7 +132,7 @@
 </file>
 
 <file path=ppt/slideLayouts/slideLayout1.xml><?xml version="1.0" encoding="utf-8"?>
-<p:sldLayout xmlns:a="http://schemas.openxmlformats.org/drawingml/2006/main" xmlns:r="http://schemas.openxmlformats.org/officeDocument/2006/relationships" xmlns:p="http://schemas.openxmlformats.org/presentationml/2006/main" type="title" preserve="1">
+<p:sldLayout xmlns:a="http://schemas.openxmlformats.org/drawingml/2006/main" xmlns:r="http://schemas.openxmlformats.org/officeDocument/2006/relationships" xmlns:p="http://schemas.openxmlformats.org/presentationml/2006/main" showMasterSp="0" type="title" preserve="1">
   <p:cSld name="Title Slide">
     <p:spTree>
       <p:nvGrpSpPr>
@@ -148,6 +148,536 @@
           <a:chExt cx="0" cy="0"/>
         </a:xfrm>
       </p:grpSpPr>
+      <p:grpSp>
+        <p:nvGrpSpPr>
+          <p:cNvPr id="7" name="Group 6"/>
+          <p:cNvGrpSpPr/>
+          <p:nvPr/>
+        </p:nvGrpSpPr>
+        <p:grpSpPr>
+          <a:xfrm>
+            <a:off x="0" y="-8467"/>
+            <a:ext cx="12192000" cy="6866467"/>
+            <a:chOff x="0" y="-8467"/>
+            <a:chExt cx="12192000" cy="6866467"/>
+          </a:xfrm>
+        </p:grpSpPr>
+        <p:cxnSp>
+          <p:nvCxnSpPr>
+            <p:cNvPr id="32" name="Straight Connector 31"/>
+            <p:cNvCxnSpPr/>
+            <p:nvPr/>
+          </p:nvCxnSpPr>
+          <p:spPr>
+            <a:xfrm>
+              <a:off x="9371012" y="0"/>
+              <a:ext cx="1219200" cy="6858000"/>
+            </a:xfrm>
+            <a:prstGeom prst="line">
+              <a:avLst/>
+            </a:prstGeom>
+            <a:ln w="9525">
+              <a:solidFill>
+                <a:schemeClr val="bg1">
+                  <a:lumMod val="75000"/>
+                </a:schemeClr>
+              </a:solidFill>
+            </a:ln>
+          </p:spPr>
+          <p:style>
+            <a:lnRef idx="2">
+              <a:schemeClr val="accent1"/>
+            </a:lnRef>
+            <a:fillRef idx="0">
+              <a:schemeClr val="accent1"/>
+            </a:fillRef>
+            <a:effectRef idx="1">
+              <a:schemeClr val="accent1"/>
+            </a:effectRef>
+            <a:fontRef idx="minor">
+              <a:schemeClr val="tx1"/>
+            </a:fontRef>
+          </p:style>
+        </p:cxnSp>
+        <p:cxnSp>
+          <p:nvCxnSpPr>
+            <p:cNvPr id="21" name="Straight Connector 20"/>
+            <p:cNvCxnSpPr/>
+            <p:nvPr/>
+          </p:nvCxnSpPr>
+          <p:spPr>
+            <a:xfrm flipH="1">
+              <a:off x="7425267" y="3681413"/>
+              <a:ext cx="4763558" cy="3176587"/>
+            </a:xfrm>
+            <a:prstGeom prst="line">
+              <a:avLst/>
+            </a:prstGeom>
+            <a:ln w="9525">
+              <a:solidFill>
+                <a:schemeClr val="bg1">
+                  <a:lumMod val="85000"/>
+                </a:schemeClr>
+              </a:solidFill>
+            </a:ln>
+          </p:spPr>
+          <p:style>
+            <a:lnRef idx="2">
+              <a:schemeClr val="accent1"/>
+            </a:lnRef>
+            <a:fillRef idx="0">
+              <a:schemeClr val="accent1"/>
+            </a:fillRef>
+            <a:effectRef idx="1">
+              <a:schemeClr val="accent1"/>
+            </a:effectRef>
+            <a:fontRef idx="minor">
+              <a:schemeClr val="tx1"/>
+            </a:fontRef>
+          </p:style>
+        </p:cxnSp>
+        <p:sp>
+          <p:nvSpPr>
+            <p:cNvPr id="24" name="Rectangle 23"/>
+            <p:cNvSpPr/>
+            <p:nvPr/>
+          </p:nvSpPr>
+          <p:spPr>
+            <a:xfrm>
+              <a:off x="9181476" y="-8467"/>
+              <a:ext cx="3007349" cy="6866467"/>
+            </a:xfrm>
+            <a:custGeom>
+              <a:avLst/>
+              <a:gdLst/>
+              <a:ahLst/>
+              <a:cxnLst/>
+              <a:rect l="l" t="t" r="r" b="b"/>
+              <a:pathLst>
+                <a:path w="3007349" h="6866467">
+                  <a:moveTo>
+                    <a:pt x="2045532" y="0"/>
+                  </a:moveTo>
+                  <a:lnTo>
+                    <a:pt x="3007349" y="0"/>
+                  </a:lnTo>
+                  <a:lnTo>
+                    <a:pt x="3007349" y="6866467"/>
+                  </a:lnTo>
+                  <a:lnTo>
+                    <a:pt x="0" y="6866467"/>
+                  </a:lnTo>
+                  <a:lnTo>
+                    <a:pt x="2045532" y="0"/>
+                  </a:lnTo>
+                  <a:close/>
+                </a:path>
+              </a:pathLst>
+            </a:custGeom>
+            <a:solidFill>
+              <a:schemeClr val="accent1">
+                <a:alpha val="30000"/>
+              </a:schemeClr>
+            </a:solidFill>
+            <a:ln>
+              <a:noFill/>
+            </a:ln>
+            <a:effectLst/>
+          </p:spPr>
+          <p:style>
+            <a:lnRef idx="1">
+              <a:schemeClr val="accent1"/>
+            </a:lnRef>
+            <a:fillRef idx="3">
+              <a:schemeClr val="accent1"/>
+            </a:fillRef>
+            <a:effectRef idx="2">
+              <a:schemeClr val="accent1"/>
+            </a:effectRef>
+            <a:fontRef idx="minor">
+              <a:schemeClr val="lt1"/>
+            </a:fontRef>
+          </p:style>
+        </p:sp>
+        <p:sp>
+          <p:nvSpPr>
+            <p:cNvPr id="26" name="Rectangle 25"/>
+            <p:cNvSpPr/>
+            <p:nvPr/>
+          </p:nvSpPr>
+          <p:spPr>
+            <a:xfrm>
+              <a:off x="9603442" y="-8467"/>
+              <a:ext cx="2588558" cy="6866467"/>
+            </a:xfrm>
+            <a:custGeom>
+              <a:avLst/>
+              <a:gdLst/>
+              <a:ahLst/>
+              <a:cxnLst/>
+              <a:rect l="l" t="t" r="r" b="b"/>
+              <a:pathLst>
+                <a:path w="2573311" h="6866467">
+                  <a:moveTo>
+                    <a:pt x="0" y="0"/>
+                  </a:moveTo>
+                  <a:lnTo>
+                    <a:pt x="2573311" y="0"/>
+                  </a:lnTo>
+                  <a:lnTo>
+                    <a:pt x="2573311" y="6866467"/>
+                  </a:lnTo>
+                  <a:lnTo>
+                    <a:pt x="1202336" y="6866467"/>
+                  </a:lnTo>
+                  <a:lnTo>
+                    <a:pt x="0" y="0"/>
+                  </a:lnTo>
+                  <a:close/>
+                </a:path>
+              </a:pathLst>
+            </a:custGeom>
+            <a:solidFill>
+              <a:schemeClr val="accent1">
+                <a:alpha val="20000"/>
+              </a:schemeClr>
+            </a:solidFill>
+            <a:ln>
+              <a:noFill/>
+            </a:ln>
+            <a:effectLst/>
+          </p:spPr>
+          <p:style>
+            <a:lnRef idx="1">
+              <a:schemeClr val="accent1"/>
+            </a:lnRef>
+            <a:fillRef idx="3">
+              <a:schemeClr val="accent1"/>
+            </a:fillRef>
+            <a:effectRef idx="2">
+              <a:schemeClr val="accent1"/>
+            </a:effectRef>
+            <a:fontRef idx="minor">
+              <a:schemeClr val="lt1"/>
+            </a:fontRef>
+          </p:style>
+        </p:sp>
+        <p:sp>
+          <p:nvSpPr>
+            <p:cNvPr id="27" name="Isosceles Triangle 26"/>
+            <p:cNvSpPr/>
+            <p:nvPr/>
+          </p:nvSpPr>
+          <p:spPr>
+            <a:xfrm>
+              <a:off x="8932333" y="3048000"/>
+              <a:ext cx="3259667" cy="3810000"/>
+            </a:xfrm>
+            <a:prstGeom prst="triangle">
+              <a:avLst>
+                <a:gd name="adj" fmla="val 100000"/>
+              </a:avLst>
+            </a:prstGeom>
+            <a:solidFill>
+              <a:schemeClr val="accent2">
+                <a:alpha val="72000"/>
+              </a:schemeClr>
+            </a:solidFill>
+            <a:ln>
+              <a:noFill/>
+            </a:ln>
+            <a:effectLst/>
+          </p:spPr>
+          <p:style>
+            <a:lnRef idx="1">
+              <a:schemeClr val="accent1"/>
+            </a:lnRef>
+            <a:fillRef idx="3">
+              <a:schemeClr val="accent1"/>
+            </a:fillRef>
+            <a:effectRef idx="2">
+              <a:schemeClr val="accent1"/>
+            </a:effectRef>
+            <a:fontRef idx="minor">
+              <a:schemeClr val="lt1"/>
+            </a:fontRef>
+          </p:style>
+        </p:sp>
+        <p:sp>
+          <p:nvSpPr>
+            <p:cNvPr id="28" name="Rectangle 27"/>
+            <p:cNvSpPr/>
+            <p:nvPr/>
+          </p:nvSpPr>
+          <p:spPr>
+            <a:xfrm>
+              <a:off x="9334500" y="-8467"/>
+              <a:ext cx="2854326" cy="6866467"/>
+            </a:xfrm>
+            <a:custGeom>
+              <a:avLst/>
+              <a:gdLst/>
+              <a:ahLst/>
+              <a:cxnLst/>
+              <a:rect l="l" t="t" r="r" b="b"/>
+              <a:pathLst>
+                <a:path w="2858013" h="6866467">
+                  <a:moveTo>
+                    <a:pt x="0" y="0"/>
+                  </a:moveTo>
+                  <a:lnTo>
+                    <a:pt x="2858013" y="0"/>
+                  </a:lnTo>
+                  <a:lnTo>
+                    <a:pt x="2858013" y="6866467"/>
+                  </a:lnTo>
+                  <a:lnTo>
+                    <a:pt x="2473942" y="6866467"/>
+                  </a:lnTo>
+                  <a:lnTo>
+                    <a:pt x="0" y="0"/>
+                  </a:lnTo>
+                  <a:close/>
+                </a:path>
+              </a:pathLst>
+            </a:custGeom>
+            <a:solidFill>
+              <a:schemeClr val="accent2">
+                <a:lumMod val="75000"/>
+                <a:alpha val="70000"/>
+              </a:schemeClr>
+            </a:solidFill>
+            <a:ln>
+              <a:noFill/>
+            </a:ln>
+            <a:effectLst/>
+          </p:spPr>
+          <p:style>
+            <a:lnRef idx="1">
+              <a:schemeClr val="accent1"/>
+            </a:lnRef>
+            <a:fillRef idx="3">
+              <a:schemeClr val="accent1"/>
+            </a:fillRef>
+            <a:effectRef idx="2">
+              <a:schemeClr val="accent1"/>
+            </a:effectRef>
+            <a:fontRef idx="minor">
+              <a:schemeClr val="lt1"/>
+            </a:fontRef>
+          </p:style>
+        </p:sp>
+        <p:sp>
+          <p:nvSpPr>
+            <p:cNvPr id="29" name="Rectangle 28"/>
+            <p:cNvSpPr/>
+            <p:nvPr/>
+          </p:nvSpPr>
+          <p:spPr>
+            <a:xfrm>
+              <a:off x="10898730" y="-8467"/>
+              <a:ext cx="1290094" cy="6866467"/>
+            </a:xfrm>
+            <a:custGeom>
+              <a:avLst/>
+              <a:gdLst/>
+              <a:ahLst/>
+              <a:cxnLst/>
+              <a:rect l="l" t="t" r="r" b="b"/>
+              <a:pathLst>
+                <a:path w="1290094" h="6858000">
+                  <a:moveTo>
+                    <a:pt x="1019735" y="0"/>
+                  </a:moveTo>
+                  <a:lnTo>
+                    <a:pt x="1290094" y="0"/>
+                  </a:lnTo>
+                  <a:lnTo>
+                    <a:pt x="1290094" y="6858000"/>
+                  </a:lnTo>
+                  <a:lnTo>
+                    <a:pt x="0" y="6858000"/>
+                  </a:lnTo>
+                  <a:lnTo>
+                    <a:pt x="1019735" y="0"/>
+                  </a:lnTo>
+                  <a:close/>
+                </a:path>
+              </a:pathLst>
+            </a:custGeom>
+            <a:solidFill>
+              <a:schemeClr val="accent1">
+                <a:lumMod val="60000"/>
+                <a:lumOff val="40000"/>
+                <a:alpha val="70000"/>
+              </a:schemeClr>
+            </a:solidFill>
+            <a:ln>
+              <a:noFill/>
+            </a:ln>
+            <a:effectLst/>
+          </p:spPr>
+          <p:style>
+            <a:lnRef idx="1">
+              <a:schemeClr val="accent1"/>
+            </a:lnRef>
+            <a:fillRef idx="3">
+              <a:schemeClr val="accent1"/>
+            </a:fillRef>
+            <a:effectRef idx="2">
+              <a:schemeClr val="accent1"/>
+            </a:effectRef>
+            <a:fontRef idx="minor">
+              <a:schemeClr val="lt1"/>
+            </a:fontRef>
+          </p:style>
+        </p:sp>
+        <p:sp>
+          <p:nvSpPr>
+            <p:cNvPr id="30" name="Rectangle 29"/>
+            <p:cNvSpPr/>
+            <p:nvPr/>
+          </p:nvSpPr>
+          <p:spPr>
+            <a:xfrm>
+              <a:off x="10938999" y="-8467"/>
+              <a:ext cx="1249825" cy="6866467"/>
+            </a:xfrm>
+            <a:custGeom>
+              <a:avLst/>
+              <a:gdLst/>
+              <a:ahLst/>
+              <a:cxnLst/>
+              <a:rect l="l" t="t" r="r" b="b"/>
+              <a:pathLst>
+                <a:path w="1249825" h="6858000">
+                  <a:moveTo>
+                    <a:pt x="0" y="0"/>
+                  </a:moveTo>
+                  <a:lnTo>
+                    <a:pt x="1249825" y="0"/>
+                  </a:lnTo>
+                  <a:lnTo>
+                    <a:pt x="1249825" y="6858000"/>
+                  </a:lnTo>
+                  <a:lnTo>
+                    <a:pt x="1109382" y="6858000"/>
+                  </a:lnTo>
+                  <a:lnTo>
+                    <a:pt x="0" y="0"/>
+                  </a:lnTo>
+                  <a:close/>
+                </a:path>
+              </a:pathLst>
+            </a:custGeom>
+            <a:solidFill>
+              <a:schemeClr val="accent1">
+                <a:alpha val="65000"/>
+              </a:schemeClr>
+            </a:solidFill>
+            <a:ln>
+              <a:noFill/>
+            </a:ln>
+            <a:effectLst/>
+          </p:spPr>
+          <p:style>
+            <a:lnRef idx="1">
+              <a:schemeClr val="accent1"/>
+            </a:lnRef>
+            <a:fillRef idx="3">
+              <a:schemeClr val="accent1"/>
+            </a:fillRef>
+            <a:effectRef idx="2">
+              <a:schemeClr val="accent1"/>
+            </a:effectRef>
+            <a:fontRef idx="minor">
+              <a:schemeClr val="lt1"/>
+            </a:fontRef>
+          </p:style>
+        </p:sp>
+        <p:sp>
+          <p:nvSpPr>
+            <p:cNvPr id="31" name="Isosceles Triangle 30"/>
+            <p:cNvSpPr/>
+            <p:nvPr/>
+          </p:nvSpPr>
+          <p:spPr>
+            <a:xfrm>
+              <a:off x="10371666" y="3589867"/>
+              <a:ext cx="1817159" cy="3268133"/>
+            </a:xfrm>
+            <a:prstGeom prst="triangle">
+              <a:avLst>
+                <a:gd name="adj" fmla="val 100000"/>
+              </a:avLst>
+            </a:prstGeom>
+            <a:solidFill>
+              <a:schemeClr val="accent1">
+                <a:alpha val="80000"/>
+              </a:schemeClr>
+            </a:solidFill>
+            <a:ln>
+              <a:noFill/>
+            </a:ln>
+            <a:effectLst/>
+          </p:spPr>
+          <p:style>
+            <a:lnRef idx="1">
+              <a:schemeClr val="accent1"/>
+            </a:lnRef>
+            <a:fillRef idx="3">
+              <a:schemeClr val="accent1"/>
+            </a:fillRef>
+            <a:effectRef idx="2">
+              <a:schemeClr val="accent1"/>
+            </a:effectRef>
+            <a:fontRef idx="minor">
+              <a:schemeClr val="lt1"/>
+            </a:fontRef>
+          </p:style>
+        </p:sp>
+        <p:sp>
+          <p:nvSpPr>
+            <p:cNvPr id="19" name="Isosceles Triangle 18"/>
+            <p:cNvSpPr/>
+            <p:nvPr/>
+          </p:nvSpPr>
+          <p:spPr>
+            <a:xfrm rot="10800000">
+              <a:off x="0" y="0"/>
+              <a:ext cx="842596" cy="5666154"/>
+            </a:xfrm>
+            <a:prstGeom prst="triangle">
+              <a:avLst>
+                <a:gd name="adj" fmla="val 100000"/>
+              </a:avLst>
+            </a:prstGeom>
+            <a:solidFill>
+              <a:schemeClr val="accent1">
+                <a:alpha val="85000"/>
+              </a:schemeClr>
+            </a:solidFill>
+            <a:ln>
+              <a:noFill/>
+            </a:ln>
+            <a:effectLst/>
+          </p:spPr>
+          <p:style>
+            <a:lnRef idx="1">
+              <a:schemeClr val="accent1"/>
+            </a:lnRef>
+            <a:fillRef idx="3">
+              <a:schemeClr val="accent1"/>
+            </a:fillRef>
+            <a:effectRef idx="2">
+              <a:schemeClr val="accent1"/>
+            </a:effectRef>
+            <a:fontRef idx="minor">
+              <a:schemeClr val="lt1"/>
+            </a:fontRef>
+          </p:style>
+        </p:sp>
+      </p:grpSp>
       <p:sp>
         <p:nvSpPr>
           <p:cNvPr id="2" name="Title 1"/>
@@ -160,16 +690,26 @@
         </p:nvSpPr>
         <p:spPr>
           <a:xfrm>
-            <a:off x="914400" y="2130426"/>
-            <a:ext cx="10363200" cy="1470025"/>
+            <a:off x="1507067" y="2404534"/>
+            <a:ext cx="7766936" cy="1646302"/>
           </a:xfrm>
         </p:spPr>
         <p:txBody>
-          <a:bodyPr/>
-          <a:lstStyle/>
-          <a:p>
-            <a:r>
-              <a:rPr lang="en-US" smtClean="0"/>
+          <a:bodyPr anchor="b">
+            <a:noAutofit/>
+          </a:bodyPr>
+          <a:lstStyle>
+            <a:lvl1pPr algn="r">
+              <a:defRPr sz="5400">
+                <a:solidFill>
+                  <a:schemeClr val="accent1"/>
+                </a:solidFill>
+              </a:defRPr>
+            </a:lvl1pPr>
+          </a:lstStyle>
+          <a:p>
+            <a:r>
+              <a:rPr lang="en-US"/>
               <a:t>Click to edit Master title style</a:t>
             </a:r>
             <a:endParaRPr lang="en-US" dirty="0"/>
@@ -188,19 +728,20 @@
         </p:nvSpPr>
         <p:spPr>
           <a:xfrm>
-            <a:off x="1828800" y="3886200"/>
-            <a:ext cx="8534400" cy="1752600"/>
+            <a:off x="1507067" y="4050833"/>
+            <a:ext cx="7766936" cy="1096899"/>
           </a:xfrm>
         </p:spPr>
         <p:txBody>
-          <a:bodyPr/>
+          <a:bodyPr anchor="t"/>
           <a:lstStyle>
-            <a:lvl1pPr marL="0" indent="0" algn="ctr">
+            <a:lvl1pPr marL="0" indent="0" algn="r">
               <a:buNone/>
               <a:defRPr>
                 <a:solidFill>
                   <a:schemeClr val="tx1">
-                    <a:tint val="75000"/>
+                    <a:lumMod val="50000"/>
+                    <a:lumOff val="50000"/>
                   </a:schemeClr>
                 </a:solidFill>
               </a:defRPr>
@@ -288,9 +829,76 @@
           </a:lstStyle>
           <a:p>
             <a:r>
-              <a:rPr lang="en-US" smtClean="0"/>
+              <a:rPr lang="en-US"/>
               <a:t>Click to edit Master subtitle style</a:t>
             </a:r>
+            <a:endParaRPr lang="en-US" dirty="0"/>
+          </a:p>
+        </p:txBody>
+      </p:sp>
+      <p:sp>
+        <p:nvSpPr>
+          <p:cNvPr id="4" name="Date Placeholder 3"/>
+          <p:cNvSpPr>
+            <a:spLocks noGrp="1"/>
+          </p:cNvSpPr>
+          <p:nvPr>
+            <p:ph type="dt" sz="half" idx="10"/>
+          </p:nvPr>
+        </p:nvSpPr>
+        <p:spPr/>
+        <p:txBody>
+          <a:bodyPr/>
+          <a:lstStyle/>
+          <a:p>
+            <a:fld id="{B61BEF0D-F0BB-DE4B-95CE-6DB70DBA9567}" type="datetimeFigureOut">
+              <a:rPr lang="en-US" dirty="0"/>
+              <a:pPr/>
+              <a:t>6/7/2017</a:t>
+            </a:fld>
+            <a:endParaRPr lang="en-US" dirty="0"/>
+          </a:p>
+        </p:txBody>
+      </p:sp>
+      <p:sp>
+        <p:nvSpPr>
+          <p:cNvPr id="5" name="Footer Placeholder 4"/>
+          <p:cNvSpPr>
+            <a:spLocks noGrp="1"/>
+          </p:cNvSpPr>
+          <p:nvPr>
+            <p:ph type="ftr" sz="quarter" idx="11"/>
+          </p:nvPr>
+        </p:nvSpPr>
+        <p:spPr/>
+        <p:txBody>
+          <a:bodyPr/>
+          <a:lstStyle/>
+          <a:p>
+            <a:endParaRPr lang="en-US" dirty="0"/>
+          </a:p>
+        </p:txBody>
+      </p:sp>
+      <p:sp>
+        <p:nvSpPr>
+          <p:cNvPr id="6" name="Slide Number Placeholder 5"/>
+          <p:cNvSpPr>
+            <a:spLocks noGrp="1"/>
+          </p:cNvSpPr>
+          <p:nvPr>
+            <p:ph type="sldNum" sz="quarter" idx="12"/>
+          </p:nvPr>
+        </p:nvSpPr>
+        <p:spPr/>
+        <p:txBody>
+          <a:bodyPr/>
+          <a:lstStyle/>
+          <a:p>
+            <a:fld id="{D57F1E4F-1CFF-5643-939E-217C01CDF565}" type="slidenum">
+              <a:rPr lang="en-US" dirty="0"/>
+              <a:pPr/>
+              <a:t>‹#›</a:t>
+            </a:fld>
             <a:endParaRPr lang="en-US" dirty="0"/>
           </a:p>
         </p:txBody>
@@ -298,7 +906,7 @@
     </p:spTree>
     <p:extLst>
       <p:ext uri="{BB962C8B-B14F-4D97-AF65-F5344CB8AC3E}">
-        <p14:creationId xmlns:p14="http://schemas.microsoft.com/office/powerpoint/2010/main" val="2962189308"/>
+        <p14:creationId xmlns:p14="http://schemas.microsoft.com/office/powerpoint/2010/main" val="4077626967"/>
       </p:ext>
     </p:extLst>
   </p:cSld>
@@ -309,6 +917,1629 @@
 </file>
 
 <file path=ppt/slideLayouts/slideLayout10.xml><?xml version="1.0" encoding="utf-8"?>
+<p:sldLayout xmlns:a="http://schemas.openxmlformats.org/drawingml/2006/main" xmlns:r="http://schemas.openxmlformats.org/officeDocument/2006/relationships" xmlns:p="http://schemas.openxmlformats.org/presentationml/2006/main" preserve="1">
+  <p:cSld name="Title and Caption">
+    <p:spTree>
+      <p:nvGrpSpPr>
+        <p:cNvPr id="1" name=""/>
+        <p:cNvGrpSpPr/>
+        <p:nvPr/>
+      </p:nvGrpSpPr>
+      <p:grpSpPr>
+        <a:xfrm>
+          <a:off x="0" y="0"/>
+          <a:ext cx="0" cy="0"/>
+          <a:chOff x="0" y="0"/>
+          <a:chExt cx="0" cy="0"/>
+        </a:xfrm>
+      </p:grpSpPr>
+      <p:sp>
+        <p:nvSpPr>
+          <p:cNvPr id="2" name="Title 1"/>
+          <p:cNvSpPr>
+            <a:spLocks noGrp="1"/>
+          </p:cNvSpPr>
+          <p:nvPr>
+            <p:ph type="title"/>
+          </p:nvPr>
+        </p:nvSpPr>
+        <p:spPr>
+          <a:xfrm>
+            <a:off x="677335" y="609600"/>
+            <a:ext cx="8596668" cy="3403600"/>
+          </a:xfrm>
+        </p:spPr>
+        <p:txBody>
+          <a:bodyPr anchor="ctr">
+            <a:normAutofit/>
+          </a:bodyPr>
+          <a:lstStyle>
+            <a:lvl1pPr algn="l">
+              <a:defRPr sz="4400" b="0" cap="none"/>
+            </a:lvl1pPr>
+          </a:lstStyle>
+          <a:p>
+            <a:r>
+              <a:rPr lang="en-US"/>
+              <a:t>Click to edit Master title style</a:t>
+            </a:r>
+            <a:endParaRPr lang="en-US" dirty="0"/>
+          </a:p>
+        </p:txBody>
+      </p:sp>
+      <p:sp>
+        <p:nvSpPr>
+          <p:cNvPr id="3" name="Text Placeholder 2"/>
+          <p:cNvSpPr>
+            <a:spLocks noGrp="1"/>
+          </p:cNvSpPr>
+          <p:nvPr>
+            <p:ph type="body" idx="1"/>
+          </p:nvPr>
+        </p:nvSpPr>
+        <p:spPr>
+          <a:xfrm>
+            <a:off x="677335" y="4470400"/>
+            <a:ext cx="8596668" cy="1570962"/>
+          </a:xfrm>
+        </p:spPr>
+        <p:txBody>
+          <a:bodyPr anchor="ctr">
+            <a:normAutofit/>
+          </a:bodyPr>
+          <a:lstStyle>
+            <a:lvl1pPr marL="0" indent="0" algn="l">
+              <a:buNone/>
+              <a:defRPr sz="1800">
+                <a:solidFill>
+                  <a:schemeClr val="tx1">
+                    <a:lumMod val="75000"/>
+                    <a:lumOff val="25000"/>
+                  </a:schemeClr>
+                </a:solidFill>
+              </a:defRPr>
+            </a:lvl1pPr>
+            <a:lvl2pPr marL="457200" indent="0">
+              <a:buNone/>
+              <a:defRPr sz="1800">
+                <a:solidFill>
+                  <a:schemeClr val="tx1">
+                    <a:tint val="75000"/>
+                  </a:schemeClr>
+                </a:solidFill>
+              </a:defRPr>
+            </a:lvl2pPr>
+            <a:lvl3pPr marL="914400" indent="0">
+              <a:buNone/>
+              <a:defRPr sz="1600">
+                <a:solidFill>
+                  <a:schemeClr val="tx1">
+                    <a:tint val="75000"/>
+                  </a:schemeClr>
+                </a:solidFill>
+              </a:defRPr>
+            </a:lvl3pPr>
+            <a:lvl4pPr marL="1371600" indent="0">
+              <a:buNone/>
+              <a:defRPr sz="1400">
+                <a:solidFill>
+                  <a:schemeClr val="tx1">
+                    <a:tint val="75000"/>
+                  </a:schemeClr>
+                </a:solidFill>
+              </a:defRPr>
+            </a:lvl4pPr>
+            <a:lvl5pPr marL="1828800" indent="0">
+              <a:buNone/>
+              <a:defRPr sz="1400">
+                <a:solidFill>
+                  <a:schemeClr val="tx1">
+                    <a:tint val="75000"/>
+                  </a:schemeClr>
+                </a:solidFill>
+              </a:defRPr>
+            </a:lvl5pPr>
+            <a:lvl6pPr marL="2286000" indent="0">
+              <a:buNone/>
+              <a:defRPr sz="1400">
+                <a:solidFill>
+                  <a:schemeClr val="tx1">
+                    <a:tint val="75000"/>
+                  </a:schemeClr>
+                </a:solidFill>
+              </a:defRPr>
+            </a:lvl6pPr>
+            <a:lvl7pPr marL="2743200" indent="0">
+              <a:buNone/>
+              <a:defRPr sz="1400">
+                <a:solidFill>
+                  <a:schemeClr val="tx1">
+                    <a:tint val="75000"/>
+                  </a:schemeClr>
+                </a:solidFill>
+              </a:defRPr>
+            </a:lvl7pPr>
+            <a:lvl8pPr marL="3200400" indent="0">
+              <a:buNone/>
+              <a:defRPr sz="1400">
+                <a:solidFill>
+                  <a:schemeClr val="tx1">
+                    <a:tint val="75000"/>
+                  </a:schemeClr>
+                </a:solidFill>
+              </a:defRPr>
+            </a:lvl8pPr>
+            <a:lvl9pPr marL="3657600" indent="0">
+              <a:buNone/>
+              <a:defRPr sz="1400">
+                <a:solidFill>
+                  <a:schemeClr val="tx1">
+                    <a:tint val="75000"/>
+                  </a:schemeClr>
+                </a:solidFill>
+              </a:defRPr>
+            </a:lvl9pPr>
+          </a:lstStyle>
+          <a:p>
+            <a:pPr lvl="0"/>
+            <a:r>
+              <a:rPr lang="en-US"/>
+              <a:t>Edit Master text styles</a:t>
+            </a:r>
+          </a:p>
+        </p:txBody>
+      </p:sp>
+      <p:sp>
+        <p:nvSpPr>
+          <p:cNvPr id="4" name="Date Placeholder 3"/>
+          <p:cNvSpPr>
+            <a:spLocks noGrp="1"/>
+          </p:cNvSpPr>
+          <p:nvPr>
+            <p:ph type="dt" sz="half" idx="10"/>
+          </p:nvPr>
+        </p:nvSpPr>
+        <p:spPr/>
+        <p:txBody>
+          <a:bodyPr/>
+          <a:lstStyle/>
+          <a:p>
+            <a:fld id="{B61BEF0D-F0BB-DE4B-95CE-6DB70DBA9567}" type="datetimeFigureOut">
+              <a:rPr lang="en-US" dirty="0"/>
+              <a:pPr/>
+              <a:t>6/7/2017</a:t>
+            </a:fld>
+            <a:endParaRPr lang="en-US" dirty="0"/>
+          </a:p>
+        </p:txBody>
+      </p:sp>
+      <p:sp>
+        <p:nvSpPr>
+          <p:cNvPr id="5" name="Footer Placeholder 4"/>
+          <p:cNvSpPr>
+            <a:spLocks noGrp="1"/>
+          </p:cNvSpPr>
+          <p:nvPr>
+            <p:ph type="ftr" sz="quarter" idx="11"/>
+          </p:nvPr>
+        </p:nvSpPr>
+        <p:spPr/>
+        <p:txBody>
+          <a:bodyPr/>
+          <a:lstStyle/>
+          <a:p>
+            <a:endParaRPr lang="en-US" dirty="0"/>
+          </a:p>
+        </p:txBody>
+      </p:sp>
+      <p:sp>
+        <p:nvSpPr>
+          <p:cNvPr id="6" name="Slide Number Placeholder 5"/>
+          <p:cNvSpPr>
+            <a:spLocks noGrp="1"/>
+          </p:cNvSpPr>
+          <p:nvPr>
+            <p:ph type="sldNum" sz="quarter" idx="12"/>
+          </p:nvPr>
+        </p:nvSpPr>
+        <p:spPr/>
+        <p:txBody>
+          <a:bodyPr/>
+          <a:lstStyle/>
+          <a:p>
+            <a:fld id="{D57F1E4F-1CFF-5643-939E-217C01CDF565}" type="slidenum">
+              <a:rPr lang="en-US" dirty="0"/>
+              <a:pPr/>
+              <a:t>‹#›</a:t>
+            </a:fld>
+            <a:endParaRPr lang="en-US" dirty="0"/>
+          </a:p>
+        </p:txBody>
+      </p:sp>
+    </p:spTree>
+    <p:extLst>
+      <p:ext uri="{BB962C8B-B14F-4D97-AF65-F5344CB8AC3E}">
+        <p14:creationId xmlns:p14="http://schemas.microsoft.com/office/powerpoint/2010/main" val="3702960427"/>
+      </p:ext>
+    </p:extLst>
+  </p:cSld>
+  <p:clrMapOvr>
+    <a:masterClrMapping/>
+  </p:clrMapOvr>
+</p:sldLayout>
+</file>
+
+<file path=ppt/slideLayouts/slideLayout11.xml><?xml version="1.0" encoding="utf-8"?>
+<p:sldLayout xmlns:a="http://schemas.openxmlformats.org/drawingml/2006/main" xmlns:r="http://schemas.openxmlformats.org/officeDocument/2006/relationships" xmlns:p="http://schemas.openxmlformats.org/presentationml/2006/main" preserve="1">
+  <p:cSld name="Quote with Caption">
+    <p:spTree>
+      <p:nvGrpSpPr>
+        <p:cNvPr id="1" name=""/>
+        <p:cNvGrpSpPr/>
+        <p:nvPr/>
+      </p:nvGrpSpPr>
+      <p:grpSpPr>
+        <a:xfrm>
+          <a:off x="0" y="0"/>
+          <a:ext cx="0" cy="0"/>
+          <a:chOff x="0" y="0"/>
+          <a:chExt cx="0" cy="0"/>
+        </a:xfrm>
+      </p:grpSpPr>
+      <p:sp>
+        <p:nvSpPr>
+          <p:cNvPr id="2" name="Title 1"/>
+          <p:cNvSpPr>
+            <a:spLocks noGrp="1"/>
+          </p:cNvSpPr>
+          <p:nvPr>
+            <p:ph type="title"/>
+          </p:nvPr>
+        </p:nvSpPr>
+        <p:spPr>
+          <a:xfrm>
+            <a:off x="931334" y="609600"/>
+            <a:ext cx="8094134" cy="3022600"/>
+          </a:xfrm>
+        </p:spPr>
+        <p:txBody>
+          <a:bodyPr anchor="ctr">
+            <a:normAutofit/>
+          </a:bodyPr>
+          <a:lstStyle>
+            <a:lvl1pPr algn="l">
+              <a:defRPr sz="4400" b="0" cap="none"/>
+            </a:lvl1pPr>
+          </a:lstStyle>
+          <a:p>
+            <a:r>
+              <a:rPr lang="en-US"/>
+              <a:t>Click to edit Master title style</a:t>
+            </a:r>
+            <a:endParaRPr lang="en-US" dirty="0"/>
+          </a:p>
+        </p:txBody>
+      </p:sp>
+      <p:sp>
+        <p:nvSpPr>
+          <p:cNvPr id="23" name="Text Placeholder 9"/>
+          <p:cNvSpPr>
+            <a:spLocks noGrp="1"/>
+          </p:cNvSpPr>
+          <p:nvPr>
+            <p:ph type="body" sz="quarter" idx="13"/>
+          </p:nvPr>
+        </p:nvSpPr>
+        <p:spPr>
+          <a:xfrm>
+            <a:off x="1366139" y="3632200"/>
+            <a:ext cx="7224524" cy="381000"/>
+          </a:xfrm>
+        </p:spPr>
+        <p:txBody>
+          <a:bodyPr anchor="ctr">
+            <a:noAutofit/>
+          </a:bodyPr>
+          <a:lstStyle>
+            <a:lvl1pPr marL="0" indent="0">
+              <a:buFontTx/>
+              <a:buNone/>
+              <a:defRPr sz="1600">
+                <a:solidFill>
+                  <a:schemeClr val="tx1">
+                    <a:lumMod val="50000"/>
+                    <a:lumOff val="50000"/>
+                  </a:schemeClr>
+                </a:solidFill>
+              </a:defRPr>
+            </a:lvl1pPr>
+            <a:lvl2pPr marL="457200" indent="0">
+              <a:buFontTx/>
+              <a:buNone/>
+              <a:defRPr/>
+            </a:lvl2pPr>
+            <a:lvl3pPr marL="914400" indent="0">
+              <a:buFontTx/>
+              <a:buNone/>
+              <a:defRPr/>
+            </a:lvl3pPr>
+            <a:lvl4pPr marL="1371600" indent="0">
+              <a:buFontTx/>
+              <a:buNone/>
+              <a:defRPr/>
+            </a:lvl4pPr>
+            <a:lvl5pPr marL="1828800" indent="0">
+              <a:buFontTx/>
+              <a:buNone/>
+              <a:defRPr/>
+            </a:lvl5pPr>
+          </a:lstStyle>
+          <a:p>
+            <a:pPr lvl="0"/>
+            <a:r>
+              <a:rPr lang="en-US"/>
+              <a:t>Edit Master text styles</a:t>
+            </a:r>
+          </a:p>
+        </p:txBody>
+      </p:sp>
+      <p:sp>
+        <p:nvSpPr>
+          <p:cNvPr id="3" name="Text Placeholder 2"/>
+          <p:cNvSpPr>
+            <a:spLocks noGrp="1"/>
+          </p:cNvSpPr>
+          <p:nvPr>
+            <p:ph type="body" idx="1"/>
+          </p:nvPr>
+        </p:nvSpPr>
+        <p:spPr>
+          <a:xfrm>
+            <a:off x="677335" y="4470400"/>
+            <a:ext cx="8596668" cy="1570962"/>
+          </a:xfrm>
+        </p:spPr>
+        <p:txBody>
+          <a:bodyPr anchor="ctr">
+            <a:normAutofit/>
+          </a:bodyPr>
+          <a:lstStyle>
+            <a:lvl1pPr marL="0" indent="0" algn="l">
+              <a:buNone/>
+              <a:defRPr sz="1800">
+                <a:solidFill>
+                  <a:schemeClr val="tx1">
+                    <a:lumMod val="75000"/>
+                    <a:lumOff val="25000"/>
+                  </a:schemeClr>
+                </a:solidFill>
+              </a:defRPr>
+            </a:lvl1pPr>
+            <a:lvl2pPr marL="457200" indent="0">
+              <a:buNone/>
+              <a:defRPr sz="1800">
+                <a:solidFill>
+                  <a:schemeClr val="tx1">
+                    <a:tint val="75000"/>
+                  </a:schemeClr>
+                </a:solidFill>
+              </a:defRPr>
+            </a:lvl2pPr>
+            <a:lvl3pPr marL="914400" indent="0">
+              <a:buNone/>
+              <a:defRPr sz="1600">
+                <a:solidFill>
+                  <a:schemeClr val="tx1">
+                    <a:tint val="75000"/>
+                  </a:schemeClr>
+                </a:solidFill>
+              </a:defRPr>
+            </a:lvl3pPr>
+            <a:lvl4pPr marL="1371600" indent="0">
+              <a:buNone/>
+              <a:defRPr sz="1400">
+                <a:solidFill>
+                  <a:schemeClr val="tx1">
+                    <a:tint val="75000"/>
+                  </a:schemeClr>
+                </a:solidFill>
+              </a:defRPr>
+            </a:lvl4pPr>
+            <a:lvl5pPr marL="1828800" indent="0">
+              <a:buNone/>
+              <a:defRPr sz="1400">
+                <a:solidFill>
+                  <a:schemeClr val="tx1">
+                    <a:tint val="75000"/>
+                  </a:schemeClr>
+                </a:solidFill>
+              </a:defRPr>
+            </a:lvl5pPr>
+            <a:lvl6pPr marL="2286000" indent="0">
+              <a:buNone/>
+              <a:defRPr sz="1400">
+                <a:solidFill>
+                  <a:schemeClr val="tx1">
+                    <a:tint val="75000"/>
+                  </a:schemeClr>
+                </a:solidFill>
+              </a:defRPr>
+            </a:lvl6pPr>
+            <a:lvl7pPr marL="2743200" indent="0">
+              <a:buNone/>
+              <a:defRPr sz="1400">
+                <a:solidFill>
+                  <a:schemeClr val="tx1">
+                    <a:tint val="75000"/>
+                  </a:schemeClr>
+                </a:solidFill>
+              </a:defRPr>
+            </a:lvl7pPr>
+            <a:lvl8pPr marL="3200400" indent="0">
+              <a:buNone/>
+              <a:defRPr sz="1400">
+                <a:solidFill>
+                  <a:schemeClr val="tx1">
+                    <a:tint val="75000"/>
+                  </a:schemeClr>
+                </a:solidFill>
+              </a:defRPr>
+            </a:lvl8pPr>
+            <a:lvl9pPr marL="3657600" indent="0">
+              <a:buNone/>
+              <a:defRPr sz="1400">
+                <a:solidFill>
+                  <a:schemeClr val="tx1">
+                    <a:tint val="75000"/>
+                  </a:schemeClr>
+                </a:solidFill>
+              </a:defRPr>
+            </a:lvl9pPr>
+          </a:lstStyle>
+          <a:p>
+            <a:pPr lvl="0"/>
+            <a:r>
+              <a:rPr lang="en-US"/>
+              <a:t>Edit Master text styles</a:t>
+            </a:r>
+          </a:p>
+        </p:txBody>
+      </p:sp>
+      <p:sp>
+        <p:nvSpPr>
+          <p:cNvPr id="4" name="Date Placeholder 3"/>
+          <p:cNvSpPr>
+            <a:spLocks noGrp="1"/>
+          </p:cNvSpPr>
+          <p:nvPr>
+            <p:ph type="dt" sz="half" idx="10"/>
+          </p:nvPr>
+        </p:nvSpPr>
+        <p:spPr/>
+        <p:txBody>
+          <a:bodyPr/>
+          <a:lstStyle/>
+          <a:p>
+            <a:fld id="{B61BEF0D-F0BB-DE4B-95CE-6DB70DBA9567}" type="datetimeFigureOut">
+              <a:rPr lang="en-US" dirty="0"/>
+              <a:pPr/>
+              <a:t>6/7/2017</a:t>
+            </a:fld>
+            <a:endParaRPr lang="en-US" dirty="0"/>
+          </a:p>
+        </p:txBody>
+      </p:sp>
+      <p:sp>
+        <p:nvSpPr>
+          <p:cNvPr id="5" name="Footer Placeholder 4"/>
+          <p:cNvSpPr>
+            <a:spLocks noGrp="1"/>
+          </p:cNvSpPr>
+          <p:nvPr>
+            <p:ph type="ftr" sz="quarter" idx="11"/>
+          </p:nvPr>
+        </p:nvSpPr>
+        <p:spPr/>
+        <p:txBody>
+          <a:bodyPr/>
+          <a:lstStyle/>
+          <a:p>
+            <a:endParaRPr lang="en-US" dirty="0"/>
+          </a:p>
+        </p:txBody>
+      </p:sp>
+      <p:sp>
+        <p:nvSpPr>
+          <p:cNvPr id="6" name="Slide Number Placeholder 5"/>
+          <p:cNvSpPr>
+            <a:spLocks noGrp="1"/>
+          </p:cNvSpPr>
+          <p:nvPr>
+            <p:ph type="sldNum" sz="quarter" idx="12"/>
+          </p:nvPr>
+        </p:nvSpPr>
+        <p:spPr/>
+        <p:txBody>
+          <a:bodyPr/>
+          <a:lstStyle/>
+          <a:p>
+            <a:fld id="{D57F1E4F-1CFF-5643-939E-217C01CDF565}" type="slidenum">
+              <a:rPr lang="en-US" dirty="0"/>
+              <a:pPr/>
+              <a:t>‹#›</a:t>
+            </a:fld>
+            <a:endParaRPr lang="en-US" dirty="0"/>
+          </a:p>
+        </p:txBody>
+      </p:sp>
+      <p:sp>
+        <p:nvSpPr>
+          <p:cNvPr id="20" name="TextBox 19"/>
+          <p:cNvSpPr txBox="1"/>
+          <p:nvPr/>
+        </p:nvSpPr>
+        <p:spPr>
+          <a:xfrm>
+            <a:off x="541870" y="790378"/>
+            <a:ext cx="609600" cy="584776"/>
+          </a:xfrm>
+          <a:prstGeom prst="rect">
+            <a:avLst/>
+          </a:prstGeom>
+        </p:spPr>
+        <p:txBody>
+          <a:bodyPr vert="horz" lIns="91440" tIns="45720" rIns="91440" bIns="45720" rtlCol="0" anchor="ctr">
+            <a:noAutofit/>
+          </a:bodyPr>
+          <a:lstStyle/>
+          <a:p>
+            <a:pPr lvl="0"/>
+            <a:r>
+              <a:rPr lang="en-US" sz="8000" baseline="0" dirty="0">
+                <a:ln w="3175" cmpd="sng">
+                  <a:noFill/>
+                </a:ln>
+                <a:solidFill>
+                  <a:schemeClr val="accent1">
+                    <a:lumMod val="60000"/>
+                    <a:lumOff val="40000"/>
+                  </a:schemeClr>
+                </a:solidFill>
+                <a:effectLst/>
+                <a:latin typeface="Arial"/>
+              </a:rPr>
+              <a:t>“</a:t>
+            </a:r>
+          </a:p>
+        </p:txBody>
+      </p:sp>
+      <p:sp>
+        <p:nvSpPr>
+          <p:cNvPr id="22" name="TextBox 21"/>
+          <p:cNvSpPr txBox="1"/>
+          <p:nvPr/>
+        </p:nvSpPr>
+        <p:spPr>
+          <a:xfrm>
+            <a:off x="8893011" y="2886556"/>
+            <a:ext cx="609600" cy="584776"/>
+          </a:xfrm>
+          <a:prstGeom prst="rect">
+            <a:avLst/>
+          </a:prstGeom>
+        </p:spPr>
+        <p:txBody>
+          <a:bodyPr vert="horz" lIns="91440" tIns="45720" rIns="91440" bIns="45720" rtlCol="0" anchor="ctr">
+            <a:noAutofit/>
+          </a:bodyPr>
+          <a:lstStyle/>
+          <a:p>
+            <a:pPr lvl="0"/>
+            <a:r>
+              <a:rPr lang="en-US" sz="8000" baseline="0" dirty="0">
+                <a:ln w="3175" cmpd="sng">
+                  <a:noFill/>
+                </a:ln>
+                <a:solidFill>
+                  <a:schemeClr val="accent1">
+                    <a:lumMod val="60000"/>
+                    <a:lumOff val="40000"/>
+                  </a:schemeClr>
+                </a:solidFill>
+                <a:latin typeface="Arial"/>
+              </a:rPr>
+              <a:t>”</a:t>
+            </a:r>
+            <a:endParaRPr lang="en-US" dirty="0">
+              <a:solidFill>
+                <a:schemeClr val="accent1">
+                  <a:lumMod val="60000"/>
+                  <a:lumOff val="40000"/>
+                </a:schemeClr>
+              </a:solidFill>
+              <a:latin typeface="Arial"/>
+            </a:endParaRPr>
+          </a:p>
+        </p:txBody>
+      </p:sp>
+    </p:spTree>
+    <p:extLst>
+      <p:ext uri="{BB962C8B-B14F-4D97-AF65-F5344CB8AC3E}">
+        <p14:creationId xmlns:p14="http://schemas.microsoft.com/office/powerpoint/2010/main" val="1152870719"/>
+      </p:ext>
+    </p:extLst>
+  </p:cSld>
+  <p:clrMapOvr>
+    <a:masterClrMapping/>
+  </p:clrMapOvr>
+</p:sldLayout>
+</file>
+
+<file path=ppt/slideLayouts/slideLayout12.xml><?xml version="1.0" encoding="utf-8"?>
+<p:sldLayout xmlns:a="http://schemas.openxmlformats.org/drawingml/2006/main" xmlns:r="http://schemas.openxmlformats.org/officeDocument/2006/relationships" xmlns:p="http://schemas.openxmlformats.org/presentationml/2006/main" preserve="1">
+  <p:cSld name="Name Card">
+    <p:spTree>
+      <p:nvGrpSpPr>
+        <p:cNvPr id="1" name=""/>
+        <p:cNvGrpSpPr/>
+        <p:nvPr/>
+      </p:nvGrpSpPr>
+      <p:grpSpPr>
+        <a:xfrm>
+          <a:off x="0" y="0"/>
+          <a:ext cx="0" cy="0"/>
+          <a:chOff x="0" y="0"/>
+          <a:chExt cx="0" cy="0"/>
+        </a:xfrm>
+      </p:grpSpPr>
+      <p:sp>
+        <p:nvSpPr>
+          <p:cNvPr id="2" name="Title 1"/>
+          <p:cNvSpPr>
+            <a:spLocks noGrp="1"/>
+          </p:cNvSpPr>
+          <p:nvPr>
+            <p:ph type="title"/>
+          </p:nvPr>
+        </p:nvSpPr>
+        <p:spPr>
+          <a:xfrm>
+            <a:off x="677335" y="1931988"/>
+            <a:ext cx="8596668" cy="2595460"/>
+          </a:xfrm>
+        </p:spPr>
+        <p:txBody>
+          <a:bodyPr anchor="b">
+            <a:normAutofit/>
+          </a:bodyPr>
+          <a:lstStyle>
+            <a:lvl1pPr algn="l">
+              <a:defRPr sz="4400" b="0" cap="none"/>
+            </a:lvl1pPr>
+          </a:lstStyle>
+          <a:p>
+            <a:r>
+              <a:rPr lang="en-US"/>
+              <a:t>Click to edit Master title style</a:t>
+            </a:r>
+            <a:endParaRPr lang="en-US" dirty="0"/>
+          </a:p>
+        </p:txBody>
+      </p:sp>
+      <p:sp>
+        <p:nvSpPr>
+          <p:cNvPr id="3" name="Text Placeholder 2"/>
+          <p:cNvSpPr>
+            <a:spLocks noGrp="1"/>
+          </p:cNvSpPr>
+          <p:nvPr>
+            <p:ph type="body" idx="1"/>
+          </p:nvPr>
+        </p:nvSpPr>
+        <p:spPr>
+          <a:xfrm>
+            <a:off x="677335" y="4527448"/>
+            <a:ext cx="8596668" cy="1513914"/>
+          </a:xfrm>
+        </p:spPr>
+        <p:txBody>
+          <a:bodyPr anchor="t">
+            <a:normAutofit/>
+          </a:bodyPr>
+          <a:lstStyle>
+            <a:lvl1pPr marL="0" indent="0" algn="l">
+              <a:buNone/>
+              <a:defRPr sz="1800">
+                <a:solidFill>
+                  <a:schemeClr val="tx1">
+                    <a:lumMod val="75000"/>
+                    <a:lumOff val="25000"/>
+                  </a:schemeClr>
+                </a:solidFill>
+              </a:defRPr>
+            </a:lvl1pPr>
+            <a:lvl2pPr marL="457200" indent="0">
+              <a:buNone/>
+              <a:defRPr sz="1800">
+                <a:solidFill>
+                  <a:schemeClr val="tx1">
+                    <a:tint val="75000"/>
+                  </a:schemeClr>
+                </a:solidFill>
+              </a:defRPr>
+            </a:lvl2pPr>
+            <a:lvl3pPr marL="914400" indent="0">
+              <a:buNone/>
+              <a:defRPr sz="1600">
+                <a:solidFill>
+                  <a:schemeClr val="tx1">
+                    <a:tint val="75000"/>
+                  </a:schemeClr>
+                </a:solidFill>
+              </a:defRPr>
+            </a:lvl3pPr>
+            <a:lvl4pPr marL="1371600" indent="0">
+              <a:buNone/>
+              <a:defRPr sz="1400">
+                <a:solidFill>
+                  <a:schemeClr val="tx1">
+                    <a:tint val="75000"/>
+                  </a:schemeClr>
+                </a:solidFill>
+              </a:defRPr>
+            </a:lvl4pPr>
+            <a:lvl5pPr marL="1828800" indent="0">
+              <a:buNone/>
+              <a:defRPr sz="1400">
+                <a:solidFill>
+                  <a:schemeClr val="tx1">
+                    <a:tint val="75000"/>
+                  </a:schemeClr>
+                </a:solidFill>
+              </a:defRPr>
+            </a:lvl5pPr>
+            <a:lvl6pPr marL="2286000" indent="0">
+              <a:buNone/>
+              <a:defRPr sz="1400">
+                <a:solidFill>
+                  <a:schemeClr val="tx1">
+                    <a:tint val="75000"/>
+                  </a:schemeClr>
+                </a:solidFill>
+              </a:defRPr>
+            </a:lvl6pPr>
+            <a:lvl7pPr marL="2743200" indent="0">
+              <a:buNone/>
+              <a:defRPr sz="1400">
+                <a:solidFill>
+                  <a:schemeClr val="tx1">
+                    <a:tint val="75000"/>
+                  </a:schemeClr>
+                </a:solidFill>
+              </a:defRPr>
+            </a:lvl7pPr>
+            <a:lvl8pPr marL="3200400" indent="0">
+              <a:buNone/>
+              <a:defRPr sz="1400">
+                <a:solidFill>
+                  <a:schemeClr val="tx1">
+                    <a:tint val="75000"/>
+                  </a:schemeClr>
+                </a:solidFill>
+              </a:defRPr>
+            </a:lvl8pPr>
+            <a:lvl9pPr marL="3657600" indent="0">
+              <a:buNone/>
+              <a:defRPr sz="1400">
+                <a:solidFill>
+                  <a:schemeClr val="tx1">
+                    <a:tint val="75000"/>
+                  </a:schemeClr>
+                </a:solidFill>
+              </a:defRPr>
+            </a:lvl9pPr>
+          </a:lstStyle>
+          <a:p>
+            <a:pPr lvl="0"/>
+            <a:r>
+              <a:rPr lang="en-US"/>
+              <a:t>Edit Master text styles</a:t>
+            </a:r>
+          </a:p>
+        </p:txBody>
+      </p:sp>
+      <p:sp>
+        <p:nvSpPr>
+          <p:cNvPr id="4" name="Date Placeholder 3"/>
+          <p:cNvSpPr>
+            <a:spLocks noGrp="1"/>
+          </p:cNvSpPr>
+          <p:nvPr>
+            <p:ph type="dt" sz="half" idx="10"/>
+          </p:nvPr>
+        </p:nvSpPr>
+        <p:spPr/>
+        <p:txBody>
+          <a:bodyPr/>
+          <a:lstStyle/>
+          <a:p>
+            <a:fld id="{B61BEF0D-F0BB-DE4B-95CE-6DB70DBA9567}" type="datetimeFigureOut">
+              <a:rPr lang="en-US" dirty="0"/>
+              <a:pPr/>
+              <a:t>6/7/2017</a:t>
+            </a:fld>
+            <a:endParaRPr lang="en-US" dirty="0"/>
+          </a:p>
+        </p:txBody>
+      </p:sp>
+      <p:sp>
+        <p:nvSpPr>
+          <p:cNvPr id="5" name="Footer Placeholder 4"/>
+          <p:cNvSpPr>
+            <a:spLocks noGrp="1"/>
+          </p:cNvSpPr>
+          <p:nvPr>
+            <p:ph type="ftr" sz="quarter" idx="11"/>
+          </p:nvPr>
+        </p:nvSpPr>
+        <p:spPr/>
+        <p:txBody>
+          <a:bodyPr/>
+          <a:lstStyle/>
+          <a:p>
+            <a:endParaRPr lang="en-US" dirty="0"/>
+          </a:p>
+        </p:txBody>
+      </p:sp>
+      <p:sp>
+        <p:nvSpPr>
+          <p:cNvPr id="6" name="Slide Number Placeholder 5"/>
+          <p:cNvSpPr>
+            <a:spLocks noGrp="1"/>
+          </p:cNvSpPr>
+          <p:nvPr>
+            <p:ph type="sldNum" sz="quarter" idx="12"/>
+          </p:nvPr>
+        </p:nvSpPr>
+        <p:spPr/>
+        <p:txBody>
+          <a:bodyPr/>
+          <a:lstStyle/>
+          <a:p>
+            <a:fld id="{D57F1E4F-1CFF-5643-939E-217C01CDF565}" type="slidenum">
+              <a:rPr lang="en-US" dirty="0"/>
+              <a:pPr/>
+              <a:t>‹#›</a:t>
+            </a:fld>
+            <a:endParaRPr lang="en-US" dirty="0"/>
+          </a:p>
+        </p:txBody>
+      </p:sp>
+    </p:spTree>
+    <p:extLst>
+      <p:ext uri="{BB962C8B-B14F-4D97-AF65-F5344CB8AC3E}">
+        <p14:creationId xmlns:p14="http://schemas.microsoft.com/office/powerpoint/2010/main" val="1966073403"/>
+      </p:ext>
+    </p:extLst>
+  </p:cSld>
+  <p:clrMapOvr>
+    <a:masterClrMapping/>
+  </p:clrMapOvr>
+</p:sldLayout>
+</file>
+
+<file path=ppt/slideLayouts/slideLayout13.xml><?xml version="1.0" encoding="utf-8"?>
+<p:sldLayout xmlns:a="http://schemas.openxmlformats.org/drawingml/2006/main" xmlns:r="http://schemas.openxmlformats.org/officeDocument/2006/relationships" xmlns:p="http://schemas.openxmlformats.org/presentationml/2006/main" preserve="1">
+  <p:cSld name="Quote Name Card">
+    <p:spTree>
+      <p:nvGrpSpPr>
+        <p:cNvPr id="1" name=""/>
+        <p:cNvGrpSpPr/>
+        <p:nvPr/>
+      </p:nvGrpSpPr>
+      <p:grpSpPr>
+        <a:xfrm>
+          <a:off x="0" y="0"/>
+          <a:ext cx="0" cy="0"/>
+          <a:chOff x="0" y="0"/>
+          <a:chExt cx="0" cy="0"/>
+        </a:xfrm>
+      </p:grpSpPr>
+      <p:sp>
+        <p:nvSpPr>
+          <p:cNvPr id="2" name="Title 1"/>
+          <p:cNvSpPr>
+            <a:spLocks noGrp="1"/>
+          </p:cNvSpPr>
+          <p:nvPr>
+            <p:ph type="title"/>
+          </p:nvPr>
+        </p:nvSpPr>
+        <p:spPr>
+          <a:xfrm>
+            <a:off x="931334" y="609600"/>
+            <a:ext cx="8094134" cy="3022600"/>
+          </a:xfrm>
+        </p:spPr>
+        <p:txBody>
+          <a:bodyPr anchor="ctr">
+            <a:normAutofit/>
+          </a:bodyPr>
+          <a:lstStyle>
+            <a:lvl1pPr algn="l">
+              <a:defRPr sz="4400" b="0" cap="none"/>
+            </a:lvl1pPr>
+          </a:lstStyle>
+          <a:p>
+            <a:r>
+              <a:rPr lang="en-US"/>
+              <a:t>Click to edit Master title style</a:t>
+            </a:r>
+            <a:endParaRPr lang="en-US" dirty="0"/>
+          </a:p>
+        </p:txBody>
+      </p:sp>
+      <p:sp>
+        <p:nvSpPr>
+          <p:cNvPr id="23" name="Text Placeholder 9"/>
+          <p:cNvSpPr>
+            <a:spLocks noGrp="1"/>
+          </p:cNvSpPr>
+          <p:nvPr>
+            <p:ph type="body" sz="quarter" idx="13"/>
+          </p:nvPr>
+        </p:nvSpPr>
+        <p:spPr>
+          <a:xfrm>
+            <a:off x="677332" y="4013200"/>
+            <a:ext cx="8596669" cy="514248"/>
+          </a:xfrm>
+        </p:spPr>
+        <p:txBody>
+          <a:bodyPr anchor="b">
+            <a:noAutofit/>
+          </a:bodyPr>
+          <a:lstStyle>
+            <a:lvl1pPr marL="0" indent="0">
+              <a:buFontTx/>
+              <a:buNone/>
+              <a:defRPr sz="2400">
+                <a:solidFill>
+                  <a:schemeClr val="tx1">
+                    <a:lumMod val="75000"/>
+                    <a:lumOff val="25000"/>
+                  </a:schemeClr>
+                </a:solidFill>
+              </a:defRPr>
+            </a:lvl1pPr>
+            <a:lvl2pPr marL="457200" indent="0">
+              <a:buFontTx/>
+              <a:buNone/>
+              <a:defRPr/>
+            </a:lvl2pPr>
+            <a:lvl3pPr marL="914400" indent="0">
+              <a:buFontTx/>
+              <a:buNone/>
+              <a:defRPr/>
+            </a:lvl3pPr>
+            <a:lvl4pPr marL="1371600" indent="0">
+              <a:buFontTx/>
+              <a:buNone/>
+              <a:defRPr/>
+            </a:lvl4pPr>
+            <a:lvl5pPr marL="1828800" indent="0">
+              <a:buFontTx/>
+              <a:buNone/>
+              <a:defRPr/>
+            </a:lvl5pPr>
+          </a:lstStyle>
+          <a:p>
+            <a:pPr lvl="0"/>
+            <a:r>
+              <a:rPr lang="en-US"/>
+              <a:t>Edit Master text styles</a:t>
+            </a:r>
+          </a:p>
+        </p:txBody>
+      </p:sp>
+      <p:sp>
+        <p:nvSpPr>
+          <p:cNvPr id="3" name="Text Placeholder 2"/>
+          <p:cNvSpPr>
+            <a:spLocks noGrp="1"/>
+          </p:cNvSpPr>
+          <p:nvPr>
+            <p:ph type="body" idx="1"/>
+          </p:nvPr>
+        </p:nvSpPr>
+        <p:spPr>
+          <a:xfrm>
+            <a:off x="677335" y="4527448"/>
+            <a:ext cx="8596668" cy="1513914"/>
+          </a:xfrm>
+        </p:spPr>
+        <p:txBody>
+          <a:bodyPr anchor="t">
+            <a:normAutofit/>
+          </a:bodyPr>
+          <a:lstStyle>
+            <a:lvl1pPr marL="0" indent="0" algn="l">
+              <a:buNone/>
+              <a:defRPr sz="1800">
+                <a:solidFill>
+                  <a:schemeClr val="tx1">
+                    <a:lumMod val="50000"/>
+                    <a:lumOff val="50000"/>
+                  </a:schemeClr>
+                </a:solidFill>
+              </a:defRPr>
+            </a:lvl1pPr>
+            <a:lvl2pPr marL="457200" indent="0">
+              <a:buNone/>
+              <a:defRPr sz="1800">
+                <a:solidFill>
+                  <a:schemeClr val="tx1">
+                    <a:tint val="75000"/>
+                  </a:schemeClr>
+                </a:solidFill>
+              </a:defRPr>
+            </a:lvl2pPr>
+            <a:lvl3pPr marL="914400" indent="0">
+              <a:buNone/>
+              <a:defRPr sz="1600">
+                <a:solidFill>
+                  <a:schemeClr val="tx1">
+                    <a:tint val="75000"/>
+                  </a:schemeClr>
+                </a:solidFill>
+              </a:defRPr>
+            </a:lvl3pPr>
+            <a:lvl4pPr marL="1371600" indent="0">
+              <a:buNone/>
+              <a:defRPr sz="1400">
+                <a:solidFill>
+                  <a:schemeClr val="tx1">
+                    <a:tint val="75000"/>
+                  </a:schemeClr>
+                </a:solidFill>
+              </a:defRPr>
+            </a:lvl4pPr>
+            <a:lvl5pPr marL="1828800" indent="0">
+              <a:buNone/>
+              <a:defRPr sz="1400">
+                <a:solidFill>
+                  <a:schemeClr val="tx1">
+                    <a:tint val="75000"/>
+                  </a:schemeClr>
+                </a:solidFill>
+              </a:defRPr>
+            </a:lvl5pPr>
+            <a:lvl6pPr marL="2286000" indent="0">
+              <a:buNone/>
+              <a:defRPr sz="1400">
+                <a:solidFill>
+                  <a:schemeClr val="tx1">
+                    <a:tint val="75000"/>
+                  </a:schemeClr>
+                </a:solidFill>
+              </a:defRPr>
+            </a:lvl6pPr>
+            <a:lvl7pPr marL="2743200" indent="0">
+              <a:buNone/>
+              <a:defRPr sz="1400">
+                <a:solidFill>
+                  <a:schemeClr val="tx1">
+                    <a:tint val="75000"/>
+                  </a:schemeClr>
+                </a:solidFill>
+              </a:defRPr>
+            </a:lvl7pPr>
+            <a:lvl8pPr marL="3200400" indent="0">
+              <a:buNone/>
+              <a:defRPr sz="1400">
+                <a:solidFill>
+                  <a:schemeClr val="tx1">
+                    <a:tint val="75000"/>
+                  </a:schemeClr>
+                </a:solidFill>
+              </a:defRPr>
+            </a:lvl8pPr>
+            <a:lvl9pPr marL="3657600" indent="0">
+              <a:buNone/>
+              <a:defRPr sz="1400">
+                <a:solidFill>
+                  <a:schemeClr val="tx1">
+                    <a:tint val="75000"/>
+                  </a:schemeClr>
+                </a:solidFill>
+              </a:defRPr>
+            </a:lvl9pPr>
+          </a:lstStyle>
+          <a:p>
+            <a:pPr lvl="0"/>
+            <a:r>
+              <a:rPr lang="en-US"/>
+              <a:t>Edit Master text styles</a:t>
+            </a:r>
+          </a:p>
+        </p:txBody>
+      </p:sp>
+      <p:sp>
+        <p:nvSpPr>
+          <p:cNvPr id="4" name="Date Placeholder 3"/>
+          <p:cNvSpPr>
+            <a:spLocks noGrp="1"/>
+          </p:cNvSpPr>
+          <p:nvPr>
+            <p:ph type="dt" sz="half" idx="10"/>
+          </p:nvPr>
+        </p:nvSpPr>
+        <p:spPr/>
+        <p:txBody>
+          <a:bodyPr/>
+          <a:lstStyle/>
+          <a:p>
+            <a:fld id="{B61BEF0D-F0BB-DE4B-95CE-6DB70DBA9567}" type="datetimeFigureOut">
+              <a:rPr lang="en-US" dirty="0"/>
+              <a:pPr/>
+              <a:t>6/7/2017</a:t>
+            </a:fld>
+            <a:endParaRPr lang="en-US" dirty="0"/>
+          </a:p>
+        </p:txBody>
+      </p:sp>
+      <p:sp>
+        <p:nvSpPr>
+          <p:cNvPr id="5" name="Footer Placeholder 4"/>
+          <p:cNvSpPr>
+            <a:spLocks noGrp="1"/>
+          </p:cNvSpPr>
+          <p:nvPr>
+            <p:ph type="ftr" sz="quarter" idx="11"/>
+          </p:nvPr>
+        </p:nvSpPr>
+        <p:spPr/>
+        <p:txBody>
+          <a:bodyPr/>
+          <a:lstStyle/>
+          <a:p>
+            <a:endParaRPr lang="en-US" dirty="0"/>
+          </a:p>
+        </p:txBody>
+      </p:sp>
+      <p:sp>
+        <p:nvSpPr>
+          <p:cNvPr id="6" name="Slide Number Placeholder 5"/>
+          <p:cNvSpPr>
+            <a:spLocks noGrp="1"/>
+          </p:cNvSpPr>
+          <p:nvPr>
+            <p:ph type="sldNum" sz="quarter" idx="12"/>
+          </p:nvPr>
+        </p:nvSpPr>
+        <p:spPr/>
+        <p:txBody>
+          <a:bodyPr/>
+          <a:lstStyle/>
+          <a:p>
+            <a:fld id="{D57F1E4F-1CFF-5643-939E-217C01CDF565}" type="slidenum">
+              <a:rPr lang="en-US" dirty="0"/>
+              <a:pPr/>
+              <a:t>‹#›</a:t>
+            </a:fld>
+            <a:endParaRPr lang="en-US" dirty="0"/>
+          </a:p>
+        </p:txBody>
+      </p:sp>
+      <p:sp>
+        <p:nvSpPr>
+          <p:cNvPr id="24" name="TextBox 23"/>
+          <p:cNvSpPr txBox="1"/>
+          <p:nvPr/>
+        </p:nvSpPr>
+        <p:spPr>
+          <a:xfrm>
+            <a:off x="541870" y="790378"/>
+            <a:ext cx="609600" cy="584776"/>
+          </a:xfrm>
+          <a:prstGeom prst="rect">
+            <a:avLst/>
+          </a:prstGeom>
+        </p:spPr>
+        <p:txBody>
+          <a:bodyPr vert="horz" lIns="91440" tIns="45720" rIns="91440" bIns="45720" rtlCol="0" anchor="ctr">
+            <a:noAutofit/>
+          </a:bodyPr>
+          <a:lstStyle/>
+          <a:p>
+            <a:pPr lvl="0"/>
+            <a:r>
+              <a:rPr lang="en-US" sz="8000" baseline="0" dirty="0">
+                <a:ln w="3175" cmpd="sng">
+                  <a:noFill/>
+                </a:ln>
+                <a:solidFill>
+                  <a:schemeClr val="accent1">
+                    <a:lumMod val="60000"/>
+                    <a:lumOff val="40000"/>
+                  </a:schemeClr>
+                </a:solidFill>
+                <a:effectLst/>
+                <a:latin typeface="Arial"/>
+              </a:rPr>
+              <a:t>“</a:t>
+            </a:r>
+          </a:p>
+        </p:txBody>
+      </p:sp>
+      <p:sp>
+        <p:nvSpPr>
+          <p:cNvPr id="25" name="TextBox 24"/>
+          <p:cNvSpPr txBox="1"/>
+          <p:nvPr/>
+        </p:nvSpPr>
+        <p:spPr>
+          <a:xfrm>
+            <a:off x="8893011" y="2886556"/>
+            <a:ext cx="609600" cy="584776"/>
+          </a:xfrm>
+          <a:prstGeom prst="rect">
+            <a:avLst/>
+          </a:prstGeom>
+        </p:spPr>
+        <p:txBody>
+          <a:bodyPr vert="horz" lIns="91440" tIns="45720" rIns="91440" bIns="45720" rtlCol="0" anchor="ctr">
+            <a:noAutofit/>
+          </a:bodyPr>
+          <a:lstStyle/>
+          <a:p>
+            <a:pPr lvl="0"/>
+            <a:r>
+              <a:rPr lang="en-US" sz="8000" baseline="0" dirty="0">
+                <a:ln w="3175" cmpd="sng">
+                  <a:noFill/>
+                </a:ln>
+                <a:solidFill>
+                  <a:schemeClr val="accent1">
+                    <a:lumMod val="60000"/>
+                    <a:lumOff val="40000"/>
+                  </a:schemeClr>
+                </a:solidFill>
+                <a:effectLst/>
+                <a:latin typeface="Arial"/>
+              </a:rPr>
+              <a:t>”</a:t>
+            </a:r>
+          </a:p>
+        </p:txBody>
+      </p:sp>
+    </p:spTree>
+    <p:extLst>
+      <p:ext uri="{BB962C8B-B14F-4D97-AF65-F5344CB8AC3E}">
+        <p14:creationId xmlns:p14="http://schemas.microsoft.com/office/powerpoint/2010/main" val="3205037488"/>
+      </p:ext>
+    </p:extLst>
+  </p:cSld>
+  <p:clrMapOvr>
+    <a:masterClrMapping/>
+  </p:clrMapOvr>
+</p:sldLayout>
+</file>
+
+<file path=ppt/slideLayouts/slideLayout14.xml><?xml version="1.0" encoding="utf-8"?>
+<p:sldLayout xmlns:a="http://schemas.openxmlformats.org/drawingml/2006/main" xmlns:r="http://schemas.openxmlformats.org/officeDocument/2006/relationships" xmlns:p="http://schemas.openxmlformats.org/presentationml/2006/main" preserve="1">
+  <p:cSld name="True or False">
+    <p:spTree>
+      <p:nvGrpSpPr>
+        <p:cNvPr id="1" name=""/>
+        <p:cNvGrpSpPr/>
+        <p:nvPr/>
+      </p:nvGrpSpPr>
+      <p:grpSpPr>
+        <a:xfrm>
+          <a:off x="0" y="0"/>
+          <a:ext cx="0" cy="0"/>
+          <a:chOff x="0" y="0"/>
+          <a:chExt cx="0" cy="0"/>
+        </a:xfrm>
+      </p:grpSpPr>
+      <p:sp>
+        <p:nvSpPr>
+          <p:cNvPr id="2" name="Title 1"/>
+          <p:cNvSpPr>
+            <a:spLocks noGrp="1"/>
+          </p:cNvSpPr>
+          <p:nvPr>
+            <p:ph type="title"/>
+          </p:nvPr>
+        </p:nvSpPr>
+        <p:spPr>
+          <a:xfrm>
+            <a:off x="685799" y="609600"/>
+            <a:ext cx="8588203" cy="3022600"/>
+          </a:xfrm>
+        </p:spPr>
+        <p:txBody>
+          <a:bodyPr anchor="ctr">
+            <a:normAutofit/>
+          </a:bodyPr>
+          <a:lstStyle>
+            <a:lvl1pPr algn="l">
+              <a:defRPr sz="4400" b="0" cap="none"/>
+            </a:lvl1pPr>
+          </a:lstStyle>
+          <a:p>
+            <a:r>
+              <a:rPr lang="en-US"/>
+              <a:t>Click to edit Master title style</a:t>
+            </a:r>
+            <a:endParaRPr lang="en-US" dirty="0"/>
+          </a:p>
+        </p:txBody>
+      </p:sp>
+      <p:sp>
+        <p:nvSpPr>
+          <p:cNvPr id="23" name="Text Placeholder 9"/>
+          <p:cNvSpPr>
+            <a:spLocks noGrp="1"/>
+          </p:cNvSpPr>
+          <p:nvPr>
+            <p:ph type="body" sz="quarter" idx="13"/>
+          </p:nvPr>
+        </p:nvSpPr>
+        <p:spPr>
+          <a:xfrm>
+            <a:off x="677332" y="4013200"/>
+            <a:ext cx="8596669" cy="514248"/>
+          </a:xfrm>
+        </p:spPr>
+        <p:txBody>
+          <a:bodyPr anchor="b">
+            <a:noAutofit/>
+          </a:bodyPr>
+          <a:lstStyle>
+            <a:lvl1pPr marL="0" indent="0">
+              <a:buFontTx/>
+              <a:buNone/>
+              <a:defRPr sz="2400">
+                <a:solidFill>
+                  <a:schemeClr val="accent1"/>
+                </a:solidFill>
+              </a:defRPr>
+            </a:lvl1pPr>
+            <a:lvl2pPr marL="457200" indent="0">
+              <a:buFontTx/>
+              <a:buNone/>
+              <a:defRPr/>
+            </a:lvl2pPr>
+            <a:lvl3pPr marL="914400" indent="0">
+              <a:buFontTx/>
+              <a:buNone/>
+              <a:defRPr/>
+            </a:lvl3pPr>
+            <a:lvl4pPr marL="1371600" indent="0">
+              <a:buFontTx/>
+              <a:buNone/>
+              <a:defRPr/>
+            </a:lvl4pPr>
+            <a:lvl5pPr marL="1828800" indent="0">
+              <a:buFontTx/>
+              <a:buNone/>
+              <a:defRPr/>
+            </a:lvl5pPr>
+          </a:lstStyle>
+          <a:p>
+            <a:pPr lvl="0"/>
+            <a:r>
+              <a:rPr lang="en-US"/>
+              <a:t>Edit Master text styles</a:t>
+            </a:r>
+          </a:p>
+        </p:txBody>
+      </p:sp>
+      <p:sp>
+        <p:nvSpPr>
+          <p:cNvPr id="3" name="Text Placeholder 2"/>
+          <p:cNvSpPr>
+            <a:spLocks noGrp="1"/>
+          </p:cNvSpPr>
+          <p:nvPr>
+            <p:ph type="body" idx="1"/>
+          </p:nvPr>
+        </p:nvSpPr>
+        <p:spPr>
+          <a:xfrm>
+            <a:off x="677335" y="4527448"/>
+            <a:ext cx="8596668" cy="1513914"/>
+          </a:xfrm>
+        </p:spPr>
+        <p:txBody>
+          <a:bodyPr anchor="t">
+            <a:normAutofit/>
+          </a:bodyPr>
+          <a:lstStyle>
+            <a:lvl1pPr marL="0" indent="0" algn="l">
+              <a:buNone/>
+              <a:defRPr sz="1800">
+                <a:solidFill>
+                  <a:schemeClr val="tx1">
+                    <a:lumMod val="50000"/>
+                    <a:lumOff val="50000"/>
+                  </a:schemeClr>
+                </a:solidFill>
+              </a:defRPr>
+            </a:lvl1pPr>
+            <a:lvl2pPr marL="457200" indent="0">
+              <a:buNone/>
+              <a:defRPr sz="1800">
+                <a:solidFill>
+                  <a:schemeClr val="tx1">
+                    <a:tint val="75000"/>
+                  </a:schemeClr>
+                </a:solidFill>
+              </a:defRPr>
+            </a:lvl2pPr>
+            <a:lvl3pPr marL="914400" indent="0">
+              <a:buNone/>
+              <a:defRPr sz="1600">
+                <a:solidFill>
+                  <a:schemeClr val="tx1">
+                    <a:tint val="75000"/>
+                  </a:schemeClr>
+                </a:solidFill>
+              </a:defRPr>
+            </a:lvl3pPr>
+            <a:lvl4pPr marL="1371600" indent="0">
+              <a:buNone/>
+              <a:defRPr sz="1400">
+                <a:solidFill>
+                  <a:schemeClr val="tx1">
+                    <a:tint val="75000"/>
+                  </a:schemeClr>
+                </a:solidFill>
+              </a:defRPr>
+            </a:lvl4pPr>
+            <a:lvl5pPr marL="1828800" indent="0">
+              <a:buNone/>
+              <a:defRPr sz="1400">
+                <a:solidFill>
+                  <a:schemeClr val="tx1">
+                    <a:tint val="75000"/>
+                  </a:schemeClr>
+                </a:solidFill>
+              </a:defRPr>
+            </a:lvl5pPr>
+            <a:lvl6pPr marL="2286000" indent="0">
+              <a:buNone/>
+              <a:defRPr sz="1400">
+                <a:solidFill>
+                  <a:schemeClr val="tx1">
+                    <a:tint val="75000"/>
+                  </a:schemeClr>
+                </a:solidFill>
+              </a:defRPr>
+            </a:lvl6pPr>
+            <a:lvl7pPr marL="2743200" indent="0">
+              <a:buNone/>
+              <a:defRPr sz="1400">
+                <a:solidFill>
+                  <a:schemeClr val="tx1">
+                    <a:tint val="75000"/>
+                  </a:schemeClr>
+                </a:solidFill>
+              </a:defRPr>
+            </a:lvl7pPr>
+            <a:lvl8pPr marL="3200400" indent="0">
+              <a:buNone/>
+              <a:defRPr sz="1400">
+                <a:solidFill>
+                  <a:schemeClr val="tx1">
+                    <a:tint val="75000"/>
+                  </a:schemeClr>
+                </a:solidFill>
+              </a:defRPr>
+            </a:lvl8pPr>
+            <a:lvl9pPr marL="3657600" indent="0">
+              <a:buNone/>
+              <a:defRPr sz="1400">
+                <a:solidFill>
+                  <a:schemeClr val="tx1">
+                    <a:tint val="75000"/>
+                  </a:schemeClr>
+                </a:solidFill>
+              </a:defRPr>
+            </a:lvl9pPr>
+          </a:lstStyle>
+          <a:p>
+            <a:pPr lvl="0"/>
+            <a:r>
+              <a:rPr lang="en-US"/>
+              <a:t>Edit Master text styles</a:t>
+            </a:r>
+          </a:p>
+        </p:txBody>
+      </p:sp>
+      <p:sp>
+        <p:nvSpPr>
+          <p:cNvPr id="4" name="Date Placeholder 3"/>
+          <p:cNvSpPr>
+            <a:spLocks noGrp="1"/>
+          </p:cNvSpPr>
+          <p:nvPr>
+            <p:ph type="dt" sz="half" idx="10"/>
+          </p:nvPr>
+        </p:nvSpPr>
+        <p:spPr/>
+        <p:txBody>
+          <a:bodyPr/>
+          <a:lstStyle/>
+          <a:p>
+            <a:fld id="{B61BEF0D-F0BB-DE4B-95CE-6DB70DBA9567}" type="datetimeFigureOut">
+              <a:rPr lang="en-US" dirty="0"/>
+              <a:pPr/>
+              <a:t>6/7/2017</a:t>
+            </a:fld>
+            <a:endParaRPr lang="en-US" dirty="0"/>
+          </a:p>
+        </p:txBody>
+      </p:sp>
+      <p:sp>
+        <p:nvSpPr>
+          <p:cNvPr id="5" name="Footer Placeholder 4"/>
+          <p:cNvSpPr>
+            <a:spLocks noGrp="1"/>
+          </p:cNvSpPr>
+          <p:nvPr>
+            <p:ph type="ftr" sz="quarter" idx="11"/>
+          </p:nvPr>
+        </p:nvSpPr>
+        <p:spPr/>
+        <p:txBody>
+          <a:bodyPr/>
+          <a:lstStyle/>
+          <a:p>
+            <a:endParaRPr lang="en-US" dirty="0"/>
+          </a:p>
+        </p:txBody>
+      </p:sp>
+      <p:sp>
+        <p:nvSpPr>
+          <p:cNvPr id="6" name="Slide Number Placeholder 5"/>
+          <p:cNvSpPr>
+            <a:spLocks noGrp="1"/>
+          </p:cNvSpPr>
+          <p:nvPr>
+            <p:ph type="sldNum" sz="quarter" idx="12"/>
+          </p:nvPr>
+        </p:nvSpPr>
+        <p:spPr/>
+        <p:txBody>
+          <a:bodyPr/>
+          <a:lstStyle/>
+          <a:p>
+            <a:fld id="{D57F1E4F-1CFF-5643-939E-217C01CDF565}" type="slidenum">
+              <a:rPr lang="en-US" dirty="0"/>
+              <a:pPr/>
+              <a:t>‹#›</a:t>
+            </a:fld>
+            <a:endParaRPr lang="en-US" dirty="0"/>
+          </a:p>
+        </p:txBody>
+      </p:sp>
+    </p:spTree>
+    <p:extLst>
+      <p:ext uri="{BB962C8B-B14F-4D97-AF65-F5344CB8AC3E}">
+        <p14:creationId xmlns:p14="http://schemas.microsoft.com/office/powerpoint/2010/main" val="1379836464"/>
+      </p:ext>
+    </p:extLst>
+  </p:cSld>
+  <p:clrMapOvr>
+    <a:masterClrMapping/>
+  </p:clrMapOvr>
+</p:sldLayout>
+</file>
+
+<file path=ppt/slideLayouts/slideLayout15.xml><?xml version="1.0" encoding="utf-8"?>
 <p:sldLayout xmlns:a="http://schemas.openxmlformats.org/drawingml/2006/main" xmlns:r="http://schemas.openxmlformats.org/officeDocument/2006/relationships" xmlns:p="http://schemas.openxmlformats.org/presentationml/2006/main" type="vertTx" preserve="1">
   <p:cSld name="Title and Vertical Text">
     <p:spTree>
@@ -341,10 +2572,10 @@
           <a:lstStyle/>
           <a:p>
             <a:r>
-              <a:rPr lang="en-US" smtClean="0"/>
+              <a:rPr lang="en-US"/>
               <a:t>Click to edit Master title style</a:t>
             </a:r>
-            <a:endParaRPr lang="en-US"/>
+            <a:endParaRPr lang="en-US" dirty="0"/>
           </a:p>
         </p:txBody>
       </p:sp>
@@ -365,45 +2596,110 @@
           <a:p>
             <a:pPr lvl="0"/>
             <a:r>
-              <a:rPr lang="en-US" smtClean="0"/>
+              <a:rPr lang="en-US"/>
               <a:t>Edit Master text styles</a:t>
             </a:r>
           </a:p>
           <a:p>
             <a:pPr lvl="1"/>
             <a:r>
-              <a:rPr lang="en-US" smtClean="0"/>
+              <a:rPr lang="en-US"/>
               <a:t>Second level</a:t>
             </a:r>
           </a:p>
           <a:p>
             <a:pPr lvl="2"/>
             <a:r>
-              <a:rPr lang="en-US" smtClean="0"/>
+              <a:rPr lang="en-US"/>
               <a:t>Third level</a:t>
             </a:r>
           </a:p>
           <a:p>
             <a:pPr lvl="3"/>
             <a:r>
-              <a:rPr lang="en-US" smtClean="0"/>
+              <a:rPr lang="en-US"/>
               <a:t>Fourth level</a:t>
             </a:r>
           </a:p>
           <a:p>
             <a:pPr lvl="4"/>
             <a:r>
-              <a:rPr lang="en-US" smtClean="0"/>
+              <a:rPr lang="en-US"/>
               <a:t>Fifth level</a:t>
             </a:r>
-            <a:endParaRPr lang="en-US"/>
+            <a:endParaRPr lang="en-US" dirty="0"/>
+          </a:p>
+        </p:txBody>
+      </p:sp>
+      <p:sp>
+        <p:nvSpPr>
+          <p:cNvPr id="4" name="Date Placeholder 3"/>
+          <p:cNvSpPr>
+            <a:spLocks noGrp="1"/>
+          </p:cNvSpPr>
+          <p:nvPr>
+            <p:ph type="dt" sz="half" idx="10"/>
+          </p:nvPr>
+        </p:nvSpPr>
+        <p:spPr/>
+        <p:txBody>
+          <a:bodyPr/>
+          <a:lstStyle/>
+          <a:p>
+            <a:fld id="{55C6B4A9-1611-4792-9094-5F34BCA07E0B}" type="datetimeFigureOut">
+              <a:rPr lang="en-US" dirty="0"/>
+              <a:t>6/7/2017</a:t>
+            </a:fld>
+            <a:endParaRPr lang="en-US" dirty="0"/>
+          </a:p>
+        </p:txBody>
+      </p:sp>
+      <p:sp>
+        <p:nvSpPr>
+          <p:cNvPr id="5" name="Footer Placeholder 4"/>
+          <p:cNvSpPr>
+            <a:spLocks noGrp="1"/>
+          </p:cNvSpPr>
+          <p:nvPr>
+            <p:ph type="ftr" sz="quarter" idx="11"/>
+          </p:nvPr>
+        </p:nvSpPr>
+        <p:spPr/>
+        <p:txBody>
+          <a:bodyPr/>
+          <a:lstStyle/>
+          <a:p>
+            <a:endParaRPr lang="en-US" dirty="0"/>
+          </a:p>
+        </p:txBody>
+      </p:sp>
+      <p:sp>
+        <p:nvSpPr>
+          <p:cNvPr id="6" name="Slide Number Placeholder 5"/>
+          <p:cNvSpPr>
+            <a:spLocks noGrp="1"/>
+          </p:cNvSpPr>
+          <p:nvPr>
+            <p:ph type="sldNum" sz="quarter" idx="12"/>
+          </p:nvPr>
+        </p:nvSpPr>
+        <p:spPr/>
+        <p:txBody>
+          <a:bodyPr/>
+          <a:lstStyle/>
+          <a:p>
+            <a:fld id="{89333C77-0158-454C-844F-B7AB9BD7DAD4}" type="slidenum">
+              <a:rPr lang="en-US" dirty="0"/>
+              <a:t>‹#›</a:t>
+            </a:fld>
+            <a:endParaRPr lang="en-US" dirty="0"/>
           </a:p>
         </p:txBody>
       </p:sp>
     </p:spTree>
     <p:extLst>
       <p:ext uri="{BB962C8B-B14F-4D97-AF65-F5344CB8AC3E}">
-        <p14:creationId xmlns:p14="http://schemas.microsoft.com/office/powerpoint/2010/main" val="1173778309"/>
+        <p14:creationId xmlns:p14="http://schemas.microsoft.com/office/powerpoint/2010/main" val="2727309014"/>
       </p:ext>
     </p:extLst>
   </p:cSld>
@@ -413,7 +2709,7 @@
 </p:sldLayout>
 </file>
 
-<file path=ppt/slideLayouts/slideLayout11.xml><?xml version="1.0" encoding="utf-8"?>
+<file path=ppt/slideLayouts/slideLayout16.xml><?xml version="1.0" encoding="utf-8"?>
 <p:sldLayout xmlns:a="http://schemas.openxmlformats.org/drawingml/2006/main" xmlns:r="http://schemas.openxmlformats.org/officeDocument/2006/relationships" xmlns:p="http://schemas.openxmlformats.org/presentationml/2006/main" type="vertTitleAndTx" preserve="1">
   <p:cSld name="Vertical Title and Text">
     <p:spTree>
@@ -442,19 +2738,19 @@
         </p:nvSpPr>
         <p:spPr>
           <a:xfrm>
-            <a:off x="8839200" y="274639"/>
-            <a:ext cx="2743200" cy="5851525"/>
+            <a:off x="7967673" y="609599"/>
+            <a:ext cx="1304743" cy="5251451"/>
           </a:xfrm>
         </p:spPr>
         <p:txBody>
-          <a:bodyPr vert="eaVert"/>
-          <a:lstStyle/>
-          <a:p>
-            <a:r>
-              <a:rPr lang="en-US" smtClean="0"/>
+          <a:bodyPr vert="eaVert" anchor="ctr"/>
+          <a:lstStyle/>
+          <a:p>
+            <a:r>
+              <a:rPr lang="en-US"/>
               <a:t>Click to edit Master title style</a:t>
             </a:r>
-            <a:endParaRPr lang="en-US"/>
+            <a:endParaRPr lang="en-US" dirty="0"/>
           </a:p>
         </p:txBody>
       </p:sp>
@@ -470,8 +2766,8 @@
         </p:nvSpPr>
         <p:spPr>
           <a:xfrm>
-            <a:off x="609600" y="274639"/>
-            <a:ext cx="8026400" cy="5851525"/>
+            <a:off x="677335" y="609600"/>
+            <a:ext cx="7060150" cy="5251450"/>
           </a:xfrm>
         </p:spPr>
         <p:txBody>
@@ -480,45 +2776,112 @@
           <a:p>
             <a:pPr lvl="0"/>
             <a:r>
-              <a:rPr lang="en-US" smtClean="0"/>
+              <a:rPr lang="en-US"/>
               <a:t>Edit Master text styles</a:t>
             </a:r>
           </a:p>
           <a:p>
             <a:pPr lvl="1"/>
             <a:r>
-              <a:rPr lang="en-US" smtClean="0"/>
+              <a:rPr lang="en-US"/>
               <a:t>Second level</a:t>
             </a:r>
           </a:p>
           <a:p>
             <a:pPr lvl="2"/>
             <a:r>
-              <a:rPr lang="en-US" smtClean="0"/>
+              <a:rPr lang="en-US"/>
               <a:t>Third level</a:t>
             </a:r>
           </a:p>
           <a:p>
             <a:pPr lvl="3"/>
             <a:r>
-              <a:rPr lang="en-US" smtClean="0"/>
+              <a:rPr lang="en-US"/>
               <a:t>Fourth level</a:t>
             </a:r>
           </a:p>
           <a:p>
             <a:pPr lvl="4"/>
             <a:r>
-              <a:rPr lang="en-US" smtClean="0"/>
+              <a:rPr lang="en-US"/>
               <a:t>Fifth level</a:t>
             </a:r>
-            <a:endParaRPr lang="en-US"/>
+            <a:endParaRPr lang="en-US" dirty="0"/>
+          </a:p>
+        </p:txBody>
+      </p:sp>
+      <p:sp>
+        <p:nvSpPr>
+          <p:cNvPr id="4" name="Date Placeholder 3"/>
+          <p:cNvSpPr>
+            <a:spLocks noGrp="1"/>
+          </p:cNvSpPr>
+          <p:nvPr>
+            <p:ph type="dt" sz="half" idx="10"/>
+          </p:nvPr>
+        </p:nvSpPr>
+        <p:spPr/>
+        <p:txBody>
+          <a:bodyPr/>
+          <a:lstStyle/>
+          <a:p>
+            <a:fld id="{B61BEF0D-F0BB-DE4B-95CE-6DB70DBA9567}" type="datetimeFigureOut">
+              <a:rPr lang="en-US" dirty="0"/>
+              <a:pPr/>
+              <a:t>6/7/2017</a:t>
+            </a:fld>
+            <a:endParaRPr lang="en-US" dirty="0"/>
+          </a:p>
+        </p:txBody>
+      </p:sp>
+      <p:sp>
+        <p:nvSpPr>
+          <p:cNvPr id="5" name="Footer Placeholder 4"/>
+          <p:cNvSpPr>
+            <a:spLocks noGrp="1"/>
+          </p:cNvSpPr>
+          <p:nvPr>
+            <p:ph type="ftr" sz="quarter" idx="11"/>
+          </p:nvPr>
+        </p:nvSpPr>
+        <p:spPr/>
+        <p:txBody>
+          <a:bodyPr/>
+          <a:lstStyle/>
+          <a:p>
+            <a:endParaRPr lang="en-US" dirty="0"/>
+          </a:p>
+        </p:txBody>
+      </p:sp>
+      <p:sp>
+        <p:nvSpPr>
+          <p:cNvPr id="6" name="Slide Number Placeholder 5"/>
+          <p:cNvSpPr>
+            <a:spLocks noGrp="1"/>
+          </p:cNvSpPr>
+          <p:nvPr>
+            <p:ph type="sldNum" sz="quarter" idx="12"/>
+          </p:nvPr>
+        </p:nvSpPr>
+        <p:spPr/>
+        <p:txBody>
+          <a:bodyPr/>
+          <a:lstStyle/>
+          <a:p>
+            <a:fld id="{D57F1E4F-1CFF-5643-939E-217C01CDF565}" type="slidenum">
+              <a:rPr lang="en-US" dirty="0"/>
+              <a:pPr/>
+              <a:t>‹#›</a:t>
+            </a:fld>
+            <a:endParaRPr lang="en-US" dirty="0"/>
           </a:p>
         </p:txBody>
       </p:sp>
     </p:spTree>
     <p:extLst>
       <p:ext uri="{BB962C8B-B14F-4D97-AF65-F5344CB8AC3E}">
-        <p14:creationId xmlns:p14="http://schemas.microsoft.com/office/powerpoint/2010/main" val="2559317299"/>
+        <p14:creationId xmlns:p14="http://schemas.microsoft.com/office/powerpoint/2010/main" val="3881667855"/>
       </p:ext>
     </p:extLst>
   </p:cSld>
@@ -557,25 +2920,83 @@
         </p:nvSpPr>
         <p:spPr/>
         <p:txBody>
+          <a:bodyPr>
+            <a:normAutofit/>
+          </a:bodyPr>
+          <a:lstStyle>
+            <a:lvl1pPr>
+              <a:defRPr sz="3600"/>
+            </a:lvl1pPr>
+          </a:lstStyle>
+          <a:p>
+            <a:r>
+              <a:rPr lang="en-US"/>
+              <a:t>Click to edit Master title style</a:t>
+            </a:r>
+            <a:endParaRPr lang="en-US" dirty="0"/>
+          </a:p>
+        </p:txBody>
+      </p:sp>
+      <p:sp>
+        <p:nvSpPr>
+          <p:cNvPr id="3" name="Content Placeholder 2"/>
+          <p:cNvSpPr>
+            <a:spLocks noGrp="1"/>
+          </p:cNvSpPr>
+          <p:nvPr>
+            <p:ph idx="1"/>
+          </p:nvPr>
+        </p:nvSpPr>
+        <p:spPr/>
+        <p:txBody>
           <a:bodyPr/>
           <a:lstStyle/>
           <a:p>
-            <a:r>
-              <a:rPr lang="en-US" smtClean="0"/>
-              <a:t>Click to edit Master title style</a:t>
-            </a:r>
-            <a:endParaRPr lang="en-US"/>
-          </a:p>
-        </p:txBody>
-      </p:sp>
-      <p:sp>
-        <p:nvSpPr>
-          <p:cNvPr id="3" name="Content Placeholder 2"/>
-          <p:cNvSpPr>
-            <a:spLocks noGrp="1"/>
-          </p:cNvSpPr>
-          <p:nvPr>
-            <p:ph idx="1"/>
+            <a:pPr lvl="0"/>
+            <a:r>
+              <a:rPr lang="en-US"/>
+              <a:t>Edit Master text styles</a:t>
+            </a:r>
+          </a:p>
+          <a:p>
+            <a:pPr lvl="1"/>
+            <a:r>
+              <a:rPr lang="en-US"/>
+              <a:t>Second level</a:t>
+            </a:r>
+          </a:p>
+          <a:p>
+            <a:pPr lvl="2"/>
+            <a:r>
+              <a:rPr lang="en-US"/>
+              <a:t>Third level</a:t>
+            </a:r>
+          </a:p>
+          <a:p>
+            <a:pPr lvl="3"/>
+            <a:r>
+              <a:rPr lang="en-US"/>
+              <a:t>Fourth level</a:t>
+            </a:r>
+          </a:p>
+          <a:p>
+            <a:pPr lvl="4"/>
+            <a:r>
+              <a:rPr lang="en-US"/>
+              <a:t>Fifth level</a:t>
+            </a:r>
+            <a:endParaRPr lang="en-US" dirty="0"/>
+          </a:p>
+        </p:txBody>
+      </p:sp>
+      <p:sp>
+        <p:nvSpPr>
+          <p:cNvPr id="4" name="Date Placeholder 3"/>
+          <p:cNvSpPr>
+            <a:spLocks noGrp="1"/>
+          </p:cNvSpPr>
+          <p:nvPr>
+            <p:ph type="dt" sz="half" idx="10"/>
           </p:nvPr>
         </p:nvSpPr>
         <p:spPr/>
@@ -583,47 +3004,62 @@
           <a:bodyPr/>
           <a:lstStyle/>
           <a:p>
-            <a:pPr lvl="0"/>
-            <a:r>
-              <a:rPr lang="en-US" smtClean="0"/>
-              <a:t>Edit Master text styles</a:t>
-            </a:r>
-          </a:p>
-          <a:p>
-            <a:pPr lvl="1"/>
-            <a:r>
-              <a:rPr lang="en-US" smtClean="0"/>
-              <a:t>Second level</a:t>
-            </a:r>
-          </a:p>
-          <a:p>
-            <a:pPr lvl="2"/>
-            <a:r>
-              <a:rPr lang="en-US" smtClean="0"/>
-              <a:t>Third level</a:t>
-            </a:r>
-          </a:p>
-          <a:p>
-            <a:pPr lvl="3"/>
-            <a:r>
-              <a:rPr lang="en-US" smtClean="0"/>
-              <a:t>Fourth level</a:t>
-            </a:r>
-          </a:p>
-          <a:p>
-            <a:pPr lvl="4"/>
-            <a:r>
-              <a:rPr lang="en-US" smtClean="0"/>
-              <a:t>Fifth level</a:t>
-            </a:r>
-            <a:endParaRPr lang="en-US"/>
+            <a:fld id="{B61BEF0D-F0BB-DE4B-95CE-6DB70DBA9567}" type="datetimeFigureOut">
+              <a:rPr lang="en-US" dirty="0"/>
+              <a:pPr/>
+              <a:t>6/7/2017</a:t>
+            </a:fld>
+            <a:endParaRPr lang="en-US" dirty="0"/>
+          </a:p>
+        </p:txBody>
+      </p:sp>
+      <p:sp>
+        <p:nvSpPr>
+          <p:cNvPr id="5" name="Footer Placeholder 4"/>
+          <p:cNvSpPr>
+            <a:spLocks noGrp="1"/>
+          </p:cNvSpPr>
+          <p:nvPr>
+            <p:ph type="ftr" sz="quarter" idx="11"/>
+          </p:nvPr>
+        </p:nvSpPr>
+        <p:spPr/>
+        <p:txBody>
+          <a:bodyPr/>
+          <a:lstStyle/>
+          <a:p>
+            <a:endParaRPr lang="en-US" dirty="0"/>
+          </a:p>
+        </p:txBody>
+      </p:sp>
+      <p:sp>
+        <p:nvSpPr>
+          <p:cNvPr id="6" name="Slide Number Placeholder 5"/>
+          <p:cNvSpPr>
+            <a:spLocks noGrp="1"/>
+          </p:cNvSpPr>
+          <p:nvPr>
+            <p:ph type="sldNum" sz="quarter" idx="12"/>
+          </p:nvPr>
+        </p:nvSpPr>
+        <p:spPr/>
+        <p:txBody>
+          <a:bodyPr/>
+          <a:lstStyle/>
+          <a:p>
+            <a:fld id="{D57F1E4F-1CFF-5643-939E-217C01CDF565}" type="slidenum">
+              <a:rPr lang="en-US" dirty="0"/>
+              <a:pPr/>
+              <a:t>‹#›</a:t>
+            </a:fld>
+            <a:endParaRPr lang="en-US" dirty="0"/>
           </a:p>
         </p:txBody>
       </p:sp>
     </p:spTree>
     <p:extLst>
       <p:ext uri="{BB962C8B-B14F-4D97-AF65-F5344CB8AC3E}">
-        <p14:creationId xmlns:p14="http://schemas.microsoft.com/office/powerpoint/2010/main" val="754167665"/>
+        <p14:creationId xmlns:p14="http://schemas.microsoft.com/office/powerpoint/2010/main" val="3389029215"/>
       </p:ext>
     </p:extLst>
   </p:cSld>
@@ -662,51 +3098,52 @@
         </p:nvSpPr>
         <p:spPr>
           <a:xfrm>
-            <a:off x="963084" y="4406901"/>
-            <a:ext cx="10363200" cy="1362075"/>
+            <a:off x="677335" y="2700867"/>
+            <a:ext cx="8596668" cy="1826581"/>
           </a:xfrm>
         </p:spPr>
         <p:txBody>
+          <a:bodyPr anchor="b"/>
+          <a:lstStyle>
+            <a:lvl1pPr algn="l">
+              <a:defRPr sz="4000" b="0" cap="none"/>
+            </a:lvl1pPr>
+          </a:lstStyle>
+          <a:p>
+            <a:r>
+              <a:rPr lang="en-US"/>
+              <a:t>Click to edit Master title style</a:t>
+            </a:r>
+            <a:endParaRPr lang="en-US" dirty="0"/>
+          </a:p>
+        </p:txBody>
+      </p:sp>
+      <p:sp>
+        <p:nvSpPr>
+          <p:cNvPr id="3" name="Text Placeholder 2"/>
+          <p:cNvSpPr>
+            <a:spLocks noGrp="1"/>
+          </p:cNvSpPr>
+          <p:nvPr>
+            <p:ph type="body" idx="1"/>
+          </p:nvPr>
+        </p:nvSpPr>
+        <p:spPr>
+          <a:xfrm>
+            <a:off x="677335" y="4527448"/>
+            <a:ext cx="8596668" cy="860400"/>
+          </a:xfrm>
+        </p:spPr>
+        <p:txBody>
           <a:bodyPr anchor="t"/>
           <a:lstStyle>
-            <a:lvl1pPr algn="l">
-              <a:defRPr sz="4000" b="1" cap="all"/>
-            </a:lvl1pPr>
-          </a:lstStyle>
-          <a:p>
-            <a:r>
-              <a:rPr lang="en-US" smtClean="0"/>
-              <a:t>Click to edit Master title style</a:t>
-            </a:r>
-            <a:endParaRPr lang="en-US"/>
-          </a:p>
-        </p:txBody>
-      </p:sp>
-      <p:sp>
-        <p:nvSpPr>
-          <p:cNvPr id="3" name="Text Placeholder 2"/>
-          <p:cNvSpPr>
-            <a:spLocks noGrp="1"/>
-          </p:cNvSpPr>
-          <p:nvPr>
-            <p:ph type="body" idx="1"/>
-          </p:nvPr>
-        </p:nvSpPr>
-        <p:spPr>
-          <a:xfrm>
-            <a:off x="963084" y="2906713"/>
-            <a:ext cx="10363200" cy="1500187"/>
-          </a:xfrm>
-        </p:spPr>
-        <p:txBody>
-          <a:bodyPr anchor="b"/>
-          <a:lstStyle>
-            <a:lvl1pPr marL="0" indent="0">
+            <a:lvl1pPr marL="0" indent="0" algn="l">
               <a:buNone/>
               <a:defRPr sz="2000">
                 <a:solidFill>
                   <a:schemeClr val="tx1">
-                    <a:tint val="75000"/>
+                    <a:lumMod val="50000"/>
+                    <a:lumOff val="50000"/>
                   </a:schemeClr>
                 </a:solidFill>
               </a:defRPr>
@@ -795,16 +3232,83 @@
           <a:p>
             <a:pPr lvl="0"/>
             <a:r>
-              <a:rPr lang="en-US" smtClean="0"/>
+              <a:rPr lang="en-US"/>
               <a:t>Edit Master text styles</a:t>
             </a:r>
+          </a:p>
+        </p:txBody>
+      </p:sp>
+      <p:sp>
+        <p:nvSpPr>
+          <p:cNvPr id="4" name="Date Placeholder 3"/>
+          <p:cNvSpPr>
+            <a:spLocks noGrp="1"/>
+          </p:cNvSpPr>
+          <p:nvPr>
+            <p:ph type="dt" sz="half" idx="10"/>
+          </p:nvPr>
+        </p:nvSpPr>
+        <p:spPr/>
+        <p:txBody>
+          <a:bodyPr/>
+          <a:lstStyle/>
+          <a:p>
+            <a:fld id="{B61BEF0D-F0BB-DE4B-95CE-6DB70DBA9567}" type="datetimeFigureOut">
+              <a:rPr lang="en-US" dirty="0"/>
+              <a:pPr/>
+              <a:t>6/7/2017</a:t>
+            </a:fld>
+            <a:endParaRPr lang="en-US" dirty="0"/>
+          </a:p>
+        </p:txBody>
+      </p:sp>
+      <p:sp>
+        <p:nvSpPr>
+          <p:cNvPr id="5" name="Footer Placeholder 4"/>
+          <p:cNvSpPr>
+            <a:spLocks noGrp="1"/>
+          </p:cNvSpPr>
+          <p:nvPr>
+            <p:ph type="ftr" sz="quarter" idx="11"/>
+          </p:nvPr>
+        </p:nvSpPr>
+        <p:spPr/>
+        <p:txBody>
+          <a:bodyPr/>
+          <a:lstStyle/>
+          <a:p>
+            <a:endParaRPr lang="en-US" dirty="0"/>
+          </a:p>
+        </p:txBody>
+      </p:sp>
+      <p:sp>
+        <p:nvSpPr>
+          <p:cNvPr id="6" name="Slide Number Placeholder 5"/>
+          <p:cNvSpPr>
+            <a:spLocks noGrp="1"/>
+          </p:cNvSpPr>
+          <p:nvPr>
+            <p:ph type="sldNum" sz="quarter" idx="12"/>
+          </p:nvPr>
+        </p:nvSpPr>
+        <p:spPr/>
+        <p:txBody>
+          <a:bodyPr/>
+          <a:lstStyle/>
+          <a:p>
+            <a:fld id="{D57F1E4F-1CFF-5643-939E-217C01CDF565}" type="slidenum">
+              <a:rPr lang="en-US" dirty="0"/>
+              <a:pPr/>
+              <a:t>‹#›</a:t>
+            </a:fld>
+            <a:endParaRPr lang="en-US" dirty="0"/>
           </a:p>
         </p:txBody>
       </p:sp>
     </p:spTree>
     <p:extLst>
       <p:ext uri="{BB962C8B-B14F-4D97-AF65-F5344CB8AC3E}">
-        <p14:creationId xmlns:p14="http://schemas.microsoft.com/office/powerpoint/2010/main" val="1985857805"/>
+        <p14:creationId xmlns:p14="http://schemas.microsoft.com/office/powerpoint/2010/main" val="2976245122"/>
       </p:ext>
     </p:extLst>
   </p:cSld>
@@ -847,7 +3351,7 @@
           <a:lstStyle/>
           <a:p>
             <a:r>
-              <a:rPr lang="en-US" smtClean="0"/>
+              <a:rPr lang="en-US"/>
               <a:t>Click to edit Master title style</a:t>
             </a:r>
             <a:endParaRPr lang="en-US" dirty="0"/>
@@ -866,76 +3370,48 @@
         </p:nvSpPr>
         <p:spPr>
           <a:xfrm>
-            <a:off x="609600" y="1600201"/>
-            <a:ext cx="5384800" cy="4525963"/>
+            <a:off x="677334" y="2160589"/>
+            <a:ext cx="4184035" cy="3880772"/>
           </a:xfrm>
         </p:spPr>
         <p:txBody>
           <a:bodyPr/>
-          <a:lstStyle>
-            <a:lvl1pPr>
-              <a:defRPr sz="2800"/>
-            </a:lvl1pPr>
-            <a:lvl2pPr>
-              <a:defRPr sz="2400"/>
-            </a:lvl2pPr>
-            <a:lvl3pPr>
-              <a:defRPr sz="2000"/>
-            </a:lvl3pPr>
-            <a:lvl4pPr>
-              <a:defRPr sz="1800"/>
-            </a:lvl4pPr>
-            <a:lvl5pPr>
-              <a:defRPr sz="1800"/>
-            </a:lvl5pPr>
-            <a:lvl6pPr>
-              <a:defRPr sz="1800"/>
-            </a:lvl6pPr>
-            <a:lvl7pPr>
-              <a:defRPr sz="1800"/>
-            </a:lvl7pPr>
-            <a:lvl8pPr>
-              <a:defRPr sz="1800"/>
-            </a:lvl8pPr>
-            <a:lvl9pPr>
-              <a:defRPr sz="1800"/>
-            </a:lvl9pPr>
-          </a:lstStyle>
+          <a:lstStyle/>
           <a:p>
             <a:pPr lvl="0"/>
             <a:r>
-              <a:rPr lang="en-US" smtClean="0"/>
+              <a:rPr lang="en-US"/>
               <a:t>Edit Master text styles</a:t>
             </a:r>
           </a:p>
           <a:p>
             <a:pPr lvl="1"/>
             <a:r>
-              <a:rPr lang="en-US" smtClean="0"/>
+              <a:rPr lang="en-US"/>
               <a:t>Second level</a:t>
             </a:r>
           </a:p>
           <a:p>
             <a:pPr lvl="2"/>
             <a:r>
-              <a:rPr lang="en-US" smtClean="0"/>
+              <a:rPr lang="en-US"/>
               <a:t>Third level</a:t>
             </a:r>
           </a:p>
           <a:p>
             <a:pPr lvl="3"/>
             <a:r>
-              <a:rPr lang="en-US" smtClean="0"/>
+              <a:rPr lang="en-US"/>
               <a:t>Fourth level</a:t>
             </a:r>
           </a:p>
           <a:p>
             <a:pPr lvl="4"/>
             <a:r>
-              <a:rPr lang="en-US" smtClean="0"/>
+              <a:rPr lang="en-US"/>
               <a:t>Fifth level</a:t>
             </a:r>
-            <a:endParaRPr lang="en-US"/>
+            <a:endParaRPr lang="en-US" dirty="0"/>
           </a:p>
         </p:txBody>
       </p:sp>
@@ -951,83 +3427,120 @@
         </p:nvSpPr>
         <p:spPr>
           <a:xfrm>
-            <a:off x="6197600" y="1600201"/>
-            <a:ext cx="5384800" cy="4525963"/>
+            <a:off x="5089970" y="2160589"/>
+            <a:ext cx="4184034" cy="3880773"/>
           </a:xfrm>
         </p:spPr>
         <p:txBody>
           <a:bodyPr/>
-          <a:lstStyle>
-            <a:lvl1pPr>
-              <a:defRPr sz="2800"/>
-            </a:lvl1pPr>
-            <a:lvl2pPr>
-              <a:defRPr sz="2400"/>
-            </a:lvl2pPr>
-            <a:lvl3pPr>
-              <a:defRPr sz="2000"/>
-            </a:lvl3pPr>
-            <a:lvl4pPr>
-              <a:defRPr sz="1800"/>
-            </a:lvl4pPr>
-            <a:lvl5pPr>
-              <a:defRPr sz="1800"/>
-            </a:lvl5pPr>
-            <a:lvl6pPr>
-              <a:defRPr sz="1800"/>
-            </a:lvl6pPr>
-            <a:lvl7pPr>
-              <a:defRPr sz="1800"/>
-            </a:lvl7pPr>
-            <a:lvl8pPr>
-              <a:defRPr sz="1800"/>
-            </a:lvl8pPr>
-            <a:lvl9pPr>
-              <a:defRPr sz="1800"/>
-            </a:lvl9pPr>
-          </a:lstStyle>
+          <a:lstStyle/>
           <a:p>
             <a:pPr lvl="0"/>
             <a:r>
-              <a:rPr lang="en-US" smtClean="0"/>
+              <a:rPr lang="en-US"/>
               <a:t>Edit Master text styles</a:t>
             </a:r>
           </a:p>
           <a:p>
             <a:pPr lvl="1"/>
             <a:r>
-              <a:rPr lang="en-US" smtClean="0"/>
+              <a:rPr lang="en-US"/>
               <a:t>Second level</a:t>
             </a:r>
           </a:p>
           <a:p>
             <a:pPr lvl="2"/>
             <a:r>
-              <a:rPr lang="en-US" smtClean="0"/>
+              <a:rPr lang="en-US"/>
               <a:t>Third level</a:t>
             </a:r>
           </a:p>
           <a:p>
             <a:pPr lvl="3"/>
             <a:r>
-              <a:rPr lang="en-US" smtClean="0"/>
+              <a:rPr lang="en-US"/>
               <a:t>Fourth level</a:t>
             </a:r>
           </a:p>
           <a:p>
             <a:pPr lvl="4"/>
             <a:r>
-              <a:rPr lang="en-US" smtClean="0"/>
+              <a:rPr lang="en-US"/>
               <a:t>Fifth level</a:t>
             </a:r>
-            <a:endParaRPr lang="en-US"/>
+            <a:endParaRPr lang="en-US" dirty="0"/>
+          </a:p>
+        </p:txBody>
+      </p:sp>
+      <p:sp>
+        <p:nvSpPr>
+          <p:cNvPr id="5" name="Date Placeholder 4"/>
+          <p:cNvSpPr>
+            <a:spLocks noGrp="1"/>
+          </p:cNvSpPr>
+          <p:nvPr>
+            <p:ph type="dt" sz="half" idx="10"/>
+          </p:nvPr>
+        </p:nvSpPr>
+        <p:spPr/>
+        <p:txBody>
+          <a:bodyPr/>
+          <a:lstStyle/>
+          <a:p>
+            <a:fld id="{EB712588-04B1-427B-82EE-E8DB90309F08}" type="datetimeFigureOut">
+              <a:rPr lang="en-US" dirty="0"/>
+              <a:t>6/7/2017</a:t>
+            </a:fld>
+            <a:endParaRPr lang="en-US" dirty="0"/>
+          </a:p>
+        </p:txBody>
+      </p:sp>
+      <p:sp>
+        <p:nvSpPr>
+          <p:cNvPr id="6" name="Footer Placeholder 5"/>
+          <p:cNvSpPr>
+            <a:spLocks noGrp="1"/>
+          </p:cNvSpPr>
+          <p:nvPr>
+            <p:ph type="ftr" sz="quarter" idx="11"/>
+          </p:nvPr>
+        </p:nvSpPr>
+        <p:spPr/>
+        <p:txBody>
+          <a:bodyPr/>
+          <a:lstStyle/>
+          <a:p>
+            <a:endParaRPr lang="en-US" dirty="0"/>
+          </a:p>
+        </p:txBody>
+      </p:sp>
+      <p:sp>
+        <p:nvSpPr>
+          <p:cNvPr id="7" name="Slide Number Placeholder 6"/>
+          <p:cNvSpPr>
+            <a:spLocks noGrp="1"/>
+          </p:cNvSpPr>
+          <p:nvPr>
+            <p:ph type="sldNum" sz="quarter" idx="12"/>
+          </p:nvPr>
+        </p:nvSpPr>
+        <p:spPr/>
+        <p:txBody>
+          <a:bodyPr/>
+          <a:lstStyle/>
+          <a:p>
+            <a:fld id="{6FF9F0C5-380F-41C2-899A-BAC0F0927E16}" type="slidenum">
+              <a:rPr lang="en-US" dirty="0"/>
+              <a:t>‹#›</a:t>
+            </a:fld>
+            <a:endParaRPr lang="en-US" dirty="0"/>
           </a:p>
         </p:txBody>
       </p:sp>
     </p:spTree>
     <p:extLst>
       <p:ext uri="{BB962C8B-B14F-4D97-AF65-F5344CB8AC3E}">
-        <p14:creationId xmlns:p14="http://schemas.microsoft.com/office/powerpoint/2010/main" val="229058881"/>
+        <p14:creationId xmlns:p14="http://schemas.microsoft.com/office/powerpoint/2010/main" val="2586985059"/>
       </p:ext>
     </p:extLst>
   </p:cSld>
@@ -1074,10 +3587,10 @@
           </a:lstStyle>
           <a:p>
             <a:r>
-              <a:rPr lang="en-US" smtClean="0"/>
+              <a:rPr lang="en-US"/>
               <a:t>Click to edit Master title style</a:t>
             </a:r>
-            <a:endParaRPr lang="en-US"/>
+            <a:endParaRPr lang="en-US" dirty="0"/>
           </a:p>
         </p:txBody>
       </p:sp>
@@ -1093,16 +3606,18 @@
         </p:nvSpPr>
         <p:spPr>
           <a:xfrm>
-            <a:off x="609600" y="1535113"/>
-            <a:ext cx="5386917" cy="639762"/>
+            <a:off x="675745" y="2160983"/>
+            <a:ext cx="4185623" cy="576262"/>
           </a:xfrm>
         </p:spPr>
         <p:txBody>
-          <a:bodyPr anchor="b"/>
+          <a:bodyPr anchor="b">
+            <a:noAutofit/>
+          </a:bodyPr>
           <a:lstStyle>
             <a:lvl1pPr marL="0" indent="0">
               <a:buNone/>
-              <a:defRPr sz="2400" b="1"/>
+              <a:defRPr sz="2400" b="0"/>
             </a:lvl1pPr>
             <a:lvl2pPr marL="457200" indent="0">
               <a:buNone/>
@@ -1140,7 +3655,7 @@
           <a:p>
             <a:pPr lvl="0"/>
             <a:r>
-              <a:rPr lang="en-US" smtClean="0"/>
+              <a:rPr lang="en-US"/>
               <a:t>Edit Master text styles</a:t>
             </a:r>
           </a:p>
@@ -1158,76 +3673,50 @@
         </p:nvSpPr>
         <p:spPr>
           <a:xfrm>
-            <a:off x="609600" y="2174875"/>
-            <a:ext cx="5386917" cy="3951288"/>
+            <a:off x="675745" y="2737245"/>
+            <a:ext cx="4185623" cy="3304117"/>
           </a:xfrm>
         </p:spPr>
         <p:txBody>
-          <a:bodyPr/>
-          <a:lstStyle>
-            <a:lvl1pPr>
-              <a:defRPr sz="2400"/>
-            </a:lvl1pPr>
-            <a:lvl2pPr>
-              <a:defRPr sz="2000"/>
-            </a:lvl2pPr>
-            <a:lvl3pPr>
-              <a:defRPr sz="1800"/>
-            </a:lvl3pPr>
-            <a:lvl4pPr>
-              <a:defRPr sz="1600"/>
-            </a:lvl4pPr>
-            <a:lvl5pPr>
-              <a:defRPr sz="1600"/>
-            </a:lvl5pPr>
-            <a:lvl6pPr>
-              <a:defRPr sz="1600"/>
-            </a:lvl6pPr>
-            <a:lvl7pPr>
-              <a:defRPr sz="1600"/>
-            </a:lvl7pPr>
-            <a:lvl8pPr>
-              <a:defRPr sz="1600"/>
-            </a:lvl8pPr>
-            <a:lvl9pPr>
-              <a:defRPr sz="1600"/>
-            </a:lvl9pPr>
-          </a:lstStyle>
+          <a:bodyPr>
+            <a:normAutofit/>
+          </a:bodyPr>
+          <a:lstStyle/>
           <a:p>
             <a:pPr lvl="0"/>
             <a:r>
-              <a:rPr lang="en-US" smtClean="0"/>
+              <a:rPr lang="en-US"/>
               <a:t>Edit Master text styles</a:t>
             </a:r>
           </a:p>
           <a:p>
             <a:pPr lvl="1"/>
             <a:r>
-              <a:rPr lang="en-US" smtClean="0"/>
+              <a:rPr lang="en-US"/>
               <a:t>Second level</a:t>
             </a:r>
           </a:p>
           <a:p>
             <a:pPr lvl="2"/>
             <a:r>
-              <a:rPr lang="en-US" smtClean="0"/>
+              <a:rPr lang="en-US"/>
               <a:t>Third level</a:t>
             </a:r>
           </a:p>
           <a:p>
             <a:pPr lvl="3"/>
             <a:r>
-              <a:rPr lang="en-US" smtClean="0"/>
+              <a:rPr lang="en-US"/>
               <a:t>Fourth level</a:t>
             </a:r>
           </a:p>
           <a:p>
             <a:pPr lvl="4"/>
             <a:r>
-              <a:rPr lang="en-US" smtClean="0"/>
+              <a:rPr lang="en-US"/>
               <a:t>Fifth level</a:t>
             </a:r>
-            <a:endParaRPr lang="en-US"/>
+            <a:endParaRPr lang="en-US" dirty="0"/>
           </a:p>
         </p:txBody>
       </p:sp>
@@ -1243,16 +3732,18 @@
         </p:nvSpPr>
         <p:spPr>
           <a:xfrm>
-            <a:off x="6193368" y="1535113"/>
-            <a:ext cx="5389033" cy="639762"/>
+            <a:off x="5088383" y="2160983"/>
+            <a:ext cx="4185618" cy="576262"/>
           </a:xfrm>
         </p:spPr>
         <p:txBody>
-          <a:bodyPr anchor="b"/>
+          <a:bodyPr anchor="b">
+            <a:noAutofit/>
+          </a:bodyPr>
           <a:lstStyle>
             <a:lvl1pPr marL="0" indent="0">
               <a:buNone/>
-              <a:defRPr sz="2400" b="1"/>
+              <a:defRPr sz="2400" b="0"/>
             </a:lvl1pPr>
             <a:lvl2pPr marL="457200" indent="0">
               <a:buNone/>
@@ -1290,7 +3781,7 @@
           <a:p>
             <a:pPr lvl="0"/>
             <a:r>
-              <a:rPr lang="en-US" smtClean="0"/>
+              <a:rPr lang="en-US"/>
               <a:t>Edit Master text styles</a:t>
             </a:r>
           </a:p>
@@ -1308,83 +3799,124 @@
         </p:nvSpPr>
         <p:spPr>
           <a:xfrm>
-            <a:off x="6193368" y="2174875"/>
-            <a:ext cx="5389033" cy="3951288"/>
+            <a:off x="5088384" y="2737245"/>
+            <a:ext cx="4185617" cy="3304117"/>
           </a:xfrm>
         </p:spPr>
         <p:txBody>
+          <a:bodyPr>
+            <a:normAutofit/>
+          </a:bodyPr>
+          <a:lstStyle/>
+          <a:p>
+            <a:pPr lvl="0"/>
+            <a:r>
+              <a:rPr lang="en-US"/>
+              <a:t>Edit Master text styles</a:t>
+            </a:r>
+          </a:p>
+          <a:p>
+            <a:pPr lvl="1"/>
+            <a:r>
+              <a:rPr lang="en-US"/>
+              <a:t>Second level</a:t>
+            </a:r>
+          </a:p>
+          <a:p>
+            <a:pPr lvl="2"/>
+            <a:r>
+              <a:rPr lang="en-US"/>
+              <a:t>Third level</a:t>
+            </a:r>
+          </a:p>
+          <a:p>
+            <a:pPr lvl="3"/>
+            <a:r>
+              <a:rPr lang="en-US"/>
+              <a:t>Fourth level</a:t>
+            </a:r>
+          </a:p>
+          <a:p>
+            <a:pPr lvl="4"/>
+            <a:r>
+              <a:rPr lang="en-US"/>
+              <a:t>Fifth level</a:t>
+            </a:r>
+            <a:endParaRPr lang="en-US" dirty="0"/>
+          </a:p>
+        </p:txBody>
+      </p:sp>
+      <p:sp>
+        <p:nvSpPr>
+          <p:cNvPr id="7" name="Date Placeholder 6"/>
+          <p:cNvSpPr>
+            <a:spLocks noGrp="1"/>
+          </p:cNvSpPr>
+          <p:nvPr>
+            <p:ph type="dt" sz="half" idx="10"/>
+          </p:nvPr>
+        </p:nvSpPr>
+        <p:spPr/>
+        <p:txBody>
           <a:bodyPr/>
-          <a:lstStyle>
-            <a:lvl1pPr>
-              <a:defRPr sz="2400"/>
-            </a:lvl1pPr>
-            <a:lvl2pPr>
-              <a:defRPr sz="2000"/>
-            </a:lvl2pPr>
-            <a:lvl3pPr>
-              <a:defRPr sz="1800"/>
-            </a:lvl3pPr>
-            <a:lvl4pPr>
-              <a:defRPr sz="1600"/>
-            </a:lvl4pPr>
-            <a:lvl5pPr>
-              <a:defRPr sz="1600"/>
-            </a:lvl5pPr>
-            <a:lvl6pPr>
-              <a:defRPr sz="1600"/>
-            </a:lvl6pPr>
-            <a:lvl7pPr>
-              <a:defRPr sz="1600"/>
-            </a:lvl7pPr>
-            <a:lvl8pPr>
-              <a:defRPr sz="1600"/>
-            </a:lvl8pPr>
-            <a:lvl9pPr>
-              <a:defRPr sz="1600"/>
-            </a:lvl9pPr>
-          </a:lstStyle>
-          <a:p>
-            <a:pPr lvl="0"/>
-            <a:r>
-              <a:rPr lang="en-US" smtClean="0"/>
-              <a:t>Edit Master text styles</a:t>
-            </a:r>
-          </a:p>
-          <a:p>
-            <a:pPr lvl="1"/>
-            <a:r>
-              <a:rPr lang="en-US" smtClean="0"/>
-              <a:t>Second level</a:t>
-            </a:r>
-          </a:p>
-          <a:p>
-            <a:pPr lvl="2"/>
-            <a:r>
-              <a:rPr lang="en-US" smtClean="0"/>
-              <a:t>Third level</a:t>
-            </a:r>
-          </a:p>
-          <a:p>
-            <a:pPr lvl="3"/>
-            <a:r>
-              <a:rPr lang="en-US" smtClean="0"/>
-              <a:t>Fourth level</a:t>
-            </a:r>
-          </a:p>
-          <a:p>
-            <a:pPr lvl="4"/>
-            <a:r>
-              <a:rPr lang="en-US" smtClean="0"/>
-              <a:t>Fifth level</a:t>
-            </a:r>
-            <a:endParaRPr lang="en-US"/>
+          <a:lstStyle/>
+          <a:p>
+            <a:fld id="{B61BEF0D-F0BB-DE4B-95CE-6DB70DBA9567}" type="datetimeFigureOut">
+              <a:rPr lang="en-US" dirty="0"/>
+              <a:pPr/>
+              <a:t>6/7/2017</a:t>
+            </a:fld>
+            <a:endParaRPr lang="en-US" dirty="0"/>
+          </a:p>
+        </p:txBody>
+      </p:sp>
+      <p:sp>
+        <p:nvSpPr>
+          <p:cNvPr id="8" name="Footer Placeholder 7"/>
+          <p:cNvSpPr>
+            <a:spLocks noGrp="1"/>
+          </p:cNvSpPr>
+          <p:nvPr>
+            <p:ph type="ftr" sz="quarter" idx="11"/>
+          </p:nvPr>
+        </p:nvSpPr>
+        <p:spPr/>
+        <p:txBody>
+          <a:bodyPr/>
+          <a:lstStyle/>
+          <a:p>
+            <a:endParaRPr lang="en-US" dirty="0"/>
+          </a:p>
+        </p:txBody>
+      </p:sp>
+      <p:sp>
+        <p:nvSpPr>
+          <p:cNvPr id="9" name="Slide Number Placeholder 8"/>
+          <p:cNvSpPr>
+            <a:spLocks noGrp="1"/>
+          </p:cNvSpPr>
+          <p:nvPr>
+            <p:ph type="sldNum" sz="quarter" idx="12"/>
+          </p:nvPr>
+        </p:nvSpPr>
+        <p:spPr/>
+        <p:txBody>
+          <a:bodyPr/>
+          <a:lstStyle/>
+          <a:p>
+            <a:fld id="{D57F1E4F-1CFF-5643-939E-217C01CDF565}" type="slidenum">
+              <a:rPr lang="en-US" dirty="0"/>
+              <a:pPr/>
+              <a:t>‹#›</a:t>
+            </a:fld>
+            <a:endParaRPr lang="en-US" dirty="0"/>
           </a:p>
         </p:txBody>
       </p:sp>
     </p:spTree>
     <p:extLst>
       <p:ext uri="{BB962C8B-B14F-4D97-AF65-F5344CB8AC3E}">
-        <p14:creationId xmlns:p14="http://schemas.microsoft.com/office/powerpoint/2010/main" val="3778580533"/>
+        <p14:creationId xmlns:p14="http://schemas.microsoft.com/office/powerpoint/2010/main" val="1636996385"/>
       </p:ext>
     </p:extLst>
   </p:cSld>
@@ -1421,23 +3953,95 @@
             <p:ph type="title"/>
           </p:nvPr>
         </p:nvSpPr>
+        <p:spPr>
+          <a:xfrm>
+            <a:off x="677334" y="609600"/>
+            <a:ext cx="8596668" cy="1320800"/>
+          </a:xfrm>
+        </p:spPr>
+        <p:txBody>
+          <a:bodyPr/>
+          <a:lstStyle/>
+          <a:p>
+            <a:r>
+              <a:rPr lang="en-US"/>
+              <a:t>Click to edit Master title style</a:t>
+            </a:r>
+            <a:endParaRPr lang="en-US" dirty="0"/>
+          </a:p>
+        </p:txBody>
+      </p:sp>
+      <p:sp>
+        <p:nvSpPr>
+          <p:cNvPr id="3" name="Date Placeholder 2"/>
+          <p:cNvSpPr>
+            <a:spLocks noGrp="1"/>
+          </p:cNvSpPr>
+          <p:nvPr>
+            <p:ph type="dt" sz="half" idx="10"/>
+          </p:nvPr>
+        </p:nvSpPr>
         <p:spPr/>
         <p:txBody>
           <a:bodyPr/>
           <a:lstStyle/>
           <a:p>
-            <a:r>
-              <a:rPr lang="en-US" smtClean="0"/>
-              <a:t>Click to edit Master title style</a:t>
-            </a:r>
-            <a:endParaRPr lang="en-US"/>
+            <a:fld id="{B61BEF0D-F0BB-DE4B-95CE-6DB70DBA9567}" type="datetimeFigureOut">
+              <a:rPr lang="en-US" dirty="0"/>
+              <a:pPr/>
+              <a:t>6/7/2017</a:t>
+            </a:fld>
+            <a:endParaRPr lang="en-US" dirty="0"/>
+          </a:p>
+        </p:txBody>
+      </p:sp>
+      <p:sp>
+        <p:nvSpPr>
+          <p:cNvPr id="4" name="Footer Placeholder 3"/>
+          <p:cNvSpPr>
+            <a:spLocks noGrp="1"/>
+          </p:cNvSpPr>
+          <p:nvPr>
+            <p:ph type="ftr" sz="quarter" idx="11"/>
+          </p:nvPr>
+        </p:nvSpPr>
+        <p:spPr/>
+        <p:txBody>
+          <a:bodyPr/>
+          <a:lstStyle/>
+          <a:p>
+            <a:endParaRPr lang="en-US" dirty="0"/>
+          </a:p>
+        </p:txBody>
+      </p:sp>
+      <p:sp>
+        <p:nvSpPr>
+          <p:cNvPr id="5" name="Slide Number Placeholder 4"/>
+          <p:cNvSpPr>
+            <a:spLocks noGrp="1"/>
+          </p:cNvSpPr>
+          <p:nvPr>
+            <p:ph type="sldNum" sz="quarter" idx="12"/>
+          </p:nvPr>
+        </p:nvSpPr>
+        <p:spPr/>
+        <p:txBody>
+          <a:bodyPr/>
+          <a:lstStyle/>
+          <a:p>
+            <a:fld id="{D57F1E4F-1CFF-5643-939E-217C01CDF565}" type="slidenum">
+              <a:rPr lang="en-US" dirty="0"/>
+              <a:pPr/>
+              <a:t>‹#›</a:t>
+            </a:fld>
+            <a:endParaRPr lang="en-US" dirty="0"/>
           </a:p>
         </p:txBody>
       </p:sp>
     </p:spTree>
     <p:extLst>
       <p:ext uri="{BB962C8B-B14F-4D97-AF65-F5344CB8AC3E}">
-        <p14:creationId xmlns:p14="http://schemas.microsoft.com/office/powerpoint/2010/main" val="2530487169"/>
+        <p14:creationId xmlns:p14="http://schemas.microsoft.com/office/powerpoint/2010/main" val="270811320"/>
       </p:ext>
     </p:extLst>
   </p:cSld>
@@ -1464,10 +4068,77 @@
           <a:chExt cx="0" cy="0"/>
         </a:xfrm>
       </p:grpSpPr>
+      <p:sp>
+        <p:nvSpPr>
+          <p:cNvPr id="2" name="Date Placeholder 1"/>
+          <p:cNvSpPr>
+            <a:spLocks noGrp="1"/>
+          </p:cNvSpPr>
+          <p:nvPr>
+            <p:ph type="dt" sz="half" idx="10"/>
+          </p:nvPr>
+        </p:nvSpPr>
+        <p:spPr/>
+        <p:txBody>
+          <a:bodyPr/>
+          <a:lstStyle/>
+          <a:p>
+            <a:fld id="{B61BEF0D-F0BB-DE4B-95CE-6DB70DBA9567}" type="datetimeFigureOut">
+              <a:rPr lang="en-US" dirty="0"/>
+              <a:pPr/>
+              <a:t>6/7/2017</a:t>
+            </a:fld>
+            <a:endParaRPr lang="en-US" dirty="0"/>
+          </a:p>
+        </p:txBody>
+      </p:sp>
+      <p:sp>
+        <p:nvSpPr>
+          <p:cNvPr id="3" name="Footer Placeholder 2"/>
+          <p:cNvSpPr>
+            <a:spLocks noGrp="1"/>
+          </p:cNvSpPr>
+          <p:nvPr>
+            <p:ph type="ftr" sz="quarter" idx="11"/>
+          </p:nvPr>
+        </p:nvSpPr>
+        <p:spPr/>
+        <p:txBody>
+          <a:bodyPr/>
+          <a:lstStyle/>
+          <a:p>
+            <a:endParaRPr lang="en-US" dirty="0"/>
+          </a:p>
+        </p:txBody>
+      </p:sp>
+      <p:sp>
+        <p:nvSpPr>
+          <p:cNvPr id="4" name="Slide Number Placeholder 3"/>
+          <p:cNvSpPr>
+            <a:spLocks noGrp="1"/>
+          </p:cNvSpPr>
+          <p:nvPr>
+            <p:ph type="sldNum" sz="quarter" idx="12"/>
+          </p:nvPr>
+        </p:nvSpPr>
+        <p:spPr/>
+        <p:txBody>
+          <a:bodyPr/>
+          <a:lstStyle/>
+          <a:p>
+            <a:fld id="{D57F1E4F-1CFF-5643-939E-217C01CDF565}" type="slidenum">
+              <a:rPr lang="en-US" dirty="0"/>
+              <a:pPr/>
+              <a:t>‹#›</a:t>
+            </a:fld>
+            <a:endParaRPr lang="en-US" dirty="0"/>
+          </a:p>
+        </p:txBody>
+      </p:sp>
     </p:spTree>
     <p:extLst>
       <p:ext uri="{BB962C8B-B14F-4D97-AF65-F5344CB8AC3E}">
-        <p14:creationId xmlns:p14="http://schemas.microsoft.com/office/powerpoint/2010/main" val="3824025730"/>
+        <p14:creationId xmlns:p14="http://schemas.microsoft.com/office/powerpoint/2010/main" val="2928336998"/>
       </p:ext>
     </p:extLst>
   </p:cSld>
@@ -1506,23 +4177,25 @@
         </p:nvSpPr>
         <p:spPr>
           <a:xfrm>
-            <a:off x="609601" y="273050"/>
-            <a:ext cx="4011084" cy="1162050"/>
+            <a:off x="677334" y="1498604"/>
+            <a:ext cx="3854528" cy="1278466"/>
           </a:xfrm>
         </p:spPr>
         <p:txBody>
-          <a:bodyPr anchor="b"/>
+          <a:bodyPr anchor="b">
+            <a:normAutofit/>
+          </a:bodyPr>
           <a:lstStyle>
-            <a:lvl1pPr algn="l">
-              <a:defRPr sz="2000" b="1"/>
+            <a:lvl1pPr>
+              <a:defRPr sz="2000"/>
             </a:lvl1pPr>
           </a:lstStyle>
           <a:p>
             <a:r>
-              <a:rPr lang="en-US" smtClean="0"/>
+              <a:rPr lang="en-US"/>
               <a:t>Click to edit Master title style</a:t>
             </a:r>
-            <a:endParaRPr lang="en-US"/>
+            <a:endParaRPr lang="en-US" dirty="0"/>
           </a:p>
         </p:txBody>
       </p:sp>
@@ -1538,148 +4211,189 @@
         </p:nvSpPr>
         <p:spPr>
           <a:xfrm>
-            <a:off x="4766733" y="273051"/>
-            <a:ext cx="6815667" cy="5853113"/>
+            <a:off x="4760461" y="514924"/>
+            <a:ext cx="4513541" cy="5526437"/>
           </a:xfrm>
         </p:spPr>
         <p:txBody>
-          <a:bodyPr/>
+          <a:bodyPr>
+            <a:normAutofit/>
+          </a:bodyPr>
+          <a:lstStyle/>
+          <a:p>
+            <a:pPr lvl="0"/>
+            <a:r>
+              <a:rPr lang="en-US"/>
+              <a:t>Edit Master text styles</a:t>
+            </a:r>
+          </a:p>
+          <a:p>
+            <a:pPr lvl="1"/>
+            <a:r>
+              <a:rPr lang="en-US"/>
+              <a:t>Second level</a:t>
+            </a:r>
+          </a:p>
+          <a:p>
+            <a:pPr lvl="2"/>
+            <a:r>
+              <a:rPr lang="en-US"/>
+              <a:t>Third level</a:t>
+            </a:r>
+          </a:p>
+          <a:p>
+            <a:pPr lvl="3"/>
+            <a:r>
+              <a:rPr lang="en-US"/>
+              <a:t>Fourth level</a:t>
+            </a:r>
+          </a:p>
+          <a:p>
+            <a:pPr lvl="4"/>
+            <a:r>
+              <a:rPr lang="en-US"/>
+              <a:t>Fifth level</a:t>
+            </a:r>
+            <a:endParaRPr lang="en-US" dirty="0"/>
+          </a:p>
+        </p:txBody>
+      </p:sp>
+      <p:sp>
+        <p:nvSpPr>
+          <p:cNvPr id="4" name="Text Placeholder 3"/>
+          <p:cNvSpPr>
+            <a:spLocks noGrp="1"/>
+          </p:cNvSpPr>
+          <p:nvPr>
+            <p:ph type="body" sz="half" idx="2"/>
+          </p:nvPr>
+        </p:nvSpPr>
+        <p:spPr>
+          <a:xfrm>
+            <a:off x="677334" y="2777069"/>
+            <a:ext cx="3854528" cy="2584449"/>
+          </a:xfrm>
+        </p:spPr>
+        <p:txBody>
+          <a:bodyPr>
+            <a:normAutofit/>
+          </a:bodyPr>
           <a:lstStyle>
-            <a:lvl1pPr>
-              <a:defRPr sz="3200"/>
+            <a:lvl1pPr marL="0" indent="0">
+              <a:buNone/>
+              <a:defRPr sz="1400"/>
             </a:lvl1pPr>
-            <a:lvl2pPr>
-              <a:defRPr sz="2800"/>
+            <a:lvl2pPr marL="457063" indent="0">
+              <a:buNone/>
+              <a:defRPr sz="1400"/>
             </a:lvl2pPr>
-            <a:lvl3pPr>
-              <a:defRPr sz="2400"/>
+            <a:lvl3pPr marL="914126" indent="0">
+              <a:buNone/>
+              <a:defRPr sz="1200"/>
             </a:lvl3pPr>
-            <a:lvl4pPr>
-              <a:defRPr sz="2000"/>
+            <a:lvl4pPr marL="1371189" indent="0">
+              <a:buNone/>
+              <a:defRPr sz="1000"/>
             </a:lvl4pPr>
-            <a:lvl5pPr>
-              <a:defRPr sz="2000"/>
+            <a:lvl5pPr marL="1828251" indent="0">
+              <a:buNone/>
+              <a:defRPr sz="1000"/>
             </a:lvl5pPr>
-            <a:lvl6pPr>
-              <a:defRPr sz="2000"/>
+            <a:lvl6pPr marL="2285314" indent="0">
+              <a:buNone/>
+              <a:defRPr sz="1000"/>
             </a:lvl6pPr>
-            <a:lvl7pPr>
-              <a:defRPr sz="2000"/>
+            <a:lvl7pPr marL="2742377" indent="0">
+              <a:buNone/>
+              <a:defRPr sz="1000"/>
             </a:lvl7pPr>
-            <a:lvl8pPr>
-              <a:defRPr sz="2000"/>
+            <a:lvl8pPr marL="3199440" indent="0">
+              <a:buNone/>
+              <a:defRPr sz="1000"/>
             </a:lvl8pPr>
-            <a:lvl9pPr>
-              <a:defRPr sz="2000"/>
+            <a:lvl9pPr marL="3656503" indent="0">
+              <a:buNone/>
+              <a:defRPr sz="1000"/>
             </a:lvl9pPr>
           </a:lstStyle>
           <a:p>
             <a:pPr lvl="0"/>
             <a:r>
-              <a:rPr lang="en-US" smtClean="0"/>
+              <a:rPr lang="en-US"/>
               <a:t>Edit Master text styles</a:t>
             </a:r>
           </a:p>
-          <a:p>
-            <a:pPr lvl="1"/>
-            <a:r>
-              <a:rPr lang="en-US" smtClean="0"/>
-              <a:t>Second level</a:t>
-            </a:r>
-          </a:p>
-          <a:p>
-            <a:pPr lvl="2"/>
-            <a:r>
-              <a:rPr lang="en-US" smtClean="0"/>
-              <a:t>Third level</a:t>
-            </a:r>
-          </a:p>
-          <a:p>
-            <a:pPr lvl="3"/>
-            <a:r>
-              <a:rPr lang="en-US" smtClean="0"/>
-              <a:t>Fourth level</a:t>
-            </a:r>
-          </a:p>
-          <a:p>
-            <a:pPr lvl="4"/>
-            <a:r>
-              <a:rPr lang="en-US" smtClean="0"/>
-              <a:t>Fifth level</a:t>
-            </a:r>
-            <a:endParaRPr lang="en-US"/>
-          </a:p>
-        </p:txBody>
-      </p:sp>
-      <p:sp>
-        <p:nvSpPr>
-          <p:cNvPr id="4" name="Text Placeholder 3"/>
-          <p:cNvSpPr>
-            <a:spLocks noGrp="1"/>
-          </p:cNvSpPr>
-          <p:nvPr>
-            <p:ph type="body" sz="half" idx="2"/>
-          </p:nvPr>
-        </p:nvSpPr>
-        <p:spPr>
-          <a:xfrm>
-            <a:off x="609601" y="1435101"/>
-            <a:ext cx="4011084" cy="4691063"/>
-          </a:xfrm>
-        </p:spPr>
+        </p:txBody>
+      </p:sp>
+      <p:sp>
+        <p:nvSpPr>
+          <p:cNvPr id="5" name="Date Placeholder 4"/>
+          <p:cNvSpPr>
+            <a:spLocks noGrp="1"/>
+          </p:cNvSpPr>
+          <p:nvPr>
+            <p:ph type="dt" sz="half" idx="10"/>
+          </p:nvPr>
+        </p:nvSpPr>
+        <p:spPr/>
         <p:txBody>
           <a:bodyPr/>
-          <a:lstStyle>
-            <a:lvl1pPr marL="0" indent="0">
-              <a:buNone/>
-              <a:defRPr sz="1400"/>
-            </a:lvl1pPr>
-            <a:lvl2pPr marL="457200" indent="0">
-              <a:buNone/>
-              <a:defRPr sz="1200"/>
-            </a:lvl2pPr>
-            <a:lvl3pPr marL="914400" indent="0">
-              <a:buNone/>
-              <a:defRPr sz="1000"/>
-            </a:lvl3pPr>
-            <a:lvl4pPr marL="1371600" indent="0">
-              <a:buNone/>
-              <a:defRPr sz="900"/>
-            </a:lvl4pPr>
-            <a:lvl5pPr marL="1828800" indent="0">
-              <a:buNone/>
-              <a:defRPr sz="900"/>
-            </a:lvl5pPr>
-            <a:lvl6pPr marL="2286000" indent="0">
-              <a:buNone/>
-              <a:defRPr sz="900"/>
-            </a:lvl6pPr>
-            <a:lvl7pPr marL="2743200" indent="0">
-              <a:buNone/>
-              <a:defRPr sz="900"/>
-            </a:lvl7pPr>
-            <a:lvl8pPr marL="3200400" indent="0">
-              <a:buNone/>
-              <a:defRPr sz="900"/>
-            </a:lvl8pPr>
-            <a:lvl9pPr marL="3657600" indent="0">
-              <a:buNone/>
-              <a:defRPr sz="900"/>
-            </a:lvl9pPr>
-          </a:lstStyle>
-          <a:p>
-            <a:pPr lvl="0"/>
-            <a:r>
-              <a:rPr lang="en-US" smtClean="0"/>
-              <a:t>Edit Master text styles</a:t>
-            </a:r>
+          <a:lstStyle/>
+          <a:p>
+            <a:fld id="{42A54C80-263E-416B-A8E0-580EDEADCBDC}" type="datetimeFigureOut">
+              <a:rPr lang="en-US" dirty="0"/>
+              <a:t>6/7/2017</a:t>
+            </a:fld>
+            <a:endParaRPr lang="en-US" dirty="0"/>
+          </a:p>
+        </p:txBody>
+      </p:sp>
+      <p:sp>
+        <p:nvSpPr>
+          <p:cNvPr id="6" name="Footer Placeholder 5"/>
+          <p:cNvSpPr>
+            <a:spLocks noGrp="1"/>
+          </p:cNvSpPr>
+          <p:nvPr>
+            <p:ph type="ftr" sz="quarter" idx="11"/>
+          </p:nvPr>
+        </p:nvSpPr>
+        <p:spPr/>
+        <p:txBody>
+          <a:bodyPr/>
+          <a:lstStyle/>
+          <a:p>
+            <a:endParaRPr lang="en-US" dirty="0"/>
+          </a:p>
+        </p:txBody>
+      </p:sp>
+      <p:sp>
+        <p:nvSpPr>
+          <p:cNvPr id="7" name="Slide Number Placeholder 6"/>
+          <p:cNvSpPr>
+            <a:spLocks noGrp="1"/>
+          </p:cNvSpPr>
+          <p:nvPr>
+            <p:ph type="sldNum" sz="quarter" idx="12"/>
+          </p:nvPr>
+        </p:nvSpPr>
+        <p:spPr/>
+        <p:txBody>
+          <a:bodyPr/>
+          <a:lstStyle/>
+          <a:p>
+            <a:fld id="{519954A3-9DFD-4C44-94BA-B95130A3BA1C}" type="slidenum">
+              <a:rPr lang="en-US" dirty="0"/>
+              <a:t>‹#›</a:t>
+            </a:fld>
+            <a:endParaRPr lang="en-US" dirty="0"/>
           </a:p>
         </p:txBody>
       </p:sp>
     </p:spTree>
     <p:extLst>
       <p:ext uri="{BB962C8B-B14F-4D97-AF65-F5344CB8AC3E}">
-        <p14:creationId xmlns:p14="http://schemas.microsoft.com/office/powerpoint/2010/main" val="3315547651"/>
+        <p14:creationId xmlns:p14="http://schemas.microsoft.com/office/powerpoint/2010/main" val="1738621490"/>
       </p:ext>
     </p:extLst>
   </p:cSld>
@@ -1718,23 +4432,25 @@
         </p:nvSpPr>
         <p:spPr>
           <a:xfrm>
-            <a:off x="2389717" y="4800600"/>
-            <a:ext cx="7315200" cy="566738"/>
+            <a:off x="677334" y="4800600"/>
+            <a:ext cx="8596667" cy="566738"/>
           </a:xfrm>
         </p:spPr>
         <p:txBody>
-          <a:bodyPr anchor="b"/>
+          <a:bodyPr anchor="b">
+            <a:normAutofit/>
+          </a:bodyPr>
           <a:lstStyle>
             <a:lvl1pPr algn="l">
-              <a:defRPr sz="2000" b="1"/>
+              <a:defRPr sz="2400" b="0"/>
             </a:lvl1pPr>
           </a:lstStyle>
           <a:p>
             <a:r>
-              <a:rPr lang="en-US" smtClean="0"/>
+              <a:rPr lang="en-US"/>
               <a:t>Click to edit Master title style</a:t>
             </a:r>
-            <a:endParaRPr lang="en-US"/>
+            <a:endParaRPr lang="en-US" dirty="0"/>
           </a:p>
         </p:txBody>
       </p:sp>
@@ -1742,7 +4458,7 @@
         <p:nvSpPr>
           <p:cNvPr id="3" name="Picture Placeholder 2"/>
           <p:cNvSpPr>
-            <a:spLocks noGrp="1"/>
+            <a:spLocks noGrp="1" noChangeAspect="1"/>
           </p:cNvSpPr>
           <p:nvPr>
             <p:ph type="pic" idx="1"/>
@@ -1750,81 +4466,85 @@
         </p:nvSpPr>
         <p:spPr>
           <a:xfrm>
-            <a:off x="2389717" y="612775"/>
-            <a:ext cx="7315200" cy="4114800"/>
+            <a:off x="677334" y="609600"/>
+            <a:ext cx="8596668" cy="3845718"/>
           </a:xfrm>
         </p:spPr>
         <p:txBody>
-          <a:bodyPr/>
+          <a:bodyPr anchor="t">
+            <a:normAutofit/>
+          </a:bodyPr>
+          <a:lstStyle>
+            <a:lvl1pPr marL="0" indent="0" algn="ctr">
+              <a:buNone/>
+              <a:defRPr sz="1600"/>
+            </a:lvl1pPr>
+            <a:lvl2pPr marL="457200" indent="0">
+              <a:buNone/>
+              <a:defRPr sz="1600"/>
+            </a:lvl2pPr>
+            <a:lvl3pPr marL="914400" indent="0">
+              <a:buNone/>
+              <a:defRPr sz="1600"/>
+            </a:lvl3pPr>
+            <a:lvl4pPr marL="1371600" indent="0">
+              <a:buNone/>
+              <a:defRPr sz="1600"/>
+            </a:lvl4pPr>
+            <a:lvl5pPr marL="1828800" indent="0">
+              <a:buNone/>
+              <a:defRPr sz="1600"/>
+            </a:lvl5pPr>
+            <a:lvl6pPr marL="2286000" indent="0">
+              <a:buNone/>
+              <a:defRPr sz="1600"/>
+            </a:lvl6pPr>
+            <a:lvl7pPr marL="2743200" indent="0">
+              <a:buNone/>
+              <a:defRPr sz="1600"/>
+            </a:lvl7pPr>
+            <a:lvl8pPr marL="3200400" indent="0">
+              <a:buNone/>
+              <a:defRPr sz="1600"/>
+            </a:lvl8pPr>
+            <a:lvl9pPr marL="3657600" indent="0">
+              <a:buNone/>
+              <a:defRPr sz="1600"/>
+            </a:lvl9pPr>
+          </a:lstStyle>
+          <a:p>
+            <a:r>
+              <a:rPr lang="en-US"/>
+              <a:t>Click icon to add picture</a:t>
+            </a:r>
+            <a:endParaRPr lang="en-US" dirty="0"/>
+          </a:p>
+        </p:txBody>
+      </p:sp>
+      <p:sp>
+        <p:nvSpPr>
+          <p:cNvPr id="4" name="Text Placeholder 3"/>
+          <p:cNvSpPr>
+            <a:spLocks noGrp="1"/>
+          </p:cNvSpPr>
+          <p:nvPr>
+            <p:ph type="body" sz="half" idx="2"/>
+          </p:nvPr>
+        </p:nvSpPr>
+        <p:spPr>
+          <a:xfrm>
+            <a:off x="677334" y="5367338"/>
+            <a:ext cx="8596667" cy="674024"/>
+          </a:xfrm>
+        </p:spPr>
+        <p:txBody>
+          <a:bodyPr>
+            <a:normAutofit/>
+          </a:bodyPr>
           <a:lstStyle>
             <a:lvl1pPr marL="0" indent="0">
               <a:buNone/>
-              <a:defRPr sz="3200"/>
-            </a:lvl1pPr>
-            <a:lvl2pPr marL="457200" indent="0">
-              <a:buNone/>
-              <a:defRPr sz="2800"/>
-            </a:lvl2pPr>
-            <a:lvl3pPr marL="914400" indent="0">
-              <a:buNone/>
-              <a:defRPr sz="2400"/>
-            </a:lvl3pPr>
-            <a:lvl4pPr marL="1371600" indent="0">
-              <a:buNone/>
-              <a:defRPr sz="2000"/>
-            </a:lvl4pPr>
-            <a:lvl5pPr marL="1828800" indent="0">
-              <a:buNone/>
-              <a:defRPr sz="2000"/>
-            </a:lvl5pPr>
-            <a:lvl6pPr marL="2286000" indent="0">
-              <a:buNone/>
-              <a:defRPr sz="2000"/>
-            </a:lvl6pPr>
-            <a:lvl7pPr marL="2743200" indent="0">
-              <a:buNone/>
-              <a:defRPr sz="2000"/>
-            </a:lvl7pPr>
-            <a:lvl8pPr marL="3200400" indent="0">
-              <a:buNone/>
-              <a:defRPr sz="2000"/>
-            </a:lvl8pPr>
-            <a:lvl9pPr marL="3657600" indent="0">
-              <a:buNone/>
-              <a:defRPr sz="2000"/>
-            </a:lvl9pPr>
-          </a:lstStyle>
-          <a:p>
-            <a:r>
-              <a:rPr lang="en-US" smtClean="0"/>
-              <a:t>Click icon to add picture</a:t>
-            </a:r>
-            <a:endParaRPr lang="en-US"/>
-          </a:p>
-        </p:txBody>
-      </p:sp>
-      <p:sp>
-        <p:nvSpPr>
-          <p:cNvPr id="4" name="Text Placeholder 3"/>
-          <p:cNvSpPr>
-            <a:spLocks noGrp="1"/>
-          </p:cNvSpPr>
-          <p:nvPr>
-            <p:ph type="body" sz="half" idx="2"/>
-          </p:nvPr>
-        </p:nvSpPr>
-        <p:spPr>
-          <a:xfrm>
-            <a:off x="2389717" y="5367338"/>
-            <a:ext cx="7315200" cy="804862"/>
-          </a:xfrm>
-        </p:spPr>
-        <p:txBody>
-          <a:bodyPr/>
-          <a:lstStyle>
-            <a:lvl1pPr marL="0" indent="0">
-              <a:buNone/>
-              <a:defRPr sz="1400"/>
+              <a:defRPr sz="1200"/>
             </a:lvl1pPr>
             <a:lvl2pPr marL="457200" indent="0">
               <a:buNone/>
@@ -1862,16 +4582,83 @@
           <a:p>
             <a:pPr lvl="0"/>
             <a:r>
-              <a:rPr lang="en-US" smtClean="0"/>
+              <a:rPr lang="en-US"/>
               <a:t>Edit Master text styles</a:t>
             </a:r>
+          </a:p>
+        </p:txBody>
+      </p:sp>
+      <p:sp>
+        <p:nvSpPr>
+          <p:cNvPr id="5" name="Date Placeholder 4"/>
+          <p:cNvSpPr>
+            <a:spLocks noGrp="1"/>
+          </p:cNvSpPr>
+          <p:nvPr>
+            <p:ph type="dt" sz="half" idx="10"/>
+          </p:nvPr>
+        </p:nvSpPr>
+        <p:spPr/>
+        <p:txBody>
+          <a:bodyPr/>
+          <a:lstStyle/>
+          <a:p>
+            <a:fld id="{B61BEF0D-F0BB-DE4B-95CE-6DB70DBA9567}" type="datetimeFigureOut">
+              <a:rPr lang="en-US" dirty="0"/>
+              <a:pPr/>
+              <a:t>6/7/2017</a:t>
+            </a:fld>
+            <a:endParaRPr lang="en-US" dirty="0"/>
+          </a:p>
+        </p:txBody>
+      </p:sp>
+      <p:sp>
+        <p:nvSpPr>
+          <p:cNvPr id="6" name="Footer Placeholder 5"/>
+          <p:cNvSpPr>
+            <a:spLocks noGrp="1"/>
+          </p:cNvSpPr>
+          <p:nvPr>
+            <p:ph type="ftr" sz="quarter" idx="11"/>
+          </p:nvPr>
+        </p:nvSpPr>
+        <p:spPr/>
+        <p:txBody>
+          <a:bodyPr/>
+          <a:lstStyle/>
+          <a:p>
+            <a:endParaRPr lang="en-US" dirty="0"/>
+          </a:p>
+        </p:txBody>
+      </p:sp>
+      <p:sp>
+        <p:nvSpPr>
+          <p:cNvPr id="7" name="Slide Number Placeholder 6"/>
+          <p:cNvSpPr>
+            <a:spLocks noGrp="1"/>
+          </p:cNvSpPr>
+          <p:nvPr>
+            <p:ph type="sldNum" sz="quarter" idx="12"/>
+          </p:nvPr>
+        </p:nvSpPr>
+        <p:spPr/>
+        <p:txBody>
+          <a:bodyPr/>
+          <a:lstStyle/>
+          <a:p>
+            <a:fld id="{D57F1E4F-1CFF-5643-939E-217C01CDF565}" type="slidenum">
+              <a:rPr lang="en-US" dirty="0"/>
+              <a:pPr/>
+              <a:t>‹#›</a:t>
+            </a:fld>
+            <a:endParaRPr lang="en-US" dirty="0"/>
           </a:p>
         </p:txBody>
       </p:sp>
     </p:spTree>
     <p:extLst>
       <p:ext uri="{BB962C8B-B14F-4D97-AF65-F5344CB8AC3E}">
-        <p14:creationId xmlns:p14="http://schemas.microsoft.com/office/powerpoint/2010/main" val="2651846715"/>
+        <p14:creationId xmlns:p14="http://schemas.microsoft.com/office/powerpoint/2010/main" val="3643586324"/>
       </p:ext>
     </p:extLst>
   </p:cSld>
@@ -1903,6 +4690,536 @@
           <a:chExt cx="0" cy="0"/>
         </a:xfrm>
       </p:grpSpPr>
+      <p:grpSp>
+        <p:nvGrpSpPr>
+          <p:cNvPr id="7" name="Group 6"/>
+          <p:cNvGrpSpPr/>
+          <p:nvPr/>
+        </p:nvGrpSpPr>
+        <p:grpSpPr>
+          <a:xfrm>
+            <a:off x="0" y="-8467"/>
+            <a:ext cx="12192000" cy="6866467"/>
+            <a:chOff x="0" y="-8467"/>
+            <a:chExt cx="12192000" cy="6866467"/>
+          </a:xfrm>
+        </p:grpSpPr>
+        <p:cxnSp>
+          <p:nvCxnSpPr>
+            <p:cNvPr id="20" name="Straight Connector 19"/>
+            <p:cNvCxnSpPr/>
+            <p:nvPr/>
+          </p:nvCxnSpPr>
+          <p:spPr>
+            <a:xfrm>
+              <a:off x="9371012" y="0"/>
+              <a:ext cx="1219200" cy="6858000"/>
+            </a:xfrm>
+            <a:prstGeom prst="line">
+              <a:avLst/>
+            </a:prstGeom>
+            <a:ln w="9525">
+              <a:solidFill>
+                <a:schemeClr val="bg1">
+                  <a:lumMod val="75000"/>
+                </a:schemeClr>
+              </a:solidFill>
+            </a:ln>
+          </p:spPr>
+          <p:style>
+            <a:lnRef idx="2">
+              <a:schemeClr val="accent1"/>
+            </a:lnRef>
+            <a:fillRef idx="0">
+              <a:schemeClr val="accent1"/>
+            </a:fillRef>
+            <a:effectRef idx="1">
+              <a:schemeClr val="accent1"/>
+            </a:effectRef>
+            <a:fontRef idx="minor">
+              <a:schemeClr val="tx1"/>
+            </a:fontRef>
+          </p:style>
+        </p:cxnSp>
+        <p:cxnSp>
+          <p:nvCxnSpPr>
+            <p:cNvPr id="21" name="Straight Connector 20"/>
+            <p:cNvCxnSpPr/>
+            <p:nvPr/>
+          </p:nvCxnSpPr>
+          <p:spPr>
+            <a:xfrm flipH="1">
+              <a:off x="7425267" y="3681413"/>
+              <a:ext cx="4763558" cy="3176587"/>
+            </a:xfrm>
+            <a:prstGeom prst="line">
+              <a:avLst/>
+            </a:prstGeom>
+            <a:ln w="9525">
+              <a:solidFill>
+                <a:schemeClr val="bg1">
+                  <a:lumMod val="85000"/>
+                </a:schemeClr>
+              </a:solidFill>
+            </a:ln>
+          </p:spPr>
+          <p:style>
+            <a:lnRef idx="2">
+              <a:schemeClr val="accent1"/>
+            </a:lnRef>
+            <a:fillRef idx="0">
+              <a:schemeClr val="accent1"/>
+            </a:fillRef>
+            <a:effectRef idx="1">
+              <a:schemeClr val="accent1"/>
+            </a:effectRef>
+            <a:fontRef idx="minor">
+              <a:schemeClr val="tx1"/>
+            </a:fontRef>
+          </p:style>
+        </p:cxnSp>
+        <p:sp>
+          <p:nvSpPr>
+            <p:cNvPr id="22" name="Rectangle 23"/>
+            <p:cNvSpPr/>
+            <p:nvPr/>
+          </p:nvSpPr>
+          <p:spPr>
+            <a:xfrm>
+              <a:off x="9181476" y="-8467"/>
+              <a:ext cx="3007349" cy="6866467"/>
+            </a:xfrm>
+            <a:custGeom>
+              <a:avLst/>
+              <a:gdLst/>
+              <a:ahLst/>
+              <a:cxnLst/>
+              <a:rect l="l" t="t" r="r" b="b"/>
+              <a:pathLst>
+                <a:path w="3007349" h="6866467">
+                  <a:moveTo>
+                    <a:pt x="2045532" y="0"/>
+                  </a:moveTo>
+                  <a:lnTo>
+                    <a:pt x="3007349" y="0"/>
+                  </a:lnTo>
+                  <a:lnTo>
+                    <a:pt x="3007349" y="6866467"/>
+                  </a:lnTo>
+                  <a:lnTo>
+                    <a:pt x="0" y="6866467"/>
+                  </a:lnTo>
+                  <a:lnTo>
+                    <a:pt x="2045532" y="0"/>
+                  </a:lnTo>
+                  <a:close/>
+                </a:path>
+              </a:pathLst>
+            </a:custGeom>
+            <a:solidFill>
+              <a:schemeClr val="accent1">
+                <a:alpha val="30000"/>
+              </a:schemeClr>
+            </a:solidFill>
+            <a:ln>
+              <a:noFill/>
+            </a:ln>
+            <a:effectLst/>
+          </p:spPr>
+          <p:style>
+            <a:lnRef idx="1">
+              <a:schemeClr val="accent1"/>
+            </a:lnRef>
+            <a:fillRef idx="3">
+              <a:schemeClr val="accent1"/>
+            </a:fillRef>
+            <a:effectRef idx="2">
+              <a:schemeClr val="accent1"/>
+            </a:effectRef>
+            <a:fontRef idx="minor">
+              <a:schemeClr val="lt1"/>
+            </a:fontRef>
+          </p:style>
+        </p:sp>
+        <p:sp>
+          <p:nvSpPr>
+            <p:cNvPr id="23" name="Rectangle 25"/>
+            <p:cNvSpPr/>
+            <p:nvPr/>
+          </p:nvSpPr>
+          <p:spPr>
+            <a:xfrm>
+              <a:off x="9603442" y="-8467"/>
+              <a:ext cx="2588558" cy="6866467"/>
+            </a:xfrm>
+            <a:custGeom>
+              <a:avLst/>
+              <a:gdLst/>
+              <a:ahLst/>
+              <a:cxnLst/>
+              <a:rect l="l" t="t" r="r" b="b"/>
+              <a:pathLst>
+                <a:path w="2573311" h="6866467">
+                  <a:moveTo>
+                    <a:pt x="0" y="0"/>
+                  </a:moveTo>
+                  <a:lnTo>
+                    <a:pt x="2573311" y="0"/>
+                  </a:lnTo>
+                  <a:lnTo>
+                    <a:pt x="2573311" y="6866467"/>
+                  </a:lnTo>
+                  <a:lnTo>
+                    <a:pt x="1202336" y="6866467"/>
+                  </a:lnTo>
+                  <a:lnTo>
+                    <a:pt x="0" y="0"/>
+                  </a:lnTo>
+                  <a:close/>
+                </a:path>
+              </a:pathLst>
+            </a:custGeom>
+            <a:solidFill>
+              <a:schemeClr val="accent1">
+                <a:alpha val="20000"/>
+              </a:schemeClr>
+            </a:solidFill>
+            <a:ln>
+              <a:noFill/>
+            </a:ln>
+            <a:effectLst/>
+          </p:spPr>
+          <p:style>
+            <a:lnRef idx="1">
+              <a:schemeClr val="accent1"/>
+            </a:lnRef>
+            <a:fillRef idx="3">
+              <a:schemeClr val="accent1"/>
+            </a:fillRef>
+            <a:effectRef idx="2">
+              <a:schemeClr val="accent1"/>
+            </a:effectRef>
+            <a:fontRef idx="minor">
+              <a:schemeClr val="lt1"/>
+            </a:fontRef>
+          </p:style>
+        </p:sp>
+        <p:sp>
+          <p:nvSpPr>
+            <p:cNvPr id="24" name="Isosceles Triangle 23"/>
+            <p:cNvSpPr/>
+            <p:nvPr/>
+          </p:nvSpPr>
+          <p:spPr>
+            <a:xfrm>
+              <a:off x="8932333" y="3048000"/>
+              <a:ext cx="3259667" cy="3810000"/>
+            </a:xfrm>
+            <a:prstGeom prst="triangle">
+              <a:avLst>
+                <a:gd name="adj" fmla="val 100000"/>
+              </a:avLst>
+            </a:prstGeom>
+            <a:solidFill>
+              <a:schemeClr val="accent2">
+                <a:alpha val="72000"/>
+              </a:schemeClr>
+            </a:solidFill>
+            <a:ln>
+              <a:noFill/>
+            </a:ln>
+            <a:effectLst/>
+          </p:spPr>
+          <p:style>
+            <a:lnRef idx="1">
+              <a:schemeClr val="accent1"/>
+            </a:lnRef>
+            <a:fillRef idx="3">
+              <a:schemeClr val="accent1"/>
+            </a:fillRef>
+            <a:effectRef idx="2">
+              <a:schemeClr val="accent1"/>
+            </a:effectRef>
+            <a:fontRef idx="minor">
+              <a:schemeClr val="lt1"/>
+            </a:fontRef>
+          </p:style>
+        </p:sp>
+        <p:sp>
+          <p:nvSpPr>
+            <p:cNvPr id="25" name="Rectangle 27"/>
+            <p:cNvSpPr/>
+            <p:nvPr/>
+          </p:nvSpPr>
+          <p:spPr>
+            <a:xfrm>
+              <a:off x="9334500" y="-8467"/>
+              <a:ext cx="2854326" cy="6866467"/>
+            </a:xfrm>
+            <a:custGeom>
+              <a:avLst/>
+              <a:gdLst/>
+              <a:ahLst/>
+              <a:cxnLst/>
+              <a:rect l="l" t="t" r="r" b="b"/>
+              <a:pathLst>
+                <a:path w="2858013" h="6866467">
+                  <a:moveTo>
+                    <a:pt x="0" y="0"/>
+                  </a:moveTo>
+                  <a:lnTo>
+                    <a:pt x="2858013" y="0"/>
+                  </a:lnTo>
+                  <a:lnTo>
+                    <a:pt x="2858013" y="6866467"/>
+                  </a:lnTo>
+                  <a:lnTo>
+                    <a:pt x="2473942" y="6866467"/>
+                  </a:lnTo>
+                  <a:lnTo>
+                    <a:pt x="0" y="0"/>
+                  </a:lnTo>
+                  <a:close/>
+                </a:path>
+              </a:pathLst>
+            </a:custGeom>
+            <a:solidFill>
+              <a:schemeClr val="accent2">
+                <a:lumMod val="75000"/>
+                <a:alpha val="70000"/>
+              </a:schemeClr>
+            </a:solidFill>
+            <a:ln>
+              <a:noFill/>
+            </a:ln>
+            <a:effectLst/>
+          </p:spPr>
+          <p:style>
+            <a:lnRef idx="1">
+              <a:schemeClr val="accent1"/>
+            </a:lnRef>
+            <a:fillRef idx="3">
+              <a:schemeClr val="accent1"/>
+            </a:fillRef>
+            <a:effectRef idx="2">
+              <a:schemeClr val="accent1"/>
+            </a:effectRef>
+            <a:fontRef idx="minor">
+              <a:schemeClr val="lt1"/>
+            </a:fontRef>
+          </p:style>
+        </p:sp>
+        <p:sp>
+          <p:nvSpPr>
+            <p:cNvPr id="26" name="Rectangle 28"/>
+            <p:cNvSpPr/>
+            <p:nvPr/>
+          </p:nvSpPr>
+          <p:spPr>
+            <a:xfrm>
+              <a:off x="10898730" y="-8467"/>
+              <a:ext cx="1290094" cy="6866467"/>
+            </a:xfrm>
+            <a:custGeom>
+              <a:avLst/>
+              <a:gdLst/>
+              <a:ahLst/>
+              <a:cxnLst/>
+              <a:rect l="l" t="t" r="r" b="b"/>
+              <a:pathLst>
+                <a:path w="1290094" h="6858000">
+                  <a:moveTo>
+                    <a:pt x="1019735" y="0"/>
+                  </a:moveTo>
+                  <a:lnTo>
+                    <a:pt x="1290094" y="0"/>
+                  </a:lnTo>
+                  <a:lnTo>
+                    <a:pt x="1290094" y="6858000"/>
+                  </a:lnTo>
+                  <a:lnTo>
+                    <a:pt x="0" y="6858000"/>
+                  </a:lnTo>
+                  <a:lnTo>
+                    <a:pt x="1019735" y="0"/>
+                  </a:lnTo>
+                  <a:close/>
+                </a:path>
+              </a:pathLst>
+            </a:custGeom>
+            <a:solidFill>
+              <a:schemeClr val="accent1">
+                <a:lumMod val="60000"/>
+                <a:lumOff val="40000"/>
+                <a:alpha val="70000"/>
+              </a:schemeClr>
+            </a:solidFill>
+            <a:ln>
+              <a:noFill/>
+            </a:ln>
+            <a:effectLst/>
+          </p:spPr>
+          <p:style>
+            <a:lnRef idx="1">
+              <a:schemeClr val="accent1"/>
+            </a:lnRef>
+            <a:fillRef idx="3">
+              <a:schemeClr val="accent1"/>
+            </a:fillRef>
+            <a:effectRef idx="2">
+              <a:schemeClr val="accent1"/>
+            </a:effectRef>
+            <a:fontRef idx="minor">
+              <a:schemeClr val="lt1"/>
+            </a:fontRef>
+          </p:style>
+        </p:sp>
+        <p:sp>
+          <p:nvSpPr>
+            <p:cNvPr id="27" name="Rectangle 29"/>
+            <p:cNvSpPr/>
+            <p:nvPr/>
+          </p:nvSpPr>
+          <p:spPr>
+            <a:xfrm>
+              <a:off x="10938999" y="-8467"/>
+              <a:ext cx="1249825" cy="6866467"/>
+            </a:xfrm>
+            <a:custGeom>
+              <a:avLst/>
+              <a:gdLst/>
+              <a:ahLst/>
+              <a:cxnLst/>
+              <a:rect l="l" t="t" r="r" b="b"/>
+              <a:pathLst>
+                <a:path w="1249825" h="6858000">
+                  <a:moveTo>
+                    <a:pt x="0" y="0"/>
+                  </a:moveTo>
+                  <a:lnTo>
+                    <a:pt x="1249825" y="0"/>
+                  </a:lnTo>
+                  <a:lnTo>
+                    <a:pt x="1249825" y="6858000"/>
+                  </a:lnTo>
+                  <a:lnTo>
+                    <a:pt x="1109382" y="6858000"/>
+                  </a:lnTo>
+                  <a:lnTo>
+                    <a:pt x="0" y="0"/>
+                  </a:lnTo>
+                  <a:close/>
+                </a:path>
+              </a:pathLst>
+            </a:custGeom>
+            <a:solidFill>
+              <a:schemeClr val="accent1">
+                <a:alpha val="65000"/>
+              </a:schemeClr>
+            </a:solidFill>
+            <a:ln>
+              <a:noFill/>
+            </a:ln>
+            <a:effectLst/>
+          </p:spPr>
+          <p:style>
+            <a:lnRef idx="1">
+              <a:schemeClr val="accent1"/>
+            </a:lnRef>
+            <a:fillRef idx="3">
+              <a:schemeClr val="accent1"/>
+            </a:fillRef>
+            <a:effectRef idx="2">
+              <a:schemeClr val="accent1"/>
+            </a:effectRef>
+            <a:fontRef idx="minor">
+              <a:schemeClr val="lt1"/>
+            </a:fontRef>
+          </p:style>
+        </p:sp>
+        <p:sp>
+          <p:nvSpPr>
+            <p:cNvPr id="28" name="Isosceles Triangle 27"/>
+            <p:cNvSpPr/>
+            <p:nvPr/>
+          </p:nvSpPr>
+          <p:spPr>
+            <a:xfrm>
+              <a:off x="10371666" y="3589867"/>
+              <a:ext cx="1817159" cy="3268133"/>
+            </a:xfrm>
+            <a:prstGeom prst="triangle">
+              <a:avLst>
+                <a:gd name="adj" fmla="val 100000"/>
+              </a:avLst>
+            </a:prstGeom>
+            <a:solidFill>
+              <a:schemeClr val="accent1">
+                <a:alpha val="80000"/>
+              </a:schemeClr>
+            </a:solidFill>
+            <a:ln>
+              <a:noFill/>
+            </a:ln>
+            <a:effectLst/>
+          </p:spPr>
+          <p:style>
+            <a:lnRef idx="1">
+              <a:schemeClr val="accent1"/>
+            </a:lnRef>
+            <a:fillRef idx="3">
+              <a:schemeClr val="accent1"/>
+            </a:fillRef>
+            <a:effectRef idx="2">
+              <a:schemeClr val="accent1"/>
+            </a:effectRef>
+            <a:fontRef idx="minor">
+              <a:schemeClr val="lt1"/>
+            </a:fontRef>
+          </p:style>
+        </p:sp>
+        <p:sp>
+          <p:nvSpPr>
+            <p:cNvPr id="29" name="Isosceles Triangle 28"/>
+            <p:cNvSpPr/>
+            <p:nvPr/>
+          </p:nvSpPr>
+          <p:spPr>
+            <a:xfrm>
+              <a:off x="0" y="4013200"/>
+              <a:ext cx="448733" cy="2844800"/>
+            </a:xfrm>
+            <a:prstGeom prst="triangle">
+              <a:avLst>
+                <a:gd name="adj" fmla="val 0"/>
+              </a:avLst>
+            </a:prstGeom>
+            <a:solidFill>
+              <a:schemeClr val="accent1">
+                <a:alpha val="85000"/>
+              </a:schemeClr>
+            </a:solidFill>
+            <a:ln>
+              <a:noFill/>
+            </a:ln>
+            <a:effectLst/>
+          </p:spPr>
+          <p:style>
+            <a:lnRef idx="1">
+              <a:schemeClr val="accent1"/>
+            </a:lnRef>
+            <a:fillRef idx="3">
+              <a:schemeClr val="accent1"/>
+            </a:fillRef>
+            <a:effectRef idx="2">
+              <a:schemeClr val="accent1"/>
+            </a:effectRef>
+            <a:fontRef idx="minor">
+              <a:schemeClr val="lt1"/>
+            </a:fontRef>
+          </p:style>
+        </p:sp>
+      </p:grpSp>
       <p:sp>
         <p:nvSpPr>
           <p:cNvPr id="2" name="Title Placeholder 1"/>
@@ -1915,21 +5232,21 @@
         </p:nvSpPr>
         <p:spPr>
           <a:xfrm>
-            <a:off x="609600" y="274638"/>
-            <a:ext cx="10972800" cy="1143000"/>
+            <a:off x="677334" y="609600"/>
+            <a:ext cx="8596668" cy="1320800"/>
           </a:xfrm>
           <a:prstGeom prst="rect">
             <a:avLst/>
           </a:prstGeom>
         </p:spPr>
         <p:txBody>
-          <a:bodyPr vert="horz" lIns="91440" tIns="45720" rIns="91440" bIns="45720" rtlCol="0" anchor="ctr">
+          <a:bodyPr vert="horz" lIns="91440" tIns="45720" rIns="91440" bIns="45720" rtlCol="0" anchor="t">
             <a:normAutofit/>
           </a:bodyPr>
           <a:lstStyle/>
           <a:p>
             <a:r>
-              <a:rPr lang="en-US" smtClean="0"/>
+              <a:rPr lang="en-US"/>
               <a:t>Click to edit Master title style</a:t>
             </a:r>
             <a:endParaRPr lang="en-US" dirty="0"/>
@@ -1948,8 +5265,8 @@
         </p:nvSpPr>
         <p:spPr>
           <a:xfrm>
-            <a:off x="609600" y="1600201"/>
-            <a:ext cx="10972800" cy="4525963"/>
+            <a:off x="677334" y="2160589"/>
+            <a:ext cx="8596668" cy="3880773"/>
           </a:xfrm>
           <a:prstGeom prst="rect">
             <a:avLst/>
@@ -1963,35 +5280,35 @@
           <a:p>
             <a:pPr lvl="0"/>
             <a:r>
-              <a:rPr lang="en-US" smtClean="0"/>
+              <a:rPr lang="en-US"/>
               <a:t>Edit Master text styles</a:t>
             </a:r>
           </a:p>
           <a:p>
             <a:pPr lvl="1"/>
             <a:r>
-              <a:rPr lang="en-US" smtClean="0"/>
+              <a:rPr lang="en-US"/>
               <a:t>Second level</a:t>
             </a:r>
           </a:p>
           <a:p>
             <a:pPr lvl="2"/>
             <a:r>
-              <a:rPr lang="en-US" smtClean="0"/>
+              <a:rPr lang="en-US"/>
               <a:t>Third level</a:t>
             </a:r>
           </a:p>
           <a:p>
             <a:pPr lvl="3"/>
             <a:r>
-              <a:rPr lang="en-US" smtClean="0"/>
+              <a:rPr lang="en-US"/>
               <a:t>Fourth level</a:t>
             </a:r>
           </a:p>
           <a:p>
             <a:pPr lvl="4"/>
             <a:r>
-              <a:rPr lang="en-US" smtClean="0"/>
+              <a:rPr lang="en-US"/>
               <a:t>Fifth level</a:t>
             </a:r>
             <a:endParaRPr lang="en-US" dirty="0"/>
@@ -2000,327 +5317,442 @@
       </p:sp>
       <p:sp>
         <p:nvSpPr>
-          <p:cNvPr id="7" name="Rectangle 6"/>
-          <p:cNvSpPr/>
-          <p:nvPr/>
+          <p:cNvPr id="4" name="Date Placeholder 3"/>
+          <p:cNvSpPr>
+            <a:spLocks noGrp="1"/>
+          </p:cNvSpPr>
+          <p:nvPr>
+            <p:ph type="dt" sz="half" idx="2"/>
+          </p:nvPr>
         </p:nvSpPr>
         <p:spPr>
           <a:xfrm>
-            <a:off x="0" y="6172200"/>
-            <a:ext cx="12192000" cy="685800"/>
+            <a:off x="7205133" y="6041362"/>
+            <a:ext cx="911939" cy="365125"/>
           </a:xfrm>
           <a:prstGeom prst="rect">
             <a:avLst/>
           </a:prstGeom>
-          <a:solidFill>
-            <a:srgbClr val="53BC8D"/>
-          </a:solidFill>
-          <a:ln>
-            <a:noFill/>
-          </a:ln>
         </p:spPr>
-        <p:style>
-          <a:lnRef idx="2">
-            <a:schemeClr val="accent1">
-              <a:shade val="50000"/>
-            </a:schemeClr>
-          </a:lnRef>
-          <a:fillRef idx="1">
-            <a:schemeClr val="accent1"/>
-          </a:fillRef>
-          <a:effectRef idx="0">
-            <a:schemeClr val="accent1"/>
-          </a:effectRef>
-          <a:fontRef idx="minor">
-            <a:schemeClr val="lt1"/>
-          </a:fontRef>
-        </p:style>
-        <p:txBody>
-          <a:bodyPr rtlCol="0" anchor="ctr"/>
-          <a:lstStyle/>
-          <a:p>
-            <a:pPr algn="ctr"/>
-            <a:endParaRPr lang="en-US" sz="4200"/>
-          </a:p>
-        </p:txBody>
-      </p:sp>
-      <p:sp>
-        <p:nvSpPr>
-          <p:cNvPr id="10" name="Parallelogram 9"/>
-          <p:cNvSpPr/>
-          <p:nvPr/>
+        <p:txBody>
+          <a:bodyPr vert="horz" lIns="91440" tIns="45720" rIns="91440" bIns="45720" rtlCol="0" anchor="ctr"/>
+          <a:lstStyle>
+            <a:lvl1pPr algn="r">
+              <a:defRPr sz="900">
+                <a:solidFill>
+                  <a:schemeClr val="tx1">
+                    <a:tint val="75000"/>
+                  </a:schemeClr>
+                </a:solidFill>
+              </a:defRPr>
+            </a:lvl1pPr>
+          </a:lstStyle>
+          <a:p>
+            <a:fld id="{B61BEF0D-F0BB-DE4B-95CE-6DB70DBA9567}" type="datetimeFigureOut">
+              <a:rPr lang="en-US" dirty="0"/>
+              <a:pPr/>
+              <a:t>6/7/2017</a:t>
+            </a:fld>
+            <a:endParaRPr lang="en-US" dirty="0"/>
+          </a:p>
+        </p:txBody>
+      </p:sp>
+      <p:sp>
+        <p:nvSpPr>
+          <p:cNvPr id="5" name="Footer Placeholder 4"/>
+          <p:cNvSpPr>
+            <a:spLocks noGrp="1"/>
+          </p:cNvSpPr>
+          <p:nvPr>
+            <p:ph type="ftr" sz="quarter" idx="3"/>
+          </p:nvPr>
         </p:nvSpPr>
         <p:spPr>
           <a:xfrm>
-            <a:off x="6705600" y="0"/>
-            <a:ext cx="5486400" cy="6172200"/>
-          </a:xfrm>
-          <a:prstGeom prst="parallelogram">
-            <a:avLst>
-              <a:gd name="adj" fmla="val 63930"/>
-            </a:avLst>
-          </a:prstGeom>
-          <a:solidFill>
-            <a:srgbClr val="53BC8D">
-              <a:alpha val="20000"/>
-            </a:srgbClr>
-          </a:solidFill>
-          <a:ln>
-            <a:noFill/>
-          </a:ln>
-        </p:spPr>
-        <p:style>
-          <a:lnRef idx="2">
-            <a:schemeClr val="accent1">
-              <a:shade val="50000"/>
-            </a:schemeClr>
-          </a:lnRef>
-          <a:fillRef idx="1">
-            <a:schemeClr val="accent1"/>
-          </a:fillRef>
-          <a:effectRef idx="0">
-            <a:schemeClr val="accent1"/>
-          </a:effectRef>
-          <a:fontRef idx="minor">
-            <a:schemeClr val="lt1"/>
-          </a:fontRef>
-        </p:style>
-        <p:txBody>
-          <a:bodyPr rtlCol="0" anchor="ctr"/>
-          <a:lstStyle/>
-          <a:p>
-            <a:pPr algn="ctr"/>
-            <a:endParaRPr lang="en-US" sz="4200"/>
-          </a:p>
-        </p:txBody>
-      </p:sp>
-      <p:pic>
-        <p:nvPicPr>
-          <p:cNvPr id="1026" name="Picture 2" descr="C:\Users\RodneyG\Pictures\IK-Logos\Slogan\IK-White.png"/>
-          <p:cNvPicPr>
-            <a:picLocks noChangeAspect="1" noChangeArrowheads="1"/>
-          </p:cNvPicPr>
-          <p:nvPr/>
-        </p:nvPicPr>
-        <p:blipFill>
-          <a:blip r:embed="rId13" cstate="print">
-            <a:extLst>
-              <a:ext uri="{28A0092B-C50C-407E-A947-70E740481C1C}">
-                <a14:useLocalDpi xmlns:a14="http://schemas.microsoft.com/office/drawing/2010/main" val="0"/>
-              </a:ext>
-            </a:extLst>
-          </a:blip>
-          <a:srcRect/>
-          <a:stretch>
-            <a:fillRect/>
-          </a:stretch>
-        </p:blipFill>
-        <p:spPr bwMode="auto">
-          <a:xfrm>
-            <a:off x="7571874" y="6217314"/>
-            <a:ext cx="4518527" cy="640686"/>
+            <a:off x="677334" y="6041362"/>
+            <a:ext cx="6297612" cy="365125"/>
           </a:xfrm>
           <a:prstGeom prst="rect">
             <a:avLst/>
           </a:prstGeom>
-          <a:noFill/>
-          <a:extLst>
-            <a:ext uri="{909E8E84-426E-40DD-AFC4-6F175D3DCCD1}">
-              <a14:hiddenFill xmlns:a14="http://schemas.microsoft.com/office/drawing/2010/main">
+        </p:spPr>
+        <p:txBody>
+          <a:bodyPr vert="horz" lIns="91440" tIns="45720" rIns="91440" bIns="45720" rtlCol="0" anchor="ctr"/>
+          <a:lstStyle>
+            <a:lvl1pPr algn="l">
+              <a:defRPr sz="900">
                 <a:solidFill>
-                  <a:srgbClr val="FFFFFF"/>
+                  <a:schemeClr val="tx1">
+                    <a:tint val="75000"/>
+                  </a:schemeClr>
                 </a:solidFill>
-              </a14:hiddenFill>
-            </a:ext>
-          </a:extLst>
+              </a:defRPr>
+            </a:lvl1pPr>
+          </a:lstStyle>
+          <a:p>
+            <a:endParaRPr lang="en-US" dirty="0"/>
+          </a:p>
+        </p:txBody>
+      </p:sp>
+      <p:sp>
+        <p:nvSpPr>
+          <p:cNvPr id="6" name="Slide Number Placeholder 5"/>
+          <p:cNvSpPr>
+            <a:spLocks noGrp="1"/>
+          </p:cNvSpPr>
+          <p:nvPr>
+            <p:ph type="sldNum" sz="quarter" idx="4"/>
+          </p:nvPr>
+        </p:nvSpPr>
+        <p:spPr>
+          <a:xfrm>
+            <a:off x="8590663" y="6041362"/>
+            <a:ext cx="683339" cy="365125"/>
+          </a:xfrm>
+          <a:prstGeom prst="rect">
+            <a:avLst/>
+          </a:prstGeom>
         </p:spPr>
-      </p:pic>
+        <p:txBody>
+          <a:bodyPr vert="horz" lIns="91440" tIns="45720" rIns="91440" bIns="45720" rtlCol="0" anchor="ctr"/>
+          <a:lstStyle>
+            <a:lvl1pPr algn="r">
+              <a:defRPr sz="900">
+                <a:solidFill>
+                  <a:schemeClr val="accent1"/>
+                </a:solidFill>
+              </a:defRPr>
+            </a:lvl1pPr>
+          </a:lstStyle>
+          <a:p>
+            <a:fld id="{D57F1E4F-1CFF-5643-939E-217C01CDF565}" type="slidenum">
+              <a:rPr lang="en-US" dirty="0"/>
+              <a:pPr/>
+              <a:t>‹#›</a:t>
+            </a:fld>
+            <a:endParaRPr lang="en-US" dirty="0"/>
+          </a:p>
+        </p:txBody>
+      </p:sp>
     </p:spTree>
     <p:extLst>
       <p:ext uri="{BB962C8B-B14F-4D97-AF65-F5344CB8AC3E}">
-        <p14:creationId xmlns:p14="http://schemas.microsoft.com/office/powerpoint/2010/main" val="1079031451"/>
+        <p14:creationId xmlns:p14="http://schemas.microsoft.com/office/powerpoint/2010/main" val="1183088242"/>
       </p:ext>
     </p:extLst>
   </p:cSld>
   <p:clrMap bg1="lt1" tx1="dk1" bg2="lt2" tx2="dk2" accent1="accent1" accent2="accent2" accent3="accent3" accent4="accent4" accent5="accent5" accent6="accent6" hlink="hlink" folHlink="folHlink"/>
   <p:sldLayoutIdLst>
-    <p:sldLayoutId id="2147483674" r:id="rId1"/>
-    <p:sldLayoutId id="2147483675" r:id="rId2"/>
-    <p:sldLayoutId id="2147483676" r:id="rId3"/>
-    <p:sldLayoutId id="2147483677" r:id="rId4"/>
-    <p:sldLayoutId id="2147483678" r:id="rId5"/>
-    <p:sldLayoutId id="2147483679" r:id="rId6"/>
-    <p:sldLayoutId id="2147483680" r:id="rId7"/>
-    <p:sldLayoutId id="2147483681" r:id="rId8"/>
-    <p:sldLayoutId id="2147483682" r:id="rId9"/>
-    <p:sldLayoutId id="2147483683" r:id="rId10"/>
-    <p:sldLayoutId id="2147483684" r:id="rId11"/>
+    <p:sldLayoutId id="2147483686" r:id="rId1"/>
+    <p:sldLayoutId id="2147483687" r:id="rId2"/>
+    <p:sldLayoutId id="2147483688" r:id="rId3"/>
+    <p:sldLayoutId id="2147483689" r:id="rId4"/>
+    <p:sldLayoutId id="2147483690" r:id="rId5"/>
+    <p:sldLayoutId id="2147483691" r:id="rId6"/>
+    <p:sldLayoutId id="2147483692" r:id="rId7"/>
+    <p:sldLayoutId id="2147483693" r:id="rId8"/>
+    <p:sldLayoutId id="2147483694" r:id="rId9"/>
+    <p:sldLayoutId id="2147483695" r:id="rId10"/>
+    <p:sldLayoutId id="2147483696" r:id="rId11"/>
+    <p:sldLayoutId id="2147483697" r:id="rId12"/>
+    <p:sldLayoutId id="2147483698" r:id="rId13"/>
+    <p:sldLayoutId id="2147483699" r:id="rId14"/>
+    <p:sldLayoutId id="2147483700" r:id="rId15"/>
+    <p:sldLayoutId id="2147483701" r:id="rId16"/>
   </p:sldLayoutIdLst>
   <p:txStyles>
     <p:titleStyle>
-      <a:lvl1pPr algn="ctr" defTabSz="914400" rtl="0" eaLnBrk="1" latinLnBrk="0" hangingPunct="1">
+      <a:lvl1pPr algn="l" defTabSz="457200" rtl="0" eaLnBrk="1" latinLnBrk="0" hangingPunct="1">
         <a:spcBef>
           <a:spcPct val="0"/>
         </a:spcBef>
         <a:buNone/>
-        <a:defRPr sz="4400" kern="1200">
+        <a:defRPr sz="3600" kern="1200">
+          <a:solidFill>
+            <a:schemeClr val="accent1"/>
+          </a:solidFill>
+          <a:latin typeface="+mj-lt"/>
+          <a:ea typeface="+mj-ea"/>
+          <a:cs typeface="+mj-cs"/>
+        </a:defRPr>
+      </a:lvl1pPr>
+      <a:lvl2pPr eaLnBrk="1" hangingPunct="1">
+        <a:defRPr>
+          <a:solidFill>
+            <a:schemeClr val="tx2"/>
+          </a:solidFill>
+        </a:defRPr>
+      </a:lvl2pPr>
+      <a:lvl3pPr eaLnBrk="1" hangingPunct="1">
+        <a:defRPr>
+          <a:solidFill>
+            <a:schemeClr val="tx2"/>
+          </a:solidFill>
+        </a:defRPr>
+      </a:lvl3pPr>
+      <a:lvl4pPr eaLnBrk="1" hangingPunct="1">
+        <a:defRPr>
+          <a:solidFill>
+            <a:schemeClr val="tx2"/>
+          </a:solidFill>
+        </a:defRPr>
+      </a:lvl4pPr>
+      <a:lvl5pPr eaLnBrk="1" hangingPunct="1">
+        <a:defRPr>
+          <a:solidFill>
+            <a:schemeClr val="tx2"/>
+          </a:solidFill>
+        </a:defRPr>
+      </a:lvl5pPr>
+      <a:lvl6pPr eaLnBrk="1" hangingPunct="1">
+        <a:defRPr>
+          <a:solidFill>
+            <a:schemeClr val="tx2"/>
+          </a:solidFill>
+        </a:defRPr>
+      </a:lvl6pPr>
+      <a:lvl7pPr eaLnBrk="1" hangingPunct="1">
+        <a:defRPr>
+          <a:solidFill>
+            <a:schemeClr val="tx2"/>
+          </a:solidFill>
+        </a:defRPr>
+      </a:lvl7pPr>
+      <a:lvl8pPr eaLnBrk="1" hangingPunct="1">
+        <a:defRPr>
+          <a:solidFill>
+            <a:schemeClr val="tx2"/>
+          </a:solidFill>
+        </a:defRPr>
+      </a:lvl8pPr>
+      <a:lvl9pPr eaLnBrk="1" hangingPunct="1">
+        <a:defRPr>
+          <a:solidFill>
+            <a:schemeClr val="tx2"/>
+          </a:solidFill>
+        </a:defRPr>
+      </a:lvl9pPr>
+    </p:titleStyle>
+    <p:bodyStyle>
+      <a:lvl1pPr marL="342900" indent="-342900" algn="l" defTabSz="457200" rtl="0" eaLnBrk="1" latinLnBrk="0" hangingPunct="1">
+        <a:spcBef>
+          <a:spcPts val="1000"/>
+        </a:spcBef>
+        <a:spcAft>
+          <a:spcPts val="0"/>
+        </a:spcAft>
+        <a:buClr>
+          <a:schemeClr val="accent1"/>
+        </a:buClr>
+        <a:buSzPct val="80000"/>
+        <a:buFont typeface="Wingdings 3" charset="2"/>
+        <a:buChar char=""/>
+        <a:defRPr sz="1800" kern="1200">
           <a:solidFill>
             <a:schemeClr val="tx1">
               <a:lumMod val="75000"/>
               <a:lumOff val="25000"/>
             </a:schemeClr>
           </a:solidFill>
-          <a:latin typeface="Segoe UI" pitchFamily="34" charset="0"/>
-          <a:ea typeface="Segoe UI" pitchFamily="34" charset="0"/>
-          <a:cs typeface="Segoe UI" pitchFamily="34" charset="0"/>
+          <a:latin typeface="+mn-lt"/>
+          <a:ea typeface="+mn-ea"/>
+          <a:cs typeface="+mn-cs"/>
         </a:defRPr>
       </a:lvl1pPr>
-    </p:titleStyle>
-    <p:bodyStyle>
-      <a:lvl1pPr marL="342900" indent="-342900" algn="l" defTabSz="914400" rtl="0" eaLnBrk="1" latinLnBrk="0" hangingPunct="1">
+      <a:lvl2pPr marL="742950" indent="-285750" algn="l" defTabSz="457200" rtl="0" eaLnBrk="1" latinLnBrk="0" hangingPunct="1">
         <a:spcBef>
-          <a:spcPct val="20000"/>
+          <a:spcPts val="1000"/>
         </a:spcBef>
-        <a:buFont typeface="Arial" pitchFamily="34" charset="0"/>
-        <a:buChar char="•"/>
-        <a:defRPr sz="3200" kern="1200">
+        <a:spcAft>
+          <a:spcPts val="0"/>
+        </a:spcAft>
+        <a:buClr>
+          <a:schemeClr val="accent1"/>
+        </a:buClr>
+        <a:buSzPct val="80000"/>
+        <a:buFont typeface="Wingdings 3" charset="2"/>
+        <a:buChar char=""/>
+        <a:defRPr sz="1600" kern="1200">
           <a:solidFill>
             <a:schemeClr val="tx1">
-              <a:lumMod val="65000"/>
-              <a:lumOff val="35000"/>
+              <a:lumMod val="75000"/>
+              <a:lumOff val="25000"/>
             </a:schemeClr>
           </a:solidFill>
-          <a:latin typeface="Segoe UI" pitchFamily="34" charset="0"/>
-          <a:ea typeface="Segoe UI" pitchFamily="34" charset="0"/>
-          <a:cs typeface="Segoe UI" pitchFamily="34" charset="0"/>
+          <a:latin typeface="+mn-lt"/>
+          <a:ea typeface="+mn-ea"/>
+          <a:cs typeface="+mn-cs"/>
         </a:defRPr>
-      </a:lvl1pPr>
-      <a:lvl2pPr marL="742950" indent="-285750" algn="l" defTabSz="914400" rtl="0" eaLnBrk="1" latinLnBrk="0" hangingPunct="1">
+      </a:lvl2pPr>
+      <a:lvl3pPr marL="1143000" indent="-228600" algn="l" defTabSz="457200" rtl="0" eaLnBrk="1" latinLnBrk="0" hangingPunct="1">
         <a:spcBef>
-          <a:spcPct val="20000"/>
+          <a:spcPts val="1000"/>
         </a:spcBef>
-        <a:buFont typeface="Arial" pitchFamily="34" charset="0"/>
-        <a:buChar char="–"/>
-        <a:defRPr sz="2800" kern="1200">
+        <a:spcAft>
+          <a:spcPts val="0"/>
+        </a:spcAft>
+        <a:buClr>
+          <a:schemeClr val="accent1"/>
+        </a:buClr>
+        <a:buSzPct val="80000"/>
+        <a:buFont typeface="Wingdings 3" charset="2"/>
+        <a:buChar char=""/>
+        <a:defRPr sz="1400" kern="1200">
           <a:solidFill>
             <a:schemeClr val="tx1">
-              <a:lumMod val="65000"/>
-              <a:lumOff val="35000"/>
+              <a:lumMod val="75000"/>
+              <a:lumOff val="25000"/>
             </a:schemeClr>
           </a:solidFill>
-          <a:latin typeface="Segoe UI" pitchFamily="34" charset="0"/>
-          <a:ea typeface="Segoe UI" pitchFamily="34" charset="0"/>
-          <a:cs typeface="Segoe UI" pitchFamily="34" charset="0"/>
+          <a:latin typeface="+mn-lt"/>
+          <a:ea typeface="+mn-ea"/>
+          <a:cs typeface="+mn-cs"/>
         </a:defRPr>
-      </a:lvl2pPr>
-      <a:lvl3pPr marL="1143000" indent="-228600" algn="l" defTabSz="914400" rtl="0" eaLnBrk="1" latinLnBrk="0" hangingPunct="1">
+      </a:lvl3pPr>
+      <a:lvl4pPr marL="1600200" indent="-228600" algn="l" defTabSz="457200" rtl="0" eaLnBrk="1" latinLnBrk="0" hangingPunct="1">
         <a:spcBef>
-          <a:spcPct val="20000"/>
+          <a:spcPts val="1000"/>
         </a:spcBef>
-        <a:buFont typeface="Arial" pitchFamily="34" charset="0"/>
-        <a:buChar char="•"/>
-        <a:defRPr sz="2400" kern="1200">
+        <a:spcAft>
+          <a:spcPts val="0"/>
+        </a:spcAft>
+        <a:buClr>
+          <a:schemeClr val="accent1"/>
+        </a:buClr>
+        <a:buSzPct val="80000"/>
+        <a:buFont typeface="Wingdings 3" charset="2"/>
+        <a:buChar char=""/>
+        <a:defRPr sz="1200" kern="1200">
           <a:solidFill>
             <a:schemeClr val="tx1">
-              <a:lumMod val="65000"/>
-              <a:lumOff val="35000"/>
+              <a:lumMod val="75000"/>
+              <a:lumOff val="25000"/>
             </a:schemeClr>
           </a:solidFill>
-          <a:latin typeface="Segoe UI" pitchFamily="34" charset="0"/>
-          <a:ea typeface="Segoe UI" pitchFamily="34" charset="0"/>
-          <a:cs typeface="Segoe UI" pitchFamily="34" charset="0"/>
+          <a:latin typeface="+mn-lt"/>
+          <a:ea typeface="+mn-ea"/>
+          <a:cs typeface="+mn-cs"/>
         </a:defRPr>
-      </a:lvl3pPr>
-      <a:lvl4pPr marL="1600200" indent="-228600" algn="l" defTabSz="914400" rtl="0" eaLnBrk="1" latinLnBrk="0" hangingPunct="1">
+      </a:lvl4pPr>
+      <a:lvl5pPr marL="2057400" indent="-228600" algn="l" defTabSz="457200" rtl="0" eaLnBrk="1" latinLnBrk="0" hangingPunct="1">
         <a:spcBef>
-          <a:spcPct val="20000"/>
+          <a:spcPts val="1000"/>
         </a:spcBef>
-        <a:buFont typeface="Arial" pitchFamily="34" charset="0"/>
-        <a:buChar char="–"/>
-        <a:defRPr sz="2000" kern="1200">
+        <a:spcAft>
+          <a:spcPts val="0"/>
+        </a:spcAft>
+        <a:buClr>
+          <a:schemeClr val="accent1"/>
+        </a:buClr>
+        <a:buSzPct val="80000"/>
+        <a:buFont typeface="Wingdings 3" charset="2"/>
+        <a:buChar char=""/>
+        <a:defRPr sz="1200" kern="1200">
           <a:solidFill>
             <a:schemeClr val="tx1">
-              <a:lumMod val="65000"/>
-              <a:lumOff val="35000"/>
+              <a:lumMod val="75000"/>
+              <a:lumOff val="25000"/>
             </a:schemeClr>
           </a:solidFill>
-          <a:latin typeface="Segoe UI" pitchFamily="34" charset="0"/>
-          <a:ea typeface="Segoe UI" pitchFamily="34" charset="0"/>
-          <a:cs typeface="Segoe UI" pitchFamily="34" charset="0"/>
+          <a:latin typeface="+mn-lt"/>
+          <a:ea typeface="+mn-ea"/>
+          <a:cs typeface="+mn-cs"/>
         </a:defRPr>
-      </a:lvl4pPr>
-      <a:lvl5pPr marL="2057400" indent="-228600" algn="l" defTabSz="914400" rtl="0" eaLnBrk="1" latinLnBrk="0" hangingPunct="1">
+      </a:lvl5pPr>
+      <a:lvl6pPr marL="2514600" indent="-228600" algn="l" defTabSz="457200" rtl="0" eaLnBrk="1" latinLnBrk="0" hangingPunct="1">
         <a:spcBef>
-          <a:spcPct val="20000"/>
+          <a:spcPts val="1000"/>
         </a:spcBef>
-        <a:buFont typeface="Arial" pitchFamily="34" charset="0"/>
-        <a:buChar char="»"/>
-        <a:defRPr sz="2000" kern="1200">
+        <a:spcAft>
+          <a:spcPts val="0"/>
+        </a:spcAft>
+        <a:buClr>
+          <a:schemeClr val="accent1"/>
+        </a:buClr>
+        <a:buSzPct val="80000"/>
+        <a:buFont typeface="Wingdings 3" charset="2"/>
+        <a:buChar char=""/>
+        <a:defRPr sz="1200" kern="1200">
           <a:solidFill>
             <a:schemeClr val="tx1">
-              <a:lumMod val="65000"/>
-              <a:lumOff val="35000"/>
+              <a:lumMod val="75000"/>
+              <a:lumOff val="25000"/>
             </a:schemeClr>
-          </a:solidFill>
-          <a:latin typeface="Segoe UI" pitchFamily="34" charset="0"/>
-          <a:ea typeface="Segoe UI" pitchFamily="34" charset="0"/>
-          <a:cs typeface="Segoe UI" pitchFamily="34" charset="0"/>
-        </a:defRPr>
-      </a:lvl5pPr>
-      <a:lvl6pPr marL="2514600" indent="-228600" algn="l" defTabSz="914400" rtl="0" eaLnBrk="1" latinLnBrk="0" hangingPunct="1">
-        <a:spcBef>
-          <a:spcPct val="20000"/>
-        </a:spcBef>
-        <a:buFont typeface="Arial" pitchFamily="34" charset="0"/>
-        <a:buChar char="•"/>
-        <a:defRPr sz="2000" kern="1200">
-          <a:solidFill>
-            <a:schemeClr val="tx1"/>
           </a:solidFill>
           <a:latin typeface="+mn-lt"/>
           <a:ea typeface="+mn-ea"/>
           <a:cs typeface="+mn-cs"/>
         </a:defRPr>
       </a:lvl6pPr>
-      <a:lvl7pPr marL="2971800" indent="-228600" algn="l" defTabSz="914400" rtl="0" eaLnBrk="1" latinLnBrk="0" hangingPunct="1">
+      <a:lvl7pPr marL="2971800" indent="-228600" algn="l" defTabSz="457200" rtl="0" eaLnBrk="1" latinLnBrk="0" hangingPunct="1">
         <a:spcBef>
-          <a:spcPct val="20000"/>
+          <a:spcPts val="1000"/>
         </a:spcBef>
-        <a:buFont typeface="Arial" pitchFamily="34" charset="0"/>
-        <a:buChar char="•"/>
-        <a:defRPr sz="2000" kern="1200">
+        <a:spcAft>
+          <a:spcPts val="0"/>
+        </a:spcAft>
+        <a:buClr>
+          <a:schemeClr val="accent1"/>
+        </a:buClr>
+        <a:buSzPct val="80000"/>
+        <a:buFont typeface="Wingdings 3" charset="2"/>
+        <a:buChar char=""/>
+        <a:defRPr sz="1200" kern="1200">
           <a:solidFill>
-            <a:schemeClr val="tx1"/>
+            <a:schemeClr val="tx1">
+              <a:lumMod val="75000"/>
+              <a:lumOff val="25000"/>
+            </a:schemeClr>
           </a:solidFill>
           <a:latin typeface="+mn-lt"/>
           <a:ea typeface="+mn-ea"/>
           <a:cs typeface="+mn-cs"/>
         </a:defRPr>
       </a:lvl7pPr>
-      <a:lvl8pPr marL="3429000" indent="-228600" algn="l" defTabSz="914400" rtl="0" eaLnBrk="1" latinLnBrk="0" hangingPunct="1">
+      <a:lvl8pPr marL="3429000" indent="-228600" algn="l" defTabSz="457200" rtl="0" eaLnBrk="1" latinLnBrk="0" hangingPunct="1">
         <a:spcBef>
-          <a:spcPct val="20000"/>
+          <a:spcPts val="1000"/>
         </a:spcBef>
-        <a:buFont typeface="Arial" pitchFamily="34" charset="0"/>
-        <a:buChar char="•"/>
-        <a:defRPr sz="2000" kern="1200">
+        <a:spcAft>
+          <a:spcPts val="0"/>
+        </a:spcAft>
+        <a:buClr>
+          <a:schemeClr val="accent1"/>
+        </a:buClr>
+        <a:buSzPct val="80000"/>
+        <a:buFont typeface="Wingdings 3" charset="2"/>
+        <a:buChar char=""/>
+        <a:defRPr sz="1200" kern="1200">
           <a:solidFill>
-            <a:schemeClr val="tx1"/>
+            <a:schemeClr val="tx1">
+              <a:lumMod val="75000"/>
+              <a:lumOff val="25000"/>
+            </a:schemeClr>
           </a:solidFill>
           <a:latin typeface="+mn-lt"/>
           <a:ea typeface="+mn-ea"/>
           <a:cs typeface="+mn-cs"/>
         </a:defRPr>
       </a:lvl8pPr>
-      <a:lvl9pPr marL="3886200" indent="-228600" algn="l" defTabSz="914400" rtl="0" eaLnBrk="1" latinLnBrk="0" hangingPunct="1">
+      <a:lvl9pPr marL="3886200" indent="-228600" algn="l" defTabSz="457200" rtl="0" eaLnBrk="1" latinLnBrk="0" hangingPunct="1">
         <a:spcBef>
-          <a:spcPct val="20000"/>
+          <a:spcPts val="1000"/>
         </a:spcBef>
-        <a:buFont typeface="Arial" pitchFamily="34" charset="0"/>
-        <a:buChar char="•"/>
-        <a:defRPr sz="2000" kern="1200">
+        <a:spcAft>
+          <a:spcPts val="0"/>
+        </a:spcAft>
+        <a:buClr>
+          <a:schemeClr val="accent1"/>
+        </a:buClr>
+        <a:buSzPct val="80000"/>
+        <a:buFont typeface="Wingdings 3" charset="2"/>
+        <a:buChar char=""/>
+        <a:defRPr sz="1200" kern="1200">
           <a:solidFill>
-            <a:schemeClr val="tx1"/>
+            <a:schemeClr val="tx1">
+              <a:lumMod val="75000"/>
+              <a:lumOff val="25000"/>
+            </a:schemeClr>
           </a:solidFill>
           <a:latin typeface="+mn-lt"/>
           <a:ea typeface="+mn-ea"/>
@@ -2332,7 +5764,7 @@
       <a:defPPr>
         <a:defRPr lang="en-US"/>
       </a:defPPr>
-      <a:lvl1pPr marL="0" algn="l" defTabSz="914400" rtl="0" eaLnBrk="1" latinLnBrk="0" hangingPunct="1">
+      <a:lvl1pPr marL="0" algn="l" defTabSz="457200" rtl="0" eaLnBrk="1" latinLnBrk="0" hangingPunct="1">
         <a:defRPr sz="1800" kern="1200">
           <a:solidFill>
             <a:schemeClr val="tx1"/>
@@ -2342,7 +5774,7 @@
           <a:cs typeface="+mn-cs"/>
         </a:defRPr>
       </a:lvl1pPr>
-      <a:lvl2pPr marL="457200" algn="l" defTabSz="914400" rtl="0" eaLnBrk="1" latinLnBrk="0" hangingPunct="1">
+      <a:lvl2pPr marL="457200" algn="l" defTabSz="457200" rtl="0" eaLnBrk="1" latinLnBrk="0" hangingPunct="1">
         <a:defRPr sz="1800" kern="1200">
           <a:solidFill>
             <a:schemeClr val="tx1"/>
@@ -2352,7 +5784,7 @@
           <a:cs typeface="+mn-cs"/>
         </a:defRPr>
       </a:lvl2pPr>
-      <a:lvl3pPr marL="914400" algn="l" defTabSz="914400" rtl="0" eaLnBrk="1" latinLnBrk="0" hangingPunct="1">
+      <a:lvl3pPr marL="914400" algn="l" defTabSz="457200" rtl="0" eaLnBrk="1" latinLnBrk="0" hangingPunct="1">
         <a:defRPr sz="1800" kern="1200">
           <a:solidFill>
             <a:schemeClr val="tx1"/>
@@ -2362,7 +5794,7 @@
           <a:cs typeface="+mn-cs"/>
         </a:defRPr>
       </a:lvl3pPr>
-      <a:lvl4pPr marL="1371600" algn="l" defTabSz="914400" rtl="0" eaLnBrk="1" latinLnBrk="0" hangingPunct="1">
+      <a:lvl4pPr marL="1371600" algn="l" defTabSz="457200" rtl="0" eaLnBrk="1" latinLnBrk="0" hangingPunct="1">
         <a:defRPr sz="1800" kern="1200">
           <a:solidFill>
             <a:schemeClr val="tx1"/>
@@ -2372,7 +5804,7 @@
           <a:cs typeface="+mn-cs"/>
         </a:defRPr>
       </a:lvl4pPr>
-      <a:lvl5pPr marL="1828800" algn="l" defTabSz="914400" rtl="0" eaLnBrk="1" latinLnBrk="0" hangingPunct="1">
+      <a:lvl5pPr marL="1828800" algn="l" defTabSz="457200" rtl="0" eaLnBrk="1" latinLnBrk="0" hangingPunct="1">
         <a:defRPr sz="1800" kern="1200">
           <a:solidFill>
             <a:schemeClr val="tx1"/>
@@ -2382,7 +5814,7 @@
           <a:cs typeface="+mn-cs"/>
         </a:defRPr>
       </a:lvl5pPr>
-      <a:lvl6pPr marL="2286000" algn="l" defTabSz="914400" rtl="0" eaLnBrk="1" latinLnBrk="0" hangingPunct="1">
+      <a:lvl6pPr marL="2286000" algn="l" defTabSz="457200" rtl="0" eaLnBrk="1" latinLnBrk="0" hangingPunct="1">
         <a:defRPr sz="1800" kern="1200">
           <a:solidFill>
             <a:schemeClr val="tx1"/>
@@ -2392,7 +5824,7 @@
           <a:cs typeface="+mn-cs"/>
         </a:defRPr>
       </a:lvl6pPr>
-      <a:lvl7pPr marL="2743200" algn="l" defTabSz="914400" rtl="0" eaLnBrk="1" latinLnBrk="0" hangingPunct="1">
+      <a:lvl7pPr marL="2743200" algn="l" defTabSz="457200" rtl="0" eaLnBrk="1" latinLnBrk="0" hangingPunct="1">
         <a:defRPr sz="1800" kern="1200">
           <a:solidFill>
             <a:schemeClr val="tx1"/>
@@ -2402,7 +5834,7 @@
           <a:cs typeface="+mn-cs"/>
         </a:defRPr>
       </a:lvl7pPr>
-      <a:lvl8pPr marL="3200400" algn="l" defTabSz="914400" rtl="0" eaLnBrk="1" latinLnBrk="0" hangingPunct="1">
+      <a:lvl8pPr marL="3200400" algn="l" defTabSz="457200" rtl="0" eaLnBrk="1" latinLnBrk="0" hangingPunct="1">
         <a:defRPr sz="1800" kern="1200">
           <a:solidFill>
             <a:schemeClr val="tx1"/>
@@ -2412,7 +5844,7 @@
           <a:cs typeface="+mn-cs"/>
         </a:defRPr>
       </a:lvl8pPr>
-      <a:lvl9pPr marL="3657600" algn="l" defTabSz="914400" rtl="0" eaLnBrk="1" latinLnBrk="0" hangingPunct="1">
+      <a:lvl9pPr marL="3657600" algn="l" defTabSz="457200" rtl="0" eaLnBrk="1" latinLnBrk="0" hangingPunct="1">
         <a:defRPr sz="1800" kern="1200">
           <a:solidFill>
             <a:schemeClr val="tx1"/>
@@ -2460,17 +5892,16 @@
           <a:lstStyle/>
           <a:p>
             <a:r>
-              <a:rPr lang="en-US" dirty="0" smtClean="0"/>
+              <a:rPr lang="en-US" dirty="0"/>
               <a:t>Intro to F#</a:t>
             </a:r>
             <a:br>
-              <a:rPr lang="en-US" dirty="0" smtClean="0"/>
+              <a:rPr lang="en-US" dirty="0"/>
             </a:br>
             <a:r>
-              <a:rPr lang="en-US" dirty="0" smtClean="0"/>
+              <a:rPr lang="en-US" dirty="0"/>
               <a:t>With a Twist of Xamarin</a:t>
             </a:r>
-            <a:endParaRPr lang="en-US" dirty="0"/>
           </a:p>
         </p:txBody>
       </p:sp>
@@ -2490,21 +5921,20 @@
           <a:lstStyle/>
           <a:p>
             <a:r>
-              <a:rPr lang="en-US" dirty="0" smtClean="0"/>
+              <a:rPr lang="en-US" dirty="0"/>
               <a:t>@</a:t>
             </a:r>
             <a:r>
-              <a:rPr lang="en-US" dirty="0" err="1" smtClean="0"/>
+              <a:rPr lang="en-US" dirty="0" err="1"/>
               <a:t>dannydwarren</a:t>
             </a:r>
-            <a:endParaRPr lang="en-US" dirty="0" smtClean="0"/>
-          </a:p>
-          <a:p>
-            <a:r>
-              <a:rPr lang="en-US" dirty="0" smtClean="0"/>
+            <a:endParaRPr lang="en-US" dirty="0"/>
+          </a:p>
+          <a:p>
+            <a:r>
+              <a:rPr lang="en-US" dirty="0"/>
               <a:t>dannydwarren@gmail.com</a:t>
             </a:r>
-            <a:endParaRPr lang="en-US" dirty="0"/>
           </a:p>
         </p:txBody>
       </p:sp>
@@ -2518,13 +5948,6 @@
   <p:clrMapOvr>
     <a:masterClrMapping/>
   </p:clrMapOvr>
-  <p:timing>
-    <p:tnLst>
-      <p:par>
-        <p:cTn id="1" dur="indefinite" restart="never" nodeType="tmRoot"/>
-      </p:par>
-    </p:tnLst>
-  </p:timing>
 </p:sld>
 </file>
 
@@ -2558,22 +5981,21 @@
         <p:spPr/>
         <p:txBody>
           <a:bodyPr>
-            <a:normAutofit fontScale="90000"/>
+            <a:normAutofit/>
           </a:bodyPr>
           <a:lstStyle/>
           <a:p>
             <a:r>
-              <a:rPr lang="en-US" dirty="0" smtClean="0"/>
+              <a:rPr lang="en-US" dirty="0"/>
               <a:t>Change Minimum Android to target: </a:t>
             </a:r>
             <a:br>
-              <a:rPr lang="en-US" dirty="0" smtClean="0"/>
+              <a:rPr lang="en-US" dirty="0"/>
             </a:br>
             <a:r>
-              <a:rPr lang="en-US" dirty="0" smtClean="0"/>
+              <a:rPr lang="en-US" dirty="0"/>
               <a:t>Use Compile using SDK version</a:t>
             </a:r>
-            <a:endParaRPr lang="en-US" dirty="0"/>
           </a:p>
         </p:txBody>
       </p:sp>
@@ -2671,10 +6093,9 @@
           <a:lstStyle/>
           <a:p>
             <a:r>
-              <a:rPr lang="en-US" dirty="0" smtClean="0"/>
+              <a:rPr lang="en-US" dirty="0"/>
               <a:t>Change Package name &amp; Application Icon</a:t>
             </a:r>
-            <a:endParaRPr lang="en-US" dirty="0"/>
           </a:p>
         </p:txBody>
       </p:sp>
@@ -2721,15 +6142,14 @@
         <p:spPr/>
         <p:txBody>
           <a:bodyPr>
-            <a:normAutofit fontScale="90000"/>
+            <a:normAutofit/>
           </a:bodyPr>
           <a:lstStyle/>
           <a:p>
             <a:r>
-              <a:rPr lang="en-US" dirty="0" smtClean="0"/>
+              <a:rPr lang="en-US" dirty="0"/>
               <a:t>Create F# PCL to be used in C# or F# Projects</a:t>
             </a:r>
-            <a:endParaRPr lang="en-US" dirty="0"/>
           </a:p>
         </p:txBody>
       </p:sp>
@@ -2949,7 +6369,7 @@
           <a:p>
             <a:pPr algn="ctr"/>
             <a:r>
-              <a:rPr lang="en-US" sz="4800" b="0" cap="none" spc="0" dirty="0" smtClean="0">
+              <a:rPr lang="en-US" sz="4800" b="0" cap="none" spc="0" dirty="0">
                 <a:ln w="0"/>
                 <a:solidFill>
                   <a:schemeClr val="tx1"/>
@@ -2964,19 +6384,6 @@
               </a:rPr>
               <a:t>Select .NET Framework 4</a:t>
             </a:r>
-            <a:endParaRPr lang="en-US" sz="4800" b="0" cap="none" spc="0" dirty="0">
-              <a:ln w="0"/>
-              <a:solidFill>
-                <a:schemeClr val="tx1"/>
-              </a:solidFill>
-              <a:effectLst>
-                <a:outerShdw blurRad="38100" dist="19050" dir="2700000" algn="tl" rotWithShape="0">
-                  <a:schemeClr val="dk1">
-                    <a:alpha val="40000"/>
-                  </a:schemeClr>
-                </a:outerShdw>
-              </a:effectLst>
-            </a:endParaRPr>
           </a:p>
         </p:txBody>
       </p:sp>
@@ -3004,7 +6411,7 @@
           <a:p>
             <a:pPr algn="ctr"/>
             <a:r>
-              <a:rPr lang="en-US" sz="5400" b="0" cap="none" spc="0" dirty="0" smtClean="0">
+              <a:rPr lang="en-US" sz="5400" b="0" cap="none" spc="0" dirty="0">
                 <a:ln w="0"/>
                 <a:solidFill>
                   <a:schemeClr val="tx1"/>
@@ -3023,7 +6430,7 @@
           <a:p>
             <a:pPr algn="ctr"/>
             <a:r>
-              <a:rPr lang="en-US" sz="5400" dirty="0" smtClean="0">
+              <a:rPr lang="en-US" sz="5400" dirty="0">
                 <a:ln w="0"/>
                 <a:effectLst>
                   <a:outerShdw blurRad="38100" dist="19050" dir="2700000" algn="tl" rotWithShape="0">
@@ -3123,7 +6530,7 @@
           <a:p>
             <a:pPr algn="ctr"/>
             <a:r>
-              <a:rPr lang="en-US" sz="5400" b="0" cap="none" spc="0" dirty="0" smtClean="0">
+              <a:rPr lang="en-US" sz="5400" b="0" cap="none" spc="0" dirty="0">
                 <a:ln w="0"/>
                 <a:solidFill>
                   <a:schemeClr val="tx1"/>
@@ -3142,7 +6549,7 @@
           <a:p>
             <a:pPr algn="ctr"/>
             <a:r>
-              <a:rPr lang="en-US" sz="5400" b="0" cap="none" spc="0" dirty="0" smtClean="0">
+              <a:rPr lang="en-US" sz="5400" b="0" cap="none" spc="0" dirty="0">
                 <a:ln w="0"/>
                 <a:solidFill>
                   <a:schemeClr val="tx1"/>
@@ -3157,19 +6564,6 @@
               </a:rPr>
               <a:t>/Windows</a:t>
             </a:r>
-            <a:endParaRPr lang="en-US" sz="5400" b="0" cap="none" spc="0" dirty="0">
-              <a:ln w="0"/>
-              <a:solidFill>
-                <a:schemeClr val="tx1"/>
-              </a:solidFill>
-              <a:effectLst>
-                <a:outerShdw blurRad="38100" dist="19050" dir="2700000" algn="tl" rotWithShape="0">
-                  <a:schemeClr val="dk1">
-                    <a:alpha val="40000"/>
-                  </a:schemeClr>
-                </a:outerShdw>
-              </a:effectLst>
-            </a:endParaRPr>
           </a:p>
         </p:txBody>
       </p:sp>
@@ -3219,10 +6613,9 @@
           <a:lstStyle/>
           <a:p>
             <a:r>
-              <a:rPr lang="en-US" dirty="0" smtClean="0"/>
+              <a:rPr lang="en-US" dirty="0"/>
               <a:t>Change Target Version of F#</a:t>
             </a:r>
-            <a:endParaRPr lang="en-US" dirty="0"/>
           </a:p>
         </p:txBody>
       </p:sp>
@@ -3296,10 +6689,9 @@
           <a:lstStyle/>
           <a:p>
             <a:r>
-              <a:rPr lang="en-US" dirty="0" smtClean="0"/>
+              <a:rPr lang="en-US" dirty="0"/>
               <a:t>CODE! CODE! CODE!</a:t>
             </a:r>
-            <a:endParaRPr lang="en-US" dirty="0"/>
           </a:p>
         </p:txBody>
       </p:sp>
@@ -3316,92 +6708,91 @@
         <p:spPr/>
         <p:txBody>
           <a:bodyPr>
-            <a:normAutofit fontScale="92500" lnSpcReduction="20000"/>
+            <a:normAutofit lnSpcReduction="10000"/>
           </a:bodyPr>
           <a:lstStyle/>
           <a:p>
             <a:r>
-              <a:rPr lang="en-US" dirty="0" smtClean="0"/>
+              <a:rPr lang="en-US" dirty="0"/>
               <a:t>Solution</a:t>
             </a:r>
           </a:p>
           <a:p>
             <a:pPr lvl="1"/>
             <a:r>
-              <a:rPr lang="en-US" dirty="0" smtClean="0"/>
+              <a:rPr lang="en-US" dirty="0"/>
               <a:t>F# Android</a:t>
             </a:r>
           </a:p>
           <a:p>
             <a:pPr lvl="1"/>
             <a:r>
-              <a:rPr lang="en-US" dirty="0" smtClean="0"/>
+              <a:rPr lang="en-US" dirty="0"/>
               <a:t>F# iOS</a:t>
             </a:r>
           </a:p>
           <a:p>
             <a:pPr lvl="1"/>
             <a:r>
-              <a:rPr lang="en-US" dirty="0" smtClean="0"/>
+              <a:rPr lang="en-US" dirty="0"/>
               <a:t>C# Android</a:t>
             </a:r>
           </a:p>
           <a:p>
             <a:pPr lvl="1"/>
             <a:r>
-              <a:rPr lang="en-US" dirty="0" smtClean="0"/>
+              <a:rPr lang="en-US" dirty="0"/>
               <a:t>C# Windows 8.1 Universal (UAP)</a:t>
             </a:r>
           </a:p>
           <a:p>
             <a:pPr lvl="2"/>
             <a:r>
-              <a:rPr lang="en-US" dirty="0" smtClean="0"/>
+              <a:rPr lang="en-US" dirty="0"/>
               <a:t>Windows + Phone</a:t>
             </a:r>
           </a:p>
           <a:p>
             <a:pPr lvl="1"/>
             <a:r>
-              <a:rPr lang="en-US" dirty="0" smtClean="0"/>
+              <a:rPr lang="en-US" dirty="0"/>
               <a:t>C# Windows UWP (Win10)</a:t>
             </a:r>
           </a:p>
           <a:p>
             <a:pPr lvl="2"/>
             <a:r>
-              <a:rPr lang="en-US" dirty="0" smtClean="0"/>
+              <a:rPr lang="en-US" dirty="0"/>
               <a:t>Not Really Supported… </a:t>
             </a:r>
             <a:r>
-              <a:rPr lang="en-US" dirty="0" smtClean="0">
+              <a:rPr lang="en-US" dirty="0">
                 <a:sym typeface="Wingdings" panose="05000000000000000000" pitchFamily="2" charset="2"/>
               </a:rPr>
               <a:t> …yet…</a:t>
             </a:r>
-            <a:endParaRPr lang="en-US" dirty="0" smtClean="0"/>
+            <a:endParaRPr lang="en-US" dirty="0"/>
           </a:p>
           <a:p>
             <a:pPr lvl="1"/>
             <a:r>
-              <a:rPr lang="en-US" dirty="0" smtClean="0"/>
+              <a:rPr lang="en-US" dirty="0"/>
               <a:t>F# Library</a:t>
             </a:r>
           </a:p>
           <a:p>
             <a:pPr lvl="2"/>
             <a:r>
-              <a:rPr lang="en-US" dirty="0" smtClean="0"/>
+              <a:rPr lang="en-US" dirty="0"/>
               <a:t>ALL Apps use this library!</a:t>
             </a:r>
           </a:p>
           <a:p>
             <a:pPr lvl="1"/>
             <a:r>
-              <a:rPr lang="en-US" dirty="0" smtClean="0"/>
+              <a:rPr lang="en-US" dirty="0"/>
               <a:t>F# Tutorial Project (Template Provided With VS)</a:t>
             </a:r>
-            <a:endParaRPr lang="en-US" dirty="0"/>
           </a:p>
         </p:txBody>
       </p:sp>
@@ -3415,13 +6806,6 @@
   <p:clrMapOvr>
     <a:masterClrMapping/>
   </p:clrMapOvr>
-  <p:timing>
-    <p:tnLst>
-      <p:par>
-        <p:cTn id="1" dur="indefinite" restart="never" nodeType="tmRoot"/>
-      </p:par>
-    </p:tnLst>
-  </p:timing>
 </p:sld>
 </file>
 
@@ -3458,10 +6842,9 @@
           <a:lstStyle/>
           <a:p>
             <a:r>
-              <a:rPr lang="en-US" dirty="0" smtClean="0"/>
+              <a:rPr lang="en-US" dirty="0"/>
               <a:t>Platform Limitations</a:t>
             </a:r>
-            <a:endParaRPr lang="en-US" dirty="0"/>
           </a:p>
         </p:txBody>
       </p:sp>
@@ -3481,7 +6864,7 @@
           <a:lstStyle/>
           <a:p>
             <a:r>
-              <a:rPr lang="en-US" dirty="0" smtClean="0"/>
+              <a:rPr lang="en-US" dirty="0"/>
               <a:t>.NET Native for UWP does not Support F#... Yet…</a:t>
             </a:r>
           </a:p>
@@ -3491,24 +6874,18 @@
               <a:rPr lang="en-US" dirty="0">
                 <a:hlinkClick r:id="rId2"/>
               </a:rPr>
-              <a:t>https://</a:t>
-            </a:r>
-            <a:r>
-              <a:rPr lang="en-US" dirty="0" smtClean="0">
-                <a:hlinkClick r:id="rId2"/>
-              </a:rPr>
-              <a:t>wpdev.uservoice.com/forums/110705-universal-windows-platform/suggestions/9110134-f-support-in-net-native-for-uwp</a:t>
-            </a:r>
-            <a:endParaRPr lang="en-US" dirty="0" smtClean="0"/>
+              <a:t>https://wpdev.uservoice.com/forums/110705-universal-windows-platform/suggestions/9110134-f-support-in-net-native-for-uwp</a:t>
+            </a:r>
+            <a:endParaRPr lang="en-US" dirty="0"/>
           </a:p>
           <a:p>
             <a:pPr lvl="2"/>
             <a:r>
-              <a:rPr lang="en-US" dirty="0" smtClean="0"/>
+              <a:rPr lang="en-US" dirty="0"/>
               <a:t>However as of July 7 we know that it is a priority for Microsoft, but will not be </a:t>
             </a:r>
             <a:r>
-              <a:rPr lang="en-US" smtClean="0"/>
+              <a:rPr lang="en-US"/>
               <a:t>available before 2017</a:t>
             </a:r>
             <a:endParaRPr lang="en-US" dirty="0"/>
@@ -3529,13 +6906,6 @@
   <p:clrMapOvr>
     <a:masterClrMapping/>
   </p:clrMapOvr>
-  <p:timing>
-    <p:tnLst>
-      <p:par>
-        <p:cTn id="1" dur="indefinite" restart="never" nodeType="tmRoot"/>
-      </p:par>
-    </p:tnLst>
-  </p:timing>
 </p:sld>
 </file>
 
@@ -3572,11 +6942,11 @@
           <a:lstStyle/>
           <a:p>
             <a:r>
-              <a:rPr lang="en-US" dirty="0" smtClean="0"/>
+              <a:rPr lang="en-US" dirty="0"/>
               <a:t>open </a:t>
             </a:r>
             <a:r>
-              <a:rPr lang="en-US" dirty="0" err="1" smtClean="0"/>
+              <a:rPr lang="en-US" dirty="0" err="1"/>
               <a:t>FSharpMakesYouABetterDev</a:t>
             </a:r>
             <a:endParaRPr lang="en-US" dirty="0"/>
@@ -3601,111 +6971,98 @@
         </p:spPr>
         <p:txBody>
           <a:bodyPr>
-            <a:normAutofit fontScale="77500" lnSpcReduction="20000"/>
+            <a:normAutofit/>
           </a:bodyPr>
           <a:lstStyle/>
           <a:p>
             <a:r>
-              <a:rPr lang="en-US" dirty="0" smtClean="0"/>
+              <a:rPr lang="en-US" dirty="0"/>
               <a:t>F# thinks in mathematical terms</a:t>
             </a:r>
           </a:p>
           <a:p>
             <a:pPr lvl="1"/>
             <a:r>
-              <a:rPr lang="en-US" dirty="0" smtClean="0"/>
+              <a:rPr lang="en-US" dirty="0"/>
               <a:t>Understanding how to “think” is probably the BEST benefit F# provides a developer IMHO!</a:t>
             </a:r>
           </a:p>
           <a:p>
             <a:pPr lvl="1"/>
             <a:r>
-              <a:rPr lang="en-US" dirty="0" smtClean="0"/>
+              <a:rPr lang="en-US" dirty="0"/>
               <a:t>Example:</a:t>
             </a:r>
           </a:p>
           <a:p>
             <a:pPr lvl="2"/>
             <a:r>
-              <a:rPr lang="en-US" dirty="0" smtClean="0"/>
+              <a:rPr lang="en-US" dirty="0"/>
               <a:t>Monoid: </a:t>
-            </a:r>
-            <a:r>
-              <a:rPr lang="en-US" dirty="0" smtClean="0">
-                <a:hlinkClick r:id="rId2"/>
-              </a:rPr>
-              <a:t>http</a:t>
             </a:r>
             <a:r>
               <a:rPr lang="en-US" dirty="0">
                 <a:hlinkClick r:id="rId2"/>
               </a:rPr>
-              <a:t>://</a:t>
-            </a:r>
-            <a:r>
-              <a:rPr lang="en-US" dirty="0" smtClean="0">
-                <a:hlinkClick r:id="rId2"/>
-              </a:rPr>
-              <a:t>fsharpforfunandprofit.com/posts/monoids-without-tears/</a:t>
-            </a:r>
-            <a:r>
-              <a:rPr lang="en-US" dirty="0" smtClean="0"/>
+              <a:t>http://fsharpforfunandprofit.com/posts/monoids-without-tears/</a:t>
+            </a:r>
+            <a:r>
+              <a:rPr lang="en-US" dirty="0"/>
               <a:t> </a:t>
             </a:r>
           </a:p>
           <a:p>
             <a:r>
-              <a:rPr lang="en-US" dirty="0" smtClean="0"/>
+              <a:rPr lang="en-US" dirty="0"/>
               <a:t>F#’s Nature forces you to question everything you know about and do in C#!</a:t>
             </a:r>
           </a:p>
           <a:p>
             <a:pPr lvl="1"/>
             <a:r>
-              <a:rPr lang="en-US" dirty="0" smtClean="0"/>
+              <a:rPr lang="en-US" dirty="0"/>
               <a:t>Don’t be a C# militant, do your research! Open your mind!</a:t>
             </a:r>
           </a:p>
           <a:p>
             <a:r>
-              <a:rPr lang="en-US" dirty="0" smtClean="0"/>
+              <a:rPr lang="en-US" dirty="0"/>
               <a:t>Functional Thinking and Immutability</a:t>
             </a:r>
           </a:p>
           <a:p>
             <a:pPr lvl="1"/>
             <a:r>
-              <a:rPr lang="en-US" dirty="0" smtClean="0"/>
+              <a:rPr lang="en-US" dirty="0"/>
               <a:t>These 2 concepts alone have helped me immensely in C#!</a:t>
             </a:r>
           </a:p>
           <a:p>
             <a:r>
-              <a:rPr lang="en-US" dirty="0" smtClean="0"/>
+              <a:rPr lang="en-US" dirty="0"/>
               <a:t>Amazing Community</a:t>
             </a:r>
           </a:p>
           <a:p>
             <a:pPr lvl="1"/>
             <a:r>
-              <a:rPr lang="en-US" dirty="0" smtClean="0"/>
+              <a:rPr lang="en-US" dirty="0"/>
               <a:t>We are all who we are in large part because of who we know.</a:t>
             </a:r>
           </a:p>
           <a:p>
             <a:pPr lvl="1"/>
             <a:r>
-              <a:rPr lang="en-US" dirty="0" smtClean="0"/>
+              <a:rPr lang="en-US" dirty="0"/>
               <a:t>The F# community is full of some of the most talented and amazing developers. </a:t>
             </a:r>
           </a:p>
           <a:p>
             <a:pPr lvl="1"/>
             <a:r>
-              <a:rPr lang="en-US" dirty="0" smtClean="0"/>
+              <a:rPr lang="en-US" dirty="0"/>
               <a:t>ALL of them want to help you!</a:t>
             </a:r>
-            <a:endParaRPr lang="en-US" dirty="0"/>
           </a:p>
         </p:txBody>
       </p:sp>
@@ -3719,13 +7076,6 @@
   <p:clrMapOvr>
     <a:masterClrMapping/>
   </p:clrMapOvr>
-  <p:timing>
-    <p:tnLst>
-      <p:par>
-        <p:cTn id="1" dur="indefinite" restart="never" nodeType="tmRoot"/>
-      </p:par>
-    </p:tnLst>
-  </p:timing>
 </p:sld>
 </file>
 
@@ -3764,10 +7114,9 @@
           <a:lstStyle/>
           <a:p>
             <a:r>
-              <a:rPr lang="en-US" dirty="0" smtClean="0"/>
+              <a:rPr lang="en-US" dirty="0"/>
               <a:t>OK, I’m Convinced! Sign Me Up!</a:t>
             </a:r>
-            <a:endParaRPr lang="en-US" dirty="0"/>
           </a:p>
         </p:txBody>
       </p:sp>
@@ -3788,67 +7137,39 @@
           <a:p>
             <a:r>
               <a:rPr lang="en-US" dirty="0"/>
-              <a:t>Trial by </a:t>
-            </a:r>
-            <a:r>
-              <a:rPr lang="en-US" dirty="0" smtClean="0"/>
-              <a:t>Fire</a:t>
+              <a:t>Trial by Fire</a:t>
             </a:r>
           </a:p>
           <a:p>
             <a:pPr lvl="1"/>
             <a:r>
-              <a:rPr lang="en-US" dirty="0" smtClean="0"/>
+              <a:rPr lang="en-US" dirty="0"/>
               <a:t>Learn by doing: </a:t>
-            </a:r>
-            <a:r>
-              <a:rPr lang="en-US" dirty="0" smtClean="0">
-                <a:hlinkClick r:id="rId2"/>
-              </a:rPr>
-              <a:t>https</a:t>
             </a:r>
             <a:r>
               <a:rPr lang="en-US" dirty="0">
                 <a:hlinkClick r:id="rId2"/>
               </a:rPr>
-              <a:t>://</a:t>
-            </a:r>
-            <a:r>
-              <a:rPr lang="en-US" dirty="0" smtClean="0">
-                <a:hlinkClick r:id="rId2"/>
-              </a:rPr>
-              <a:t>github.com/jorgef/fsharpworkshop</a:t>
-            </a:r>
-            <a:endParaRPr lang="en-US" dirty="0" smtClean="0"/>
+              <a:t>https://github.com/jorgef/fsharpworkshop</a:t>
+            </a:r>
+            <a:endParaRPr lang="en-US" dirty="0"/>
           </a:p>
           <a:p>
             <a:pPr lvl="1"/>
             <a:r>
-              <a:rPr lang="en-US" dirty="0" smtClean="0"/>
+              <a:rPr lang="en-US" dirty="0"/>
               <a:t>Practice, Practice, Practice: </a:t>
             </a:r>
           </a:p>
           <a:p>
             <a:pPr lvl="2"/>
-            <a:r>
-              <a:rPr lang="en-US" dirty="0" smtClean="0">
-                <a:hlinkClick r:id="rId3"/>
-              </a:rPr>
-              <a:t>https</a:t>
-            </a:r>
             <a:r>
               <a:rPr lang="en-US" dirty="0">
                 <a:hlinkClick r:id="rId3"/>
               </a:rPr>
-              <a:t>://projecteuler.net</a:t>
-            </a:r>
-            <a:r>
-              <a:rPr lang="en-US" dirty="0" smtClean="0">
-                <a:hlinkClick r:id="rId3"/>
-              </a:rPr>
-              <a:t>/</a:t>
-            </a:r>
-            <a:endParaRPr lang="en-US" dirty="0" smtClean="0"/>
+              <a:t>https://projecteuler.net/</a:t>
+            </a:r>
+            <a:endParaRPr lang="en-US" dirty="0"/>
           </a:p>
           <a:p>
             <a:pPr lvl="2"/>
@@ -3856,19 +7177,12 @@
               <a:rPr lang="en-US" dirty="0">
                 <a:hlinkClick r:id="rId4"/>
               </a:rPr>
-              <a:t>http://</a:t>
-            </a:r>
-            <a:r>
-              <a:rPr lang="en-US" dirty="0" smtClean="0">
-                <a:hlinkClick r:id="rId4"/>
-              </a:rPr>
-              <a:t>exercism.io/languages/fsharp</a:t>
-            </a:r>
-            <a:r>
-              <a:rPr lang="en-US" dirty="0" smtClean="0"/>
+              <a:t>http://exercism.io/languages/fsharp</a:t>
+            </a:r>
+            <a:r>
+              <a:rPr lang="en-US" dirty="0"/>
               <a:t> </a:t>
             </a:r>
-            <a:endParaRPr lang="en-US" dirty="0"/>
           </a:p>
         </p:txBody>
       </p:sp>
@@ -3882,13 +7196,6 @@
   <p:clrMapOvr>
     <a:masterClrMapping/>
   </p:clrMapOvr>
-  <p:timing>
-    <p:tnLst>
-      <p:par>
-        <p:cTn id="1" dur="indefinite" restart="never" nodeType="tmRoot"/>
-      </p:par>
-    </p:tnLst>
-  </p:timing>
 </p:sld>
 </file>
 
@@ -3925,10 +7232,9 @@
           <a:lstStyle/>
           <a:p>
             <a:r>
-              <a:rPr lang="en-US" dirty="0" smtClean="0"/>
+              <a:rPr lang="en-US" dirty="0"/>
               <a:t>Materials</a:t>
             </a:r>
-            <a:endParaRPr lang="en-US" dirty="0"/>
           </a:p>
         </p:txBody>
       </p:sp>
@@ -3945,7 +7251,7 @@
         <p:spPr/>
         <p:txBody>
           <a:bodyPr>
-            <a:normAutofit fontScale="62500" lnSpcReduction="20000"/>
+            <a:normAutofit fontScale="70000" lnSpcReduction="20000"/>
           </a:bodyPr>
           <a:lstStyle/>
           <a:p>
@@ -3999,24 +7305,14 @@
               <a:rPr lang="en-US" dirty="0">
                 <a:hlinkClick r:id="rId4"/>
               </a:rPr>
-              <a:t>http://</a:t>
-            </a:r>
-            <a:r>
-              <a:rPr lang="en-US" dirty="0" smtClean="0">
-                <a:hlinkClick r:id="rId4"/>
-              </a:rPr>
-              <a:t>stackoverflow.com/questions/6811072/referencing-asynchronous-f-datatype-from-c-sharp</a:t>
-            </a:r>
-            <a:endParaRPr lang="en-US" dirty="0"/>
-          </a:p>
-          <a:p>
-            <a:r>
-              <a:rPr lang="en-US" dirty="0" smtClean="0"/>
-              <a:t>Always </a:t>
-            </a:r>
-            <a:r>
-              <a:rPr lang="en-US" dirty="0"/>
-              <a:t>5 Equation</a:t>
+              <a:t>http://stackoverflow.com/questions/6811072/referencing-asynchronous-f-datatype-from-c-sharp</a:t>
+            </a:r>
+            <a:endParaRPr lang="en-US" dirty="0"/>
+          </a:p>
+          <a:p>
+            <a:r>
+              <a:rPr lang="en-US" dirty="0"/>
+              <a:t>Always 5 Equation</a:t>
             </a:r>
           </a:p>
           <a:p>
@@ -4025,84 +7321,45 @@
               <a:rPr lang="en-US" dirty="0">
                 <a:hlinkClick r:id="rId5"/>
               </a:rPr>
-              <a:t>http://</a:t>
-            </a:r>
-            <a:r>
-              <a:rPr lang="en-US" dirty="0" smtClean="0">
-                <a:hlinkClick r:id="rId5"/>
-              </a:rPr>
-              <a:t>www.pedagonet.com/maths/always.htm</a:t>
-            </a:r>
-            <a:endParaRPr lang="en-US" dirty="0"/>
-          </a:p>
-          <a:p>
-            <a:r>
-              <a:rPr lang="en-US" dirty="0" smtClean="0"/>
-              <a:t>The Book of F#, By </a:t>
-            </a:r>
-            <a:r>
-              <a:rPr lang="en-US" dirty="0"/>
-              <a:t>Dave Fancher </a:t>
-            </a:r>
-            <a:r>
-              <a:rPr lang="en-US" dirty="0" smtClean="0"/>
-              <a:t>(</a:t>
-            </a:r>
-            <a:r>
-              <a:rPr lang="en-US" dirty="0" smtClean="0">
-                <a:hlinkClick r:id="rId6"/>
-              </a:rPr>
-              <a:t>https</a:t>
+              <a:t>http://www.pedagonet.com/maths/always.htm</a:t>
+            </a:r>
+            <a:endParaRPr lang="en-US" dirty="0"/>
+          </a:p>
+          <a:p>
+            <a:r>
+              <a:rPr lang="en-US" dirty="0"/>
+              <a:t>The Book of F#, By Dave Fancher (</a:t>
             </a:r>
             <a:r>
               <a:rPr lang="en-US" dirty="0">
                 <a:hlinkClick r:id="rId6"/>
               </a:rPr>
-              <a:t>://</a:t>
-            </a:r>
-            <a:r>
-              <a:rPr lang="en-US" dirty="0" smtClean="0">
-                <a:hlinkClick r:id="rId6"/>
-              </a:rPr>
-              <a:t>twitter.com/davefancher</a:t>
-            </a:r>
-            <a:r>
-              <a:rPr lang="en-US" dirty="0" smtClean="0"/>
+              <a:t>https://twitter.com/davefancher</a:t>
+            </a:r>
+            <a:r>
+              <a:rPr lang="en-US" dirty="0"/>
               <a:t>)</a:t>
             </a:r>
-            <a:endParaRPr lang="en-US" dirty="0"/>
-          </a:p>
-          <a:p>
-            <a:r>
-              <a:rPr lang="en-US" dirty="0" smtClean="0"/>
+          </a:p>
+          <a:p>
+            <a:r>
+              <a:rPr lang="en-US" dirty="0"/>
               <a:t>Gist about Discriminated Union</a:t>
             </a:r>
           </a:p>
           <a:p>
             <a:pPr lvl="1"/>
-            <a:r>
-              <a:rPr lang="en-US" dirty="0" smtClean="0">
-                <a:hlinkClick r:id="rId7"/>
-              </a:rPr>
-              <a:t>https</a:t>
-            </a:r>
             <a:r>
               <a:rPr lang="en-US" dirty="0">
                 <a:hlinkClick r:id="rId7"/>
               </a:rPr>
-              <a:t>://</a:t>
-            </a:r>
-            <a:r>
-              <a:rPr lang="en-US" dirty="0" smtClean="0">
-                <a:hlinkClick r:id="rId7"/>
-              </a:rPr>
-              <a:t>gist.github.com/dannydwarren/cefb9d33a67b689bddf8</a:t>
-            </a:r>
-            <a:endParaRPr lang="en-US" dirty="0" smtClean="0"/>
-          </a:p>
-          <a:p>
-            <a:r>
-              <a:rPr lang="en-US" dirty="0" smtClean="0"/>
+              <a:t>https://gist.github.com/dannydwarren/cefb9d33a67b689bddf8</a:t>
+            </a:r>
+            <a:endParaRPr lang="en-US" dirty="0"/>
+          </a:p>
+          <a:p>
+            <a:r>
+              <a:rPr lang="en-US" dirty="0"/>
               <a:t>Pipe |&gt; vs Function Composition &gt;&gt;</a:t>
             </a:r>
           </a:p>
@@ -4112,22 +7369,16 @@
               <a:rPr lang="en-US" dirty="0">
                 <a:hlinkClick r:id="rId8"/>
               </a:rPr>
-              <a:t>http://fsharpforfunandprofit.com/posts/function-composition</a:t>
-            </a:r>
-            <a:r>
-              <a:rPr lang="en-US" dirty="0" smtClean="0">
-                <a:hlinkClick r:id="rId8"/>
-              </a:rPr>
-              <a:t>/</a:t>
-            </a:r>
-            <a:r>
-              <a:rPr lang="en-US" dirty="0" smtClean="0"/>
+              <a:t>http://fsharpforfunandprofit.com/posts/function-composition/</a:t>
+            </a:r>
+            <a:r>
+              <a:rPr lang="en-US" dirty="0"/>
               <a:t> </a:t>
             </a:r>
           </a:p>
           <a:p>
             <a:r>
-              <a:rPr lang="en-US" dirty="0" smtClean="0"/>
+              <a:rPr lang="en-US" dirty="0"/>
               <a:t>Visual Studio Emulator for Android </a:t>
             </a:r>
           </a:p>
@@ -4137,19 +7388,12 @@
               <a:rPr lang="en-US" dirty="0">
                 <a:hlinkClick r:id="rId9"/>
               </a:rPr>
-              <a:t>https://blogs.msdn.microsoft.com/visualstudioalm/2014/11/12/introducing-visual-studios-emulator-for-android</a:t>
-            </a:r>
-            <a:r>
-              <a:rPr lang="en-US" dirty="0" smtClean="0">
-                <a:hlinkClick r:id="rId9"/>
-              </a:rPr>
-              <a:t>/</a:t>
-            </a:r>
-            <a:r>
-              <a:rPr lang="en-US" dirty="0" smtClean="0"/>
+              <a:t>https://blogs.msdn.microsoft.com/visualstudioalm/2014/11/12/introducing-visual-studios-emulator-for-android/</a:t>
+            </a:r>
+            <a:r>
+              <a:rPr lang="en-US" dirty="0"/>
               <a:t> </a:t>
             </a:r>
-            <a:endParaRPr lang="en-US" dirty="0"/>
           </a:p>
           <a:p>
             <a:endParaRPr lang="en-US" dirty="0"/>
@@ -4166,13 +7410,6 @@
   <p:clrMapOvr>
     <a:masterClrMapping/>
   </p:clrMapOvr>
-  <p:timing>
-    <p:tnLst>
-      <p:par>
-        <p:cTn id="1" dur="indefinite" restart="never" nodeType="tmRoot"/>
-      </p:par>
-    </p:tnLst>
-  </p:timing>
 </p:sld>
 </file>
 
@@ -4210,8 +7447,13 @@
           <a:p>
             <a:r>
               <a:rPr lang="en-US" dirty="0"/>
-              <a:t>About Danny &amp; InterKnowlogy</a:t>
-            </a:r>
+              <a:t>About Danny &amp; </a:t>
+            </a:r>
+            <a:r>
+              <a:rPr lang="en-US" dirty="0" err="1"/>
+              <a:t>Pluralsight</a:t>
+            </a:r>
+            <a:endParaRPr lang="en-US" dirty="0"/>
           </a:p>
         </p:txBody>
       </p:sp>
@@ -4233,121 +7475,62 @@
         </p:spPr>
         <p:txBody>
           <a:bodyPr>
-            <a:normAutofit fontScale="77500" lnSpcReduction="20000"/>
+            <a:normAutofit/>
           </a:bodyPr>
           <a:lstStyle/>
           <a:p>
             <a:r>
-              <a:rPr lang="en-US" dirty="0"/>
-              <a:t>InterKnowlogy (</a:t>
+              <a:rPr lang="en-US" dirty="0" err="1"/>
+              <a:t>Pluralsight</a:t>
+            </a:r>
+            <a:r>
+              <a:rPr lang="en-US" dirty="0"/>
+              <a:t> (</a:t>
             </a:r>
             <a:r>
               <a:rPr lang="en-US" dirty="0">
                 <a:hlinkClick r:id="rId2"/>
               </a:rPr>
-              <a:t>www.interknowlogy.com</a:t>
-            </a:r>
-            <a:r>
-              <a:rPr lang="en-US" dirty="0"/>
-              <a:t>)</a:t>
+              <a:t>www.pluralsight.com</a:t>
+            </a:r>
+            <a:r>
+              <a:rPr lang="en-US" dirty="0"/>
+              <a:t>) </a:t>
             </a:r>
           </a:p>
           <a:p>
             <a:pPr lvl="1"/>
             <a:r>
               <a:rPr lang="en-US" dirty="0"/>
-              <a:t>15 year old services firm – Custom Application Development</a:t>
+              <a:t>The technology learning platform</a:t>
+            </a:r>
+          </a:p>
+          <a:p>
+            <a:r>
+              <a:rPr lang="en-US" dirty="0"/>
+              <a:t>Danny Warren, Sr. Software Engineer</a:t>
             </a:r>
           </a:p>
           <a:p>
             <a:pPr lvl="1"/>
             <a:r>
               <a:rPr lang="en-US" dirty="0"/>
-              <a:t>Focused on building NUI solutions</a:t>
+              <a:t>Graduate Neumont University 2009, B.S. C.S. </a:t>
+            </a:r>
+          </a:p>
+          <a:p>
+            <a:pPr lvl="1"/>
+            <a:r>
+              <a:rPr lang="en-US" dirty="0"/>
+              <a:t>Alumnus Microsoft MVP in Windows Platform Development</a:t>
             </a:r>
           </a:p>
           <a:p>
             <a:pPr lvl="2"/>
             <a:r>
-              <a:rPr lang="en-US" dirty="0" smtClean="0"/>
-              <a:t>HoloLens</a:t>
-            </a:r>
-          </a:p>
-          <a:p>
-            <a:pPr lvl="2"/>
-            <a:r>
-              <a:rPr lang="en-US" dirty="0" smtClean="0"/>
-              <a:t>Universal </a:t>
-            </a:r>
-            <a:r>
-              <a:rPr lang="en-US" dirty="0"/>
-              <a:t>Windows Platform </a:t>
-            </a:r>
-            <a:r>
-              <a:rPr lang="en-US" dirty="0" smtClean="0"/>
-              <a:t>(Desktop, Tablet, Phone), </a:t>
-            </a:r>
-            <a:r>
-              <a:rPr lang="en-US" dirty="0"/>
-              <a:t>Xamarin, WPF, Kinect, Azure</a:t>
-            </a:r>
-          </a:p>
-          <a:p>
-            <a:pPr lvl="2"/>
-            <a:r>
-              <a:rPr lang="en-US" dirty="0" smtClean="0"/>
-              <a:t>Touch, Gestures (Touchless), &amp; Mouse and Keyboard</a:t>
-            </a:r>
-          </a:p>
-          <a:p>
-            <a:pPr lvl="1"/>
-            <a:r>
-              <a:rPr lang="en-US" dirty="0" smtClean="0"/>
-              <a:t>Formal R&amp;D program: RECESS</a:t>
-            </a:r>
-          </a:p>
-          <a:p>
-            <a:pPr lvl="2"/>
-            <a:r>
-              <a:rPr lang="en-US" dirty="0" smtClean="0"/>
-              <a:t>Self </a:t>
-            </a:r>
-            <a:r>
-              <a:rPr lang="en-US" dirty="0"/>
-              <a:t>guided learning/My time to prepare this presentation</a:t>
-            </a:r>
-          </a:p>
-          <a:p>
-            <a:r>
-              <a:rPr lang="en-US" dirty="0"/>
-              <a:t>Danny Warren, Sr. Software Engineer</a:t>
-            </a:r>
-          </a:p>
-          <a:p>
-            <a:pPr lvl="1"/>
-            <a:r>
-              <a:rPr lang="en-US" dirty="0"/>
-              <a:t>Graduate Neumont University 2009, B.S. C.S. </a:t>
-            </a:r>
-          </a:p>
-          <a:p>
-            <a:pPr lvl="1"/>
-            <a:r>
-              <a:rPr lang="en-US" dirty="0" smtClean="0"/>
-              <a:t>Alumnus Microsoft </a:t>
-            </a:r>
-            <a:r>
-              <a:rPr lang="en-US" dirty="0"/>
-              <a:t>MVP in Windows Platform Development</a:t>
-            </a:r>
-          </a:p>
-          <a:p>
-            <a:pPr lvl="2"/>
-            <a:r>
-              <a:rPr lang="en-US" dirty="0" smtClean="0"/>
+              <a:rPr lang="en-US" dirty="0"/>
               <a:t>Oct 2013 – Oct 2015</a:t>
             </a:r>
-            <a:endParaRPr lang="en-US" dirty="0"/>
           </a:p>
           <a:p>
             <a:pPr lvl="1"/>
@@ -4378,13 +7561,6 @@
   <p:clrMapOvr>
     <a:masterClrMapping/>
   </p:clrMapOvr>
-  <p:timing>
-    <p:tnLst>
-      <p:par>
-        <p:cTn id="1" dur="indefinite" restart="never" nodeType="tmRoot"/>
-      </p:par>
-    </p:tnLst>
-  </p:timing>
 </p:sld>
 </file>
 
@@ -4436,7 +7612,7 @@
         <p:spPr>
           <a:xfrm>
             <a:off x="1820487" y="1442265"/>
-            <a:ext cx="8229600" cy="1477328"/>
+            <a:ext cx="8229600" cy="1661993"/>
           </a:xfrm>
           <a:prstGeom prst="rect">
             <a:avLst/>
@@ -4454,61 +7630,37 @@
               <a:t>Blog: </a:t>
             </a:r>
             <a:r>
-              <a:rPr lang="en-US" sz="2800" dirty="0" smtClean="0">
-                <a:hlinkClick r:id="rId2"/>
-              </a:rPr>
-              <a:t>http</a:t>
-            </a:r>
-            <a:r>
               <a:rPr lang="en-US" sz="2800" dirty="0">
                 <a:hlinkClick r:id="rId2"/>
               </a:rPr>
-              <a:t>://</a:t>
-            </a:r>
-            <a:r>
-              <a:rPr lang="en-US" sz="2800" dirty="0" smtClean="0">
-                <a:hlinkClick r:id="rId2"/>
-              </a:rPr>
-              <a:t>bit.ly/dannydwarren</a:t>
-            </a:r>
-            <a:endParaRPr lang="en-US" sz="2800" dirty="0" smtClean="0"/>
-          </a:p>
-          <a:p>
-            <a:pPr algn="ctr"/>
-            <a:endParaRPr lang="en-US" sz="1400" dirty="0" smtClean="0">
+              <a:t>https://dannydwarren.github.io</a:t>
+            </a:r>
+            <a:r>
+              <a:rPr lang="en-US" sz="2800" dirty="0"/>
+              <a:t> </a:t>
+            </a:r>
+            <a:endParaRPr lang="en-US" sz="1400" dirty="0">
               <a:hlinkClick r:id="rId3"/>
             </a:endParaRPr>
           </a:p>
           <a:p>
             <a:pPr algn="ctr"/>
             <a:r>
-              <a:rPr lang="en-US" sz="2800" dirty="0" smtClean="0"/>
+              <a:rPr lang="en-US" sz="2800" dirty="0"/>
               <a:t>GitHub Repo (Materials): </a:t>
-            </a:r>
-            <a:r>
-              <a:rPr lang="en-US" sz="2800" dirty="0" smtClean="0">
-                <a:hlinkClick r:id="rId4"/>
-              </a:rPr>
-              <a:t>http</a:t>
             </a:r>
             <a:r>
               <a:rPr lang="en-US" sz="2800" dirty="0">
                 <a:hlinkClick r:id="rId4"/>
               </a:rPr>
-              <a:t>://</a:t>
-            </a:r>
-            <a:r>
-              <a:rPr lang="en-US" sz="2800" dirty="0" smtClean="0">
-                <a:hlinkClick r:id="rId4"/>
-              </a:rPr>
-              <a:t>bit.ly/fsharpxamarin</a:t>
-            </a:r>
-            <a:endParaRPr lang="en-US" dirty="0" smtClean="0"/>
+              <a:t>http://bit.ly/fsharpxamarin</a:t>
+            </a:r>
+            <a:endParaRPr lang="en-US" dirty="0"/>
           </a:p>
           <a:p>
             <a:pPr algn="ctr"/>
             <a:r>
-              <a:rPr lang="en-US" dirty="0" smtClean="0"/>
+              <a:rPr lang="en-US" dirty="0"/>
               <a:t> </a:t>
             </a:r>
           </a:p>
@@ -4556,10 +7708,9 @@
           </a:lstStyle>
           <a:p>
             <a:r>
-              <a:rPr lang="en-US" dirty="0" smtClean="0"/>
+              <a:rPr lang="en-US" dirty="0"/>
               <a:t>Interested in talking more?</a:t>
             </a:r>
-            <a:endParaRPr lang="en-US" dirty="0"/>
           </a:p>
         </p:txBody>
       </p:sp>
@@ -4739,7 +7890,7 @@
               <a:buNone/>
             </a:pPr>
             <a:r>
-              <a:rPr lang="en-US" dirty="0" smtClean="0"/>
+              <a:rPr lang="en-US" dirty="0"/>
               <a:t>Reach Out!</a:t>
             </a:r>
           </a:p>
@@ -4748,13 +7899,13 @@
               <a:buNone/>
             </a:pPr>
             <a:r>
-              <a:rPr lang="en-US" dirty="0" smtClean="0">
+              <a:rPr lang="en-US" dirty="0">
                 <a:hlinkClick r:id="rId5"/>
               </a:rPr>
               <a:t>dannydwarren@gmail.com</a:t>
             </a:r>
             <a:r>
-              <a:rPr lang="en-US" dirty="0" smtClean="0"/>
+              <a:rPr lang="en-US" dirty="0"/>
               <a:t> </a:t>
             </a:r>
           </a:p>
@@ -4763,8 +7914,8 @@
               <a:buNone/>
             </a:pPr>
             <a:r>
-              <a:rPr lang="en-US" dirty="0" smtClean="0"/>
-              <a:t>Mention: Code on the Beach</a:t>
+              <a:rPr lang="en-US" dirty="0"/>
+              <a:t>Mention: [this presentation]</a:t>
             </a:r>
           </a:p>
           <a:p>
@@ -4772,22 +7923,22 @@
               <a:buNone/>
             </a:pPr>
             <a:r>
-              <a:rPr lang="en-US" dirty="0" smtClean="0"/>
+              <a:rPr lang="en-US" dirty="0"/>
               <a:t>LinkedIn: </a:t>
             </a:r>
             <a:r>
-              <a:rPr lang="en-US" dirty="0" err="1" smtClean="0"/>
+              <a:rPr lang="en-US" dirty="0" err="1"/>
               <a:t>dannydwarren</a:t>
             </a:r>
             <a:r>
-              <a:rPr lang="en-US" dirty="0" smtClean="0"/>
+              <a:rPr lang="en-US" dirty="0"/>
               <a:t>   Twitter: </a:t>
             </a:r>
             <a:r>
-              <a:rPr lang="en-US" dirty="0" err="1" smtClean="0"/>
+              <a:rPr lang="en-US" dirty="0" err="1"/>
               <a:t>dannydwarren</a:t>
             </a:r>
-            <a:endParaRPr lang="en-US" dirty="0" smtClean="0"/>
+            <a:endParaRPr lang="en-US" dirty="0"/>
           </a:p>
         </p:txBody>
       </p:sp>
@@ -4801,13 +7952,6 @@
   <p:clrMapOvr>
     <a:masterClrMapping/>
   </p:clrMapOvr>
-  <p:timing>
-    <p:tnLst>
-      <p:par>
-        <p:cTn id="1" dur="indefinite" restart="never" nodeType="tmRoot"/>
-      </p:par>
-    </p:tnLst>
-  </p:timing>
 </p:sld>
 </file>
 
@@ -4844,10 +7988,9 @@
           <a:lstStyle/>
           <a:p>
             <a:r>
-              <a:rPr lang="en-US" dirty="0" smtClean="0"/>
+              <a:rPr lang="en-US" dirty="0"/>
               <a:t>Agenda</a:t>
             </a:r>
-            <a:endParaRPr lang="en-US" dirty="0"/>
           </a:p>
         </p:txBody>
       </p:sp>
@@ -4867,37 +8010,37 @@
           <a:lstStyle/>
           <a:p>
             <a:r>
-              <a:rPr lang="en-US" dirty="0" smtClean="0"/>
+              <a:rPr lang="en-US" dirty="0"/>
               <a:t>What is F#</a:t>
             </a:r>
           </a:p>
           <a:p>
             <a:r>
-              <a:rPr lang="en-US" dirty="0" smtClean="0"/>
+              <a:rPr lang="en-US" dirty="0"/>
               <a:t>Nature of C# vs F#</a:t>
             </a:r>
           </a:p>
           <a:p>
             <a:r>
-              <a:rPr lang="en-US" dirty="0" smtClean="0"/>
+              <a:rPr lang="en-US" dirty="0"/>
               <a:t>What do you mean: “Classes of Bugs Don’t Exist”</a:t>
             </a:r>
           </a:p>
           <a:p>
             <a:r>
-              <a:rPr lang="en-US" dirty="0" smtClean="0"/>
+              <a:rPr lang="en-US" dirty="0"/>
               <a:t>Language and Tooling Intro</a:t>
             </a:r>
           </a:p>
           <a:p>
             <a:r>
-              <a:rPr lang="en-US" dirty="0" smtClean="0"/>
+              <a:rPr lang="en-US" dirty="0"/>
               <a:t>F# in Mobile (Using Xamarin)</a:t>
             </a:r>
           </a:p>
           <a:p>
             <a:r>
-              <a:rPr lang="en-US" dirty="0" smtClean="0"/>
+              <a:rPr lang="en-US" dirty="0"/>
               <a:t>I can’t use F#, but how will it make me a better developer?</a:t>
             </a:r>
           </a:p>
@@ -4913,13 +8056,6 @@
   <p:clrMapOvr>
     <a:masterClrMapping/>
   </p:clrMapOvr>
-  <p:timing>
-    <p:tnLst>
-      <p:par>
-        <p:cTn id="1" dur="indefinite" restart="never" nodeType="tmRoot"/>
-      </p:par>
-    </p:tnLst>
-  </p:timing>
 </p:sld>
 </file>
 
@@ -4956,10 +8092,9 @@
           <a:lstStyle/>
           <a:p>
             <a:r>
-              <a:rPr lang="en-US" dirty="0" smtClean="0"/>
+              <a:rPr lang="en-US" dirty="0"/>
               <a:t>What is F#</a:t>
             </a:r>
-            <a:endParaRPr lang="en-US" dirty="0"/>
           </a:p>
         </p:txBody>
       </p:sp>
@@ -4979,50 +8114,49 @@
           <a:lstStyle/>
           <a:p>
             <a:r>
-              <a:rPr lang="en-US" dirty="0" smtClean="0"/>
+              <a:rPr lang="en-US" dirty="0"/>
               <a:t>F# is the 3</a:t>
             </a:r>
             <a:r>
-              <a:rPr lang="en-US" baseline="30000" dirty="0" smtClean="0"/>
+              <a:rPr lang="en-US" baseline="30000" dirty="0"/>
               <a:t>rd</a:t>
             </a:r>
             <a:r>
-              <a:rPr lang="en-US" dirty="0" smtClean="0"/>
+              <a:rPr lang="en-US" dirty="0"/>
               <a:t> major .NET Language </a:t>
             </a:r>
           </a:p>
           <a:p>
             <a:pPr lvl="1"/>
             <a:r>
-              <a:rPr lang="en-US" dirty="0" smtClean="0"/>
+              <a:rPr lang="en-US" dirty="0"/>
               <a:t>Thanks CLI (Common Language Interface)</a:t>
             </a:r>
           </a:p>
           <a:p>
             <a:r>
-              <a:rPr lang="en-US" dirty="0" smtClean="0"/>
+              <a:rPr lang="en-US" dirty="0"/>
               <a:t>Functional First, but is Multi-paradigm </a:t>
             </a:r>
           </a:p>
           <a:p>
             <a:pPr lvl="1"/>
             <a:r>
-              <a:rPr lang="en-US" dirty="0" smtClean="0"/>
+              <a:rPr lang="en-US" dirty="0"/>
               <a:t>Can also do OO</a:t>
             </a:r>
           </a:p>
           <a:p>
             <a:r>
-              <a:rPr lang="en-US" dirty="0" smtClean="0"/>
+              <a:rPr lang="en-US" dirty="0"/>
               <a:t>NOT An Academic Language!</a:t>
             </a:r>
           </a:p>
           <a:p>
             <a:r>
-              <a:rPr lang="en-US" dirty="0" smtClean="0"/>
+              <a:rPr lang="en-US" dirty="0"/>
               <a:t>Mature, but still FUN!</a:t>
             </a:r>
-            <a:endParaRPr lang="en-US" dirty="0"/>
           </a:p>
         </p:txBody>
       </p:sp>
@@ -5036,13 +8170,6 @@
   <p:clrMapOvr>
     <a:masterClrMapping/>
   </p:clrMapOvr>
-  <p:timing>
-    <p:tnLst>
-      <p:par>
-        <p:cTn id="1" dur="indefinite" restart="never" nodeType="tmRoot"/>
-      </p:par>
-    </p:tnLst>
-  </p:timing>
 </p:sld>
 </file>
 
@@ -5079,10 +8206,9 @@
           <a:lstStyle/>
           <a:p>
             <a:r>
-              <a:rPr lang="en-US" dirty="0" smtClean="0"/>
+              <a:rPr lang="en-US" dirty="0"/>
               <a:t>Nature vs Nurture</a:t>
             </a:r>
-            <a:endParaRPr lang="en-US" dirty="0"/>
           </a:p>
         </p:txBody>
       </p:sp>
@@ -5102,10 +8228,9 @@
           <a:lstStyle/>
           <a:p>
             <a:r>
-              <a:rPr lang="en-US" dirty="0" smtClean="0"/>
+              <a:rPr lang="en-US" dirty="0"/>
               <a:t>C#</a:t>
             </a:r>
-            <a:endParaRPr lang="en-US" dirty="0"/>
           </a:p>
         </p:txBody>
       </p:sp>
@@ -5125,54 +8250,53 @@
           <a:lstStyle/>
           <a:p>
             <a:r>
-              <a:rPr lang="en-US" dirty="0" smtClean="0"/>
+              <a:rPr lang="en-US" dirty="0"/>
               <a:t>OO</a:t>
             </a:r>
           </a:p>
           <a:p>
             <a:r>
-              <a:rPr lang="en-US" dirty="0" smtClean="0"/>
+              <a:rPr lang="en-US" dirty="0"/>
               <a:t>Mutable</a:t>
             </a:r>
           </a:p>
           <a:p>
             <a:r>
-              <a:rPr lang="en-US" dirty="0" smtClean="0"/>
+              <a:rPr lang="en-US" dirty="0"/>
               <a:t>Rigid Type System</a:t>
             </a:r>
           </a:p>
           <a:p>
             <a:r>
-              <a:rPr lang="en-US" dirty="0" smtClean="0"/>
+              <a:rPr lang="en-US" dirty="0"/>
               <a:t>Insignificant Whitespace</a:t>
             </a:r>
           </a:p>
           <a:p>
             <a:pPr lvl="1"/>
             <a:r>
-              <a:rPr lang="en-US" dirty="0" smtClean="0"/>
+              <a:rPr lang="en-US" dirty="0"/>
               <a:t>Explicit Blocks of Code</a:t>
             </a:r>
           </a:p>
           <a:p>
             <a:r>
-              <a:rPr lang="en-US" dirty="0" smtClean="0"/>
+              <a:rPr lang="en-US" dirty="0"/>
               <a:t>NULL is Significant</a:t>
             </a:r>
           </a:p>
           <a:p>
             <a:r>
-              <a:rPr lang="en-US" dirty="0" smtClean="0"/>
+              <a:rPr lang="en-US" dirty="0"/>
               <a:t>Functions not First Class</a:t>
             </a:r>
           </a:p>
           <a:p>
             <a:pPr lvl="1"/>
             <a:r>
-              <a:rPr lang="en-US" dirty="0" smtClean="0"/>
+              <a:rPr lang="en-US" dirty="0"/>
               <a:t>Can use Delegate</a:t>
             </a:r>
-            <a:endParaRPr lang="en-US" dirty="0"/>
           </a:p>
         </p:txBody>
       </p:sp>
@@ -5192,10 +8316,9 @@
           <a:lstStyle/>
           <a:p>
             <a:r>
-              <a:rPr lang="en-US" dirty="0" smtClean="0"/>
+              <a:rPr lang="en-US" dirty="0"/>
               <a:t>F#</a:t>
             </a:r>
-            <a:endParaRPr lang="en-US" dirty="0"/>
           </a:p>
         </p:txBody>
       </p:sp>
@@ -5211,58 +8334,59 @@
         </p:nvSpPr>
         <p:spPr/>
         <p:txBody>
-          <a:bodyPr/>
-          <a:lstStyle/>
-          <a:p>
-            <a:r>
-              <a:rPr lang="en-US" dirty="0" smtClean="0"/>
+          <a:bodyPr>
+            <a:normAutofit lnSpcReduction="10000"/>
+          </a:bodyPr>
+          <a:lstStyle/>
+          <a:p>
+            <a:r>
+              <a:rPr lang="en-US" dirty="0"/>
               <a:t>Functional</a:t>
             </a:r>
           </a:p>
           <a:p>
             <a:r>
-              <a:rPr lang="en-US" dirty="0" smtClean="0"/>
+              <a:rPr lang="en-US" dirty="0"/>
               <a:t>Immutable</a:t>
             </a:r>
           </a:p>
           <a:p>
             <a:r>
-              <a:rPr lang="en-US" dirty="0" smtClean="0"/>
+              <a:rPr lang="en-US" dirty="0"/>
               <a:t>Flexible Type System (Major Benefit)</a:t>
             </a:r>
           </a:p>
           <a:p>
             <a:r>
-              <a:rPr lang="en-US" dirty="0" smtClean="0"/>
+              <a:rPr lang="en-US" dirty="0"/>
               <a:t>Significant Whitespace</a:t>
             </a:r>
           </a:p>
           <a:p>
             <a:pPr lvl="1"/>
             <a:r>
-              <a:rPr lang="en-US" dirty="0" smtClean="0"/>
+              <a:rPr lang="en-US" dirty="0"/>
               <a:t>Implicit Blocks of Code</a:t>
             </a:r>
           </a:p>
           <a:p>
             <a:r>
-              <a:rPr lang="en-US" dirty="0" smtClean="0"/>
+              <a:rPr lang="en-US" dirty="0"/>
               <a:t>NULL is Avoided, but still exists</a:t>
             </a:r>
           </a:p>
           <a:p>
             <a:r>
-              <a:rPr lang="en-US" dirty="0" smtClean="0"/>
+              <a:rPr lang="en-US" dirty="0"/>
               <a:t>Function is First Class</a:t>
             </a:r>
           </a:p>
           <a:p>
             <a:pPr lvl="1"/>
             <a:r>
-              <a:rPr lang="en-US" dirty="0" smtClean="0"/>
+              <a:rPr lang="en-US" dirty="0"/>
               <a:t>Can be treated as an object</a:t>
             </a:r>
-            <a:endParaRPr lang="en-US" dirty="0"/>
           </a:p>
         </p:txBody>
       </p:sp>
@@ -5276,13 +8400,6 @@
   <p:clrMapOvr>
     <a:masterClrMapping/>
   </p:clrMapOvr>
-  <p:timing>
-    <p:tnLst>
-      <p:par>
-        <p:cTn id="1" dur="indefinite" restart="never" nodeType="tmRoot"/>
-      </p:par>
-    </p:tnLst>
-  </p:timing>
 </p:sld>
 </file>
 
@@ -5319,10 +8436,9 @@
           <a:lstStyle/>
           <a:p>
             <a:r>
-              <a:rPr lang="en-US" dirty="0" smtClean="0"/>
+              <a:rPr lang="en-US" dirty="0"/>
               <a:t>That Bug CAN’T Exist Here!</a:t>
             </a:r>
-            <a:endParaRPr lang="en-US" dirty="0"/>
           </a:p>
         </p:txBody>
       </p:sp>
@@ -5339,41 +8455,41 @@
         <p:spPr/>
         <p:txBody>
           <a:bodyPr>
-            <a:normAutofit fontScale="70000" lnSpcReduction="20000"/>
+            <a:normAutofit fontScale="85000" lnSpcReduction="20000"/>
           </a:bodyPr>
           <a:lstStyle/>
           <a:p>
             <a:r>
-              <a:rPr lang="en-US" dirty="0" smtClean="0"/>
+              <a:rPr lang="en-US" dirty="0"/>
               <a:t>Immutability by default</a:t>
             </a:r>
           </a:p>
           <a:p>
             <a:pPr lvl="1"/>
             <a:r>
-              <a:rPr lang="en-US" dirty="0" smtClean="0"/>
+              <a:rPr lang="en-US" dirty="0"/>
               <a:t>Forces us away from </a:t>
             </a:r>
             <a:r>
-              <a:rPr lang="en-US" dirty="0" err="1" smtClean="0"/>
+              <a:rPr lang="en-US" dirty="0" err="1"/>
               <a:t>stateful</a:t>
             </a:r>
             <a:r>
-              <a:rPr lang="en-US" dirty="0" smtClean="0"/>
+              <a:rPr lang="en-US" dirty="0"/>
               <a:t> bugs</a:t>
             </a:r>
           </a:p>
           <a:p>
             <a:pPr lvl="1"/>
             <a:r>
-              <a:rPr lang="en-US" dirty="0" smtClean="0"/>
+              <a:rPr lang="en-US" dirty="0"/>
               <a:t>In order to make something mutable you must be explicit</a:t>
             </a:r>
           </a:p>
           <a:p>
             <a:pPr lvl="2"/>
             <a:r>
-              <a:rPr lang="en-US" dirty="0" smtClean="0"/>
+              <a:rPr lang="en-US" dirty="0"/>
               <a:t>So in theory the developer thought this through… Yeah right! ;-)</a:t>
             </a:r>
           </a:p>
@@ -5387,29 +8503,23 @@
               <a:rPr lang="en-US" dirty="0">
                 <a:hlinkClick r:id="rId2"/>
               </a:rPr>
-              <a:t>http://fsharpforfunandprofit.com/posts/correctness-immutability</a:t>
-            </a:r>
-            <a:r>
-              <a:rPr lang="en-US" dirty="0" smtClean="0">
-                <a:hlinkClick r:id="rId2"/>
-              </a:rPr>
-              <a:t>/</a:t>
-            </a:r>
-            <a:r>
-              <a:rPr lang="en-US" dirty="0" smtClean="0"/>
+              <a:t>http://fsharpforfunandprofit.com/posts/correctness-immutability/</a:t>
+            </a:r>
+            <a:r>
+              <a:rPr lang="en-US" dirty="0"/>
               <a:t> </a:t>
             </a:r>
           </a:p>
           <a:p>
             <a:r>
-              <a:rPr lang="en-US" dirty="0" smtClean="0"/>
+              <a:rPr lang="en-US" dirty="0"/>
               <a:t>Flexible Type System</a:t>
             </a:r>
           </a:p>
           <a:p>
             <a:pPr lvl="1"/>
             <a:r>
-              <a:rPr lang="en-US" dirty="0" smtClean="0"/>
+              <a:rPr lang="en-US" dirty="0"/>
               <a:t>Can force compile time validation.</a:t>
             </a:r>
           </a:p>
@@ -5423,81 +8533,64 @@
               <a:rPr lang="en-US" dirty="0">
                 <a:hlinkClick r:id="rId3"/>
               </a:rPr>
-              <a:t>http://fsharpforfunandprofit.com/posts/designing-for-correctness</a:t>
-            </a:r>
-            <a:r>
-              <a:rPr lang="en-US" dirty="0" smtClean="0">
-                <a:hlinkClick r:id="rId3"/>
-              </a:rPr>
-              <a:t>/</a:t>
-            </a:r>
-            <a:r>
-              <a:rPr lang="en-US" dirty="0" smtClean="0"/>
+              <a:t>http://fsharpforfunandprofit.com/posts/designing-for-correctness/</a:t>
+            </a:r>
+            <a:r>
+              <a:rPr lang="en-US" dirty="0"/>
               <a:t> </a:t>
             </a:r>
           </a:p>
           <a:p>
             <a:pPr lvl="1"/>
             <a:r>
-              <a:rPr lang="en-US" dirty="0" smtClean="0"/>
+              <a:rPr lang="en-US" dirty="0"/>
               <a:t>Example in Demo Code</a:t>
             </a:r>
           </a:p>
           <a:p>
             <a:r>
-              <a:rPr lang="en-US" dirty="0" smtClean="0"/>
+              <a:rPr lang="en-US" dirty="0"/>
               <a:t>NULL avoided</a:t>
             </a:r>
           </a:p>
           <a:p>
             <a:pPr lvl="1"/>
             <a:r>
-              <a:rPr lang="en-US" dirty="0" smtClean="0"/>
+              <a:rPr lang="en-US" dirty="0"/>
               <a:t>Forces developers to think through all code paths</a:t>
             </a:r>
           </a:p>
           <a:p>
             <a:pPr lvl="2"/>
             <a:r>
-              <a:rPr lang="en-US" dirty="0" smtClean="0"/>
+              <a:rPr lang="en-US" dirty="0"/>
               <a:t>Avoids many unnecessary </a:t>
             </a:r>
             <a:r>
-              <a:rPr lang="en-US" dirty="0" err="1" smtClean="0"/>
+              <a:rPr lang="en-US" dirty="0" err="1"/>
               <a:t>NullReferenceExceptions</a:t>
             </a:r>
             <a:r>
-              <a:rPr lang="en-US" dirty="0" smtClean="0"/>
+              <a:rPr lang="en-US" dirty="0"/>
               <a:t>!</a:t>
             </a:r>
           </a:p>
           <a:p>
             <a:pPr lvl="1"/>
             <a:r>
-              <a:rPr lang="en-US" dirty="0" smtClean="0"/>
-              <a:t>Online Sample</a:t>
-            </a:r>
-            <a:r>
-              <a:rPr lang="en-US" dirty="0"/>
-              <a:t>: </a:t>
+              <a:rPr lang="en-US" dirty="0"/>
+              <a:t>Online Sample: </a:t>
             </a:r>
             <a:r>
               <a:rPr lang="en-US" dirty="0">
                 <a:hlinkClick r:id="rId4"/>
               </a:rPr>
-              <a:t>http://fsharpforfunandprofit.com/posts/the-option-type/#</a:t>
-            </a:r>
-            <a:r>
-              <a:rPr lang="en-US" dirty="0" smtClean="0">
-                <a:hlinkClick r:id="rId4"/>
-              </a:rPr>
-              <a:t>option-is-not-null</a:t>
-            </a:r>
-            <a:r>
-              <a:rPr lang="en-US" dirty="0" smtClean="0"/>
+              <a:t>http://fsharpforfunandprofit.com/posts/the-option-type/#option-is-not-null</a:t>
+            </a:r>
+            <a:r>
+              <a:rPr lang="en-US" dirty="0"/>
               <a:t> </a:t>
             </a:r>
-            <a:endParaRPr lang="en-US" dirty="0"/>
           </a:p>
         </p:txBody>
       </p:sp>
@@ -5511,13 +8604,6 @@
   <p:clrMapOvr>
     <a:masterClrMapping/>
   </p:clrMapOvr>
-  <p:timing>
-    <p:tnLst>
-      <p:par>
-        <p:cTn id="1" dur="indefinite" restart="never" nodeType="tmRoot"/>
-      </p:par>
-    </p:tnLst>
-  </p:timing>
 </p:sld>
 </file>
 
@@ -5556,18 +8642,17 @@
           <a:lstStyle/>
           <a:p>
             <a:r>
-              <a:rPr lang="en-US" dirty="0" smtClean="0"/>
+              <a:rPr lang="en-US" dirty="0"/>
               <a:t>Hai! I’m F#! And dis </a:t>
             </a:r>
             <a:r>
-              <a:rPr lang="en-US" dirty="0" err="1" smtClean="0"/>
+              <a:rPr lang="en-US" dirty="0" err="1"/>
               <a:t>mai</a:t>
             </a:r>
             <a:r>
-              <a:rPr lang="en-US" dirty="0" smtClean="0"/>
+              <a:rPr lang="en-US" dirty="0"/>
               <a:t> friend REPL…</a:t>
             </a:r>
-            <a:endParaRPr lang="en-US" dirty="0"/>
           </a:p>
         </p:txBody>
       </p:sp>
@@ -5584,7 +8669,7 @@
         <p:spPr/>
         <p:txBody>
           <a:bodyPr>
-            <a:normAutofit fontScale="85000" lnSpcReduction="20000"/>
+            <a:normAutofit lnSpcReduction="10000"/>
           </a:bodyPr>
           <a:lstStyle/>
           <a:p>
@@ -5609,131 +8694,95 @@
           </a:p>
           <a:p>
             <a:r>
-              <a:rPr lang="en-US" dirty="0" smtClean="0"/>
+              <a:rPr lang="en-US" dirty="0"/>
               <a:t>Language Intro: </a:t>
             </a:r>
           </a:p>
           <a:p>
             <a:pPr lvl="1"/>
             <a:r>
-              <a:rPr lang="en-US" dirty="0" smtClean="0"/>
+              <a:rPr lang="en-US" dirty="0"/>
               <a:t>Start Here: </a:t>
-            </a:r>
-            <a:r>
-              <a:rPr lang="en-US" dirty="0" smtClean="0">
-                <a:hlinkClick r:id="rId2"/>
-              </a:rPr>
-              <a:t>http</a:t>
             </a:r>
             <a:r>
               <a:rPr lang="en-US" dirty="0">
                 <a:hlinkClick r:id="rId2"/>
               </a:rPr>
-              <a:t>://fsharp.org/about/learning.html</a:t>
+              <a:t>http://fsharp.org/about/learning.html</a:t>
             </a:r>
             <a:endParaRPr lang="en-US" dirty="0"/>
           </a:p>
           <a:p>
             <a:pPr lvl="1"/>
             <a:r>
-              <a:rPr lang="en-US" dirty="0" smtClean="0"/>
+              <a:rPr lang="en-US" dirty="0"/>
               <a:t>Syntax Guide: </a:t>
-            </a:r>
-            <a:r>
-              <a:rPr lang="en-US" dirty="0" smtClean="0">
-                <a:hlinkClick r:id="rId3"/>
-              </a:rPr>
-              <a:t>http</a:t>
             </a:r>
             <a:r>
               <a:rPr lang="en-US" dirty="0">
                 <a:hlinkClick r:id="rId3"/>
               </a:rPr>
-              <a:t>://dungpa.github.io/fsharp-cheatsheet/</a:t>
+              <a:t>http://dungpa.github.io/fsharp-cheatsheet/</a:t>
             </a:r>
             <a:endParaRPr lang="en-US" dirty="0"/>
           </a:p>
           <a:p>
             <a:pPr lvl="1"/>
             <a:r>
-              <a:rPr lang="en-US" dirty="0" smtClean="0"/>
+              <a:rPr lang="en-US" dirty="0"/>
               <a:t>Why? Here’s Why!: </a:t>
-            </a:r>
-            <a:r>
-              <a:rPr lang="en-US" dirty="0" smtClean="0">
-                <a:hlinkClick r:id="rId4"/>
-              </a:rPr>
-              <a:t>http</a:t>
             </a:r>
             <a:r>
               <a:rPr lang="en-US" dirty="0">
                 <a:hlinkClick r:id="rId4"/>
               </a:rPr>
-              <a:t>://fsharpforfunandprofit.com/why-use-fsharp/</a:t>
+              <a:t>http://fsharpforfunandprofit.com/why-use-fsharp/</a:t>
             </a:r>
             <a:endParaRPr lang="en-US" dirty="0"/>
           </a:p>
           <a:p>
             <a:pPr lvl="1"/>
             <a:r>
-              <a:rPr lang="en-US" dirty="0" smtClean="0"/>
+              <a:rPr lang="en-US" dirty="0"/>
               <a:t>My personal favorite intro session: </a:t>
-            </a:r>
-            <a:r>
-              <a:rPr lang="en-US" dirty="0" smtClean="0">
-                <a:hlinkClick r:id="rId5"/>
-              </a:rPr>
-              <a:t>https</a:t>
             </a:r>
             <a:r>
               <a:rPr lang="en-US" dirty="0">
                 <a:hlinkClick r:id="rId5"/>
               </a:rPr>
-              <a:t>://skillsmatter.com/skillscasts/4971-domain-driven-design-with-scott-wlaschin</a:t>
+              <a:t>https://skillsmatter.com/skillscasts/4971-domain-driven-design-with-scott-wlaschin</a:t>
             </a:r>
             <a:endParaRPr lang="en-US" dirty="0"/>
           </a:p>
           <a:p>
             <a:pPr lvl="1"/>
             <a:r>
-              <a:rPr lang="en-US" dirty="0" err="1" smtClean="0"/>
+              <a:rPr lang="en-US" dirty="0" err="1"/>
               <a:t>FSharpForFunAndProfit</a:t>
             </a:r>
             <a:r>
-              <a:rPr lang="en-US" dirty="0" smtClean="0"/>
+              <a:rPr lang="en-US" dirty="0"/>
               <a:t>: </a:t>
-            </a:r>
-            <a:r>
-              <a:rPr lang="en-US" dirty="0" smtClean="0">
-                <a:hlinkClick r:id="rId6"/>
-              </a:rPr>
-              <a:t>http</a:t>
             </a:r>
             <a:r>
               <a:rPr lang="en-US" dirty="0">
                 <a:hlinkClick r:id="rId6"/>
               </a:rPr>
-              <a:t>://fsharpforfunandprofit.com/site-contents/</a:t>
+              <a:t>http://fsharpforfunandprofit.com/site-contents/</a:t>
             </a:r>
             <a:endParaRPr lang="en-US" dirty="0"/>
           </a:p>
           <a:p>
             <a:pPr lvl="1"/>
             <a:r>
-              <a:rPr lang="en-US" dirty="0" smtClean="0"/>
+              <a:rPr lang="en-US" dirty="0"/>
               <a:t>More Why!: </a:t>
-            </a:r>
-            <a:r>
-              <a:rPr lang="en-US" dirty="0" smtClean="0">
-                <a:hlinkClick r:id="rId7"/>
-              </a:rPr>
-              <a:t>http</a:t>
             </a:r>
             <a:r>
               <a:rPr lang="en-US" dirty="0">
                 <a:hlinkClick r:id="rId7"/>
               </a:rPr>
-              <a:t>://fsharpforfunandprofit.com/series/why-use-fsharp.html</a:t>
+              <a:t>http://fsharpforfunandprofit.com/series/why-use-fsharp.html</a:t>
             </a:r>
             <a:endParaRPr lang="en-US" dirty="0"/>
           </a:p>
@@ -5753,13 +8802,6 @@
   <p:clrMapOvr>
     <a:masterClrMapping/>
   </p:clrMapOvr>
-  <p:timing>
-    <p:tnLst>
-      <p:par>
-        <p:cTn id="1" dur="indefinite" restart="never" nodeType="tmRoot"/>
-      </p:par>
-    </p:tnLst>
-  </p:timing>
 </p:sld>
 </file>
 
@@ -5796,10 +8838,9 @@
           <a:lstStyle/>
           <a:p>
             <a:r>
-              <a:rPr lang="en-US" dirty="0" smtClean="0"/>
+              <a:rPr lang="en-US" dirty="0"/>
               <a:t>How to Get it Installed?</a:t>
             </a:r>
-            <a:endParaRPr lang="en-US" dirty="0"/>
           </a:p>
         </p:txBody>
       </p:sp>
@@ -5816,19 +8857,19 @@
         <p:spPr/>
         <p:txBody>
           <a:bodyPr>
-            <a:normAutofit fontScale="85000" lnSpcReduction="20000"/>
+            <a:normAutofit fontScale="92500" lnSpcReduction="10000"/>
           </a:bodyPr>
           <a:lstStyle/>
           <a:p>
             <a:r>
-              <a:rPr lang="en-US" dirty="0" smtClean="0"/>
+              <a:rPr lang="en-US" dirty="0"/>
               <a:t>Can Develop using VS2015 Community Edition or higher</a:t>
             </a:r>
           </a:p>
           <a:p>
             <a:pPr lvl="1"/>
             <a:r>
-              <a:rPr lang="en-US" dirty="0" smtClean="0"/>
+              <a:rPr lang="en-US" dirty="0"/>
               <a:t>Must install F# 3.1.2 standalone package</a:t>
             </a:r>
           </a:p>
@@ -5838,77 +8879,63 @@
               <a:rPr lang="en-US" dirty="0">
                 <a:hlinkClick r:id="rId2"/>
               </a:rPr>
-              <a:t>http://</a:t>
-            </a:r>
-            <a:r>
-              <a:rPr lang="en-US" dirty="0" smtClean="0">
-                <a:hlinkClick r:id="rId2"/>
-              </a:rPr>
-              <a:t>www.microsoft.com/en-us/download/details.aspx?id=44011</a:t>
-            </a:r>
-            <a:endParaRPr lang="en-US" dirty="0" smtClean="0"/>
+              <a:t>http://www.microsoft.com/en-us/download/details.aspx?id=44011</a:t>
+            </a:r>
+            <a:endParaRPr lang="en-US" dirty="0"/>
           </a:p>
           <a:p>
             <a:pPr lvl="1"/>
             <a:r>
-              <a:rPr lang="en-US" dirty="0" smtClean="0"/>
-              <a:t>VS2015 Update 2+ now </a:t>
-            </a:r>
-            <a:r>
-              <a:rPr lang="en-US" dirty="0"/>
-              <a:t>f</a:t>
-            </a:r>
-            <a:r>
-              <a:rPr lang="en-US" dirty="0" smtClean="0"/>
-              <a:t>ully supports F# PCL creation </a:t>
-            </a:r>
-          </a:p>
-          <a:p>
-            <a:r>
-              <a:rPr lang="en-US" strike="sngStrike" dirty="0" smtClean="0"/>
+              <a:rPr lang="en-US" dirty="0"/>
+              <a:t>VS2015 Update 2+ now fully supports F# PCL creation </a:t>
+            </a:r>
+          </a:p>
+          <a:p>
+            <a:r>
+              <a:rPr lang="en-US" strike="sngStrike" dirty="0"/>
               <a:t>The Catch!</a:t>
             </a:r>
           </a:p>
           <a:p>
             <a:pPr lvl="1"/>
             <a:r>
-              <a:rPr lang="en-US" strike="sngStrike" dirty="0" smtClean="0"/>
+              <a:rPr lang="en-US" strike="sngStrike" dirty="0"/>
               <a:t>IF you want to create C# Android or iOS </a:t>
             </a:r>
             <a:r>
-              <a:rPr lang="en-US" strike="sngStrike" dirty="0" err="1" smtClean="0"/>
+              <a:rPr lang="en-US" strike="sngStrike" dirty="0" err="1"/>
               <a:t>Xamarin</a:t>
             </a:r>
             <a:r>
-              <a:rPr lang="en-US" strike="sngStrike" dirty="0" smtClean="0"/>
+              <a:rPr lang="en-US" strike="sngStrike" dirty="0"/>
               <a:t> Project and use an F# Library</a:t>
             </a:r>
           </a:p>
           <a:p>
             <a:pPr lvl="1"/>
             <a:r>
-              <a:rPr lang="en-US" strike="sngStrike" dirty="0" smtClean="0"/>
+              <a:rPr lang="en-US" strike="sngStrike" dirty="0"/>
               <a:t>THEN you must install VS2013 Community Edition or higher</a:t>
             </a:r>
           </a:p>
           <a:p>
             <a:pPr lvl="2"/>
             <a:r>
-              <a:rPr lang="en-US" strike="sngStrike" dirty="0" smtClean="0"/>
+              <a:rPr lang="en-US" strike="sngStrike" dirty="0"/>
               <a:t>This installs F# 3.1 for you. Just apply the F# update ready to go when after installing.</a:t>
             </a:r>
           </a:p>
           <a:p>
             <a:pPr lvl="1"/>
             <a:r>
-              <a:rPr lang="en-US" strike="sngStrike" dirty="0" smtClean="0"/>
+              <a:rPr lang="en-US" strike="sngStrike" dirty="0"/>
               <a:t>The F# Library must be created using the Visual F# Portable Library (Legacy) template in VS2013</a:t>
             </a:r>
           </a:p>
           <a:p>
             <a:pPr lvl="2"/>
             <a:r>
-              <a:rPr lang="en-US" strike="sngStrike" dirty="0" smtClean="0"/>
+              <a:rPr lang="en-US" strike="sngStrike" dirty="0"/>
               <a:t>Copy this library to any solution and you’re good to go! You can use VS2015 or VS2013 to edit the library after it has been created.</a:t>
             </a:r>
           </a:p>
@@ -5928,13 +8955,6 @@
   <p:clrMapOvr>
     <a:masterClrMapping/>
   </p:clrMapOvr>
-  <p:timing>
-    <p:tnLst>
-      <p:par>
-        <p:cTn id="1" dur="indefinite" restart="never" nodeType="tmRoot"/>
-      </p:par>
-    </p:tnLst>
-  </p:timing>
 </p:sld>
 </file>
 
@@ -5971,10 +8991,9 @@
           <a:lstStyle/>
           <a:p>
             <a:r>
-              <a:rPr lang="en-US" dirty="0" smtClean="0"/>
+              <a:rPr lang="en-US" dirty="0"/>
               <a:t>Create Android App with C# UI</a:t>
             </a:r>
-            <a:endParaRPr lang="en-US" dirty="0"/>
           </a:p>
         </p:txBody>
       </p:sp>
@@ -6016,9 +9035,9 @@
 </file>
 
 <file path=ppt/theme/theme1.xml><?xml version="1.0" encoding="utf-8"?>
-<a:theme xmlns:a="http://schemas.openxmlformats.org/drawingml/2006/main" name="IK Master">
+<a:theme xmlns:a="http://schemas.openxmlformats.org/drawingml/2006/main" name="Facet">
   <a:themeElements>
-    <a:clrScheme name="Office">
+    <a:clrScheme name="Facet">
       <a:dk1>
         <a:sysClr val="windowText" lastClr="000000"/>
       </a:dk1>
@@ -6026,52 +9045,52 @@
         <a:sysClr val="window" lastClr="FFFFFF"/>
       </a:lt1>
       <a:dk2>
-        <a:srgbClr val="1F497D"/>
+        <a:srgbClr val="2C3C43"/>
       </a:dk2>
       <a:lt2>
-        <a:srgbClr val="EEECE1"/>
+        <a:srgbClr val="EBEBEB"/>
       </a:lt2>
       <a:accent1>
-        <a:srgbClr val="4F81BD"/>
+        <a:srgbClr val="90C226"/>
       </a:accent1>
       <a:accent2>
-        <a:srgbClr val="C0504D"/>
+        <a:srgbClr val="54A021"/>
       </a:accent2>
       <a:accent3>
-        <a:srgbClr val="9BBB59"/>
+        <a:srgbClr val="E6B91E"/>
       </a:accent3>
       <a:accent4>
-        <a:srgbClr val="8064A2"/>
+        <a:srgbClr val="E76618"/>
       </a:accent4>
       <a:accent5>
-        <a:srgbClr val="4BACC6"/>
+        <a:srgbClr val="C42F1A"/>
       </a:accent5>
       <a:accent6>
-        <a:srgbClr val="F79646"/>
+        <a:srgbClr val="918655"/>
       </a:accent6>
       <a:hlink>
-        <a:srgbClr val="0000FF"/>
+        <a:srgbClr val="99CA3C"/>
       </a:hlink>
       <a:folHlink>
-        <a:srgbClr val="800080"/>
+        <a:srgbClr val="B9D181"/>
       </a:folHlink>
     </a:clrScheme>
-    <a:fontScheme name="Office">
+    <a:fontScheme name="Facet">
       <a:majorFont>
-        <a:latin typeface="Calibri"/>
+        <a:latin typeface="Trebuchet MS" panose="020B0603020202020204"/>
         <a:ea typeface=""/>
         <a:cs typeface=""/>
-        <a:font script="Jpan" typeface="ＭＳ Ｐゴシック"/>
+        <a:font script="Jpan" typeface="メイリオ"/>
         <a:font script="Hang" typeface="맑은 고딕"/>
-        <a:font script="Hans" typeface="宋体"/>
-        <a:font script="Hant" typeface="新細明體"/>
-        <a:font script="Arab" typeface="Times New Roman"/>
-        <a:font script="Hebr" typeface="Times New Roman"/>
-        <a:font script="Thai" typeface="Angsana New"/>
+        <a:font script="Hans" typeface="方正姚体"/>
+        <a:font script="Hant" typeface="微軟正黑體"/>
+        <a:font script="Arab" typeface="Tahoma"/>
+        <a:font script="Hebr" typeface="Arial"/>
+        <a:font script="Thai" typeface="Cordia New"/>
         <a:font script="Ethi" typeface="Nyala"/>
         <a:font script="Beng" typeface="Vrinda"/>
         <a:font script="Gujr" typeface="Shruti"/>
-        <a:font script="Khmr" typeface="MoolBoran"/>
+        <a:font script="Khmr" typeface="DaunPenh"/>
         <a:font script="Knda" typeface="Tunga"/>
         <a:font script="Guru" typeface="Raavi"/>
         <a:font script="Cans" typeface="Euphemia"/>
@@ -6088,21 +9107,21 @@
         <a:font script="Laoo" typeface="DokChampa"/>
         <a:font script="Sinh" typeface="Iskoola Pota"/>
         <a:font script="Mong" typeface="Mongolian Baiti"/>
-        <a:font script="Viet" typeface="Times New Roman"/>
+        <a:font script="Viet" typeface="Tahoma"/>
         <a:font script="Uigh" typeface="Microsoft Uighur"/>
         <a:font script="Geor" typeface="Sylfaen"/>
       </a:majorFont>
       <a:minorFont>
-        <a:latin typeface="Calibri"/>
+        <a:latin typeface="Trebuchet MS" panose="020B0603020202020204"/>
         <a:ea typeface=""/>
         <a:cs typeface=""/>
-        <a:font script="Jpan" typeface="ＭＳ Ｐゴシック"/>
-        <a:font script="Hang" typeface="맑은 고딕"/>
-        <a:font script="Hans" typeface="宋体"/>
-        <a:font script="Hant" typeface="新細明體"/>
-        <a:font script="Arab" typeface="Arial"/>
-        <a:font script="Hebr" typeface="Arial"/>
-        <a:font script="Thai" typeface="Cordia New"/>
+        <a:font script="Jpan" typeface="メイリオ"/>
+        <a:font script="Hang" typeface="HY그래픽M"/>
+        <a:font script="Hans" typeface="华文新魏"/>
+        <a:font script="Hant" typeface="微軟正黑體"/>
+        <a:font script="Arab" typeface="Tahoma"/>
+        <a:font script="Hebr" typeface="Gisha"/>
+        <a:font script="Thai" typeface="IrisUPC"/>
         <a:font script="Ethi" typeface="Nyala"/>
         <a:font script="Beng" typeface="Vrinda"/>
         <a:font script="Gujr" typeface="Shruti"/>
@@ -6128,7 +9147,7 @@
         <a:font script="Geor" typeface="Sylfaen"/>
       </a:minorFont>
     </a:fontScheme>
-    <a:fmtScheme name="Office">
+    <a:fmtScheme name="Facet">
       <a:fillStyleLst>
         <a:solidFill>
           <a:schemeClr val="phClr"/>
@@ -6137,66 +9156,50 @@
           <a:gsLst>
             <a:gs pos="0">
               <a:schemeClr val="phClr">
-                <a:tint val="50000"/>
-                <a:satMod val="300000"/>
+                <a:tint val="65000"/>
+                <a:lumMod val="110000"/>
               </a:schemeClr>
             </a:gs>
-            <a:gs pos="35000">
+            <a:gs pos="88000">
               <a:schemeClr val="phClr">
-                <a:tint val="37000"/>
-                <a:satMod val="300000"/>
-              </a:schemeClr>
-            </a:gs>
-            <a:gs pos="100000">
-              <a:schemeClr val="phClr">
-                <a:tint val="15000"/>
-                <a:satMod val="350000"/>
+                <a:tint val="90000"/>
               </a:schemeClr>
             </a:gs>
           </a:gsLst>
-          <a:lin ang="16200000" scaled="1"/>
+          <a:lin ang="5400000" scaled="0"/>
         </a:gradFill>
         <a:gradFill rotWithShape="1">
           <a:gsLst>
             <a:gs pos="0">
               <a:schemeClr val="phClr">
-                <a:shade val="51000"/>
-                <a:satMod val="130000"/>
+                <a:tint val="96000"/>
+                <a:lumMod val="100000"/>
               </a:schemeClr>
             </a:gs>
-            <a:gs pos="80000">
-              <a:schemeClr val="phClr">
-                <a:shade val="93000"/>
-                <a:satMod val="130000"/>
-              </a:schemeClr>
-            </a:gs>
-            <a:gs pos="100000">
+            <a:gs pos="78000">
               <a:schemeClr val="phClr">
                 <a:shade val="94000"/>
-                <a:satMod val="135000"/>
+                <a:lumMod val="94000"/>
               </a:schemeClr>
             </a:gs>
           </a:gsLst>
-          <a:lin ang="16200000" scaled="0"/>
+          <a:lin ang="5400000" scaled="0"/>
         </a:gradFill>
       </a:fillStyleLst>
       <a:lnStyleLst>
-        <a:ln w="9525" cap="flat" cmpd="sng" algn="ctr">
-          <a:solidFill>
-            <a:schemeClr val="phClr">
-              <a:shade val="95000"/>
-              <a:satMod val="105000"/>
-            </a:schemeClr>
-          </a:solidFill>
-          <a:prstDash val="solid"/>
-        </a:ln>
-        <a:ln w="25400" cap="flat" cmpd="sng" algn="ctr">
+        <a:ln w="12700" cap="rnd" cmpd="sng" algn="ctr">
           <a:solidFill>
             <a:schemeClr val="phClr"/>
           </a:solidFill>
           <a:prstDash val="solid"/>
         </a:ln>
-        <a:ln w="38100" cap="flat" cmpd="sng" algn="ctr">
+        <a:ln w="19050" cap="rnd" cmpd="sng" algn="ctr">
+          <a:solidFill>
+            <a:schemeClr val="phClr"/>
+          </a:solidFill>
+          <a:prstDash val="solid"/>
+        </a:ln>
+        <a:ln w="25400" cap="rnd" cmpd="sng" algn="ctr">
           <a:solidFill>
             <a:schemeClr val="phClr"/>
           </a:solidFill>
@@ -6205,17 +9208,11 @@
       </a:lnStyleLst>
       <a:effectStyleLst>
         <a:effectStyle>
-          <a:effectLst>
-            <a:outerShdw blurRad="40000" dist="20000" dir="5400000" rotWithShape="0">
-              <a:srgbClr val="000000">
-                <a:alpha val="38000"/>
-              </a:srgbClr>
-            </a:outerShdw>
-          </a:effectLst>
+          <a:effectLst/>
         </a:effectStyle>
         <a:effectStyle>
           <a:effectLst>
-            <a:outerShdw blurRad="40000" dist="23000" dir="5400000" rotWithShape="0">
+            <a:outerShdw blurRad="38100" dist="25400" dir="5400000" rotWithShape="0">
               <a:srgbClr val="000000">
                 <a:alpha val="35000"/>
               </a:srgbClr>
@@ -6224,7 +9221,7 @@
         </a:effectStyle>
         <a:effectStyle>
           <a:effectLst>
-            <a:outerShdw blurRad="40000" dist="23000" dir="5400000" rotWithShape="0">
+            <a:outerShdw blurRad="50800" dist="38100" dir="5400000" rotWithShape="0">
               <a:srgbClr val="000000">
                 <a:alpha val="35000"/>
               </a:srgbClr>
@@ -6234,12 +9231,10 @@
             <a:camera prst="orthographicFront">
               <a:rot lat="0" lon="0" rev="0"/>
             </a:camera>
-            <a:lightRig rig="threePt" dir="t">
-              <a:rot lat="0" lon="0" rev="1200000"/>
-            </a:lightRig>
+            <a:lightRig rig="threePt" dir="tl"/>
           </a:scene3d>
-          <a:sp3d>
-            <a:bevelT w="63500" h="25400"/>
+          <a:sp3d prstMaterial="plastic">
+            <a:bevelT w="0" h="0"/>
           </a:sp3d>
         </a:effectStyle>
       </a:effectStyleLst>
@@ -6251,45 +9246,36 @@
           <a:gsLst>
             <a:gs pos="0">
               <a:schemeClr val="phClr">
-                <a:tint val="40000"/>
-                <a:satMod val="350000"/>
+                <a:tint val="90000"/>
+                <a:lumMod val="104000"/>
               </a:schemeClr>
             </a:gs>
-            <a:gs pos="40000">
+            <a:gs pos="94000">
               <a:schemeClr val="phClr">
-                <a:tint val="45000"/>
-                <a:shade val="99000"/>
-                <a:satMod val="350000"/>
-              </a:schemeClr>
-            </a:gs>
-            <a:gs pos="100000">
-              <a:schemeClr val="phClr">
-                <a:shade val="20000"/>
-                <a:satMod val="255000"/>
+                <a:shade val="96000"/>
+                <a:lumMod val="82000"/>
               </a:schemeClr>
             </a:gs>
           </a:gsLst>
-          <a:path path="circle">
-            <a:fillToRect l="50000" t="-80000" r="50000" b="180000"/>
-          </a:path>
+          <a:lin ang="5400000" scaled="0"/>
         </a:gradFill>
         <a:gradFill rotWithShape="1">
           <a:gsLst>
             <a:gs pos="0">
               <a:schemeClr val="phClr">
-                <a:tint val="80000"/>
-                <a:satMod val="300000"/>
+                <a:tint val="90000"/>
+                <a:lumMod val="110000"/>
               </a:schemeClr>
             </a:gs>
             <a:gs pos="100000">
               <a:schemeClr val="phClr">
-                <a:shade val="30000"/>
-                <a:satMod val="200000"/>
+                <a:shade val="94000"/>
+                <a:lumMod val="96000"/>
               </a:schemeClr>
             </a:gs>
           </a:gsLst>
           <a:path path="circle">
-            <a:fillToRect l="50000" t="50000" r="50000" b="50000"/>
+            <a:fillToRect l="50000" t="50000" r="100000" b="100000"/>
           </a:path>
         </a:gradFill>
       </a:bgFillStyleLst>
@@ -6297,5 +9283,10 @@
   </a:themeElements>
   <a:objectDefaults/>
   <a:extraClrSchemeLst/>
+  <a:extLst>
+    <a:ext uri="{05A4C25C-085E-4340-85A3-A5531E510DB2}">
+      <thm15:themeFamily xmlns:thm15="http://schemas.microsoft.com/office/thememl/2012/main" name="Facet" id="{C0C680CD-088A-49FC-A102-D699147F32B2}" vid="{CFBC31BA-B70F-4F30-BCAA-4F3011E16C4D}"/>
+    </a:ext>
+  </a:extLst>
 </a:theme>
 </file>